--- a/01.doc/Spring_Command&Error_4조.pptx
+++ b/01.doc/Spring_Command&Error_4조.pptx
@@ -151,7 +151,7 @@
   </p:defaultTextStyle>
   <p:extLst>
     <p:ext uri="{EFAFB233-063F-42B5-8137-9DF3F51BA10A}">
-      <p15:sldGuideLst xmlns:p15="http://schemas.microsoft.com/office/powerpoint/2012/main" xmlns=""/>
+      <p15:sldGuideLst xmlns="" xmlns:p15="http://schemas.microsoft.com/office/powerpoint/2012/main"/>
     </p:ext>
   </p:extLst>
 </p:presentation>
@@ -505,7 +505,7 @@
           <p:cNvPr id="2" name="제목 1">
             <a:extLst>
               <a:ext uri="{FF2B5EF4-FFF2-40B4-BE49-F238E27FC236}">
-                <a16:creationId xmlns:a16="http://schemas.microsoft.com/office/drawing/2014/main" xmlns="" id="{F0215948-5B1A-E54E-93AD-8B579A758275}"/>
+                <a16:creationId xmlns="" xmlns:a16="http://schemas.microsoft.com/office/drawing/2014/main" id="{F0215948-5B1A-E54E-93AD-8B579A758275}"/>
               </a:ext>
             </a:extLst>
           </p:cNvPr>
@@ -542,7 +542,7 @@
           <p:cNvPr id="3" name="부제목 2">
             <a:extLst>
               <a:ext uri="{FF2B5EF4-FFF2-40B4-BE49-F238E27FC236}">
-                <a16:creationId xmlns:a16="http://schemas.microsoft.com/office/drawing/2014/main" xmlns="" id="{588E59E6-D1AC-D84D-B0EB-CCA091FBF5B9}"/>
+                <a16:creationId xmlns="" xmlns:a16="http://schemas.microsoft.com/office/drawing/2014/main" id="{588E59E6-D1AC-D84D-B0EB-CCA091FBF5B9}"/>
               </a:ext>
             </a:extLst>
           </p:cNvPr>
@@ -612,7 +612,7 @@
           <p:cNvPr id="4" name="날짜 개체 틀 3">
             <a:extLst>
               <a:ext uri="{FF2B5EF4-FFF2-40B4-BE49-F238E27FC236}">
-                <a16:creationId xmlns:a16="http://schemas.microsoft.com/office/drawing/2014/main" xmlns="" id="{D0FE2932-8A68-1E4D-9017-7FC216DBA319}"/>
+                <a16:creationId xmlns="" xmlns:a16="http://schemas.microsoft.com/office/drawing/2014/main" id="{D0FE2932-8A68-1E4D-9017-7FC216DBA319}"/>
               </a:ext>
             </a:extLst>
           </p:cNvPr>
@@ -642,7 +642,7 @@
           <p:cNvPr id="5" name="바닥글 개체 틀 4">
             <a:extLst>
               <a:ext uri="{FF2B5EF4-FFF2-40B4-BE49-F238E27FC236}">
-                <a16:creationId xmlns:a16="http://schemas.microsoft.com/office/drawing/2014/main" xmlns="" id="{3C412354-D2D2-5B45-8D74-78B85A897400}"/>
+                <a16:creationId xmlns="" xmlns:a16="http://schemas.microsoft.com/office/drawing/2014/main" id="{3C412354-D2D2-5B45-8D74-78B85A897400}"/>
               </a:ext>
             </a:extLst>
           </p:cNvPr>
@@ -667,7 +667,7 @@
           <p:cNvPr id="6" name="슬라이드 번호 개체 틀 5">
             <a:extLst>
               <a:ext uri="{FF2B5EF4-FFF2-40B4-BE49-F238E27FC236}">
-                <a16:creationId xmlns:a16="http://schemas.microsoft.com/office/drawing/2014/main" xmlns="" id="{DD4B9E51-C76B-8248-A3F3-BE36807ACF51}"/>
+                <a16:creationId xmlns="" xmlns:a16="http://schemas.microsoft.com/office/drawing/2014/main" id="{DD4B9E51-C76B-8248-A3F3-BE36807ACF51}"/>
               </a:ext>
             </a:extLst>
           </p:cNvPr>
@@ -727,7 +727,7 @@
           <p:cNvPr id="2" name="제목 1">
             <a:extLst>
               <a:ext uri="{FF2B5EF4-FFF2-40B4-BE49-F238E27FC236}">
-                <a16:creationId xmlns:a16="http://schemas.microsoft.com/office/drawing/2014/main" xmlns="" id="{2A5E2B98-A3FC-FA4D-A2BD-D8450F5D8D26}"/>
+                <a16:creationId xmlns="" xmlns:a16="http://schemas.microsoft.com/office/drawing/2014/main" id="{2A5E2B98-A3FC-FA4D-A2BD-D8450F5D8D26}"/>
               </a:ext>
             </a:extLst>
           </p:cNvPr>
@@ -755,7 +755,7 @@
           <p:cNvPr id="3" name="세로 텍스트 개체 틀 2">
             <a:extLst>
               <a:ext uri="{FF2B5EF4-FFF2-40B4-BE49-F238E27FC236}">
-                <a16:creationId xmlns:a16="http://schemas.microsoft.com/office/drawing/2014/main" xmlns="" id="{6A079FFF-2472-FA47-B6AC-F80C7746F99D}"/>
+                <a16:creationId xmlns="" xmlns:a16="http://schemas.microsoft.com/office/drawing/2014/main" id="{6A079FFF-2472-FA47-B6AC-F80C7746F99D}"/>
               </a:ext>
             </a:extLst>
           </p:cNvPr>
@@ -787,7 +787,7 @@
           <p:cNvPr id="4" name="날짜 개체 틀 3">
             <a:extLst>
               <a:ext uri="{FF2B5EF4-FFF2-40B4-BE49-F238E27FC236}">
-                <a16:creationId xmlns:a16="http://schemas.microsoft.com/office/drawing/2014/main" xmlns="" id="{98C0AE3F-9567-F945-9095-A599EAF6BEE3}"/>
+                <a16:creationId xmlns="" xmlns:a16="http://schemas.microsoft.com/office/drawing/2014/main" id="{98C0AE3F-9567-F945-9095-A599EAF6BEE3}"/>
               </a:ext>
             </a:extLst>
           </p:cNvPr>
@@ -817,7 +817,7 @@
           <p:cNvPr id="5" name="바닥글 개체 틀 4">
             <a:extLst>
               <a:ext uri="{FF2B5EF4-FFF2-40B4-BE49-F238E27FC236}">
-                <a16:creationId xmlns:a16="http://schemas.microsoft.com/office/drawing/2014/main" xmlns="" id="{985BE14D-E304-4540-B91A-45368E6891AC}"/>
+                <a16:creationId xmlns="" xmlns:a16="http://schemas.microsoft.com/office/drawing/2014/main" id="{985BE14D-E304-4540-B91A-45368E6891AC}"/>
               </a:ext>
             </a:extLst>
           </p:cNvPr>
@@ -842,7 +842,7 @@
           <p:cNvPr id="6" name="슬라이드 번호 개체 틀 5">
             <a:extLst>
               <a:ext uri="{FF2B5EF4-FFF2-40B4-BE49-F238E27FC236}">
-                <a16:creationId xmlns:a16="http://schemas.microsoft.com/office/drawing/2014/main" xmlns="" id="{2695B521-7F98-BF41-B606-35A7CC96F9D7}"/>
+                <a16:creationId xmlns="" xmlns:a16="http://schemas.microsoft.com/office/drawing/2014/main" id="{2695B521-7F98-BF41-B606-35A7CC96F9D7}"/>
               </a:ext>
             </a:extLst>
           </p:cNvPr>
@@ -902,7 +902,7 @@
           <p:cNvPr id="2" name="세로 제목 1">
             <a:extLst>
               <a:ext uri="{FF2B5EF4-FFF2-40B4-BE49-F238E27FC236}">
-                <a16:creationId xmlns:a16="http://schemas.microsoft.com/office/drawing/2014/main" xmlns="" id="{CC9F30B6-7E51-E849-9012-A2137E7DDD2A}"/>
+                <a16:creationId xmlns="" xmlns:a16="http://schemas.microsoft.com/office/drawing/2014/main" id="{CC9F30B6-7E51-E849-9012-A2137E7DDD2A}"/>
               </a:ext>
             </a:extLst>
           </p:cNvPr>
@@ -935,7 +935,7 @@
           <p:cNvPr id="3" name="세로 텍스트 개체 틀 2">
             <a:extLst>
               <a:ext uri="{FF2B5EF4-FFF2-40B4-BE49-F238E27FC236}">
-                <a16:creationId xmlns:a16="http://schemas.microsoft.com/office/drawing/2014/main" xmlns="" id="{7B69FA03-416D-8C4A-AE97-8A6CECC42143}"/>
+                <a16:creationId xmlns="" xmlns:a16="http://schemas.microsoft.com/office/drawing/2014/main" id="{7B69FA03-416D-8C4A-AE97-8A6CECC42143}"/>
               </a:ext>
             </a:extLst>
           </p:cNvPr>
@@ -972,7 +972,7 @@
           <p:cNvPr id="4" name="날짜 개체 틀 3">
             <a:extLst>
               <a:ext uri="{FF2B5EF4-FFF2-40B4-BE49-F238E27FC236}">
-                <a16:creationId xmlns:a16="http://schemas.microsoft.com/office/drawing/2014/main" xmlns="" id="{D4C60FB7-084B-C546-AA5A-31F216EEEECF}"/>
+                <a16:creationId xmlns="" xmlns:a16="http://schemas.microsoft.com/office/drawing/2014/main" id="{D4C60FB7-084B-C546-AA5A-31F216EEEECF}"/>
               </a:ext>
             </a:extLst>
           </p:cNvPr>
@@ -1002,7 +1002,7 @@
           <p:cNvPr id="5" name="바닥글 개체 틀 4">
             <a:extLst>
               <a:ext uri="{FF2B5EF4-FFF2-40B4-BE49-F238E27FC236}">
-                <a16:creationId xmlns:a16="http://schemas.microsoft.com/office/drawing/2014/main" xmlns="" id="{78E3B417-D516-7441-91B1-954736D5687B}"/>
+                <a16:creationId xmlns="" xmlns:a16="http://schemas.microsoft.com/office/drawing/2014/main" id="{78E3B417-D516-7441-91B1-954736D5687B}"/>
               </a:ext>
             </a:extLst>
           </p:cNvPr>
@@ -1027,7 +1027,7 @@
           <p:cNvPr id="6" name="슬라이드 번호 개체 틀 5">
             <a:extLst>
               <a:ext uri="{FF2B5EF4-FFF2-40B4-BE49-F238E27FC236}">
-                <a16:creationId xmlns:a16="http://schemas.microsoft.com/office/drawing/2014/main" xmlns="" id="{58F0D530-E2C2-254A-9891-CE4FEBFB8F75}"/>
+                <a16:creationId xmlns="" xmlns:a16="http://schemas.microsoft.com/office/drawing/2014/main" id="{58F0D530-E2C2-254A-9891-CE4FEBFB8F75}"/>
               </a:ext>
             </a:extLst>
           </p:cNvPr>
@@ -1087,7 +1087,7 @@
           <p:cNvPr id="2" name="제목 1">
             <a:extLst>
               <a:ext uri="{FF2B5EF4-FFF2-40B4-BE49-F238E27FC236}">
-                <a16:creationId xmlns:a16="http://schemas.microsoft.com/office/drawing/2014/main" xmlns="" id="{25908939-8DB2-E548-ACE8-A5E3DB62C879}"/>
+                <a16:creationId xmlns="" xmlns:a16="http://schemas.microsoft.com/office/drawing/2014/main" id="{25908939-8DB2-E548-ACE8-A5E3DB62C879}"/>
               </a:ext>
             </a:extLst>
           </p:cNvPr>
@@ -1115,7 +1115,7 @@
           <p:cNvPr id="3" name="내용 개체 틀 2">
             <a:extLst>
               <a:ext uri="{FF2B5EF4-FFF2-40B4-BE49-F238E27FC236}">
-                <a16:creationId xmlns:a16="http://schemas.microsoft.com/office/drawing/2014/main" xmlns="" id="{3E0E5E13-51CA-F449-A7FF-A628F1A4CA5F}"/>
+                <a16:creationId xmlns="" xmlns:a16="http://schemas.microsoft.com/office/drawing/2014/main" id="{3E0E5E13-51CA-F449-A7FF-A628F1A4CA5F}"/>
               </a:ext>
             </a:extLst>
           </p:cNvPr>
@@ -1147,7 +1147,7 @@
           <p:cNvPr id="4" name="날짜 개체 틀 3">
             <a:extLst>
               <a:ext uri="{FF2B5EF4-FFF2-40B4-BE49-F238E27FC236}">
-                <a16:creationId xmlns:a16="http://schemas.microsoft.com/office/drawing/2014/main" xmlns="" id="{A133EAE4-BEA2-1548-A59F-046FF0521C68}"/>
+                <a16:creationId xmlns="" xmlns:a16="http://schemas.microsoft.com/office/drawing/2014/main" id="{A133EAE4-BEA2-1548-A59F-046FF0521C68}"/>
               </a:ext>
             </a:extLst>
           </p:cNvPr>
@@ -1177,7 +1177,7 @@
           <p:cNvPr id="5" name="바닥글 개체 틀 4">
             <a:extLst>
               <a:ext uri="{FF2B5EF4-FFF2-40B4-BE49-F238E27FC236}">
-                <a16:creationId xmlns:a16="http://schemas.microsoft.com/office/drawing/2014/main" xmlns="" id="{1C4AB806-1717-6841-A40B-D91B892BC0AC}"/>
+                <a16:creationId xmlns="" xmlns:a16="http://schemas.microsoft.com/office/drawing/2014/main" id="{1C4AB806-1717-6841-A40B-D91B892BC0AC}"/>
               </a:ext>
             </a:extLst>
           </p:cNvPr>
@@ -1202,7 +1202,7 @@
           <p:cNvPr id="6" name="슬라이드 번호 개체 틀 5">
             <a:extLst>
               <a:ext uri="{FF2B5EF4-FFF2-40B4-BE49-F238E27FC236}">
-                <a16:creationId xmlns:a16="http://schemas.microsoft.com/office/drawing/2014/main" xmlns="" id="{C498F8E6-61EE-9A40-A82C-56B21C4FBA2E}"/>
+                <a16:creationId xmlns="" xmlns:a16="http://schemas.microsoft.com/office/drawing/2014/main" id="{C498F8E6-61EE-9A40-A82C-56B21C4FBA2E}"/>
               </a:ext>
             </a:extLst>
           </p:cNvPr>
@@ -1262,7 +1262,7 @@
           <p:cNvPr id="2" name="제목 1">
             <a:extLst>
               <a:ext uri="{FF2B5EF4-FFF2-40B4-BE49-F238E27FC236}">
-                <a16:creationId xmlns:a16="http://schemas.microsoft.com/office/drawing/2014/main" xmlns="" id="{20738035-A752-A04F-AC37-BE71AD6A1D56}"/>
+                <a16:creationId xmlns="" xmlns:a16="http://schemas.microsoft.com/office/drawing/2014/main" id="{20738035-A752-A04F-AC37-BE71AD6A1D56}"/>
               </a:ext>
             </a:extLst>
           </p:cNvPr>
@@ -1299,7 +1299,7 @@
           <p:cNvPr id="3" name="텍스트 개체 틀 2">
             <a:extLst>
               <a:ext uri="{FF2B5EF4-FFF2-40B4-BE49-F238E27FC236}">
-                <a16:creationId xmlns:a16="http://schemas.microsoft.com/office/drawing/2014/main" xmlns="" id="{45ED5397-BA55-5E49-8353-8A17C30A646F}"/>
+                <a16:creationId xmlns="" xmlns:a16="http://schemas.microsoft.com/office/drawing/2014/main" id="{45ED5397-BA55-5E49-8353-8A17C30A646F}"/>
               </a:ext>
             </a:extLst>
           </p:cNvPr>
@@ -1427,7 +1427,7 @@
           <p:cNvPr id="4" name="날짜 개체 틀 3">
             <a:extLst>
               <a:ext uri="{FF2B5EF4-FFF2-40B4-BE49-F238E27FC236}">
-                <a16:creationId xmlns:a16="http://schemas.microsoft.com/office/drawing/2014/main" xmlns="" id="{7DE34B4F-B9C4-6441-A021-A747F74D9083}"/>
+                <a16:creationId xmlns="" xmlns:a16="http://schemas.microsoft.com/office/drawing/2014/main" id="{7DE34B4F-B9C4-6441-A021-A747F74D9083}"/>
               </a:ext>
             </a:extLst>
           </p:cNvPr>
@@ -1457,7 +1457,7 @@
           <p:cNvPr id="5" name="바닥글 개체 틀 4">
             <a:extLst>
               <a:ext uri="{FF2B5EF4-FFF2-40B4-BE49-F238E27FC236}">
-                <a16:creationId xmlns:a16="http://schemas.microsoft.com/office/drawing/2014/main" xmlns="" id="{A5B6457E-0B56-1849-8C54-FFA2CC53DD8E}"/>
+                <a16:creationId xmlns="" xmlns:a16="http://schemas.microsoft.com/office/drawing/2014/main" id="{A5B6457E-0B56-1849-8C54-FFA2CC53DD8E}"/>
               </a:ext>
             </a:extLst>
           </p:cNvPr>
@@ -1482,7 +1482,7 @@
           <p:cNvPr id="6" name="슬라이드 번호 개체 틀 5">
             <a:extLst>
               <a:ext uri="{FF2B5EF4-FFF2-40B4-BE49-F238E27FC236}">
-                <a16:creationId xmlns:a16="http://schemas.microsoft.com/office/drawing/2014/main" xmlns="" id="{513D8DC1-B9C2-EC42-AB77-8CA99AF0B5D7}"/>
+                <a16:creationId xmlns="" xmlns:a16="http://schemas.microsoft.com/office/drawing/2014/main" id="{513D8DC1-B9C2-EC42-AB77-8CA99AF0B5D7}"/>
               </a:ext>
             </a:extLst>
           </p:cNvPr>
@@ -1542,7 +1542,7 @@
           <p:cNvPr id="2" name="제목 1">
             <a:extLst>
               <a:ext uri="{FF2B5EF4-FFF2-40B4-BE49-F238E27FC236}">
-                <a16:creationId xmlns:a16="http://schemas.microsoft.com/office/drawing/2014/main" xmlns="" id="{572AC94E-DE91-3648-9D50-663BA6102CE3}"/>
+                <a16:creationId xmlns="" xmlns:a16="http://schemas.microsoft.com/office/drawing/2014/main" id="{572AC94E-DE91-3648-9D50-663BA6102CE3}"/>
               </a:ext>
             </a:extLst>
           </p:cNvPr>
@@ -1570,7 +1570,7 @@
           <p:cNvPr id="3" name="내용 개체 틀 2">
             <a:extLst>
               <a:ext uri="{FF2B5EF4-FFF2-40B4-BE49-F238E27FC236}">
-                <a16:creationId xmlns:a16="http://schemas.microsoft.com/office/drawing/2014/main" xmlns="" id="{D767EA31-594C-0C4F-ABE8-4C1F0DC90912}"/>
+                <a16:creationId xmlns="" xmlns:a16="http://schemas.microsoft.com/office/drawing/2014/main" id="{D767EA31-594C-0C4F-ABE8-4C1F0DC90912}"/>
               </a:ext>
             </a:extLst>
           </p:cNvPr>
@@ -1607,7 +1607,7 @@
           <p:cNvPr id="4" name="내용 개체 틀 3">
             <a:extLst>
               <a:ext uri="{FF2B5EF4-FFF2-40B4-BE49-F238E27FC236}">
-                <a16:creationId xmlns:a16="http://schemas.microsoft.com/office/drawing/2014/main" xmlns="" id="{B2622D40-DAB4-7248-A1B5-FF4E3669FB92}"/>
+                <a16:creationId xmlns="" xmlns:a16="http://schemas.microsoft.com/office/drawing/2014/main" id="{B2622D40-DAB4-7248-A1B5-FF4E3669FB92}"/>
               </a:ext>
             </a:extLst>
           </p:cNvPr>
@@ -1644,7 +1644,7 @@
           <p:cNvPr id="5" name="날짜 개체 틀 4">
             <a:extLst>
               <a:ext uri="{FF2B5EF4-FFF2-40B4-BE49-F238E27FC236}">
-                <a16:creationId xmlns:a16="http://schemas.microsoft.com/office/drawing/2014/main" xmlns="" id="{55D8839B-9014-BA4A-A907-E47C2462E550}"/>
+                <a16:creationId xmlns="" xmlns:a16="http://schemas.microsoft.com/office/drawing/2014/main" id="{55D8839B-9014-BA4A-A907-E47C2462E550}"/>
               </a:ext>
             </a:extLst>
           </p:cNvPr>
@@ -1674,7 +1674,7 @@
           <p:cNvPr id="6" name="바닥글 개체 틀 5">
             <a:extLst>
               <a:ext uri="{FF2B5EF4-FFF2-40B4-BE49-F238E27FC236}">
-                <a16:creationId xmlns:a16="http://schemas.microsoft.com/office/drawing/2014/main" xmlns="" id="{0CF04C83-BF5E-5C44-855B-07A61405377B}"/>
+                <a16:creationId xmlns="" xmlns:a16="http://schemas.microsoft.com/office/drawing/2014/main" id="{0CF04C83-BF5E-5C44-855B-07A61405377B}"/>
               </a:ext>
             </a:extLst>
           </p:cNvPr>
@@ -1699,7 +1699,7 @@
           <p:cNvPr id="7" name="슬라이드 번호 개체 틀 6">
             <a:extLst>
               <a:ext uri="{FF2B5EF4-FFF2-40B4-BE49-F238E27FC236}">
-                <a16:creationId xmlns:a16="http://schemas.microsoft.com/office/drawing/2014/main" xmlns="" id="{EAE3301C-ED85-6E4E-97CB-26B53561128B}"/>
+                <a16:creationId xmlns="" xmlns:a16="http://schemas.microsoft.com/office/drawing/2014/main" id="{EAE3301C-ED85-6E4E-97CB-26B53561128B}"/>
               </a:ext>
             </a:extLst>
           </p:cNvPr>
@@ -1759,7 +1759,7 @@
           <p:cNvPr id="2" name="제목 1">
             <a:extLst>
               <a:ext uri="{FF2B5EF4-FFF2-40B4-BE49-F238E27FC236}">
-                <a16:creationId xmlns:a16="http://schemas.microsoft.com/office/drawing/2014/main" xmlns="" id="{2D48C063-E021-C841-B92D-A087198E7C60}"/>
+                <a16:creationId xmlns="" xmlns:a16="http://schemas.microsoft.com/office/drawing/2014/main" id="{2D48C063-E021-C841-B92D-A087198E7C60}"/>
               </a:ext>
             </a:extLst>
           </p:cNvPr>
@@ -1792,7 +1792,7 @@
           <p:cNvPr id="3" name="텍스트 개체 틀 2">
             <a:extLst>
               <a:ext uri="{FF2B5EF4-FFF2-40B4-BE49-F238E27FC236}">
-                <a16:creationId xmlns:a16="http://schemas.microsoft.com/office/drawing/2014/main" xmlns="" id="{015AAEF1-6ADE-2A4F-A1B2-B4214FBACDB8}"/>
+                <a16:creationId xmlns="" xmlns:a16="http://schemas.microsoft.com/office/drawing/2014/main" id="{015AAEF1-6ADE-2A4F-A1B2-B4214FBACDB8}"/>
               </a:ext>
             </a:extLst>
           </p:cNvPr>
@@ -1866,7 +1866,7 @@
           <p:cNvPr id="4" name="내용 개체 틀 3">
             <a:extLst>
               <a:ext uri="{FF2B5EF4-FFF2-40B4-BE49-F238E27FC236}">
-                <a16:creationId xmlns:a16="http://schemas.microsoft.com/office/drawing/2014/main" xmlns="" id="{DD0A6D24-CF00-D447-BA91-083FD7FD1EDF}"/>
+                <a16:creationId xmlns="" xmlns:a16="http://schemas.microsoft.com/office/drawing/2014/main" id="{DD0A6D24-CF00-D447-BA91-083FD7FD1EDF}"/>
               </a:ext>
             </a:extLst>
           </p:cNvPr>
@@ -1903,7 +1903,7 @@
           <p:cNvPr id="5" name="텍스트 개체 틀 4">
             <a:extLst>
               <a:ext uri="{FF2B5EF4-FFF2-40B4-BE49-F238E27FC236}">
-                <a16:creationId xmlns:a16="http://schemas.microsoft.com/office/drawing/2014/main" xmlns="" id="{B1A05A70-C9A1-994D-98CF-9B83235CF9EE}"/>
+                <a16:creationId xmlns="" xmlns:a16="http://schemas.microsoft.com/office/drawing/2014/main" id="{B1A05A70-C9A1-994D-98CF-9B83235CF9EE}"/>
               </a:ext>
             </a:extLst>
           </p:cNvPr>
@@ -1977,7 +1977,7 @@
           <p:cNvPr id="6" name="내용 개체 틀 5">
             <a:extLst>
               <a:ext uri="{FF2B5EF4-FFF2-40B4-BE49-F238E27FC236}">
-                <a16:creationId xmlns:a16="http://schemas.microsoft.com/office/drawing/2014/main" xmlns="" id="{2EBD6979-0DF5-C248-A430-408686A9D3DD}"/>
+                <a16:creationId xmlns="" xmlns:a16="http://schemas.microsoft.com/office/drawing/2014/main" id="{2EBD6979-0DF5-C248-A430-408686A9D3DD}"/>
               </a:ext>
             </a:extLst>
           </p:cNvPr>
@@ -2014,7 +2014,7 @@
           <p:cNvPr id="7" name="날짜 개체 틀 6">
             <a:extLst>
               <a:ext uri="{FF2B5EF4-FFF2-40B4-BE49-F238E27FC236}">
-                <a16:creationId xmlns:a16="http://schemas.microsoft.com/office/drawing/2014/main" xmlns="" id="{1ECD500E-620C-2444-99DF-1F1E77D80078}"/>
+                <a16:creationId xmlns="" xmlns:a16="http://schemas.microsoft.com/office/drawing/2014/main" id="{1ECD500E-620C-2444-99DF-1F1E77D80078}"/>
               </a:ext>
             </a:extLst>
           </p:cNvPr>
@@ -2044,7 +2044,7 @@
           <p:cNvPr id="8" name="바닥글 개체 틀 7">
             <a:extLst>
               <a:ext uri="{FF2B5EF4-FFF2-40B4-BE49-F238E27FC236}">
-                <a16:creationId xmlns:a16="http://schemas.microsoft.com/office/drawing/2014/main" xmlns="" id="{5FC09583-EDEB-8140-9E03-7E3D359A6F6A}"/>
+                <a16:creationId xmlns="" xmlns:a16="http://schemas.microsoft.com/office/drawing/2014/main" id="{5FC09583-EDEB-8140-9E03-7E3D359A6F6A}"/>
               </a:ext>
             </a:extLst>
           </p:cNvPr>
@@ -2069,7 +2069,7 @@
           <p:cNvPr id="9" name="슬라이드 번호 개체 틀 8">
             <a:extLst>
               <a:ext uri="{FF2B5EF4-FFF2-40B4-BE49-F238E27FC236}">
-                <a16:creationId xmlns:a16="http://schemas.microsoft.com/office/drawing/2014/main" xmlns="" id="{95125583-F585-AF4D-8136-8CC5AC5DE6DD}"/>
+                <a16:creationId xmlns="" xmlns:a16="http://schemas.microsoft.com/office/drawing/2014/main" id="{95125583-F585-AF4D-8136-8CC5AC5DE6DD}"/>
               </a:ext>
             </a:extLst>
           </p:cNvPr>
@@ -2129,7 +2129,7 @@
           <p:cNvPr id="2" name="제목 1">
             <a:extLst>
               <a:ext uri="{FF2B5EF4-FFF2-40B4-BE49-F238E27FC236}">
-                <a16:creationId xmlns:a16="http://schemas.microsoft.com/office/drawing/2014/main" xmlns="" id="{F49BD015-8352-6342-BF8C-4736C2A1DAE4}"/>
+                <a16:creationId xmlns="" xmlns:a16="http://schemas.microsoft.com/office/drawing/2014/main" id="{F49BD015-8352-6342-BF8C-4736C2A1DAE4}"/>
               </a:ext>
             </a:extLst>
           </p:cNvPr>
@@ -2157,7 +2157,7 @@
           <p:cNvPr id="3" name="날짜 개체 틀 2">
             <a:extLst>
               <a:ext uri="{FF2B5EF4-FFF2-40B4-BE49-F238E27FC236}">
-                <a16:creationId xmlns:a16="http://schemas.microsoft.com/office/drawing/2014/main" xmlns="" id="{2F95FE88-801B-5043-8A28-57A8255CDB66}"/>
+                <a16:creationId xmlns="" xmlns:a16="http://schemas.microsoft.com/office/drawing/2014/main" id="{2F95FE88-801B-5043-8A28-57A8255CDB66}"/>
               </a:ext>
             </a:extLst>
           </p:cNvPr>
@@ -2187,7 +2187,7 @@
           <p:cNvPr id="4" name="바닥글 개체 틀 3">
             <a:extLst>
               <a:ext uri="{FF2B5EF4-FFF2-40B4-BE49-F238E27FC236}">
-                <a16:creationId xmlns:a16="http://schemas.microsoft.com/office/drawing/2014/main" xmlns="" id="{1B29247F-613F-8041-A68F-2E695BEFA12E}"/>
+                <a16:creationId xmlns="" xmlns:a16="http://schemas.microsoft.com/office/drawing/2014/main" id="{1B29247F-613F-8041-A68F-2E695BEFA12E}"/>
               </a:ext>
             </a:extLst>
           </p:cNvPr>
@@ -2212,7 +2212,7 @@
           <p:cNvPr id="5" name="슬라이드 번호 개체 틀 4">
             <a:extLst>
               <a:ext uri="{FF2B5EF4-FFF2-40B4-BE49-F238E27FC236}">
-                <a16:creationId xmlns:a16="http://schemas.microsoft.com/office/drawing/2014/main" xmlns="" id="{B20387DC-5EE6-F94C-86EA-19E6A36F2376}"/>
+                <a16:creationId xmlns="" xmlns:a16="http://schemas.microsoft.com/office/drawing/2014/main" id="{B20387DC-5EE6-F94C-86EA-19E6A36F2376}"/>
               </a:ext>
             </a:extLst>
           </p:cNvPr>
@@ -2272,7 +2272,7 @@
           <p:cNvPr id="2" name="날짜 개체 틀 1">
             <a:extLst>
               <a:ext uri="{FF2B5EF4-FFF2-40B4-BE49-F238E27FC236}">
-                <a16:creationId xmlns:a16="http://schemas.microsoft.com/office/drawing/2014/main" xmlns="" id="{AC54CF41-2CCB-2546-8A51-3EC7908852B3}"/>
+                <a16:creationId xmlns="" xmlns:a16="http://schemas.microsoft.com/office/drawing/2014/main" id="{AC54CF41-2CCB-2546-8A51-3EC7908852B3}"/>
               </a:ext>
             </a:extLst>
           </p:cNvPr>
@@ -2302,7 +2302,7 @@
           <p:cNvPr id="3" name="바닥글 개체 틀 2">
             <a:extLst>
               <a:ext uri="{FF2B5EF4-FFF2-40B4-BE49-F238E27FC236}">
-                <a16:creationId xmlns:a16="http://schemas.microsoft.com/office/drawing/2014/main" xmlns="" id="{5C41C900-20D4-1E46-A503-DEA018F92506}"/>
+                <a16:creationId xmlns="" xmlns:a16="http://schemas.microsoft.com/office/drawing/2014/main" id="{5C41C900-20D4-1E46-A503-DEA018F92506}"/>
               </a:ext>
             </a:extLst>
           </p:cNvPr>
@@ -2327,7 +2327,7 @@
           <p:cNvPr id="4" name="슬라이드 번호 개체 틀 3">
             <a:extLst>
               <a:ext uri="{FF2B5EF4-FFF2-40B4-BE49-F238E27FC236}">
-                <a16:creationId xmlns:a16="http://schemas.microsoft.com/office/drawing/2014/main" xmlns="" id="{473903CA-6145-3846-B5B6-56790FC68ACB}"/>
+                <a16:creationId xmlns="" xmlns:a16="http://schemas.microsoft.com/office/drawing/2014/main" id="{473903CA-6145-3846-B5B6-56790FC68ACB}"/>
               </a:ext>
             </a:extLst>
           </p:cNvPr>
@@ -2387,7 +2387,7 @@
           <p:cNvPr id="2" name="제목 1">
             <a:extLst>
               <a:ext uri="{FF2B5EF4-FFF2-40B4-BE49-F238E27FC236}">
-                <a16:creationId xmlns:a16="http://schemas.microsoft.com/office/drawing/2014/main" xmlns="" id="{5BB53706-6F59-164D-8AB3-61AA4193855E}"/>
+                <a16:creationId xmlns="" xmlns:a16="http://schemas.microsoft.com/office/drawing/2014/main" id="{5BB53706-6F59-164D-8AB3-61AA4193855E}"/>
               </a:ext>
             </a:extLst>
           </p:cNvPr>
@@ -2424,7 +2424,7 @@
           <p:cNvPr id="3" name="내용 개체 틀 2">
             <a:extLst>
               <a:ext uri="{FF2B5EF4-FFF2-40B4-BE49-F238E27FC236}">
-                <a16:creationId xmlns:a16="http://schemas.microsoft.com/office/drawing/2014/main" xmlns="" id="{7705A654-A7BC-6F44-B678-0077F702E549}"/>
+                <a16:creationId xmlns="" xmlns:a16="http://schemas.microsoft.com/office/drawing/2014/main" id="{7705A654-A7BC-6F44-B678-0077F702E549}"/>
               </a:ext>
             </a:extLst>
           </p:cNvPr>
@@ -2489,7 +2489,7 @@
           <p:cNvPr id="4" name="텍스트 개체 틀 3">
             <a:extLst>
               <a:ext uri="{FF2B5EF4-FFF2-40B4-BE49-F238E27FC236}">
-                <a16:creationId xmlns:a16="http://schemas.microsoft.com/office/drawing/2014/main" xmlns="" id="{85861AE6-FE95-6C4A-A5DD-59F45593D0F8}"/>
+                <a16:creationId xmlns="" xmlns:a16="http://schemas.microsoft.com/office/drawing/2014/main" id="{85861AE6-FE95-6C4A-A5DD-59F45593D0F8}"/>
               </a:ext>
             </a:extLst>
           </p:cNvPr>
@@ -2563,7 +2563,7 @@
           <p:cNvPr id="5" name="날짜 개체 틀 4">
             <a:extLst>
               <a:ext uri="{FF2B5EF4-FFF2-40B4-BE49-F238E27FC236}">
-                <a16:creationId xmlns:a16="http://schemas.microsoft.com/office/drawing/2014/main" xmlns="" id="{CEC38569-2EC9-484E-BC36-4FD46BA240E8}"/>
+                <a16:creationId xmlns="" xmlns:a16="http://schemas.microsoft.com/office/drawing/2014/main" id="{CEC38569-2EC9-484E-BC36-4FD46BA240E8}"/>
               </a:ext>
             </a:extLst>
           </p:cNvPr>
@@ -2593,7 +2593,7 @@
           <p:cNvPr id="6" name="바닥글 개체 틀 5">
             <a:extLst>
               <a:ext uri="{FF2B5EF4-FFF2-40B4-BE49-F238E27FC236}">
-                <a16:creationId xmlns:a16="http://schemas.microsoft.com/office/drawing/2014/main" xmlns="" id="{B10CDF1C-8E4C-8241-BA2C-C99E5B7E9191}"/>
+                <a16:creationId xmlns="" xmlns:a16="http://schemas.microsoft.com/office/drawing/2014/main" id="{B10CDF1C-8E4C-8241-BA2C-C99E5B7E9191}"/>
               </a:ext>
             </a:extLst>
           </p:cNvPr>
@@ -2618,7 +2618,7 @@
           <p:cNvPr id="7" name="슬라이드 번호 개체 틀 6">
             <a:extLst>
               <a:ext uri="{FF2B5EF4-FFF2-40B4-BE49-F238E27FC236}">
-                <a16:creationId xmlns:a16="http://schemas.microsoft.com/office/drawing/2014/main" xmlns="" id="{14D33965-C422-214D-8E44-BED179F2B464}"/>
+                <a16:creationId xmlns="" xmlns:a16="http://schemas.microsoft.com/office/drawing/2014/main" id="{14D33965-C422-214D-8E44-BED179F2B464}"/>
               </a:ext>
             </a:extLst>
           </p:cNvPr>
@@ -2678,7 +2678,7 @@
           <p:cNvPr id="2" name="제목 1">
             <a:extLst>
               <a:ext uri="{FF2B5EF4-FFF2-40B4-BE49-F238E27FC236}">
-                <a16:creationId xmlns:a16="http://schemas.microsoft.com/office/drawing/2014/main" xmlns="" id="{CE4343F3-D339-3D4A-9995-04AF273A728B}"/>
+                <a16:creationId xmlns="" xmlns:a16="http://schemas.microsoft.com/office/drawing/2014/main" id="{CE4343F3-D339-3D4A-9995-04AF273A728B}"/>
               </a:ext>
             </a:extLst>
           </p:cNvPr>
@@ -2715,7 +2715,7 @@
           <p:cNvPr id="3" name="그림 개체 틀 2">
             <a:extLst>
               <a:ext uri="{FF2B5EF4-FFF2-40B4-BE49-F238E27FC236}">
-                <a16:creationId xmlns:a16="http://schemas.microsoft.com/office/drawing/2014/main" xmlns="" id="{466D680B-DF64-1E47-B558-E4E9FCE8C012}"/>
+                <a16:creationId xmlns="" xmlns:a16="http://schemas.microsoft.com/office/drawing/2014/main" id="{466D680B-DF64-1E47-B558-E4E9FCE8C012}"/>
               </a:ext>
             </a:extLst>
           </p:cNvPr>
@@ -2782,7 +2782,7 @@
           <p:cNvPr id="4" name="텍스트 개체 틀 3">
             <a:extLst>
               <a:ext uri="{FF2B5EF4-FFF2-40B4-BE49-F238E27FC236}">
-                <a16:creationId xmlns:a16="http://schemas.microsoft.com/office/drawing/2014/main" xmlns="" id="{D01AC4ED-49CE-8D45-919C-2793B67A77A8}"/>
+                <a16:creationId xmlns="" xmlns:a16="http://schemas.microsoft.com/office/drawing/2014/main" id="{D01AC4ED-49CE-8D45-919C-2793B67A77A8}"/>
               </a:ext>
             </a:extLst>
           </p:cNvPr>
@@ -2856,7 +2856,7 @@
           <p:cNvPr id="5" name="날짜 개체 틀 4">
             <a:extLst>
               <a:ext uri="{FF2B5EF4-FFF2-40B4-BE49-F238E27FC236}">
-                <a16:creationId xmlns:a16="http://schemas.microsoft.com/office/drawing/2014/main" xmlns="" id="{6154C891-D6C4-F84E-AF79-923E3C88E217}"/>
+                <a16:creationId xmlns="" xmlns:a16="http://schemas.microsoft.com/office/drawing/2014/main" id="{6154C891-D6C4-F84E-AF79-923E3C88E217}"/>
               </a:ext>
             </a:extLst>
           </p:cNvPr>
@@ -2886,7 +2886,7 @@
           <p:cNvPr id="6" name="바닥글 개체 틀 5">
             <a:extLst>
               <a:ext uri="{FF2B5EF4-FFF2-40B4-BE49-F238E27FC236}">
-                <a16:creationId xmlns:a16="http://schemas.microsoft.com/office/drawing/2014/main" xmlns="" id="{C9DE4D14-A320-6446-8026-44D5260079EA}"/>
+                <a16:creationId xmlns="" xmlns:a16="http://schemas.microsoft.com/office/drawing/2014/main" id="{C9DE4D14-A320-6446-8026-44D5260079EA}"/>
               </a:ext>
             </a:extLst>
           </p:cNvPr>
@@ -2911,7 +2911,7 @@
           <p:cNvPr id="7" name="슬라이드 번호 개체 틀 6">
             <a:extLst>
               <a:ext uri="{FF2B5EF4-FFF2-40B4-BE49-F238E27FC236}">
-                <a16:creationId xmlns:a16="http://schemas.microsoft.com/office/drawing/2014/main" xmlns="" id="{3B086DF2-9F59-6945-B2A9-CB77FF8B2FFB}"/>
+                <a16:creationId xmlns="" xmlns:a16="http://schemas.microsoft.com/office/drawing/2014/main" id="{3B086DF2-9F59-6945-B2A9-CB77FF8B2FFB}"/>
               </a:ext>
             </a:extLst>
           </p:cNvPr>
@@ -2981,7 +2981,7 @@
           <p:cNvPr id="2" name="제목 개체 틀 1">
             <a:extLst>
               <a:ext uri="{FF2B5EF4-FFF2-40B4-BE49-F238E27FC236}">
-                <a16:creationId xmlns:a16="http://schemas.microsoft.com/office/drawing/2014/main" xmlns="" id="{FA4F4CFC-3045-7748-B28E-892F3216124E}"/>
+                <a16:creationId xmlns="" xmlns:a16="http://schemas.microsoft.com/office/drawing/2014/main" id="{FA4F4CFC-3045-7748-B28E-892F3216124E}"/>
               </a:ext>
             </a:extLst>
           </p:cNvPr>
@@ -3019,7 +3019,7 @@
           <p:cNvPr id="3" name="텍스트 개체 틀 2">
             <a:extLst>
               <a:ext uri="{FF2B5EF4-FFF2-40B4-BE49-F238E27FC236}">
-                <a16:creationId xmlns:a16="http://schemas.microsoft.com/office/drawing/2014/main" xmlns="" id="{57A11C7A-7CAD-7B4E-B8E7-FD3E44F2AD60}"/>
+                <a16:creationId xmlns="" xmlns:a16="http://schemas.microsoft.com/office/drawing/2014/main" id="{57A11C7A-7CAD-7B4E-B8E7-FD3E44F2AD60}"/>
               </a:ext>
             </a:extLst>
           </p:cNvPr>
@@ -3061,7 +3061,7 @@
           <p:cNvPr id="4" name="날짜 개체 틀 3">
             <a:extLst>
               <a:ext uri="{FF2B5EF4-FFF2-40B4-BE49-F238E27FC236}">
-                <a16:creationId xmlns:a16="http://schemas.microsoft.com/office/drawing/2014/main" xmlns="" id="{2ED43360-5054-BC43-AAE8-E246BC0C435E}"/>
+                <a16:creationId xmlns="" xmlns:a16="http://schemas.microsoft.com/office/drawing/2014/main" id="{2ED43360-5054-BC43-AAE8-E246BC0C435E}"/>
               </a:ext>
             </a:extLst>
           </p:cNvPr>
@@ -3109,7 +3109,7 @@
           <p:cNvPr id="5" name="바닥글 개체 틀 4">
             <a:extLst>
               <a:ext uri="{FF2B5EF4-FFF2-40B4-BE49-F238E27FC236}">
-                <a16:creationId xmlns:a16="http://schemas.microsoft.com/office/drawing/2014/main" xmlns="" id="{F947AE0D-B559-3345-9906-9F20127E89C2}"/>
+                <a16:creationId xmlns="" xmlns:a16="http://schemas.microsoft.com/office/drawing/2014/main" id="{F947AE0D-B559-3345-9906-9F20127E89C2}"/>
               </a:ext>
             </a:extLst>
           </p:cNvPr>
@@ -3152,7 +3152,7 @@
           <p:cNvPr id="6" name="슬라이드 번호 개체 틀 5">
             <a:extLst>
               <a:ext uri="{FF2B5EF4-FFF2-40B4-BE49-F238E27FC236}">
-                <a16:creationId xmlns:a16="http://schemas.microsoft.com/office/drawing/2014/main" xmlns="" id="{A2C0E009-4D69-E141-BDE3-7A5BCBD91A1C}"/>
+                <a16:creationId xmlns="" xmlns:a16="http://schemas.microsoft.com/office/drawing/2014/main" id="{A2C0E009-4D69-E141-BDE3-7A5BCBD91A1C}"/>
               </a:ext>
             </a:extLst>
           </p:cNvPr>
@@ -3521,7 +3521,7 @@
           <p:cNvPr id="2" name="왼쪽 대괄호[L] 1">
             <a:extLst>
               <a:ext uri="{FF2B5EF4-FFF2-40B4-BE49-F238E27FC236}">
-                <a16:creationId xmlns:a16="http://schemas.microsoft.com/office/drawing/2014/main" xmlns="" id="{FD2BE796-18C4-7542-922F-AC07CCDE25AD}"/>
+                <a16:creationId xmlns="" xmlns:a16="http://schemas.microsoft.com/office/drawing/2014/main" id="{FD2BE796-18C4-7542-922F-AC07CCDE25AD}"/>
               </a:ext>
             </a:extLst>
           </p:cNvPr>
@@ -3573,7 +3573,7 @@
           <p:cNvPr id="13" name="왼쪽 대괄호[L] 12">
             <a:extLst>
               <a:ext uri="{FF2B5EF4-FFF2-40B4-BE49-F238E27FC236}">
-                <a16:creationId xmlns:a16="http://schemas.microsoft.com/office/drawing/2014/main" xmlns="" id="{EFECA2F4-7A60-7B4A-9E41-4C7AFF855ED1}"/>
+                <a16:creationId xmlns="" xmlns:a16="http://schemas.microsoft.com/office/drawing/2014/main" id="{EFECA2F4-7A60-7B4A-9E41-4C7AFF855ED1}"/>
               </a:ext>
             </a:extLst>
           </p:cNvPr>
@@ -3843,7 +3843,7 @@
           <p:cNvPr id="17" name="그림 16">
             <a:extLst>
               <a:ext uri="{FF2B5EF4-FFF2-40B4-BE49-F238E27FC236}">
-                <a16:creationId xmlns:a16="http://schemas.microsoft.com/office/drawing/2014/main" xmlns="" id="{4E4BF807-5974-A34A-9980-0041EFD87BF0}"/>
+                <a16:creationId xmlns="" xmlns:a16="http://schemas.microsoft.com/office/drawing/2014/main" id="{4E4BF807-5974-A34A-9980-0041EFD87BF0}"/>
               </a:ext>
             </a:extLst>
           </p:cNvPr>
@@ -3873,7 +3873,7 @@
           <p:cNvPr id="7" name="그림 6">
             <a:extLst>
               <a:ext uri="{FF2B5EF4-FFF2-40B4-BE49-F238E27FC236}">
-                <a16:creationId xmlns:a16="http://schemas.microsoft.com/office/drawing/2014/main" xmlns="" id="{4E4BF807-5974-A34A-9980-0041EFD87BF0}"/>
+                <a16:creationId xmlns="" xmlns:a16="http://schemas.microsoft.com/office/drawing/2014/main" id="{4E4BF807-5974-A34A-9980-0041EFD87BF0}"/>
               </a:ext>
             </a:extLst>
           </p:cNvPr>
@@ -3903,7 +3903,7 @@
           <p:cNvPr id="8" name="그림 7">
             <a:extLst>
               <a:ext uri="{FF2B5EF4-FFF2-40B4-BE49-F238E27FC236}">
-                <a16:creationId xmlns:a16="http://schemas.microsoft.com/office/drawing/2014/main" xmlns="" id="{4E4BF807-5974-A34A-9980-0041EFD87BF0}"/>
+                <a16:creationId xmlns="" xmlns:a16="http://schemas.microsoft.com/office/drawing/2014/main" id="{4E4BF807-5974-A34A-9980-0041EFD87BF0}"/>
               </a:ext>
             </a:extLst>
           </p:cNvPr>
@@ -3970,7 +3970,7 @@
           <p:cNvPr id="13" name="직사각형 12">
             <a:extLst>
               <a:ext uri="{FF2B5EF4-FFF2-40B4-BE49-F238E27FC236}">
-                <a16:creationId xmlns:a16="http://schemas.microsoft.com/office/drawing/2014/main" xmlns="" id="{F323C5E6-A911-2440-93DA-DEE87A35D1B3}"/>
+                <a16:creationId xmlns="" xmlns:a16="http://schemas.microsoft.com/office/drawing/2014/main" id="{F323C5E6-A911-2440-93DA-DEE87A35D1B3}"/>
               </a:ext>
             </a:extLst>
           </p:cNvPr>
@@ -4024,7 +4024,7 @@
           <p:cNvPr id="10" name="TextBox 9">
             <a:extLst>
               <a:ext uri="{FF2B5EF4-FFF2-40B4-BE49-F238E27FC236}">
-                <a16:creationId xmlns:a16="http://schemas.microsoft.com/office/drawing/2014/main" xmlns="" id="{BC578308-8F78-DB4D-8BBF-E8CCC31D5FEE}"/>
+                <a16:creationId xmlns="" xmlns:a16="http://schemas.microsoft.com/office/drawing/2014/main" id="{BC578308-8F78-DB4D-8BBF-E8CCC31D5FEE}"/>
               </a:ext>
             </a:extLst>
           </p:cNvPr>
@@ -4114,7 +4114,7 @@
           <p:cNvPr id="17" name="TextBox 16">
             <a:extLst>
               <a:ext uri="{FF2B5EF4-FFF2-40B4-BE49-F238E27FC236}">
-                <a16:creationId xmlns:a16="http://schemas.microsoft.com/office/drawing/2014/main" xmlns="" id="{942FB8DE-965C-0845-A309-74C9F51EAF9F}"/>
+                <a16:creationId xmlns="" xmlns:a16="http://schemas.microsoft.com/office/drawing/2014/main" id="{942FB8DE-965C-0845-A309-74C9F51EAF9F}"/>
               </a:ext>
             </a:extLst>
           </p:cNvPr>
@@ -4168,7 +4168,7 @@
           <p:cNvPr id="12" name="직사각형 11">
             <a:extLst>
               <a:ext uri="{FF2B5EF4-FFF2-40B4-BE49-F238E27FC236}">
-                <a16:creationId xmlns:a16="http://schemas.microsoft.com/office/drawing/2014/main" xmlns="" id="{6B8B80B4-792D-174E-8B2C-A10CA85CDD01}"/>
+                <a16:creationId xmlns="" xmlns:a16="http://schemas.microsoft.com/office/drawing/2014/main" id="{6B8B80B4-792D-174E-8B2C-A10CA85CDD01}"/>
               </a:ext>
             </a:extLst>
           </p:cNvPr>
@@ -4228,7 +4228,7 @@
           <p:cNvPr id="14" name="직각 삼각형[R] 8">
             <a:extLst>
               <a:ext uri="{FF2B5EF4-FFF2-40B4-BE49-F238E27FC236}">
-                <a16:creationId xmlns:a16="http://schemas.microsoft.com/office/drawing/2014/main" xmlns="" id="{E9289217-6E56-7D4B-B6FB-329F373CAF3E}"/>
+                <a16:creationId xmlns="" xmlns:a16="http://schemas.microsoft.com/office/drawing/2014/main" id="{E9289217-6E56-7D4B-B6FB-329F373CAF3E}"/>
               </a:ext>
             </a:extLst>
           </p:cNvPr>
@@ -4282,7 +4282,7 @@
           <p:cNvPr id="15" name="TextBox 14">
             <a:extLst>
               <a:ext uri="{FF2B5EF4-FFF2-40B4-BE49-F238E27FC236}">
-                <a16:creationId xmlns:a16="http://schemas.microsoft.com/office/drawing/2014/main" xmlns="" id="{849EE5DD-2363-0B42-B4FD-2464134E7BE2}"/>
+                <a16:creationId xmlns="" xmlns:a16="http://schemas.microsoft.com/office/drawing/2014/main" id="{849EE5DD-2363-0B42-B4FD-2464134E7BE2}"/>
               </a:ext>
             </a:extLst>
           </p:cNvPr>
@@ -4368,7 +4368,7 @@
           <p:cNvPr id="13" name="직사각형 12">
             <a:extLst>
               <a:ext uri="{FF2B5EF4-FFF2-40B4-BE49-F238E27FC236}">
-                <a16:creationId xmlns:a16="http://schemas.microsoft.com/office/drawing/2014/main" xmlns="" id="{F323C5E6-A911-2440-93DA-DEE87A35D1B3}"/>
+                <a16:creationId xmlns="" xmlns:a16="http://schemas.microsoft.com/office/drawing/2014/main" id="{F323C5E6-A911-2440-93DA-DEE87A35D1B3}"/>
               </a:ext>
             </a:extLst>
           </p:cNvPr>
@@ -4422,7 +4422,7 @@
           <p:cNvPr id="10" name="TextBox 9">
             <a:extLst>
               <a:ext uri="{FF2B5EF4-FFF2-40B4-BE49-F238E27FC236}">
-                <a16:creationId xmlns:a16="http://schemas.microsoft.com/office/drawing/2014/main" xmlns="" id="{BC578308-8F78-DB4D-8BBF-E8CCC31D5FEE}"/>
+                <a16:creationId xmlns="" xmlns:a16="http://schemas.microsoft.com/office/drawing/2014/main" id="{BC578308-8F78-DB4D-8BBF-E8CCC31D5FEE}"/>
               </a:ext>
             </a:extLst>
           </p:cNvPr>
@@ -4493,7 +4493,7 @@
           <p:cNvPr id="7" name="TextBox 6">
             <a:extLst>
               <a:ext uri="{FF2B5EF4-FFF2-40B4-BE49-F238E27FC236}">
-                <a16:creationId xmlns:a16="http://schemas.microsoft.com/office/drawing/2014/main" xmlns="" id="{942FB8DE-965C-0845-A309-74C9F51EAF9F}"/>
+                <a16:creationId xmlns="" xmlns:a16="http://schemas.microsoft.com/office/drawing/2014/main" id="{942FB8DE-965C-0845-A309-74C9F51EAF9F}"/>
               </a:ext>
             </a:extLst>
           </p:cNvPr>
@@ -4547,7 +4547,7 @@
           <p:cNvPr id="12" name="TextBox 11">
             <a:extLst>
               <a:ext uri="{FF2B5EF4-FFF2-40B4-BE49-F238E27FC236}">
-                <a16:creationId xmlns:a16="http://schemas.microsoft.com/office/drawing/2014/main" xmlns="" id="{3B845D38-5442-6B48-ADA4-3CD7234B8DE3}"/>
+                <a16:creationId xmlns="" xmlns:a16="http://schemas.microsoft.com/office/drawing/2014/main" id="{3B845D38-5442-6B48-ADA4-3CD7234B8DE3}"/>
               </a:ext>
             </a:extLst>
           </p:cNvPr>
@@ -4986,7 +4986,7 @@
           <p:cNvPr id="14" name="직사각형 13">
             <a:extLst>
               <a:ext uri="{FF2B5EF4-FFF2-40B4-BE49-F238E27FC236}">
-                <a16:creationId xmlns:a16="http://schemas.microsoft.com/office/drawing/2014/main" xmlns="" id="{6B8B80B4-792D-174E-8B2C-A10CA85CDD01}"/>
+                <a16:creationId xmlns="" xmlns:a16="http://schemas.microsoft.com/office/drawing/2014/main" id="{6B8B80B4-792D-174E-8B2C-A10CA85CDD01}"/>
               </a:ext>
             </a:extLst>
           </p:cNvPr>
@@ -5046,7 +5046,7 @@
           <p:cNvPr id="15" name="직각 삼각형[R] 8">
             <a:extLst>
               <a:ext uri="{FF2B5EF4-FFF2-40B4-BE49-F238E27FC236}">
-                <a16:creationId xmlns:a16="http://schemas.microsoft.com/office/drawing/2014/main" xmlns="" id="{E9289217-6E56-7D4B-B6FB-329F373CAF3E}"/>
+                <a16:creationId xmlns="" xmlns:a16="http://schemas.microsoft.com/office/drawing/2014/main" id="{E9289217-6E56-7D4B-B6FB-329F373CAF3E}"/>
               </a:ext>
             </a:extLst>
           </p:cNvPr>
@@ -5100,7 +5100,7 @@
           <p:cNvPr id="16" name="TextBox 15">
             <a:extLst>
               <a:ext uri="{FF2B5EF4-FFF2-40B4-BE49-F238E27FC236}">
-                <a16:creationId xmlns:a16="http://schemas.microsoft.com/office/drawing/2014/main" xmlns="" id="{849EE5DD-2363-0B42-B4FD-2464134E7BE2}"/>
+                <a16:creationId xmlns="" xmlns:a16="http://schemas.microsoft.com/office/drawing/2014/main" id="{849EE5DD-2363-0B42-B4FD-2464134E7BE2}"/>
               </a:ext>
             </a:extLst>
           </p:cNvPr>
@@ -5186,7 +5186,7 @@
           <p:cNvPr id="13" name="직사각형 12">
             <a:extLst>
               <a:ext uri="{FF2B5EF4-FFF2-40B4-BE49-F238E27FC236}">
-                <a16:creationId xmlns:a16="http://schemas.microsoft.com/office/drawing/2014/main" xmlns="" id="{F323C5E6-A911-2440-93DA-DEE87A35D1B3}"/>
+                <a16:creationId xmlns="" xmlns:a16="http://schemas.microsoft.com/office/drawing/2014/main" id="{F323C5E6-A911-2440-93DA-DEE87A35D1B3}"/>
               </a:ext>
             </a:extLst>
           </p:cNvPr>
@@ -5240,7 +5240,7 @@
           <p:cNvPr id="10" name="TextBox 9">
             <a:extLst>
               <a:ext uri="{FF2B5EF4-FFF2-40B4-BE49-F238E27FC236}">
-                <a16:creationId xmlns:a16="http://schemas.microsoft.com/office/drawing/2014/main" xmlns="" id="{BC578308-8F78-DB4D-8BBF-E8CCC31D5FEE}"/>
+                <a16:creationId xmlns="" xmlns:a16="http://schemas.microsoft.com/office/drawing/2014/main" id="{BC578308-8F78-DB4D-8BBF-E8CCC31D5FEE}"/>
               </a:ext>
             </a:extLst>
           </p:cNvPr>
@@ -5311,7 +5311,7 @@
           <p:cNvPr id="7" name="TextBox 6">
             <a:extLst>
               <a:ext uri="{FF2B5EF4-FFF2-40B4-BE49-F238E27FC236}">
-                <a16:creationId xmlns:a16="http://schemas.microsoft.com/office/drawing/2014/main" xmlns="" id="{942FB8DE-965C-0845-A309-74C9F51EAF9F}"/>
+                <a16:creationId xmlns="" xmlns:a16="http://schemas.microsoft.com/office/drawing/2014/main" id="{942FB8DE-965C-0845-A309-74C9F51EAF9F}"/>
               </a:ext>
             </a:extLst>
           </p:cNvPr>
@@ -5407,7 +5407,7 @@
           <p:cNvPr id="12" name="직사각형 11">
             <a:extLst>
               <a:ext uri="{FF2B5EF4-FFF2-40B4-BE49-F238E27FC236}">
-                <a16:creationId xmlns:a16="http://schemas.microsoft.com/office/drawing/2014/main" xmlns="" id="{6B8B80B4-792D-174E-8B2C-A10CA85CDD01}"/>
+                <a16:creationId xmlns="" xmlns:a16="http://schemas.microsoft.com/office/drawing/2014/main" id="{6B8B80B4-792D-174E-8B2C-A10CA85CDD01}"/>
               </a:ext>
             </a:extLst>
           </p:cNvPr>
@@ -5467,7 +5467,7 @@
           <p:cNvPr id="14" name="직각 삼각형[R] 8">
             <a:extLst>
               <a:ext uri="{FF2B5EF4-FFF2-40B4-BE49-F238E27FC236}">
-                <a16:creationId xmlns:a16="http://schemas.microsoft.com/office/drawing/2014/main" xmlns="" id="{E9289217-6E56-7D4B-B6FB-329F373CAF3E}"/>
+                <a16:creationId xmlns="" xmlns:a16="http://schemas.microsoft.com/office/drawing/2014/main" id="{E9289217-6E56-7D4B-B6FB-329F373CAF3E}"/>
               </a:ext>
             </a:extLst>
           </p:cNvPr>
@@ -5521,7 +5521,7 @@
           <p:cNvPr id="15" name="TextBox 14">
             <a:extLst>
               <a:ext uri="{FF2B5EF4-FFF2-40B4-BE49-F238E27FC236}">
-                <a16:creationId xmlns:a16="http://schemas.microsoft.com/office/drawing/2014/main" xmlns="" id="{849EE5DD-2363-0B42-B4FD-2464134E7BE2}"/>
+                <a16:creationId xmlns="" xmlns:a16="http://schemas.microsoft.com/office/drawing/2014/main" id="{849EE5DD-2363-0B42-B4FD-2464134E7BE2}"/>
               </a:ext>
             </a:extLst>
           </p:cNvPr>
@@ -5607,7 +5607,7 @@
           <p:cNvPr id="13" name="직사각형 12">
             <a:extLst>
               <a:ext uri="{FF2B5EF4-FFF2-40B4-BE49-F238E27FC236}">
-                <a16:creationId xmlns:a16="http://schemas.microsoft.com/office/drawing/2014/main" xmlns="" id="{F323C5E6-A911-2440-93DA-DEE87A35D1B3}"/>
+                <a16:creationId xmlns="" xmlns:a16="http://schemas.microsoft.com/office/drawing/2014/main" id="{F323C5E6-A911-2440-93DA-DEE87A35D1B3}"/>
               </a:ext>
             </a:extLst>
           </p:cNvPr>
@@ -5661,7 +5661,7 @@
           <p:cNvPr id="10" name="TextBox 9">
             <a:extLst>
               <a:ext uri="{FF2B5EF4-FFF2-40B4-BE49-F238E27FC236}">
-                <a16:creationId xmlns:a16="http://schemas.microsoft.com/office/drawing/2014/main" xmlns="" id="{BC578308-8F78-DB4D-8BBF-E8CCC31D5FEE}"/>
+                <a16:creationId xmlns="" xmlns:a16="http://schemas.microsoft.com/office/drawing/2014/main" id="{BC578308-8F78-DB4D-8BBF-E8CCC31D5FEE}"/>
               </a:ext>
             </a:extLst>
           </p:cNvPr>
@@ -5751,7 +5751,7 @@
           <p:cNvPr id="17" name="TextBox 16">
             <a:extLst>
               <a:ext uri="{FF2B5EF4-FFF2-40B4-BE49-F238E27FC236}">
-                <a16:creationId xmlns:a16="http://schemas.microsoft.com/office/drawing/2014/main" xmlns="" id="{942FB8DE-965C-0845-A309-74C9F51EAF9F}"/>
+                <a16:creationId xmlns="" xmlns:a16="http://schemas.microsoft.com/office/drawing/2014/main" id="{942FB8DE-965C-0845-A309-74C9F51EAF9F}"/>
               </a:ext>
             </a:extLst>
           </p:cNvPr>
@@ -5805,7 +5805,7 @@
           <p:cNvPr id="12" name="직사각형 11">
             <a:extLst>
               <a:ext uri="{FF2B5EF4-FFF2-40B4-BE49-F238E27FC236}">
-                <a16:creationId xmlns:a16="http://schemas.microsoft.com/office/drawing/2014/main" xmlns="" id="{6B8B80B4-792D-174E-8B2C-A10CA85CDD01}"/>
+                <a16:creationId xmlns="" xmlns:a16="http://schemas.microsoft.com/office/drawing/2014/main" id="{6B8B80B4-792D-174E-8B2C-A10CA85CDD01}"/>
               </a:ext>
             </a:extLst>
           </p:cNvPr>
@@ -5865,7 +5865,7 @@
           <p:cNvPr id="14" name="직각 삼각형[R] 8">
             <a:extLst>
               <a:ext uri="{FF2B5EF4-FFF2-40B4-BE49-F238E27FC236}">
-                <a16:creationId xmlns:a16="http://schemas.microsoft.com/office/drawing/2014/main" xmlns="" id="{E9289217-6E56-7D4B-B6FB-329F373CAF3E}"/>
+                <a16:creationId xmlns="" xmlns:a16="http://schemas.microsoft.com/office/drawing/2014/main" id="{E9289217-6E56-7D4B-B6FB-329F373CAF3E}"/>
               </a:ext>
             </a:extLst>
           </p:cNvPr>
@@ -5919,7 +5919,7 @@
           <p:cNvPr id="15" name="TextBox 14">
             <a:extLst>
               <a:ext uri="{FF2B5EF4-FFF2-40B4-BE49-F238E27FC236}">
-                <a16:creationId xmlns:a16="http://schemas.microsoft.com/office/drawing/2014/main" xmlns="" id="{849EE5DD-2363-0B42-B4FD-2464134E7BE2}"/>
+                <a16:creationId xmlns="" xmlns:a16="http://schemas.microsoft.com/office/drawing/2014/main" id="{849EE5DD-2363-0B42-B4FD-2464134E7BE2}"/>
               </a:ext>
             </a:extLst>
           </p:cNvPr>
@@ -6005,7 +6005,7 @@
           <p:cNvPr id="2" name="왼쪽 대괄호[L] 1">
             <a:extLst>
               <a:ext uri="{FF2B5EF4-FFF2-40B4-BE49-F238E27FC236}">
-                <a16:creationId xmlns:a16="http://schemas.microsoft.com/office/drawing/2014/main" xmlns="" id="{FD2BE796-18C4-7542-922F-AC07CCDE25AD}"/>
+                <a16:creationId xmlns="" xmlns:a16="http://schemas.microsoft.com/office/drawing/2014/main" id="{FD2BE796-18C4-7542-922F-AC07CCDE25AD}"/>
               </a:ext>
             </a:extLst>
           </p:cNvPr>
@@ -6057,7 +6057,7 @@
           <p:cNvPr id="13" name="왼쪽 대괄호[L] 12">
             <a:extLst>
               <a:ext uri="{FF2B5EF4-FFF2-40B4-BE49-F238E27FC236}">
-                <a16:creationId xmlns:a16="http://schemas.microsoft.com/office/drawing/2014/main" xmlns="" id="{EFECA2F4-7A60-7B4A-9E41-4C7AFF855ED1}"/>
+                <a16:creationId xmlns="" xmlns:a16="http://schemas.microsoft.com/office/drawing/2014/main" id="{EFECA2F4-7A60-7B4A-9E41-4C7AFF855ED1}"/>
               </a:ext>
             </a:extLst>
           </p:cNvPr>
@@ -6187,7 +6187,7 @@
           <p:cNvPr id="7" name="그림 6">
             <a:extLst>
               <a:ext uri="{FF2B5EF4-FFF2-40B4-BE49-F238E27FC236}">
-                <a16:creationId xmlns:a16="http://schemas.microsoft.com/office/drawing/2014/main" xmlns="" id="{95C89E7D-FCD8-254C-B718-BA729EAAFC40}"/>
+                <a16:creationId xmlns="" xmlns:a16="http://schemas.microsoft.com/office/drawing/2014/main" id="{95C89E7D-FCD8-254C-B718-BA729EAAFC40}"/>
               </a:ext>
             </a:extLst>
           </p:cNvPr>
@@ -6254,7 +6254,7 @@
           <p:cNvPr id="7" name="TextBox 6">
             <a:extLst>
               <a:ext uri="{FF2B5EF4-FFF2-40B4-BE49-F238E27FC236}">
-                <a16:creationId xmlns:a16="http://schemas.microsoft.com/office/drawing/2014/main" xmlns="" id="{42FE3236-750D-A047-B36B-3A3B34F30683}"/>
+                <a16:creationId xmlns="" xmlns:a16="http://schemas.microsoft.com/office/drawing/2014/main" id="{42FE3236-750D-A047-B36B-3A3B34F30683}"/>
               </a:ext>
             </a:extLst>
           </p:cNvPr>
@@ -6313,7 +6313,7 @@
           <p:cNvPr id="22" name="TextBox 21">
             <a:extLst>
               <a:ext uri="{FF2B5EF4-FFF2-40B4-BE49-F238E27FC236}">
-                <a16:creationId xmlns:a16="http://schemas.microsoft.com/office/drawing/2014/main" xmlns="" id="{891037EF-45BE-2049-B684-DDCDF37608A5}"/>
+                <a16:creationId xmlns="" xmlns:a16="http://schemas.microsoft.com/office/drawing/2014/main" id="{891037EF-45BE-2049-B684-DDCDF37608A5}"/>
               </a:ext>
             </a:extLst>
           </p:cNvPr>
@@ -6372,7 +6372,7 @@
           <p:cNvPr id="28" name="TextBox 27">
             <a:extLst>
               <a:ext uri="{FF2B5EF4-FFF2-40B4-BE49-F238E27FC236}">
-                <a16:creationId xmlns:a16="http://schemas.microsoft.com/office/drawing/2014/main" xmlns="" id="{3CBBC928-2143-ED49-9C10-4DD06080EC37}"/>
+                <a16:creationId xmlns="" xmlns:a16="http://schemas.microsoft.com/office/drawing/2014/main" id="{3CBBC928-2143-ED49-9C10-4DD06080EC37}"/>
               </a:ext>
             </a:extLst>
           </p:cNvPr>
@@ -6441,7 +6441,7 @@
           <p:cNvPr id="33" name="TextBox 32">
             <a:extLst>
               <a:ext uri="{FF2B5EF4-FFF2-40B4-BE49-F238E27FC236}">
-                <a16:creationId xmlns:a16="http://schemas.microsoft.com/office/drawing/2014/main" xmlns="" id="{9C8B4252-4EEE-734E-AFA7-0099FFEA17CC}"/>
+                <a16:creationId xmlns="" xmlns:a16="http://schemas.microsoft.com/office/drawing/2014/main" id="{9C8B4252-4EEE-734E-AFA7-0099FFEA17CC}"/>
               </a:ext>
             </a:extLst>
           </p:cNvPr>
@@ -6490,7 +6490,7 @@
           <p:cNvPr id="3" name="모서리가 둥근 직사각형 2">
             <a:extLst>
               <a:ext uri="{FF2B5EF4-FFF2-40B4-BE49-F238E27FC236}">
-                <a16:creationId xmlns:a16="http://schemas.microsoft.com/office/drawing/2014/main" xmlns="" id="{B15BC01F-85DD-6C4D-969F-ADCBD2EA1767}"/>
+                <a16:creationId xmlns="" xmlns:a16="http://schemas.microsoft.com/office/drawing/2014/main" id="{B15BC01F-85DD-6C4D-969F-ADCBD2EA1767}"/>
               </a:ext>
             </a:extLst>
           </p:cNvPr>
@@ -6544,7 +6544,7 @@
           <p:cNvPr id="4" name="직사각형 3">
             <a:extLst>
               <a:ext uri="{FF2B5EF4-FFF2-40B4-BE49-F238E27FC236}">
-                <a16:creationId xmlns:a16="http://schemas.microsoft.com/office/drawing/2014/main" xmlns="" id="{54DE23C4-D779-3D4A-955D-339E1BFECDE9}"/>
+                <a16:creationId xmlns="" xmlns:a16="http://schemas.microsoft.com/office/drawing/2014/main" id="{54DE23C4-D779-3D4A-955D-339E1BFECDE9}"/>
               </a:ext>
             </a:extLst>
           </p:cNvPr>
@@ -6598,7 +6598,7 @@
           <p:cNvPr id="37" name="직사각형 36">
             <a:extLst>
               <a:ext uri="{FF2B5EF4-FFF2-40B4-BE49-F238E27FC236}">
-                <a16:creationId xmlns:a16="http://schemas.microsoft.com/office/drawing/2014/main" xmlns="" id="{9E85BA02-5CD5-C244-B2E5-5A66D4E9D24A}"/>
+                <a16:creationId xmlns="" xmlns:a16="http://schemas.microsoft.com/office/drawing/2014/main" id="{9E85BA02-5CD5-C244-B2E5-5A66D4E9D24A}"/>
               </a:ext>
             </a:extLst>
           </p:cNvPr>
@@ -6652,7 +6652,7 @@
           <p:cNvPr id="40" name="모서리가 둥근 직사각형 39">
             <a:extLst>
               <a:ext uri="{FF2B5EF4-FFF2-40B4-BE49-F238E27FC236}">
-                <a16:creationId xmlns:a16="http://schemas.microsoft.com/office/drawing/2014/main" xmlns="" id="{08DCDE5E-8FBD-9F45-B642-7F7DC2A30298}"/>
+                <a16:creationId xmlns="" xmlns:a16="http://schemas.microsoft.com/office/drawing/2014/main" id="{08DCDE5E-8FBD-9F45-B642-7F7DC2A30298}"/>
               </a:ext>
             </a:extLst>
           </p:cNvPr>
@@ -6706,7 +6706,7 @@
           <p:cNvPr id="41" name="직사각형 40">
             <a:extLst>
               <a:ext uri="{FF2B5EF4-FFF2-40B4-BE49-F238E27FC236}">
-                <a16:creationId xmlns:a16="http://schemas.microsoft.com/office/drawing/2014/main" xmlns="" id="{7DED2737-C550-0043-A389-B804C5C9CDED}"/>
+                <a16:creationId xmlns="" xmlns:a16="http://schemas.microsoft.com/office/drawing/2014/main" id="{7DED2737-C550-0043-A389-B804C5C9CDED}"/>
               </a:ext>
             </a:extLst>
           </p:cNvPr>
@@ -6760,7 +6760,7 @@
           <p:cNvPr id="42" name="직사각형 41">
             <a:extLst>
               <a:ext uri="{FF2B5EF4-FFF2-40B4-BE49-F238E27FC236}">
-                <a16:creationId xmlns:a16="http://schemas.microsoft.com/office/drawing/2014/main" xmlns="" id="{DA2565A9-A39B-8C49-8DF8-F04B259702F2}"/>
+                <a16:creationId xmlns="" xmlns:a16="http://schemas.microsoft.com/office/drawing/2014/main" id="{DA2565A9-A39B-8C49-8DF8-F04B259702F2}"/>
               </a:ext>
             </a:extLst>
           </p:cNvPr>
@@ -6814,7 +6814,7 @@
           <p:cNvPr id="43" name="직사각형 42">
             <a:extLst>
               <a:ext uri="{FF2B5EF4-FFF2-40B4-BE49-F238E27FC236}">
-                <a16:creationId xmlns:a16="http://schemas.microsoft.com/office/drawing/2014/main" xmlns="" id="{3C4567BC-0D51-9846-8D02-B52A3DAD6382}"/>
+                <a16:creationId xmlns="" xmlns:a16="http://schemas.microsoft.com/office/drawing/2014/main" id="{3C4567BC-0D51-9846-8D02-B52A3DAD6382}"/>
               </a:ext>
             </a:extLst>
           </p:cNvPr>
@@ -6868,7 +6868,7 @@
           <p:cNvPr id="44" name="모서리가 둥근 직사각형 43">
             <a:extLst>
               <a:ext uri="{FF2B5EF4-FFF2-40B4-BE49-F238E27FC236}">
-                <a16:creationId xmlns:a16="http://schemas.microsoft.com/office/drawing/2014/main" xmlns="" id="{192C4406-F5BE-AB4A-BC1D-5F2AC2B497E5}"/>
+                <a16:creationId xmlns="" xmlns:a16="http://schemas.microsoft.com/office/drawing/2014/main" id="{192C4406-F5BE-AB4A-BC1D-5F2AC2B497E5}"/>
               </a:ext>
             </a:extLst>
           </p:cNvPr>
@@ -6922,7 +6922,7 @@
           <p:cNvPr id="45" name="직사각형 44">
             <a:extLst>
               <a:ext uri="{FF2B5EF4-FFF2-40B4-BE49-F238E27FC236}">
-                <a16:creationId xmlns:a16="http://schemas.microsoft.com/office/drawing/2014/main" xmlns="" id="{40A1B75A-1C2F-3C4B-A218-8DEF5EA1A240}"/>
+                <a16:creationId xmlns="" xmlns:a16="http://schemas.microsoft.com/office/drawing/2014/main" id="{40A1B75A-1C2F-3C4B-A218-8DEF5EA1A240}"/>
               </a:ext>
             </a:extLst>
           </p:cNvPr>
@@ -6976,7 +6976,7 @@
           <p:cNvPr id="46" name="직사각형 45">
             <a:extLst>
               <a:ext uri="{FF2B5EF4-FFF2-40B4-BE49-F238E27FC236}">
-                <a16:creationId xmlns:a16="http://schemas.microsoft.com/office/drawing/2014/main" xmlns="" id="{1E8C94F4-E033-604B-8A58-00F978D2EB43}"/>
+                <a16:creationId xmlns="" xmlns:a16="http://schemas.microsoft.com/office/drawing/2014/main" id="{1E8C94F4-E033-604B-8A58-00F978D2EB43}"/>
               </a:ext>
             </a:extLst>
           </p:cNvPr>
@@ -7030,7 +7030,7 @@
           <p:cNvPr id="47" name="직사각형 46">
             <a:extLst>
               <a:ext uri="{FF2B5EF4-FFF2-40B4-BE49-F238E27FC236}">
-                <a16:creationId xmlns:a16="http://schemas.microsoft.com/office/drawing/2014/main" xmlns="" id="{33CE4ED5-DA1F-5940-AC3E-08F271B2E1E5}"/>
+                <a16:creationId xmlns="" xmlns:a16="http://schemas.microsoft.com/office/drawing/2014/main" id="{33CE4ED5-DA1F-5940-AC3E-08F271B2E1E5}"/>
               </a:ext>
             </a:extLst>
           </p:cNvPr>
@@ -7084,7 +7084,7 @@
           <p:cNvPr id="48" name="직사각형 47">
             <a:extLst>
               <a:ext uri="{FF2B5EF4-FFF2-40B4-BE49-F238E27FC236}">
-                <a16:creationId xmlns:a16="http://schemas.microsoft.com/office/drawing/2014/main" xmlns="" id="{EF879863-4002-0649-908E-E3FA425C7515}"/>
+                <a16:creationId xmlns="" xmlns:a16="http://schemas.microsoft.com/office/drawing/2014/main" id="{EF879863-4002-0649-908E-E3FA425C7515}"/>
               </a:ext>
             </a:extLst>
           </p:cNvPr>
@@ -7138,7 +7138,7 @@
           <p:cNvPr id="49" name="모서리가 둥근 직사각형 48">
             <a:extLst>
               <a:ext uri="{FF2B5EF4-FFF2-40B4-BE49-F238E27FC236}">
-                <a16:creationId xmlns:a16="http://schemas.microsoft.com/office/drawing/2014/main" xmlns="" id="{D9415A5C-B5F6-434A-AAC2-5D23A69D0690}"/>
+                <a16:creationId xmlns="" xmlns:a16="http://schemas.microsoft.com/office/drawing/2014/main" id="{D9415A5C-B5F6-434A-AAC2-5D23A69D0690}"/>
               </a:ext>
             </a:extLst>
           </p:cNvPr>
@@ -7192,7 +7192,7 @@
           <p:cNvPr id="50" name="직사각형 49">
             <a:extLst>
               <a:ext uri="{FF2B5EF4-FFF2-40B4-BE49-F238E27FC236}">
-                <a16:creationId xmlns:a16="http://schemas.microsoft.com/office/drawing/2014/main" xmlns="" id="{A2E4B733-0B2F-EB44-9495-3D7B493225B5}"/>
+                <a16:creationId xmlns="" xmlns:a16="http://schemas.microsoft.com/office/drawing/2014/main" id="{A2E4B733-0B2F-EB44-9495-3D7B493225B5}"/>
               </a:ext>
             </a:extLst>
           </p:cNvPr>
@@ -7246,7 +7246,7 @@
           <p:cNvPr id="51" name="직사각형 50">
             <a:extLst>
               <a:ext uri="{FF2B5EF4-FFF2-40B4-BE49-F238E27FC236}">
-                <a16:creationId xmlns:a16="http://schemas.microsoft.com/office/drawing/2014/main" xmlns="" id="{25B6C46A-2DED-544B-825A-A3E9D8F9B9F1}"/>
+                <a16:creationId xmlns="" xmlns:a16="http://schemas.microsoft.com/office/drawing/2014/main" id="{25B6C46A-2DED-544B-825A-A3E9D8F9B9F1}"/>
               </a:ext>
             </a:extLst>
           </p:cNvPr>
@@ -7300,7 +7300,7 @@
           <p:cNvPr id="52" name="직사각형 51">
             <a:extLst>
               <a:ext uri="{FF2B5EF4-FFF2-40B4-BE49-F238E27FC236}">
-                <a16:creationId xmlns:a16="http://schemas.microsoft.com/office/drawing/2014/main" xmlns="" id="{9B00F2CE-B862-1F45-A8EF-EEAB910DC2DD}"/>
+                <a16:creationId xmlns="" xmlns:a16="http://schemas.microsoft.com/office/drawing/2014/main" id="{9B00F2CE-B862-1F45-A8EF-EEAB910DC2DD}"/>
               </a:ext>
             </a:extLst>
           </p:cNvPr>
@@ -7354,7 +7354,7 @@
           <p:cNvPr id="53" name="직사각형 52">
             <a:extLst>
               <a:ext uri="{FF2B5EF4-FFF2-40B4-BE49-F238E27FC236}">
-                <a16:creationId xmlns:a16="http://schemas.microsoft.com/office/drawing/2014/main" xmlns="" id="{C840DF5C-D742-454B-9744-B666449F3463}"/>
+                <a16:creationId xmlns="" xmlns:a16="http://schemas.microsoft.com/office/drawing/2014/main" id="{C840DF5C-D742-454B-9744-B666449F3463}"/>
               </a:ext>
             </a:extLst>
           </p:cNvPr>
@@ -7408,7 +7408,7 @@
           <p:cNvPr id="54" name="직사각형 53">
             <a:extLst>
               <a:ext uri="{FF2B5EF4-FFF2-40B4-BE49-F238E27FC236}">
-                <a16:creationId xmlns:a16="http://schemas.microsoft.com/office/drawing/2014/main" xmlns="" id="{7FD7FDAD-86FC-2F4C-974B-9A9A60523BA0}"/>
+                <a16:creationId xmlns="" xmlns:a16="http://schemas.microsoft.com/office/drawing/2014/main" id="{7FD7FDAD-86FC-2F4C-974B-9A9A60523BA0}"/>
               </a:ext>
             </a:extLst>
           </p:cNvPr>
@@ -7462,7 +7462,7 @@
           <p:cNvPr id="36" name="직사각형 35">
             <a:extLst>
               <a:ext uri="{FF2B5EF4-FFF2-40B4-BE49-F238E27FC236}">
-                <a16:creationId xmlns:a16="http://schemas.microsoft.com/office/drawing/2014/main" xmlns="" id="{2E8730FD-3FE0-CF49-87D6-55D4CADD52EC}"/>
+                <a16:creationId xmlns="" xmlns:a16="http://schemas.microsoft.com/office/drawing/2014/main" id="{2E8730FD-3FE0-CF49-87D6-55D4CADD52EC}"/>
               </a:ext>
             </a:extLst>
           </p:cNvPr>
@@ -7516,7 +7516,7 @@
           <p:cNvPr id="38" name="TextBox 37">
             <a:extLst>
               <a:ext uri="{FF2B5EF4-FFF2-40B4-BE49-F238E27FC236}">
-                <a16:creationId xmlns:a16="http://schemas.microsoft.com/office/drawing/2014/main" xmlns="" id="{D924124E-8556-6D40-B0AF-F8C8FE260281}"/>
+                <a16:creationId xmlns="" xmlns:a16="http://schemas.microsoft.com/office/drawing/2014/main" id="{D924124E-8556-6D40-B0AF-F8C8FE260281}"/>
               </a:ext>
             </a:extLst>
           </p:cNvPr>
@@ -7602,7 +7602,7 @@
           <p:cNvPr id="34" name="직사각형 33">
             <a:extLst>
               <a:ext uri="{FF2B5EF4-FFF2-40B4-BE49-F238E27FC236}">
-                <a16:creationId xmlns:a16="http://schemas.microsoft.com/office/drawing/2014/main" xmlns="" id="{37CB002D-8420-B548-9BEA-2E18D8A9A204}"/>
+                <a16:creationId xmlns="" xmlns:a16="http://schemas.microsoft.com/office/drawing/2014/main" id="{37CB002D-8420-B548-9BEA-2E18D8A9A204}"/>
               </a:ext>
             </a:extLst>
           </p:cNvPr>
@@ -7656,7 +7656,7 @@
           <p:cNvPr id="8" name="직사각형 7">
             <a:extLst>
               <a:ext uri="{FF2B5EF4-FFF2-40B4-BE49-F238E27FC236}">
-                <a16:creationId xmlns:a16="http://schemas.microsoft.com/office/drawing/2014/main" xmlns="" id="{6B8B80B4-792D-174E-8B2C-A10CA85CDD01}"/>
+                <a16:creationId xmlns="" xmlns:a16="http://schemas.microsoft.com/office/drawing/2014/main" id="{6B8B80B4-792D-174E-8B2C-A10CA85CDD01}"/>
               </a:ext>
             </a:extLst>
           </p:cNvPr>
@@ -7716,7 +7716,7 @@
           <p:cNvPr id="9" name="직각 삼각형[R] 8">
             <a:extLst>
               <a:ext uri="{FF2B5EF4-FFF2-40B4-BE49-F238E27FC236}">
-                <a16:creationId xmlns:a16="http://schemas.microsoft.com/office/drawing/2014/main" xmlns="" id="{E9289217-6E56-7D4B-B6FB-329F373CAF3E}"/>
+                <a16:creationId xmlns="" xmlns:a16="http://schemas.microsoft.com/office/drawing/2014/main" id="{E9289217-6E56-7D4B-B6FB-329F373CAF3E}"/>
               </a:ext>
             </a:extLst>
           </p:cNvPr>
@@ -7784,7 +7784,7 @@
             <p:cNvPr id="31" name="직사각형 30">
               <a:extLst>
                 <a:ext uri="{FF2B5EF4-FFF2-40B4-BE49-F238E27FC236}">
-                  <a16:creationId xmlns:a16="http://schemas.microsoft.com/office/drawing/2014/main" xmlns="" id="{A89F077E-F7A4-3D49-BAB5-4E9D17005D90}"/>
+                  <a16:creationId xmlns="" xmlns:a16="http://schemas.microsoft.com/office/drawing/2014/main" id="{A89F077E-F7A4-3D49-BAB5-4E9D17005D90}"/>
                 </a:ext>
               </a:extLst>
             </p:cNvPr>
@@ -7838,7 +7838,7 @@
             <p:cNvPr id="32" name="TextBox 31">
               <a:extLst>
                 <a:ext uri="{FF2B5EF4-FFF2-40B4-BE49-F238E27FC236}">
-                  <a16:creationId xmlns:a16="http://schemas.microsoft.com/office/drawing/2014/main" xmlns="" id="{942FB8DE-965C-0845-A309-74C9F51EAF9F}"/>
+                  <a16:creationId xmlns="" xmlns:a16="http://schemas.microsoft.com/office/drawing/2014/main" id="{942FB8DE-965C-0845-A309-74C9F51EAF9F}"/>
                 </a:ext>
               </a:extLst>
             </p:cNvPr>
@@ -7882,7 +7882,7 @@
           <p:cNvPr id="33" name="TextBox 32">
             <a:extLst>
               <a:ext uri="{FF2B5EF4-FFF2-40B4-BE49-F238E27FC236}">
-                <a16:creationId xmlns:a16="http://schemas.microsoft.com/office/drawing/2014/main" xmlns="" id="{7F85061E-E6C3-C84C-BB7D-87EC6FAD4193}"/>
+                <a16:creationId xmlns="" xmlns:a16="http://schemas.microsoft.com/office/drawing/2014/main" id="{7F85061E-E6C3-C84C-BB7D-87EC6FAD4193}"/>
               </a:ext>
             </a:extLst>
           </p:cNvPr>
@@ -8121,7 +8121,7 @@
           <p:cNvPr id="20" name="TextBox 19">
             <a:extLst>
               <a:ext uri="{FF2B5EF4-FFF2-40B4-BE49-F238E27FC236}">
-                <a16:creationId xmlns:a16="http://schemas.microsoft.com/office/drawing/2014/main" xmlns="" id="{849EE5DD-2363-0B42-B4FD-2464134E7BE2}"/>
+                <a16:creationId xmlns="" xmlns:a16="http://schemas.microsoft.com/office/drawing/2014/main" id="{849EE5DD-2363-0B42-B4FD-2464134E7BE2}"/>
               </a:ext>
             </a:extLst>
           </p:cNvPr>
@@ -8149,14 +8149,7 @@
                 <a:latin typeface="배달의민족 주아" pitchFamily="18" charset="-127"/>
                 <a:ea typeface="배달의민족 주아" pitchFamily="18" charset="-127"/>
               </a:rPr>
-              <a:t>01. </a:t>
-            </a:r>
-            <a:r>
-              <a:rPr kumimoji="1" lang="en-US" altLang="ko-KR" sz="2400" dirty="0" smtClean="0">
-                <a:latin typeface="배달의민족 주아" pitchFamily="18" charset="-127"/>
-                <a:ea typeface="배달의민족 주아" pitchFamily="18" charset="-127"/>
-              </a:rPr>
-              <a:t>Validator</a:t>
+              <a:t>01. Validator</a:t>
             </a:r>
             <a:endParaRPr kumimoji="1" lang="ko-KR" altLang="en-US" sz="2400" dirty="0">
               <a:latin typeface="배달의민족 주아" pitchFamily="18" charset="-127"/>
@@ -8523,7 +8516,7 @@
             <p:cNvPr id="21" name="TextBox 20">
               <a:extLst>
                 <a:ext uri="{FF2B5EF4-FFF2-40B4-BE49-F238E27FC236}">
-                  <a16:creationId xmlns:a16="http://schemas.microsoft.com/office/drawing/2014/main" xmlns="" id="{7F85061E-E6C3-C84C-BB7D-87EC6FAD4193}"/>
+                  <a16:creationId xmlns="" xmlns:a16="http://schemas.microsoft.com/office/drawing/2014/main" id="{7F85061E-E6C3-C84C-BB7D-87EC6FAD4193}"/>
                 </a:ext>
               </a:extLst>
             </p:cNvPr>
@@ -8767,7 +8760,7 @@
             <p:cNvPr id="26" name="TextBox 25">
               <a:extLst>
                 <a:ext uri="{FF2B5EF4-FFF2-40B4-BE49-F238E27FC236}">
-                  <a16:creationId xmlns:a16="http://schemas.microsoft.com/office/drawing/2014/main" xmlns="" id="{942FB8DE-965C-0845-A309-74C9F51EAF9F}"/>
+                  <a16:creationId xmlns="" xmlns:a16="http://schemas.microsoft.com/office/drawing/2014/main" id="{942FB8DE-965C-0845-A309-74C9F51EAF9F}"/>
                 </a:ext>
               </a:extLst>
             </p:cNvPr>
@@ -8853,7 +8846,7 @@
           <p:cNvPr id="34" name="직사각형 33">
             <a:extLst>
               <a:ext uri="{FF2B5EF4-FFF2-40B4-BE49-F238E27FC236}">
-                <a16:creationId xmlns:a16="http://schemas.microsoft.com/office/drawing/2014/main" xmlns="" id="{37CB002D-8420-B548-9BEA-2E18D8A9A204}"/>
+                <a16:creationId xmlns="" xmlns:a16="http://schemas.microsoft.com/office/drawing/2014/main" id="{37CB002D-8420-B548-9BEA-2E18D8A9A204}"/>
               </a:ext>
             </a:extLst>
           </p:cNvPr>
@@ -8907,7 +8900,7 @@
           <p:cNvPr id="8" name="직사각형 7">
             <a:extLst>
               <a:ext uri="{FF2B5EF4-FFF2-40B4-BE49-F238E27FC236}">
-                <a16:creationId xmlns:a16="http://schemas.microsoft.com/office/drawing/2014/main" xmlns="" id="{6B8B80B4-792D-174E-8B2C-A10CA85CDD01}"/>
+                <a16:creationId xmlns="" xmlns:a16="http://schemas.microsoft.com/office/drawing/2014/main" id="{6B8B80B4-792D-174E-8B2C-A10CA85CDD01}"/>
               </a:ext>
             </a:extLst>
           </p:cNvPr>
@@ -8967,7 +8960,7 @@
           <p:cNvPr id="9" name="직각 삼각형[R] 8">
             <a:extLst>
               <a:ext uri="{FF2B5EF4-FFF2-40B4-BE49-F238E27FC236}">
-                <a16:creationId xmlns:a16="http://schemas.microsoft.com/office/drawing/2014/main" xmlns="" id="{E9289217-6E56-7D4B-B6FB-329F373CAF3E}"/>
+                <a16:creationId xmlns="" xmlns:a16="http://schemas.microsoft.com/office/drawing/2014/main" id="{E9289217-6E56-7D4B-B6FB-329F373CAF3E}"/>
               </a:ext>
             </a:extLst>
           </p:cNvPr>
@@ -9021,7 +9014,7 @@
           <p:cNvPr id="20" name="TextBox 19">
             <a:extLst>
               <a:ext uri="{FF2B5EF4-FFF2-40B4-BE49-F238E27FC236}">
-                <a16:creationId xmlns:a16="http://schemas.microsoft.com/office/drawing/2014/main" xmlns="" id="{849EE5DD-2363-0B42-B4FD-2464134E7BE2}"/>
+                <a16:creationId xmlns="" xmlns:a16="http://schemas.microsoft.com/office/drawing/2014/main" id="{849EE5DD-2363-0B42-B4FD-2464134E7BE2}"/>
               </a:ext>
             </a:extLst>
           </p:cNvPr>
@@ -9049,14 +9042,7 @@
                 <a:latin typeface="배달의민족 주아" pitchFamily="18" charset="-127"/>
                 <a:ea typeface="배달의민족 주아" pitchFamily="18" charset="-127"/>
               </a:rPr>
-              <a:t>01. </a:t>
-            </a:r>
-            <a:r>
-              <a:rPr kumimoji="1" lang="en-US" altLang="ko-KR" sz="2400" dirty="0" smtClean="0">
-                <a:latin typeface="배달의민족 주아" pitchFamily="18" charset="-127"/>
-                <a:ea typeface="배달의민족 주아" pitchFamily="18" charset="-127"/>
-              </a:rPr>
-              <a:t>Validator</a:t>
+              <a:t>01. Validator</a:t>
             </a:r>
             <a:endParaRPr kumimoji="1" lang="ko-KR" altLang="en-US" sz="2400" dirty="0">
               <a:latin typeface="배달의민족 주아" pitchFamily="18" charset="-127"/>
@@ -10403,7 +10389,7 @@
           <p:cNvPr id="17" name="TextBox 16">
             <a:extLst>
               <a:ext uri="{FF2B5EF4-FFF2-40B4-BE49-F238E27FC236}">
-                <a16:creationId xmlns:a16="http://schemas.microsoft.com/office/drawing/2014/main" xmlns="" id="{7F85061E-E6C3-C84C-BB7D-87EC6FAD4193}"/>
+                <a16:creationId xmlns="" xmlns:a16="http://schemas.microsoft.com/office/drawing/2014/main" id="{7F85061E-E6C3-C84C-BB7D-87EC6FAD4193}"/>
               </a:ext>
             </a:extLst>
           </p:cNvPr>
@@ -10690,7 +10676,7 @@
           <p:cNvPr id="18" name="TextBox 17">
             <a:extLst>
               <a:ext uri="{FF2B5EF4-FFF2-40B4-BE49-F238E27FC236}">
-                <a16:creationId xmlns:a16="http://schemas.microsoft.com/office/drawing/2014/main" xmlns="" id="{7F85061E-E6C3-C84C-BB7D-87EC6FAD4193}"/>
+                <a16:creationId xmlns="" xmlns:a16="http://schemas.microsoft.com/office/drawing/2014/main" id="{7F85061E-E6C3-C84C-BB7D-87EC6FAD4193}"/>
               </a:ext>
             </a:extLst>
           </p:cNvPr>
@@ -10852,7 +10838,7 @@
             <p:cNvPr id="22" name="직사각형 21">
               <a:extLst>
                 <a:ext uri="{FF2B5EF4-FFF2-40B4-BE49-F238E27FC236}">
-                  <a16:creationId xmlns:a16="http://schemas.microsoft.com/office/drawing/2014/main" xmlns="" id="{A89F077E-F7A4-3D49-BAB5-4E9D17005D90}"/>
+                  <a16:creationId xmlns="" xmlns:a16="http://schemas.microsoft.com/office/drawing/2014/main" id="{A89F077E-F7A4-3D49-BAB5-4E9D17005D90}"/>
                 </a:ext>
               </a:extLst>
             </p:cNvPr>
@@ -10906,7 +10892,7 @@
             <p:cNvPr id="23" name="TextBox 22">
               <a:extLst>
                 <a:ext uri="{FF2B5EF4-FFF2-40B4-BE49-F238E27FC236}">
-                  <a16:creationId xmlns:a16="http://schemas.microsoft.com/office/drawing/2014/main" xmlns="" id="{942FB8DE-965C-0845-A309-74C9F51EAF9F}"/>
+                  <a16:creationId xmlns="" xmlns:a16="http://schemas.microsoft.com/office/drawing/2014/main" id="{942FB8DE-965C-0845-A309-74C9F51EAF9F}"/>
                 </a:ext>
               </a:extLst>
             </p:cNvPr>
@@ -10994,7 +10980,7 @@
           <p:cNvPr id="34" name="직사각형 33">
             <a:extLst>
               <a:ext uri="{FF2B5EF4-FFF2-40B4-BE49-F238E27FC236}">
-                <a16:creationId xmlns:a16="http://schemas.microsoft.com/office/drawing/2014/main" xmlns="" id="{37CB002D-8420-B548-9BEA-2E18D8A9A204}"/>
+                <a16:creationId xmlns="" xmlns:a16="http://schemas.microsoft.com/office/drawing/2014/main" id="{37CB002D-8420-B548-9BEA-2E18D8A9A204}"/>
               </a:ext>
             </a:extLst>
           </p:cNvPr>
@@ -11048,7 +11034,7 @@
           <p:cNvPr id="8" name="직사각형 7">
             <a:extLst>
               <a:ext uri="{FF2B5EF4-FFF2-40B4-BE49-F238E27FC236}">
-                <a16:creationId xmlns:a16="http://schemas.microsoft.com/office/drawing/2014/main" xmlns="" id="{6B8B80B4-792D-174E-8B2C-A10CA85CDD01}"/>
+                <a16:creationId xmlns="" xmlns:a16="http://schemas.microsoft.com/office/drawing/2014/main" id="{6B8B80B4-792D-174E-8B2C-A10CA85CDD01}"/>
               </a:ext>
             </a:extLst>
           </p:cNvPr>
@@ -11108,7 +11094,7 @@
           <p:cNvPr id="9" name="직각 삼각형[R] 8">
             <a:extLst>
               <a:ext uri="{FF2B5EF4-FFF2-40B4-BE49-F238E27FC236}">
-                <a16:creationId xmlns:a16="http://schemas.microsoft.com/office/drawing/2014/main" xmlns="" id="{E9289217-6E56-7D4B-B6FB-329F373CAF3E}"/>
+                <a16:creationId xmlns="" xmlns:a16="http://schemas.microsoft.com/office/drawing/2014/main" id="{E9289217-6E56-7D4B-B6FB-329F373CAF3E}"/>
               </a:ext>
             </a:extLst>
           </p:cNvPr>
@@ -11162,7 +11148,7 @@
           <p:cNvPr id="20" name="TextBox 19">
             <a:extLst>
               <a:ext uri="{FF2B5EF4-FFF2-40B4-BE49-F238E27FC236}">
-                <a16:creationId xmlns:a16="http://schemas.microsoft.com/office/drawing/2014/main" xmlns="" id="{849EE5DD-2363-0B42-B4FD-2464134E7BE2}"/>
+                <a16:creationId xmlns="" xmlns:a16="http://schemas.microsoft.com/office/drawing/2014/main" id="{849EE5DD-2363-0B42-B4FD-2464134E7BE2}"/>
               </a:ext>
             </a:extLst>
           </p:cNvPr>
@@ -11190,14 +11176,7 @@
                 <a:latin typeface="배달의민족 주아" pitchFamily="18" charset="-127"/>
                 <a:ea typeface="배달의민족 주아" pitchFamily="18" charset="-127"/>
               </a:rPr>
-              <a:t>01. </a:t>
-            </a:r>
-            <a:r>
-              <a:rPr kumimoji="1" lang="en-US" altLang="ko-KR" sz="2400" dirty="0" smtClean="0">
-                <a:latin typeface="배달의민족 주아" pitchFamily="18" charset="-127"/>
-                <a:ea typeface="배달의민족 주아" pitchFamily="18" charset="-127"/>
-              </a:rPr>
-              <a:t>Validator</a:t>
+              <a:t>01. Validator</a:t>
             </a:r>
             <a:endParaRPr kumimoji="1" lang="ko-KR" altLang="en-US" sz="2400" dirty="0">
               <a:latin typeface="배달의민족 주아" pitchFamily="18" charset="-127"/>
@@ -11225,7 +11204,7 @@
             <p:cNvPr id="15" name="직사각형 14">
               <a:extLst>
                 <a:ext uri="{FF2B5EF4-FFF2-40B4-BE49-F238E27FC236}">
-                  <a16:creationId xmlns:a16="http://schemas.microsoft.com/office/drawing/2014/main" xmlns="" id="{A89F077E-F7A4-3D49-BAB5-4E9D17005D90}"/>
+                  <a16:creationId xmlns="" xmlns:a16="http://schemas.microsoft.com/office/drawing/2014/main" id="{A89F077E-F7A4-3D49-BAB5-4E9D17005D90}"/>
                 </a:ext>
               </a:extLst>
             </p:cNvPr>
@@ -11279,7 +11258,7 @@
             <p:cNvPr id="16" name="TextBox 15">
               <a:extLst>
                 <a:ext uri="{FF2B5EF4-FFF2-40B4-BE49-F238E27FC236}">
-                  <a16:creationId xmlns:a16="http://schemas.microsoft.com/office/drawing/2014/main" xmlns="" id="{942FB8DE-965C-0845-A309-74C9F51EAF9F}"/>
+                  <a16:creationId xmlns="" xmlns:a16="http://schemas.microsoft.com/office/drawing/2014/main" id="{942FB8DE-965C-0845-A309-74C9F51EAF9F}"/>
                 </a:ext>
               </a:extLst>
             </p:cNvPr>
@@ -12916,7 +12895,7 @@
           <p:cNvPr id="19" name="TextBox 18">
             <a:extLst>
               <a:ext uri="{FF2B5EF4-FFF2-40B4-BE49-F238E27FC236}">
-                <a16:creationId xmlns:a16="http://schemas.microsoft.com/office/drawing/2014/main" xmlns="" id="{942FB8DE-965C-0845-A309-74C9F51EAF9F}"/>
+                <a16:creationId xmlns="" xmlns:a16="http://schemas.microsoft.com/office/drawing/2014/main" id="{942FB8DE-965C-0845-A309-74C9F51EAF9F}"/>
               </a:ext>
             </a:extLst>
           </p:cNvPr>
@@ -12926,7 +12905,7 @@
         <p:spPr>
           <a:xfrm>
             <a:off x="2460373" y="4675417"/>
-            <a:ext cx="9560413" cy="1600438"/>
+            <a:ext cx="9560413" cy="1877437"/>
           </a:xfrm>
           <a:prstGeom prst="rect">
             <a:avLst/>
@@ -12946,14 +12925,7 @@
                 <a:latin typeface="배달의민족 주아" pitchFamily="18" charset="-127"/>
                 <a:ea typeface="배달의민족 주아" pitchFamily="18" charset="-127"/>
               </a:rPr>
-              <a:t>Validat</a:t>
-            </a:r>
-            <a:r>
-              <a:rPr kumimoji="1" lang="en-US" altLang="ko-KR" sz="2000" dirty="0" err="1" smtClean="0">
-                <a:latin typeface="배달의민족 주아" pitchFamily="18" charset="-127"/>
-                <a:ea typeface="배달의민족 주아" pitchFamily="18" charset="-127"/>
-              </a:rPr>
-              <a:t>ionUtils</a:t>
+              <a:t>ValidationUtils</a:t>
             </a:r>
             <a:r>
               <a:rPr kumimoji="1" lang="en-US" altLang="ko-KR" sz="2000" dirty="0" smtClean="0">
@@ -13113,6 +13085,7 @@
             </a:endParaRPr>
           </a:p>
           <a:p>
+            <a:pPr algn="r"/>
             <a:r>
               <a:rPr kumimoji="1" lang="en-US" altLang="ko-KR" sz="2000" dirty="0" smtClean="0">
                 <a:latin typeface="배달의민족 주아" pitchFamily="18" charset="-127"/>
@@ -13120,6 +13093,156 @@
               </a:rPr>
               <a:t>	</a:t>
             </a:r>
+            <a:r>
+              <a:rPr lang="ko-KR" altLang="en-US" sz="1600" dirty="0">
+                <a:ln>
+                  <a:solidFill>
+                    <a:schemeClr val="tx1">
+                      <a:lumMod val="50000"/>
+                      <a:lumOff val="50000"/>
+                      <a:alpha val="20000"/>
+                    </a:schemeClr>
+                  </a:solidFill>
+                </a:ln>
+                <a:latin typeface="배달의민족 주아" pitchFamily="18" charset="-127"/>
+                <a:ea typeface="배달의민족 주아" pitchFamily="18" charset="-127"/>
+                <a:hlinkClick r:id="rId2"/>
+              </a:rPr>
+              <a:t>✔</a:t>
+            </a:r>
+            <a:r>
+              <a:rPr lang="en-US" altLang="ko-KR" sz="1600" dirty="0" smtClean="0">
+                <a:ln>
+                  <a:solidFill>
+                    <a:schemeClr val="tx1">
+                      <a:lumMod val="50000"/>
+                      <a:lumOff val="50000"/>
+                      <a:alpha val="20000"/>
+                    </a:schemeClr>
+                  </a:solidFill>
+                </a:ln>
+                <a:latin typeface="배달의민족 주아" pitchFamily="18" charset="-127"/>
+                <a:ea typeface="배달의민족 주아" pitchFamily="18" charset="-127"/>
+                <a:hlinkClick r:id="rId2"/>
+              </a:rPr>
+              <a:t>(</a:t>
+            </a:r>
+            <a:r>
+              <a:rPr kumimoji="1" lang="en-US" altLang="ko-KR" sz="1600" dirty="0" err="1">
+                <a:latin typeface="배달의민족 주아" pitchFamily="18" charset="-127"/>
+                <a:ea typeface="배달의민족 주아" pitchFamily="18" charset="-127"/>
+                <a:hlinkClick r:id="rId2"/>
+              </a:rPr>
+              <a:t>ValidationUtils</a:t>
+            </a:r>
+            <a:r>
+              <a:rPr kumimoji="1" lang="en-US" altLang="ko-KR" sz="1600" dirty="0">
+                <a:latin typeface="배달의민족 주아" pitchFamily="18" charset="-127"/>
+                <a:ea typeface="배달의민족 주아" pitchFamily="18" charset="-127"/>
+                <a:hlinkClick r:id="rId2"/>
+              </a:rPr>
+              <a:t> </a:t>
+            </a:r>
+            <a:r>
+              <a:rPr lang="ko-KR" altLang="en-US" sz="1600" dirty="0" smtClean="0">
+                <a:ln>
+                  <a:solidFill>
+                    <a:schemeClr val="tx1">
+                      <a:lumMod val="50000"/>
+                      <a:lumOff val="50000"/>
+                      <a:alpha val="20000"/>
+                    </a:schemeClr>
+                  </a:solidFill>
+                </a:ln>
+                <a:latin typeface="배달의민족 주아" pitchFamily="18" charset="-127"/>
+                <a:ea typeface="배달의민족 주아" pitchFamily="18" charset="-127"/>
+                <a:hlinkClick r:id="rId2"/>
+              </a:rPr>
+              <a:t>인터페이스 </a:t>
+            </a:r>
+            <a:r>
+              <a:rPr lang="ko-KR" altLang="en-US" sz="1600" dirty="0">
+                <a:ln>
+                  <a:solidFill>
+                    <a:schemeClr val="tx1">
+                      <a:lumMod val="50000"/>
+                      <a:lumOff val="50000"/>
+                      <a:alpha val="20000"/>
+                    </a:schemeClr>
+                  </a:solidFill>
+                </a:ln>
+                <a:latin typeface="배달의민족 주아" pitchFamily="18" charset="-127"/>
+                <a:ea typeface="배달의민족 주아" pitchFamily="18" charset="-127"/>
+                <a:hlinkClick r:id="rId2"/>
+              </a:rPr>
+              <a:t>내장 </a:t>
+            </a:r>
+            <a:r>
+              <a:rPr lang="ko-KR" altLang="en-US" sz="1600" dirty="0" err="1">
+                <a:ln>
+                  <a:solidFill>
+                    <a:schemeClr val="tx1">
+                      <a:lumMod val="50000"/>
+                      <a:lumOff val="50000"/>
+                      <a:alpha val="20000"/>
+                    </a:schemeClr>
+                  </a:solidFill>
+                </a:ln>
+                <a:latin typeface="배달의민족 주아" pitchFamily="18" charset="-127"/>
+                <a:ea typeface="배달의민족 주아" pitchFamily="18" charset="-127"/>
+                <a:hlinkClick r:id="rId2"/>
+              </a:rPr>
+              <a:t>메서드</a:t>
+            </a:r>
+            <a:r>
+              <a:rPr lang="ko-KR" altLang="en-US" sz="1600" dirty="0">
+                <a:ln>
+                  <a:solidFill>
+                    <a:schemeClr val="tx1">
+                      <a:lumMod val="50000"/>
+                      <a:lumOff val="50000"/>
+                      <a:alpha val="20000"/>
+                    </a:schemeClr>
+                  </a:solidFill>
+                </a:ln>
+                <a:latin typeface="배달의민족 주아" pitchFamily="18" charset="-127"/>
+                <a:ea typeface="배달의민족 주아" pitchFamily="18" charset="-127"/>
+                <a:hlinkClick r:id="rId2"/>
+              </a:rPr>
+              <a:t> 참고</a:t>
+            </a:r>
+            <a:r>
+              <a:rPr lang="en-US" altLang="ko-KR" sz="1600" dirty="0">
+                <a:ln>
+                  <a:solidFill>
+                    <a:schemeClr val="tx1">
+                      <a:lumMod val="50000"/>
+                      <a:lumOff val="50000"/>
+                      <a:alpha val="20000"/>
+                    </a:schemeClr>
+                  </a:solidFill>
+                </a:ln>
+                <a:latin typeface="배달의민족 주아" pitchFamily="18" charset="-127"/>
+                <a:ea typeface="배달의민족 주아" pitchFamily="18" charset="-127"/>
+                <a:hlinkClick r:id="rId2"/>
+              </a:rPr>
+              <a:t>)</a:t>
+            </a:r>
+            <a:endParaRPr lang="en-US" altLang="ko-KR" sz="1600" dirty="0">
+              <a:ln>
+                <a:solidFill>
+                  <a:schemeClr val="tx1">
+                    <a:lumMod val="50000"/>
+                    <a:lumOff val="50000"/>
+                    <a:alpha val="20000"/>
+                  </a:schemeClr>
+                </a:solidFill>
+              </a:ln>
+              <a:latin typeface="배달의민족 주아" pitchFamily="18" charset="-127"/>
+              <a:ea typeface="배달의민족 주아" pitchFamily="18" charset="-127"/>
+            </a:endParaRPr>
+          </a:p>
+          <a:p>
             <a:endParaRPr kumimoji="1" lang="en-US" altLang="ko-KR" dirty="0" smtClean="0">
               <a:latin typeface="배달의민족 주아" pitchFamily="18" charset="-127"/>
               <a:ea typeface="배달의민족 주아" pitchFamily="18" charset="-127"/>
@@ -13209,7 +13332,7 @@
           <p:cNvPr id="34" name="직사각형 33">
             <a:extLst>
               <a:ext uri="{FF2B5EF4-FFF2-40B4-BE49-F238E27FC236}">
-                <a16:creationId xmlns:a16="http://schemas.microsoft.com/office/drawing/2014/main" xmlns="" id="{37CB002D-8420-B548-9BEA-2E18D8A9A204}"/>
+                <a16:creationId xmlns="" xmlns:a16="http://schemas.microsoft.com/office/drawing/2014/main" id="{37CB002D-8420-B548-9BEA-2E18D8A9A204}"/>
               </a:ext>
             </a:extLst>
           </p:cNvPr>
@@ -13263,7 +13386,7 @@
           <p:cNvPr id="8" name="직사각형 7">
             <a:extLst>
               <a:ext uri="{FF2B5EF4-FFF2-40B4-BE49-F238E27FC236}">
-                <a16:creationId xmlns:a16="http://schemas.microsoft.com/office/drawing/2014/main" xmlns="" id="{6B8B80B4-792D-174E-8B2C-A10CA85CDD01}"/>
+                <a16:creationId xmlns="" xmlns:a16="http://schemas.microsoft.com/office/drawing/2014/main" id="{6B8B80B4-792D-174E-8B2C-A10CA85CDD01}"/>
               </a:ext>
             </a:extLst>
           </p:cNvPr>
@@ -13323,7 +13446,7 @@
           <p:cNvPr id="9" name="직각 삼각형[R] 8">
             <a:extLst>
               <a:ext uri="{FF2B5EF4-FFF2-40B4-BE49-F238E27FC236}">
-                <a16:creationId xmlns:a16="http://schemas.microsoft.com/office/drawing/2014/main" xmlns="" id="{E9289217-6E56-7D4B-B6FB-329F373CAF3E}"/>
+                <a16:creationId xmlns="" xmlns:a16="http://schemas.microsoft.com/office/drawing/2014/main" id="{E9289217-6E56-7D4B-B6FB-329F373CAF3E}"/>
               </a:ext>
             </a:extLst>
           </p:cNvPr>
@@ -13377,7 +13500,7 @@
           <p:cNvPr id="20" name="TextBox 19">
             <a:extLst>
               <a:ext uri="{FF2B5EF4-FFF2-40B4-BE49-F238E27FC236}">
-                <a16:creationId xmlns:a16="http://schemas.microsoft.com/office/drawing/2014/main" xmlns="" id="{849EE5DD-2363-0B42-B4FD-2464134E7BE2}"/>
+                <a16:creationId xmlns="" xmlns:a16="http://schemas.microsoft.com/office/drawing/2014/main" id="{849EE5DD-2363-0B42-B4FD-2464134E7BE2}"/>
               </a:ext>
             </a:extLst>
           </p:cNvPr>
@@ -13405,14 +13528,7 @@
                 <a:latin typeface="배달의민족 주아" pitchFamily="18" charset="-127"/>
                 <a:ea typeface="배달의민족 주아" pitchFamily="18" charset="-127"/>
               </a:rPr>
-              <a:t>01. </a:t>
-            </a:r>
-            <a:r>
-              <a:rPr kumimoji="1" lang="en-US" altLang="ko-KR" sz="2400" dirty="0" smtClean="0">
-                <a:latin typeface="배달의민족 주아" pitchFamily="18" charset="-127"/>
-                <a:ea typeface="배달의민족 주아" pitchFamily="18" charset="-127"/>
-              </a:rPr>
-              <a:t>Validator</a:t>
+              <a:t>01. Validator</a:t>
             </a:r>
             <a:endParaRPr kumimoji="1" lang="ko-KR" altLang="en-US" sz="2400" dirty="0">
               <a:latin typeface="배달의민족 주아" pitchFamily="18" charset="-127"/>
@@ -13440,7 +13556,7 @@
             <p:cNvPr id="22" name="직사각형 21">
               <a:extLst>
                 <a:ext uri="{FF2B5EF4-FFF2-40B4-BE49-F238E27FC236}">
-                  <a16:creationId xmlns:a16="http://schemas.microsoft.com/office/drawing/2014/main" xmlns="" id="{A89F077E-F7A4-3D49-BAB5-4E9D17005D90}"/>
+                  <a16:creationId xmlns="" xmlns:a16="http://schemas.microsoft.com/office/drawing/2014/main" id="{A89F077E-F7A4-3D49-BAB5-4E9D17005D90}"/>
                 </a:ext>
               </a:extLst>
             </p:cNvPr>
@@ -13494,7 +13610,7 @@
             <p:cNvPr id="23" name="TextBox 22">
               <a:extLst>
                 <a:ext uri="{FF2B5EF4-FFF2-40B4-BE49-F238E27FC236}">
-                  <a16:creationId xmlns:a16="http://schemas.microsoft.com/office/drawing/2014/main" xmlns="" id="{942FB8DE-965C-0845-A309-74C9F51EAF9F}"/>
+                  <a16:creationId xmlns="" xmlns:a16="http://schemas.microsoft.com/office/drawing/2014/main" id="{942FB8DE-965C-0845-A309-74C9F51EAF9F}"/>
                 </a:ext>
               </a:extLst>
             </p:cNvPr>
@@ -14639,7 +14755,7 @@
           <p:cNvPr id="19" name="TextBox 18">
             <a:extLst>
               <a:ext uri="{FF2B5EF4-FFF2-40B4-BE49-F238E27FC236}">
-                <a16:creationId xmlns:a16="http://schemas.microsoft.com/office/drawing/2014/main" xmlns="" id="{7F85061E-E6C3-C84C-BB7D-87EC6FAD4193}"/>
+                <a16:creationId xmlns="" xmlns:a16="http://schemas.microsoft.com/office/drawing/2014/main" id="{7F85061E-E6C3-C84C-BB7D-87EC6FAD4193}"/>
               </a:ext>
             </a:extLst>
           </p:cNvPr>
@@ -14720,7 +14836,7 @@
           <p:cNvPr id="24" name="TextBox 23">
             <a:extLst>
               <a:ext uri="{FF2B5EF4-FFF2-40B4-BE49-F238E27FC236}">
-                <a16:creationId xmlns:a16="http://schemas.microsoft.com/office/drawing/2014/main" xmlns="" id="{7F85061E-E6C3-C84C-BB7D-87EC6FAD4193}"/>
+                <a16:creationId xmlns="" xmlns:a16="http://schemas.microsoft.com/office/drawing/2014/main" id="{7F85061E-E6C3-C84C-BB7D-87EC6FAD4193}"/>
               </a:ext>
             </a:extLst>
           </p:cNvPr>
@@ -14730,7 +14846,7 @@
         <p:spPr>
           <a:xfrm>
             <a:off x="6324608" y="3243195"/>
-            <a:ext cx="5769421" cy="732508"/>
+            <a:ext cx="5769421" cy="1012585"/>
           </a:xfrm>
           <a:prstGeom prst="rect">
             <a:avLst/>
@@ -14929,9 +15045,134 @@
                 <a:latin typeface="배달의민족 주아" pitchFamily="18" charset="-127"/>
                 <a:ea typeface="배달의민족 주아" pitchFamily="18" charset="-127"/>
               </a:rPr>
-              <a:t>오류 여부 확인 가능</a:t>
-            </a:r>
-            <a:endParaRPr lang="en-US" altLang="ko-KR" sz="1600" dirty="0" smtClean="0">
+              <a:t>오류 여부 확인 </a:t>
+            </a:r>
+            <a:r>
+              <a:rPr lang="ko-KR" altLang="en-US" sz="1400" dirty="0" smtClean="0">
+                <a:ln>
+                  <a:solidFill>
+                    <a:schemeClr val="tx1">
+                      <a:lumMod val="50000"/>
+                      <a:lumOff val="50000"/>
+                      <a:alpha val="20000"/>
+                    </a:schemeClr>
+                  </a:solidFill>
+                </a:ln>
+                <a:latin typeface="배달의민족 주아" pitchFamily="18" charset="-127"/>
+                <a:ea typeface="배달의민족 주아" pitchFamily="18" charset="-127"/>
+              </a:rPr>
+              <a:t>가능</a:t>
+            </a:r>
+          </a:p>
+          <a:p>
+            <a:pPr algn="r">
+              <a:lnSpc>
+                <a:spcPct val="130000"/>
+              </a:lnSpc>
+            </a:pPr>
+            <a:r>
+              <a:rPr lang="ko-KR" altLang="en-US" sz="1400" dirty="0" smtClean="0">
+                <a:ln>
+                  <a:solidFill>
+                    <a:schemeClr val="tx1">
+                      <a:lumMod val="50000"/>
+                      <a:lumOff val="50000"/>
+                      <a:alpha val="20000"/>
+                    </a:schemeClr>
+                  </a:solidFill>
+                </a:ln>
+                <a:latin typeface="배달의민족 주아" pitchFamily="18" charset="-127"/>
+                <a:ea typeface="배달의민족 주아" pitchFamily="18" charset="-127"/>
+                <a:hlinkClick r:id="rId2"/>
+              </a:rPr>
+              <a:t>✔</a:t>
+            </a:r>
+            <a:r>
+              <a:rPr lang="en-US" altLang="ko-KR" sz="1400" dirty="0" smtClean="0">
+                <a:ln>
+                  <a:solidFill>
+                    <a:schemeClr val="tx1">
+                      <a:lumMod val="50000"/>
+                      <a:lumOff val="50000"/>
+                      <a:alpha val="20000"/>
+                    </a:schemeClr>
+                  </a:solidFill>
+                </a:ln>
+                <a:latin typeface="배달의민족 주아" pitchFamily="18" charset="-127"/>
+                <a:ea typeface="배달의민족 주아" pitchFamily="18" charset="-127"/>
+                <a:hlinkClick r:id="rId2"/>
+              </a:rPr>
+              <a:t>(Error </a:t>
+            </a:r>
+            <a:r>
+              <a:rPr lang="ko-KR" altLang="en-US" sz="1400" dirty="0" smtClean="0">
+                <a:ln>
+                  <a:solidFill>
+                    <a:schemeClr val="tx1">
+                      <a:lumMod val="50000"/>
+                      <a:lumOff val="50000"/>
+                      <a:alpha val="20000"/>
+                    </a:schemeClr>
+                  </a:solidFill>
+                </a:ln>
+                <a:latin typeface="배달의민족 주아" pitchFamily="18" charset="-127"/>
+                <a:ea typeface="배달의민족 주아" pitchFamily="18" charset="-127"/>
+                <a:hlinkClick r:id="rId2"/>
+              </a:rPr>
+              <a:t>인터페이스 내장 </a:t>
+            </a:r>
+            <a:r>
+              <a:rPr lang="ko-KR" altLang="en-US" sz="1400" dirty="0" err="1" smtClean="0">
+                <a:ln>
+                  <a:solidFill>
+                    <a:schemeClr val="tx1">
+                      <a:lumMod val="50000"/>
+                      <a:lumOff val="50000"/>
+                      <a:alpha val="20000"/>
+                    </a:schemeClr>
+                  </a:solidFill>
+                </a:ln>
+                <a:latin typeface="배달의민족 주아" pitchFamily="18" charset="-127"/>
+                <a:ea typeface="배달의민족 주아" pitchFamily="18" charset="-127"/>
+                <a:hlinkClick r:id="rId2"/>
+              </a:rPr>
+              <a:t>메서드</a:t>
+            </a:r>
+            <a:r>
+              <a:rPr lang="ko-KR" altLang="en-US" sz="1400" dirty="0" smtClean="0">
+                <a:ln>
+                  <a:solidFill>
+                    <a:schemeClr val="tx1">
+                      <a:lumMod val="50000"/>
+                      <a:lumOff val="50000"/>
+                      <a:alpha val="20000"/>
+                    </a:schemeClr>
+                  </a:solidFill>
+                </a:ln>
+                <a:latin typeface="배달의민족 주아" pitchFamily="18" charset="-127"/>
+                <a:ea typeface="배달의민족 주아" pitchFamily="18" charset="-127"/>
+                <a:hlinkClick r:id="rId2"/>
+              </a:rPr>
+              <a:t> 참고</a:t>
+            </a:r>
+            <a:r>
+              <a:rPr lang="en-US" altLang="ko-KR" sz="1400" dirty="0" smtClean="0">
+                <a:ln>
+                  <a:solidFill>
+                    <a:schemeClr val="tx1">
+                      <a:lumMod val="50000"/>
+                      <a:lumOff val="50000"/>
+                      <a:alpha val="20000"/>
+                    </a:schemeClr>
+                  </a:solidFill>
+                </a:ln>
+                <a:latin typeface="배달의민족 주아" pitchFamily="18" charset="-127"/>
+                <a:ea typeface="배달의민족 주아" pitchFamily="18" charset="-127"/>
+                <a:hlinkClick r:id="rId2"/>
+              </a:rPr>
+              <a:t>)</a:t>
+            </a:r>
+            <a:endParaRPr lang="en-US" altLang="ko-KR" sz="1400" dirty="0" smtClean="0">
               <a:ln>
                 <a:solidFill>
                   <a:schemeClr val="tx1">
@@ -15002,7 +15243,7 @@
           <p:cNvPr id="29" name="TextBox 28">
             <a:extLst>
               <a:ext uri="{FF2B5EF4-FFF2-40B4-BE49-F238E27FC236}">
-                <a16:creationId xmlns:a16="http://schemas.microsoft.com/office/drawing/2014/main" xmlns="" id="{7F85061E-E6C3-C84C-BB7D-87EC6FAD4193}"/>
+                <a16:creationId xmlns="" xmlns:a16="http://schemas.microsoft.com/office/drawing/2014/main" id="{7F85061E-E6C3-C84C-BB7D-87EC6FAD4193}"/>
               </a:ext>
             </a:extLst>
           </p:cNvPr>
@@ -15148,7 +15389,7 @@
           <p:cNvPr id="31" name="TextBox 30">
             <a:extLst>
               <a:ext uri="{FF2B5EF4-FFF2-40B4-BE49-F238E27FC236}">
-                <a16:creationId xmlns:a16="http://schemas.microsoft.com/office/drawing/2014/main" xmlns="" id="{7F85061E-E6C3-C84C-BB7D-87EC6FAD4193}"/>
+                <a16:creationId xmlns="" xmlns:a16="http://schemas.microsoft.com/office/drawing/2014/main" id="{7F85061E-E6C3-C84C-BB7D-87EC6FAD4193}"/>
               </a:ext>
             </a:extLst>
           </p:cNvPr>
@@ -15365,7 +15606,7 @@
           <p:cNvPr id="34" name="직사각형 33">
             <a:extLst>
               <a:ext uri="{FF2B5EF4-FFF2-40B4-BE49-F238E27FC236}">
-                <a16:creationId xmlns:a16="http://schemas.microsoft.com/office/drawing/2014/main" xmlns="" id="{37CB002D-8420-B548-9BEA-2E18D8A9A204}"/>
+                <a16:creationId xmlns="" xmlns:a16="http://schemas.microsoft.com/office/drawing/2014/main" id="{37CB002D-8420-B548-9BEA-2E18D8A9A204}"/>
               </a:ext>
             </a:extLst>
           </p:cNvPr>
@@ -15419,7 +15660,7 @@
           <p:cNvPr id="8" name="직사각형 7">
             <a:extLst>
               <a:ext uri="{FF2B5EF4-FFF2-40B4-BE49-F238E27FC236}">
-                <a16:creationId xmlns:a16="http://schemas.microsoft.com/office/drawing/2014/main" xmlns="" id="{6B8B80B4-792D-174E-8B2C-A10CA85CDD01}"/>
+                <a16:creationId xmlns="" xmlns:a16="http://schemas.microsoft.com/office/drawing/2014/main" id="{6B8B80B4-792D-174E-8B2C-A10CA85CDD01}"/>
               </a:ext>
             </a:extLst>
           </p:cNvPr>
@@ -15479,7 +15720,7 @@
           <p:cNvPr id="9" name="직각 삼각형[R] 8">
             <a:extLst>
               <a:ext uri="{FF2B5EF4-FFF2-40B4-BE49-F238E27FC236}">
-                <a16:creationId xmlns:a16="http://schemas.microsoft.com/office/drawing/2014/main" xmlns="" id="{E9289217-6E56-7D4B-B6FB-329F373CAF3E}"/>
+                <a16:creationId xmlns="" xmlns:a16="http://schemas.microsoft.com/office/drawing/2014/main" id="{E9289217-6E56-7D4B-B6FB-329F373CAF3E}"/>
               </a:ext>
             </a:extLst>
           </p:cNvPr>
@@ -15533,7 +15774,7 @@
           <p:cNvPr id="31" name="직사각형 30">
             <a:extLst>
               <a:ext uri="{FF2B5EF4-FFF2-40B4-BE49-F238E27FC236}">
-                <a16:creationId xmlns:a16="http://schemas.microsoft.com/office/drawing/2014/main" xmlns="" id="{A89F077E-F7A4-3D49-BAB5-4E9D17005D90}"/>
+                <a16:creationId xmlns="" xmlns:a16="http://schemas.microsoft.com/office/drawing/2014/main" id="{A89F077E-F7A4-3D49-BAB5-4E9D17005D90}"/>
               </a:ext>
             </a:extLst>
           </p:cNvPr>
@@ -15587,7 +15828,7 @@
           <p:cNvPr id="32" name="TextBox 31">
             <a:extLst>
               <a:ext uri="{FF2B5EF4-FFF2-40B4-BE49-F238E27FC236}">
-                <a16:creationId xmlns:a16="http://schemas.microsoft.com/office/drawing/2014/main" xmlns="" id="{942FB8DE-965C-0845-A309-74C9F51EAF9F}"/>
+                <a16:creationId xmlns="" xmlns:a16="http://schemas.microsoft.com/office/drawing/2014/main" id="{942FB8DE-965C-0845-A309-74C9F51EAF9F}"/>
               </a:ext>
             </a:extLst>
           </p:cNvPr>
@@ -15637,7 +15878,7 @@
           <p:cNvPr id="33" name="TextBox 32">
             <a:extLst>
               <a:ext uri="{FF2B5EF4-FFF2-40B4-BE49-F238E27FC236}">
-                <a16:creationId xmlns:a16="http://schemas.microsoft.com/office/drawing/2014/main" xmlns="" id="{7F85061E-E6C3-C84C-BB7D-87EC6FAD4193}"/>
+                <a16:creationId xmlns="" xmlns:a16="http://schemas.microsoft.com/office/drawing/2014/main" id="{7F85061E-E6C3-C84C-BB7D-87EC6FAD4193}"/>
               </a:ext>
             </a:extLst>
           </p:cNvPr>
@@ -15766,7 +16007,7 @@
           <p:cNvPr id="20" name="TextBox 19">
             <a:extLst>
               <a:ext uri="{FF2B5EF4-FFF2-40B4-BE49-F238E27FC236}">
-                <a16:creationId xmlns:a16="http://schemas.microsoft.com/office/drawing/2014/main" xmlns="" id="{849EE5DD-2363-0B42-B4FD-2464134E7BE2}"/>
+                <a16:creationId xmlns="" xmlns:a16="http://schemas.microsoft.com/office/drawing/2014/main" id="{849EE5DD-2363-0B42-B4FD-2464134E7BE2}"/>
               </a:ext>
             </a:extLst>
           </p:cNvPr>
@@ -17345,7 +17586,7 @@
           <p:cNvPr id="41" name="TextBox 40">
             <a:extLst>
               <a:ext uri="{FF2B5EF4-FFF2-40B4-BE49-F238E27FC236}">
-                <a16:creationId xmlns:a16="http://schemas.microsoft.com/office/drawing/2014/main" xmlns="" id="{7F85061E-E6C3-C84C-BB7D-87EC6FAD4193}"/>
+                <a16:creationId xmlns="" xmlns:a16="http://schemas.microsoft.com/office/drawing/2014/main" id="{7F85061E-E6C3-C84C-BB7D-87EC6FAD4193}"/>
               </a:ext>
             </a:extLst>
           </p:cNvPr>
@@ -17542,7 +17783,7 @@
           <p:cNvPr id="42" name="TextBox 41">
             <a:extLst>
               <a:ext uri="{FF2B5EF4-FFF2-40B4-BE49-F238E27FC236}">
-                <a16:creationId xmlns:a16="http://schemas.microsoft.com/office/drawing/2014/main" xmlns="" id="{7F85061E-E6C3-C84C-BB7D-87EC6FAD4193}"/>
+                <a16:creationId xmlns="" xmlns:a16="http://schemas.microsoft.com/office/drawing/2014/main" id="{7F85061E-E6C3-C84C-BB7D-87EC6FAD4193}"/>
               </a:ext>
             </a:extLst>
           </p:cNvPr>
@@ -17671,7 +17912,7 @@
           <p:cNvPr id="43" name="TextBox 42">
             <a:extLst>
               <a:ext uri="{FF2B5EF4-FFF2-40B4-BE49-F238E27FC236}">
-                <a16:creationId xmlns:a16="http://schemas.microsoft.com/office/drawing/2014/main" xmlns="" id="{7F85061E-E6C3-C84C-BB7D-87EC6FAD4193}"/>
+                <a16:creationId xmlns="" xmlns:a16="http://schemas.microsoft.com/office/drawing/2014/main" id="{7F85061E-E6C3-C84C-BB7D-87EC6FAD4193}"/>
               </a:ext>
             </a:extLst>
           </p:cNvPr>
@@ -18388,7 +18629,7 @@
           <p:cNvPr id="44" name="TextBox 43">
             <a:extLst>
               <a:ext uri="{FF2B5EF4-FFF2-40B4-BE49-F238E27FC236}">
-                <a16:creationId xmlns:a16="http://schemas.microsoft.com/office/drawing/2014/main" xmlns="" id="{7F85061E-E6C3-C84C-BB7D-87EC6FAD4193}"/>
+                <a16:creationId xmlns="" xmlns:a16="http://schemas.microsoft.com/office/drawing/2014/main" id="{7F85061E-E6C3-C84C-BB7D-87EC6FAD4193}"/>
               </a:ext>
             </a:extLst>
           </p:cNvPr>
@@ -18517,7 +18758,7 @@
           <p:cNvPr id="45" name="TextBox 44">
             <a:extLst>
               <a:ext uri="{FF2B5EF4-FFF2-40B4-BE49-F238E27FC236}">
-                <a16:creationId xmlns:a16="http://schemas.microsoft.com/office/drawing/2014/main" xmlns="" id="{7F85061E-E6C3-C84C-BB7D-87EC6FAD4193}"/>
+                <a16:creationId xmlns="" xmlns:a16="http://schemas.microsoft.com/office/drawing/2014/main" id="{7F85061E-E6C3-C84C-BB7D-87EC6FAD4193}"/>
               </a:ext>
             </a:extLst>
           </p:cNvPr>
@@ -18832,7 +19073,7 @@
           <p:cNvPr id="34" name="직사각형 33">
             <a:extLst>
               <a:ext uri="{FF2B5EF4-FFF2-40B4-BE49-F238E27FC236}">
-                <a16:creationId xmlns:a16="http://schemas.microsoft.com/office/drawing/2014/main" xmlns="" id="{37CB002D-8420-B548-9BEA-2E18D8A9A204}"/>
+                <a16:creationId xmlns="" xmlns:a16="http://schemas.microsoft.com/office/drawing/2014/main" id="{37CB002D-8420-B548-9BEA-2E18D8A9A204}"/>
               </a:ext>
             </a:extLst>
           </p:cNvPr>
@@ -18889,7 +19130,7 @@
           <p:cNvPr id="31" name="직사각형 30">
             <a:extLst>
               <a:ext uri="{FF2B5EF4-FFF2-40B4-BE49-F238E27FC236}">
-                <a16:creationId xmlns:a16="http://schemas.microsoft.com/office/drawing/2014/main" xmlns="" id="{A89F077E-F7A4-3D49-BAB5-4E9D17005D90}"/>
+                <a16:creationId xmlns="" xmlns:a16="http://schemas.microsoft.com/office/drawing/2014/main" id="{A89F077E-F7A4-3D49-BAB5-4E9D17005D90}"/>
               </a:ext>
             </a:extLst>
           </p:cNvPr>
@@ -18943,7 +19184,7 @@
           <p:cNvPr id="32" name="TextBox 31">
             <a:extLst>
               <a:ext uri="{FF2B5EF4-FFF2-40B4-BE49-F238E27FC236}">
-                <a16:creationId xmlns:a16="http://schemas.microsoft.com/office/drawing/2014/main" xmlns="" id="{942FB8DE-965C-0845-A309-74C9F51EAF9F}"/>
+                <a16:creationId xmlns="" xmlns:a16="http://schemas.microsoft.com/office/drawing/2014/main" id="{942FB8DE-965C-0845-A309-74C9F51EAF9F}"/>
               </a:ext>
             </a:extLst>
           </p:cNvPr>
@@ -18992,7 +19233,7 @@
           <p:cNvPr id="15" name="직사각형 14">
             <a:extLst>
               <a:ext uri="{FF2B5EF4-FFF2-40B4-BE49-F238E27FC236}">
-                <a16:creationId xmlns:a16="http://schemas.microsoft.com/office/drawing/2014/main" xmlns="" id="{6B8B80B4-792D-174E-8B2C-A10CA85CDD01}"/>
+                <a16:creationId xmlns="" xmlns:a16="http://schemas.microsoft.com/office/drawing/2014/main" id="{6B8B80B4-792D-174E-8B2C-A10CA85CDD01}"/>
               </a:ext>
             </a:extLst>
           </p:cNvPr>
@@ -19052,7 +19293,7 @@
           <p:cNvPr id="16" name="직각 삼각형[R] 8">
             <a:extLst>
               <a:ext uri="{FF2B5EF4-FFF2-40B4-BE49-F238E27FC236}">
-                <a16:creationId xmlns:a16="http://schemas.microsoft.com/office/drawing/2014/main" xmlns="" id="{E9289217-6E56-7D4B-B6FB-329F373CAF3E}"/>
+                <a16:creationId xmlns="" xmlns:a16="http://schemas.microsoft.com/office/drawing/2014/main" id="{E9289217-6E56-7D4B-B6FB-329F373CAF3E}"/>
               </a:ext>
             </a:extLst>
           </p:cNvPr>
@@ -19106,7 +19347,7 @@
           <p:cNvPr id="17" name="TextBox 16">
             <a:extLst>
               <a:ext uri="{FF2B5EF4-FFF2-40B4-BE49-F238E27FC236}">
-                <a16:creationId xmlns:a16="http://schemas.microsoft.com/office/drawing/2014/main" xmlns="" id="{849EE5DD-2363-0B42-B4FD-2464134E7BE2}"/>
+                <a16:creationId xmlns="" xmlns:a16="http://schemas.microsoft.com/office/drawing/2014/main" id="{849EE5DD-2363-0B42-B4FD-2464134E7BE2}"/>
               </a:ext>
             </a:extLst>
           </p:cNvPr>
@@ -19202,7 +19443,7 @@
           <p:cNvPr id="20" name="TextBox 19">
             <a:extLst>
               <a:ext uri="{FF2B5EF4-FFF2-40B4-BE49-F238E27FC236}">
-                <a16:creationId xmlns:a16="http://schemas.microsoft.com/office/drawing/2014/main" xmlns="" id="{942FB8DE-965C-0845-A309-74C9F51EAF9F}"/>
+                <a16:creationId xmlns="" xmlns:a16="http://schemas.microsoft.com/office/drawing/2014/main" id="{942FB8DE-965C-0845-A309-74C9F51EAF9F}"/>
               </a:ext>
             </a:extLst>
           </p:cNvPr>
@@ -19308,7 +19549,7 @@
           <p:cNvPr id="28" name="TextBox 27">
             <a:extLst>
               <a:ext uri="{FF2B5EF4-FFF2-40B4-BE49-F238E27FC236}">
-                <a16:creationId xmlns:a16="http://schemas.microsoft.com/office/drawing/2014/main" xmlns="" id="{942FB8DE-965C-0845-A309-74C9F51EAF9F}"/>
+                <a16:creationId xmlns="" xmlns:a16="http://schemas.microsoft.com/office/drawing/2014/main" id="{942FB8DE-965C-0845-A309-74C9F51EAF9F}"/>
               </a:ext>
             </a:extLst>
           </p:cNvPr>
@@ -19363,7 +19604,7 @@
           <p:cNvPr id="30" name="TextBox 29">
             <a:extLst>
               <a:ext uri="{FF2B5EF4-FFF2-40B4-BE49-F238E27FC236}">
-                <a16:creationId xmlns:a16="http://schemas.microsoft.com/office/drawing/2014/main" xmlns="" id="{942FB8DE-965C-0845-A309-74C9F51EAF9F}"/>
+                <a16:creationId xmlns="" xmlns:a16="http://schemas.microsoft.com/office/drawing/2014/main" id="{942FB8DE-965C-0845-A309-74C9F51EAF9F}"/>
               </a:ext>
             </a:extLst>
           </p:cNvPr>
@@ -19598,7 +19839,7 @@
           <p:cNvPr id="29" name="TextBox 28">
             <a:extLst>
               <a:ext uri="{FF2B5EF4-FFF2-40B4-BE49-F238E27FC236}">
-                <a16:creationId xmlns:a16="http://schemas.microsoft.com/office/drawing/2014/main" xmlns="" id="{942FB8DE-965C-0845-A309-74C9F51EAF9F}"/>
+                <a16:creationId xmlns="" xmlns:a16="http://schemas.microsoft.com/office/drawing/2014/main" id="{942FB8DE-965C-0845-A309-74C9F51EAF9F}"/>
               </a:ext>
             </a:extLst>
           </p:cNvPr>
@@ -19944,7 +20185,7 @@
           <p:cNvPr id="19" name="TextBox 18">
             <a:extLst>
               <a:ext uri="{FF2B5EF4-FFF2-40B4-BE49-F238E27FC236}">
-                <a16:creationId xmlns:a16="http://schemas.microsoft.com/office/drawing/2014/main" xmlns="" id="{BC578308-8F78-DB4D-8BBF-E8CCC31D5FEE}"/>
+                <a16:creationId xmlns="" xmlns:a16="http://schemas.microsoft.com/office/drawing/2014/main" id="{BC578308-8F78-DB4D-8BBF-E8CCC31D5FEE}"/>
               </a:ext>
             </a:extLst>
           </p:cNvPr>
@@ -20015,7 +20256,7 @@
           <p:cNvPr id="16" name="직사각형 15">
             <a:extLst>
               <a:ext uri="{FF2B5EF4-FFF2-40B4-BE49-F238E27FC236}">
-                <a16:creationId xmlns:a16="http://schemas.microsoft.com/office/drawing/2014/main" xmlns="" id="{F323C5E6-A911-2440-93DA-DEE87A35D1B3}"/>
+                <a16:creationId xmlns="" xmlns:a16="http://schemas.microsoft.com/office/drawing/2014/main" id="{F323C5E6-A911-2440-93DA-DEE87A35D1B3}"/>
               </a:ext>
             </a:extLst>
           </p:cNvPr>
@@ -20069,7 +20310,7 @@
           <p:cNvPr id="17" name="TextBox 16">
             <a:extLst>
               <a:ext uri="{FF2B5EF4-FFF2-40B4-BE49-F238E27FC236}">
-                <a16:creationId xmlns:a16="http://schemas.microsoft.com/office/drawing/2014/main" xmlns="" id="{7F85061E-E6C3-C84C-BB7D-87EC6FAD4193}"/>
+                <a16:creationId xmlns="" xmlns:a16="http://schemas.microsoft.com/office/drawing/2014/main" id="{7F85061E-E6C3-C84C-BB7D-87EC6FAD4193}"/>
               </a:ext>
             </a:extLst>
           </p:cNvPr>
@@ -20333,7 +20574,7 @@
           <p:cNvPr id="18" name="그림 17">
             <a:extLst>
               <a:ext uri="{FF2B5EF4-FFF2-40B4-BE49-F238E27FC236}">
-                <a16:creationId xmlns:a16="http://schemas.microsoft.com/office/drawing/2014/main" xmlns="" id="{812D3A33-7692-BA40-9F75-B21606CDE920}"/>
+                <a16:creationId xmlns="" xmlns:a16="http://schemas.microsoft.com/office/drawing/2014/main" id="{812D3A33-7692-BA40-9F75-B21606CDE920}"/>
               </a:ext>
             </a:extLst>
           </p:cNvPr>
@@ -20363,7 +20604,7 @@
           <p:cNvPr id="28" name="TextBox 27">
             <a:extLst>
               <a:ext uri="{FF2B5EF4-FFF2-40B4-BE49-F238E27FC236}">
-                <a16:creationId xmlns:a16="http://schemas.microsoft.com/office/drawing/2014/main" xmlns="" id="{942FB8DE-965C-0845-A309-74C9F51EAF9F}"/>
+                <a16:creationId xmlns="" xmlns:a16="http://schemas.microsoft.com/office/drawing/2014/main" id="{942FB8DE-965C-0845-A309-74C9F51EAF9F}"/>
               </a:ext>
             </a:extLst>
           </p:cNvPr>
@@ -20420,7 +20661,7 @@
           <p:cNvPr id="29" name="TextBox 28">
             <a:extLst>
               <a:ext uri="{FF2B5EF4-FFF2-40B4-BE49-F238E27FC236}">
-                <a16:creationId xmlns:a16="http://schemas.microsoft.com/office/drawing/2014/main" xmlns="" id="{3B845D38-5442-6B48-ADA4-3CD7234B8DE3}"/>
+                <a16:creationId xmlns="" xmlns:a16="http://schemas.microsoft.com/office/drawing/2014/main" id="{3B845D38-5442-6B48-ADA4-3CD7234B8DE3}"/>
               </a:ext>
             </a:extLst>
           </p:cNvPr>
@@ -20589,7 +20830,7 @@
           <p:cNvPr id="30" name="TextBox 29">
             <a:extLst>
               <a:ext uri="{FF2B5EF4-FFF2-40B4-BE49-F238E27FC236}">
-                <a16:creationId xmlns:a16="http://schemas.microsoft.com/office/drawing/2014/main" xmlns="" id="{7F85061E-E6C3-C84C-BB7D-87EC6FAD4193}"/>
+                <a16:creationId xmlns="" xmlns:a16="http://schemas.microsoft.com/office/drawing/2014/main" id="{7F85061E-E6C3-C84C-BB7D-87EC6FAD4193}"/>
               </a:ext>
             </a:extLst>
           </p:cNvPr>
@@ -20698,7 +20939,7 @@
           <p:cNvPr id="33" name="TextBox 32">
             <a:extLst>
               <a:ext uri="{FF2B5EF4-FFF2-40B4-BE49-F238E27FC236}">
-                <a16:creationId xmlns:a16="http://schemas.microsoft.com/office/drawing/2014/main" xmlns="" id="{7F85061E-E6C3-C84C-BB7D-87EC6FAD4193}"/>
+                <a16:creationId xmlns="" xmlns:a16="http://schemas.microsoft.com/office/drawing/2014/main" id="{7F85061E-E6C3-C84C-BB7D-87EC6FAD4193}"/>
               </a:ext>
             </a:extLst>
           </p:cNvPr>
@@ -20839,7 +21080,7 @@
           <p:cNvPr id="14" name="직사각형 13">
             <a:extLst>
               <a:ext uri="{FF2B5EF4-FFF2-40B4-BE49-F238E27FC236}">
-                <a16:creationId xmlns:a16="http://schemas.microsoft.com/office/drawing/2014/main" xmlns="" id="{6B8B80B4-792D-174E-8B2C-A10CA85CDD01}"/>
+                <a16:creationId xmlns="" xmlns:a16="http://schemas.microsoft.com/office/drawing/2014/main" id="{6B8B80B4-792D-174E-8B2C-A10CA85CDD01}"/>
               </a:ext>
             </a:extLst>
           </p:cNvPr>
@@ -20899,7 +21140,7 @@
           <p:cNvPr id="15" name="직각 삼각형[R] 8">
             <a:extLst>
               <a:ext uri="{FF2B5EF4-FFF2-40B4-BE49-F238E27FC236}">
-                <a16:creationId xmlns:a16="http://schemas.microsoft.com/office/drawing/2014/main" xmlns="" id="{E9289217-6E56-7D4B-B6FB-329F373CAF3E}"/>
+                <a16:creationId xmlns="" xmlns:a16="http://schemas.microsoft.com/office/drawing/2014/main" id="{E9289217-6E56-7D4B-B6FB-329F373CAF3E}"/>
               </a:ext>
             </a:extLst>
           </p:cNvPr>
@@ -20953,7 +21194,7 @@
           <p:cNvPr id="21" name="TextBox 20">
             <a:extLst>
               <a:ext uri="{FF2B5EF4-FFF2-40B4-BE49-F238E27FC236}">
-                <a16:creationId xmlns:a16="http://schemas.microsoft.com/office/drawing/2014/main" xmlns="" id="{849EE5DD-2363-0B42-B4FD-2464134E7BE2}"/>
+                <a16:creationId xmlns="" xmlns:a16="http://schemas.microsoft.com/office/drawing/2014/main" id="{849EE5DD-2363-0B42-B4FD-2464134E7BE2}"/>
               </a:ext>
             </a:extLst>
           </p:cNvPr>
@@ -21306,7 +21547,7 @@
   <a:extraClrSchemeLst/>
   <a:extLst>
     <a:ext uri="{05A4C25C-085E-4340-85A3-A5531E510DB2}">
-      <thm15:themeFamily xmlns:thm15="http://schemas.microsoft.com/office/thememl/2012/main" xmlns="" name="Office Theme" id="{62F939B6-93AF-4DB8-9C6B-D6C7DFDC589F}" vid="{4A3C46E8-61CC-4603-A589-7422A47A8E4A}"/>
+      <thm15:themeFamily xmlns="" xmlns:thm15="http://schemas.microsoft.com/office/thememl/2012/main" name="Office Theme" id="{62F939B6-93AF-4DB8-9C6B-D6C7DFDC589F}" vid="{4A3C46E8-61CC-4603-A589-7422A47A8E4A}"/>
     </a:ext>
   </a:extLst>
 </a:theme>
@@ -21601,7 +21842,7 @@
   <a:extraClrSchemeLst/>
   <a:extLst>
     <a:ext uri="{05A4C25C-085E-4340-85A3-A5531E510DB2}">
-      <thm15:themeFamily xmlns:thm15="http://schemas.microsoft.com/office/thememl/2012/main" xmlns="" name="Office Theme" id="{62F939B6-93AF-4DB8-9C6B-D6C7DFDC589F}" vid="{4A3C46E8-61CC-4603-A589-7422A47A8E4A}"/>
+      <thm15:themeFamily xmlns="" xmlns:thm15="http://schemas.microsoft.com/office/thememl/2012/main" name="Office Theme" id="{62F939B6-93AF-4DB8-9C6B-D6C7DFDC589F}" vid="{4A3C46E8-61CC-4603-A589-7422A47A8E4A}"/>
     </a:ext>
   </a:extLst>
 </a:theme>

--- a/01.doc/Spring_Command&Error_4조.pptx
+++ b/01.doc/Spring_Command&Error_4조.pptx
@@ -5,7 +5,7 @@
     <p:sldMasterId id="2147483648" r:id="rId1"/>
   </p:sldMasterIdLst>
   <p:notesMasterIdLst>
-    <p:notesMasterId r:id="rId15"/>
+    <p:notesMasterId r:id="rId17"/>
   </p:notesMasterIdLst>
   <p:sldIdLst>
     <p:sldId id="286" r:id="rId2"/>
@@ -19,38 +19,40 @@
     <p:sldId id="324" r:id="rId10"/>
     <p:sldId id="310" r:id="rId11"/>
     <p:sldId id="309" r:id="rId12"/>
-    <p:sldId id="316" r:id="rId13"/>
-    <p:sldId id="302" r:id="rId14"/>
+    <p:sldId id="325" r:id="rId13"/>
+    <p:sldId id="327" r:id="rId14"/>
+    <p:sldId id="329" r:id="rId15"/>
+    <p:sldId id="302" r:id="rId16"/>
   </p:sldIdLst>
   <p:sldSz cx="12192000" cy="6858000"/>
   <p:notesSz cx="6858000" cy="9144000"/>
   <p:embeddedFontLst>
     <p:embeddedFont>
       <p:font typeface="맑은 고딕" pitchFamily="50" charset="-127"/>
-      <p:regular r:id="rId16"/>
-      <p:bold r:id="rId17"/>
+      <p:regular r:id="rId18"/>
+      <p:bold r:id="rId19"/>
     </p:embeddedFont>
     <p:embeddedFont>
       <p:font typeface="배달의민족 주아" pitchFamily="18" charset="-127"/>
-      <p:regular r:id="rId18"/>
+      <p:regular r:id="rId20"/>
     </p:embeddedFont>
     <p:embeddedFont>
       <p:font typeface="Consolas" pitchFamily="49" charset="0"/>
-      <p:regular r:id="rId19"/>
-      <p:bold r:id="rId20"/>
-      <p:italic r:id="rId21"/>
-      <p:boldItalic r:id="rId22"/>
+      <p:regular r:id="rId21"/>
+      <p:bold r:id="rId22"/>
+      <p:italic r:id="rId23"/>
+      <p:boldItalic r:id="rId24"/>
     </p:embeddedFont>
     <p:embeddedFont>
       <p:font typeface="Arial Unicode MS" pitchFamily="50" charset="-127"/>
-      <p:regular r:id="rId23"/>
+      <p:regular r:id="rId25"/>
     </p:embeddedFont>
     <p:embeddedFont>
       <p:font typeface="Verdana" pitchFamily="34" charset="0"/>
-      <p:regular r:id="rId24"/>
-      <p:bold r:id="rId25"/>
-      <p:italic r:id="rId26"/>
-      <p:boldItalic r:id="rId27"/>
+      <p:regular r:id="rId26"/>
+      <p:bold r:id="rId27"/>
+      <p:italic r:id="rId28"/>
+      <p:boldItalic r:id="rId29"/>
     </p:embeddedFont>
   </p:embeddedFontLst>
   <p:defaultTextStyle>
@@ -150,7 +152,7 @@
   </p:defaultTextStyle>
   <p:extLst>
     <p:ext uri="{EFAFB233-063F-42B5-8137-9DF3F51BA10A}">
-      <p15:sldGuideLst xmlns:p15="http://schemas.microsoft.com/office/powerpoint/2012/main" xmlns=""/>
+      <p15:sldGuideLst xmlns="" xmlns:p15="http://schemas.microsoft.com/office/powerpoint/2012/main"/>
     </p:ext>
   </p:extLst>
 </p:presentation>
@@ -239,7 +241,7 @@
             <a:fld id="{5CAFCE75-64EF-F547-942C-BCED075BFDDC}" type="datetimeFigureOut">
               <a:rPr kumimoji="1" lang="ko-KR" altLang="en-US" smtClean="0"/>
               <a:pPr/>
-              <a:t>2019-12-12</a:t>
+              <a:t>2019-12-16</a:t>
             </a:fld>
             <a:endParaRPr kumimoji="1" lang="ko-KR" altLang="en-US"/>
           </a:p>
@@ -382,7 +384,7 @@
     </p:spTree>
     <p:extLst>
       <p:ext uri="{BB962C8B-B14F-4D97-AF65-F5344CB8AC3E}">
-        <p14:creationId xmlns:p14="http://schemas.microsoft.com/office/powerpoint/2010/main" xmlns="" val="1461798389"/>
+        <p14:creationId xmlns="" xmlns:p14="http://schemas.microsoft.com/office/powerpoint/2010/main" val="1461798389"/>
       </p:ext>
     </p:extLst>
   </p:cSld>
@@ -504,7 +506,7 @@
           <p:cNvPr id="2" name="제목 1">
             <a:extLst>
               <a:ext uri="{FF2B5EF4-FFF2-40B4-BE49-F238E27FC236}">
-                <a16:creationId xmlns:a16="http://schemas.microsoft.com/office/drawing/2014/main" xmlns="" id="{F0215948-5B1A-E54E-93AD-8B579A758275}"/>
+                <a16:creationId xmlns="" xmlns:a16="http://schemas.microsoft.com/office/drawing/2014/main" id="{F0215948-5B1A-E54E-93AD-8B579A758275}"/>
               </a:ext>
             </a:extLst>
           </p:cNvPr>
@@ -541,7 +543,7 @@
           <p:cNvPr id="3" name="부제목 2">
             <a:extLst>
               <a:ext uri="{FF2B5EF4-FFF2-40B4-BE49-F238E27FC236}">
-                <a16:creationId xmlns:a16="http://schemas.microsoft.com/office/drawing/2014/main" xmlns="" id="{588E59E6-D1AC-D84D-B0EB-CCA091FBF5B9}"/>
+                <a16:creationId xmlns="" xmlns:a16="http://schemas.microsoft.com/office/drawing/2014/main" id="{588E59E6-D1AC-D84D-B0EB-CCA091FBF5B9}"/>
               </a:ext>
             </a:extLst>
           </p:cNvPr>
@@ -611,7 +613,7 @@
           <p:cNvPr id="4" name="날짜 개체 틀 3">
             <a:extLst>
               <a:ext uri="{FF2B5EF4-FFF2-40B4-BE49-F238E27FC236}">
-                <a16:creationId xmlns:a16="http://schemas.microsoft.com/office/drawing/2014/main" xmlns="" id="{D0FE2932-8A68-1E4D-9017-7FC216DBA319}"/>
+                <a16:creationId xmlns="" xmlns:a16="http://schemas.microsoft.com/office/drawing/2014/main" id="{D0FE2932-8A68-1E4D-9017-7FC216DBA319}"/>
               </a:ext>
             </a:extLst>
           </p:cNvPr>
@@ -630,7 +632,7 @@
             <a:fld id="{ACE156AC-F178-FC4A-8F40-A38725500740}" type="datetimeFigureOut">
               <a:rPr kumimoji="1" lang="ko-KR" altLang="en-US" smtClean="0"/>
               <a:pPr/>
-              <a:t>2019-12-12</a:t>
+              <a:t>2019-12-16</a:t>
             </a:fld>
             <a:endParaRPr kumimoji="1" lang="ko-KR" altLang="en-US"/>
           </a:p>
@@ -641,7 +643,7 @@
           <p:cNvPr id="5" name="바닥글 개체 틀 4">
             <a:extLst>
               <a:ext uri="{FF2B5EF4-FFF2-40B4-BE49-F238E27FC236}">
-                <a16:creationId xmlns:a16="http://schemas.microsoft.com/office/drawing/2014/main" xmlns="" id="{3C412354-D2D2-5B45-8D74-78B85A897400}"/>
+                <a16:creationId xmlns="" xmlns:a16="http://schemas.microsoft.com/office/drawing/2014/main" id="{3C412354-D2D2-5B45-8D74-78B85A897400}"/>
               </a:ext>
             </a:extLst>
           </p:cNvPr>
@@ -666,7 +668,7 @@
           <p:cNvPr id="6" name="슬라이드 번호 개체 틀 5">
             <a:extLst>
               <a:ext uri="{FF2B5EF4-FFF2-40B4-BE49-F238E27FC236}">
-                <a16:creationId xmlns:a16="http://schemas.microsoft.com/office/drawing/2014/main" xmlns="" id="{DD4B9E51-C76B-8248-A3F3-BE36807ACF51}"/>
+                <a16:creationId xmlns="" xmlns:a16="http://schemas.microsoft.com/office/drawing/2014/main" id="{DD4B9E51-C76B-8248-A3F3-BE36807ACF51}"/>
               </a:ext>
             </a:extLst>
           </p:cNvPr>
@@ -694,7 +696,7 @@
     </p:spTree>
     <p:extLst>
       <p:ext uri="{BB962C8B-B14F-4D97-AF65-F5344CB8AC3E}">
-        <p14:creationId xmlns:p14="http://schemas.microsoft.com/office/powerpoint/2010/main" xmlns="" val="3379003660"/>
+        <p14:creationId xmlns="" xmlns:p14="http://schemas.microsoft.com/office/powerpoint/2010/main" val="3379003660"/>
       </p:ext>
     </p:extLst>
   </p:cSld>
@@ -726,7 +728,7 @@
           <p:cNvPr id="2" name="제목 1">
             <a:extLst>
               <a:ext uri="{FF2B5EF4-FFF2-40B4-BE49-F238E27FC236}">
-                <a16:creationId xmlns:a16="http://schemas.microsoft.com/office/drawing/2014/main" xmlns="" id="{2A5E2B98-A3FC-FA4D-A2BD-D8450F5D8D26}"/>
+                <a16:creationId xmlns="" xmlns:a16="http://schemas.microsoft.com/office/drawing/2014/main" id="{2A5E2B98-A3FC-FA4D-A2BD-D8450F5D8D26}"/>
               </a:ext>
             </a:extLst>
           </p:cNvPr>
@@ -754,7 +756,7 @@
           <p:cNvPr id="3" name="세로 텍스트 개체 틀 2">
             <a:extLst>
               <a:ext uri="{FF2B5EF4-FFF2-40B4-BE49-F238E27FC236}">
-                <a16:creationId xmlns:a16="http://schemas.microsoft.com/office/drawing/2014/main" xmlns="" id="{6A079FFF-2472-FA47-B6AC-F80C7746F99D}"/>
+                <a16:creationId xmlns="" xmlns:a16="http://schemas.microsoft.com/office/drawing/2014/main" id="{6A079FFF-2472-FA47-B6AC-F80C7746F99D}"/>
               </a:ext>
             </a:extLst>
           </p:cNvPr>
@@ -786,7 +788,7 @@
           <p:cNvPr id="4" name="날짜 개체 틀 3">
             <a:extLst>
               <a:ext uri="{FF2B5EF4-FFF2-40B4-BE49-F238E27FC236}">
-                <a16:creationId xmlns:a16="http://schemas.microsoft.com/office/drawing/2014/main" xmlns="" id="{98C0AE3F-9567-F945-9095-A599EAF6BEE3}"/>
+                <a16:creationId xmlns="" xmlns:a16="http://schemas.microsoft.com/office/drawing/2014/main" id="{98C0AE3F-9567-F945-9095-A599EAF6BEE3}"/>
               </a:ext>
             </a:extLst>
           </p:cNvPr>
@@ -805,7 +807,7 @@
             <a:fld id="{ACE156AC-F178-FC4A-8F40-A38725500740}" type="datetimeFigureOut">
               <a:rPr kumimoji="1" lang="ko-KR" altLang="en-US" smtClean="0"/>
               <a:pPr/>
-              <a:t>2019-12-12</a:t>
+              <a:t>2019-12-16</a:t>
             </a:fld>
             <a:endParaRPr kumimoji="1" lang="ko-KR" altLang="en-US"/>
           </a:p>
@@ -816,7 +818,7 @@
           <p:cNvPr id="5" name="바닥글 개체 틀 4">
             <a:extLst>
               <a:ext uri="{FF2B5EF4-FFF2-40B4-BE49-F238E27FC236}">
-                <a16:creationId xmlns:a16="http://schemas.microsoft.com/office/drawing/2014/main" xmlns="" id="{985BE14D-E304-4540-B91A-45368E6891AC}"/>
+                <a16:creationId xmlns="" xmlns:a16="http://schemas.microsoft.com/office/drawing/2014/main" id="{985BE14D-E304-4540-B91A-45368E6891AC}"/>
               </a:ext>
             </a:extLst>
           </p:cNvPr>
@@ -841,7 +843,7 @@
           <p:cNvPr id="6" name="슬라이드 번호 개체 틀 5">
             <a:extLst>
               <a:ext uri="{FF2B5EF4-FFF2-40B4-BE49-F238E27FC236}">
-                <a16:creationId xmlns:a16="http://schemas.microsoft.com/office/drawing/2014/main" xmlns="" id="{2695B521-7F98-BF41-B606-35A7CC96F9D7}"/>
+                <a16:creationId xmlns="" xmlns:a16="http://schemas.microsoft.com/office/drawing/2014/main" id="{2695B521-7F98-BF41-B606-35A7CC96F9D7}"/>
               </a:ext>
             </a:extLst>
           </p:cNvPr>
@@ -869,7 +871,7 @@
     </p:spTree>
     <p:extLst>
       <p:ext uri="{BB962C8B-B14F-4D97-AF65-F5344CB8AC3E}">
-        <p14:creationId xmlns:p14="http://schemas.microsoft.com/office/powerpoint/2010/main" xmlns="" val="2677970395"/>
+        <p14:creationId xmlns="" xmlns:p14="http://schemas.microsoft.com/office/powerpoint/2010/main" val="2677970395"/>
       </p:ext>
     </p:extLst>
   </p:cSld>
@@ -901,7 +903,7 @@
           <p:cNvPr id="2" name="세로 제목 1">
             <a:extLst>
               <a:ext uri="{FF2B5EF4-FFF2-40B4-BE49-F238E27FC236}">
-                <a16:creationId xmlns:a16="http://schemas.microsoft.com/office/drawing/2014/main" xmlns="" id="{CC9F30B6-7E51-E849-9012-A2137E7DDD2A}"/>
+                <a16:creationId xmlns="" xmlns:a16="http://schemas.microsoft.com/office/drawing/2014/main" id="{CC9F30B6-7E51-E849-9012-A2137E7DDD2A}"/>
               </a:ext>
             </a:extLst>
           </p:cNvPr>
@@ -934,7 +936,7 @@
           <p:cNvPr id="3" name="세로 텍스트 개체 틀 2">
             <a:extLst>
               <a:ext uri="{FF2B5EF4-FFF2-40B4-BE49-F238E27FC236}">
-                <a16:creationId xmlns:a16="http://schemas.microsoft.com/office/drawing/2014/main" xmlns="" id="{7B69FA03-416D-8C4A-AE97-8A6CECC42143}"/>
+                <a16:creationId xmlns="" xmlns:a16="http://schemas.microsoft.com/office/drawing/2014/main" id="{7B69FA03-416D-8C4A-AE97-8A6CECC42143}"/>
               </a:ext>
             </a:extLst>
           </p:cNvPr>
@@ -971,7 +973,7 @@
           <p:cNvPr id="4" name="날짜 개체 틀 3">
             <a:extLst>
               <a:ext uri="{FF2B5EF4-FFF2-40B4-BE49-F238E27FC236}">
-                <a16:creationId xmlns:a16="http://schemas.microsoft.com/office/drawing/2014/main" xmlns="" id="{D4C60FB7-084B-C546-AA5A-31F216EEEECF}"/>
+                <a16:creationId xmlns="" xmlns:a16="http://schemas.microsoft.com/office/drawing/2014/main" id="{D4C60FB7-084B-C546-AA5A-31F216EEEECF}"/>
               </a:ext>
             </a:extLst>
           </p:cNvPr>
@@ -990,7 +992,7 @@
             <a:fld id="{ACE156AC-F178-FC4A-8F40-A38725500740}" type="datetimeFigureOut">
               <a:rPr kumimoji="1" lang="ko-KR" altLang="en-US" smtClean="0"/>
               <a:pPr/>
-              <a:t>2019-12-12</a:t>
+              <a:t>2019-12-16</a:t>
             </a:fld>
             <a:endParaRPr kumimoji="1" lang="ko-KR" altLang="en-US"/>
           </a:p>
@@ -1001,7 +1003,7 @@
           <p:cNvPr id="5" name="바닥글 개체 틀 4">
             <a:extLst>
               <a:ext uri="{FF2B5EF4-FFF2-40B4-BE49-F238E27FC236}">
-                <a16:creationId xmlns:a16="http://schemas.microsoft.com/office/drawing/2014/main" xmlns="" id="{78E3B417-D516-7441-91B1-954736D5687B}"/>
+                <a16:creationId xmlns="" xmlns:a16="http://schemas.microsoft.com/office/drawing/2014/main" id="{78E3B417-D516-7441-91B1-954736D5687B}"/>
               </a:ext>
             </a:extLst>
           </p:cNvPr>
@@ -1026,7 +1028,7 @@
           <p:cNvPr id="6" name="슬라이드 번호 개체 틀 5">
             <a:extLst>
               <a:ext uri="{FF2B5EF4-FFF2-40B4-BE49-F238E27FC236}">
-                <a16:creationId xmlns:a16="http://schemas.microsoft.com/office/drawing/2014/main" xmlns="" id="{58F0D530-E2C2-254A-9891-CE4FEBFB8F75}"/>
+                <a16:creationId xmlns="" xmlns:a16="http://schemas.microsoft.com/office/drawing/2014/main" id="{58F0D530-E2C2-254A-9891-CE4FEBFB8F75}"/>
               </a:ext>
             </a:extLst>
           </p:cNvPr>
@@ -1054,7 +1056,7 @@
     </p:spTree>
     <p:extLst>
       <p:ext uri="{BB962C8B-B14F-4D97-AF65-F5344CB8AC3E}">
-        <p14:creationId xmlns:p14="http://schemas.microsoft.com/office/powerpoint/2010/main" xmlns="" val="3932676663"/>
+        <p14:creationId xmlns="" xmlns:p14="http://schemas.microsoft.com/office/powerpoint/2010/main" val="3932676663"/>
       </p:ext>
     </p:extLst>
   </p:cSld>
@@ -1086,7 +1088,7 @@
           <p:cNvPr id="2" name="제목 1">
             <a:extLst>
               <a:ext uri="{FF2B5EF4-FFF2-40B4-BE49-F238E27FC236}">
-                <a16:creationId xmlns:a16="http://schemas.microsoft.com/office/drawing/2014/main" xmlns="" id="{25908939-8DB2-E548-ACE8-A5E3DB62C879}"/>
+                <a16:creationId xmlns="" xmlns:a16="http://schemas.microsoft.com/office/drawing/2014/main" id="{25908939-8DB2-E548-ACE8-A5E3DB62C879}"/>
               </a:ext>
             </a:extLst>
           </p:cNvPr>
@@ -1114,7 +1116,7 @@
           <p:cNvPr id="3" name="내용 개체 틀 2">
             <a:extLst>
               <a:ext uri="{FF2B5EF4-FFF2-40B4-BE49-F238E27FC236}">
-                <a16:creationId xmlns:a16="http://schemas.microsoft.com/office/drawing/2014/main" xmlns="" id="{3E0E5E13-51CA-F449-A7FF-A628F1A4CA5F}"/>
+                <a16:creationId xmlns="" xmlns:a16="http://schemas.microsoft.com/office/drawing/2014/main" id="{3E0E5E13-51CA-F449-A7FF-A628F1A4CA5F}"/>
               </a:ext>
             </a:extLst>
           </p:cNvPr>
@@ -1146,7 +1148,7 @@
           <p:cNvPr id="4" name="날짜 개체 틀 3">
             <a:extLst>
               <a:ext uri="{FF2B5EF4-FFF2-40B4-BE49-F238E27FC236}">
-                <a16:creationId xmlns:a16="http://schemas.microsoft.com/office/drawing/2014/main" xmlns="" id="{A133EAE4-BEA2-1548-A59F-046FF0521C68}"/>
+                <a16:creationId xmlns="" xmlns:a16="http://schemas.microsoft.com/office/drawing/2014/main" id="{A133EAE4-BEA2-1548-A59F-046FF0521C68}"/>
               </a:ext>
             </a:extLst>
           </p:cNvPr>
@@ -1165,7 +1167,7 @@
             <a:fld id="{ACE156AC-F178-FC4A-8F40-A38725500740}" type="datetimeFigureOut">
               <a:rPr kumimoji="1" lang="ko-KR" altLang="en-US" smtClean="0"/>
               <a:pPr/>
-              <a:t>2019-12-12</a:t>
+              <a:t>2019-12-16</a:t>
             </a:fld>
             <a:endParaRPr kumimoji="1" lang="ko-KR" altLang="en-US"/>
           </a:p>
@@ -1176,7 +1178,7 @@
           <p:cNvPr id="5" name="바닥글 개체 틀 4">
             <a:extLst>
               <a:ext uri="{FF2B5EF4-FFF2-40B4-BE49-F238E27FC236}">
-                <a16:creationId xmlns:a16="http://schemas.microsoft.com/office/drawing/2014/main" xmlns="" id="{1C4AB806-1717-6841-A40B-D91B892BC0AC}"/>
+                <a16:creationId xmlns="" xmlns:a16="http://schemas.microsoft.com/office/drawing/2014/main" id="{1C4AB806-1717-6841-A40B-D91B892BC0AC}"/>
               </a:ext>
             </a:extLst>
           </p:cNvPr>
@@ -1201,7 +1203,7 @@
           <p:cNvPr id="6" name="슬라이드 번호 개체 틀 5">
             <a:extLst>
               <a:ext uri="{FF2B5EF4-FFF2-40B4-BE49-F238E27FC236}">
-                <a16:creationId xmlns:a16="http://schemas.microsoft.com/office/drawing/2014/main" xmlns="" id="{C498F8E6-61EE-9A40-A82C-56B21C4FBA2E}"/>
+                <a16:creationId xmlns="" xmlns:a16="http://schemas.microsoft.com/office/drawing/2014/main" id="{C498F8E6-61EE-9A40-A82C-56B21C4FBA2E}"/>
               </a:ext>
             </a:extLst>
           </p:cNvPr>
@@ -1229,7 +1231,7 @@
     </p:spTree>
     <p:extLst>
       <p:ext uri="{BB962C8B-B14F-4D97-AF65-F5344CB8AC3E}">
-        <p14:creationId xmlns:p14="http://schemas.microsoft.com/office/powerpoint/2010/main" xmlns="" val="3610979407"/>
+        <p14:creationId xmlns="" xmlns:p14="http://schemas.microsoft.com/office/powerpoint/2010/main" val="3610979407"/>
       </p:ext>
     </p:extLst>
   </p:cSld>
@@ -1261,7 +1263,7 @@
           <p:cNvPr id="2" name="제목 1">
             <a:extLst>
               <a:ext uri="{FF2B5EF4-FFF2-40B4-BE49-F238E27FC236}">
-                <a16:creationId xmlns:a16="http://schemas.microsoft.com/office/drawing/2014/main" xmlns="" id="{20738035-A752-A04F-AC37-BE71AD6A1D56}"/>
+                <a16:creationId xmlns="" xmlns:a16="http://schemas.microsoft.com/office/drawing/2014/main" id="{20738035-A752-A04F-AC37-BE71AD6A1D56}"/>
               </a:ext>
             </a:extLst>
           </p:cNvPr>
@@ -1298,7 +1300,7 @@
           <p:cNvPr id="3" name="텍스트 개체 틀 2">
             <a:extLst>
               <a:ext uri="{FF2B5EF4-FFF2-40B4-BE49-F238E27FC236}">
-                <a16:creationId xmlns:a16="http://schemas.microsoft.com/office/drawing/2014/main" xmlns="" id="{45ED5397-BA55-5E49-8353-8A17C30A646F}"/>
+                <a16:creationId xmlns="" xmlns:a16="http://schemas.microsoft.com/office/drawing/2014/main" id="{45ED5397-BA55-5E49-8353-8A17C30A646F}"/>
               </a:ext>
             </a:extLst>
           </p:cNvPr>
@@ -1426,7 +1428,7 @@
           <p:cNvPr id="4" name="날짜 개체 틀 3">
             <a:extLst>
               <a:ext uri="{FF2B5EF4-FFF2-40B4-BE49-F238E27FC236}">
-                <a16:creationId xmlns:a16="http://schemas.microsoft.com/office/drawing/2014/main" xmlns="" id="{7DE34B4F-B9C4-6441-A021-A747F74D9083}"/>
+                <a16:creationId xmlns="" xmlns:a16="http://schemas.microsoft.com/office/drawing/2014/main" id="{7DE34B4F-B9C4-6441-A021-A747F74D9083}"/>
               </a:ext>
             </a:extLst>
           </p:cNvPr>
@@ -1445,7 +1447,7 @@
             <a:fld id="{ACE156AC-F178-FC4A-8F40-A38725500740}" type="datetimeFigureOut">
               <a:rPr kumimoji="1" lang="ko-KR" altLang="en-US" smtClean="0"/>
               <a:pPr/>
-              <a:t>2019-12-12</a:t>
+              <a:t>2019-12-16</a:t>
             </a:fld>
             <a:endParaRPr kumimoji="1" lang="ko-KR" altLang="en-US"/>
           </a:p>
@@ -1456,7 +1458,7 @@
           <p:cNvPr id="5" name="바닥글 개체 틀 4">
             <a:extLst>
               <a:ext uri="{FF2B5EF4-FFF2-40B4-BE49-F238E27FC236}">
-                <a16:creationId xmlns:a16="http://schemas.microsoft.com/office/drawing/2014/main" xmlns="" id="{A5B6457E-0B56-1849-8C54-FFA2CC53DD8E}"/>
+                <a16:creationId xmlns="" xmlns:a16="http://schemas.microsoft.com/office/drawing/2014/main" id="{A5B6457E-0B56-1849-8C54-FFA2CC53DD8E}"/>
               </a:ext>
             </a:extLst>
           </p:cNvPr>
@@ -1481,7 +1483,7 @@
           <p:cNvPr id="6" name="슬라이드 번호 개체 틀 5">
             <a:extLst>
               <a:ext uri="{FF2B5EF4-FFF2-40B4-BE49-F238E27FC236}">
-                <a16:creationId xmlns:a16="http://schemas.microsoft.com/office/drawing/2014/main" xmlns="" id="{513D8DC1-B9C2-EC42-AB77-8CA99AF0B5D7}"/>
+                <a16:creationId xmlns="" xmlns:a16="http://schemas.microsoft.com/office/drawing/2014/main" id="{513D8DC1-B9C2-EC42-AB77-8CA99AF0B5D7}"/>
               </a:ext>
             </a:extLst>
           </p:cNvPr>
@@ -1509,7 +1511,7 @@
     </p:spTree>
     <p:extLst>
       <p:ext uri="{BB962C8B-B14F-4D97-AF65-F5344CB8AC3E}">
-        <p14:creationId xmlns:p14="http://schemas.microsoft.com/office/powerpoint/2010/main" xmlns="" val="1759907452"/>
+        <p14:creationId xmlns="" xmlns:p14="http://schemas.microsoft.com/office/powerpoint/2010/main" val="1759907452"/>
       </p:ext>
     </p:extLst>
   </p:cSld>
@@ -1541,7 +1543,7 @@
           <p:cNvPr id="2" name="제목 1">
             <a:extLst>
               <a:ext uri="{FF2B5EF4-FFF2-40B4-BE49-F238E27FC236}">
-                <a16:creationId xmlns:a16="http://schemas.microsoft.com/office/drawing/2014/main" xmlns="" id="{572AC94E-DE91-3648-9D50-663BA6102CE3}"/>
+                <a16:creationId xmlns="" xmlns:a16="http://schemas.microsoft.com/office/drawing/2014/main" id="{572AC94E-DE91-3648-9D50-663BA6102CE3}"/>
               </a:ext>
             </a:extLst>
           </p:cNvPr>
@@ -1569,7 +1571,7 @@
           <p:cNvPr id="3" name="내용 개체 틀 2">
             <a:extLst>
               <a:ext uri="{FF2B5EF4-FFF2-40B4-BE49-F238E27FC236}">
-                <a16:creationId xmlns:a16="http://schemas.microsoft.com/office/drawing/2014/main" xmlns="" id="{D767EA31-594C-0C4F-ABE8-4C1F0DC90912}"/>
+                <a16:creationId xmlns="" xmlns:a16="http://schemas.microsoft.com/office/drawing/2014/main" id="{D767EA31-594C-0C4F-ABE8-4C1F0DC90912}"/>
               </a:ext>
             </a:extLst>
           </p:cNvPr>
@@ -1606,7 +1608,7 @@
           <p:cNvPr id="4" name="내용 개체 틀 3">
             <a:extLst>
               <a:ext uri="{FF2B5EF4-FFF2-40B4-BE49-F238E27FC236}">
-                <a16:creationId xmlns:a16="http://schemas.microsoft.com/office/drawing/2014/main" xmlns="" id="{B2622D40-DAB4-7248-A1B5-FF4E3669FB92}"/>
+                <a16:creationId xmlns="" xmlns:a16="http://schemas.microsoft.com/office/drawing/2014/main" id="{B2622D40-DAB4-7248-A1B5-FF4E3669FB92}"/>
               </a:ext>
             </a:extLst>
           </p:cNvPr>
@@ -1643,7 +1645,7 @@
           <p:cNvPr id="5" name="날짜 개체 틀 4">
             <a:extLst>
               <a:ext uri="{FF2B5EF4-FFF2-40B4-BE49-F238E27FC236}">
-                <a16:creationId xmlns:a16="http://schemas.microsoft.com/office/drawing/2014/main" xmlns="" id="{55D8839B-9014-BA4A-A907-E47C2462E550}"/>
+                <a16:creationId xmlns="" xmlns:a16="http://schemas.microsoft.com/office/drawing/2014/main" id="{55D8839B-9014-BA4A-A907-E47C2462E550}"/>
               </a:ext>
             </a:extLst>
           </p:cNvPr>
@@ -1662,7 +1664,7 @@
             <a:fld id="{ACE156AC-F178-FC4A-8F40-A38725500740}" type="datetimeFigureOut">
               <a:rPr kumimoji="1" lang="ko-KR" altLang="en-US" smtClean="0"/>
               <a:pPr/>
-              <a:t>2019-12-12</a:t>
+              <a:t>2019-12-16</a:t>
             </a:fld>
             <a:endParaRPr kumimoji="1" lang="ko-KR" altLang="en-US"/>
           </a:p>
@@ -1673,7 +1675,7 @@
           <p:cNvPr id="6" name="바닥글 개체 틀 5">
             <a:extLst>
               <a:ext uri="{FF2B5EF4-FFF2-40B4-BE49-F238E27FC236}">
-                <a16:creationId xmlns:a16="http://schemas.microsoft.com/office/drawing/2014/main" xmlns="" id="{0CF04C83-BF5E-5C44-855B-07A61405377B}"/>
+                <a16:creationId xmlns="" xmlns:a16="http://schemas.microsoft.com/office/drawing/2014/main" id="{0CF04C83-BF5E-5C44-855B-07A61405377B}"/>
               </a:ext>
             </a:extLst>
           </p:cNvPr>
@@ -1698,7 +1700,7 @@
           <p:cNvPr id="7" name="슬라이드 번호 개체 틀 6">
             <a:extLst>
               <a:ext uri="{FF2B5EF4-FFF2-40B4-BE49-F238E27FC236}">
-                <a16:creationId xmlns:a16="http://schemas.microsoft.com/office/drawing/2014/main" xmlns="" id="{EAE3301C-ED85-6E4E-97CB-26B53561128B}"/>
+                <a16:creationId xmlns="" xmlns:a16="http://schemas.microsoft.com/office/drawing/2014/main" id="{EAE3301C-ED85-6E4E-97CB-26B53561128B}"/>
               </a:ext>
             </a:extLst>
           </p:cNvPr>
@@ -1726,7 +1728,7 @@
     </p:spTree>
     <p:extLst>
       <p:ext uri="{BB962C8B-B14F-4D97-AF65-F5344CB8AC3E}">
-        <p14:creationId xmlns:p14="http://schemas.microsoft.com/office/powerpoint/2010/main" xmlns="" val="4178646919"/>
+        <p14:creationId xmlns="" xmlns:p14="http://schemas.microsoft.com/office/powerpoint/2010/main" val="4178646919"/>
       </p:ext>
     </p:extLst>
   </p:cSld>
@@ -1758,7 +1760,7 @@
           <p:cNvPr id="2" name="제목 1">
             <a:extLst>
               <a:ext uri="{FF2B5EF4-FFF2-40B4-BE49-F238E27FC236}">
-                <a16:creationId xmlns:a16="http://schemas.microsoft.com/office/drawing/2014/main" xmlns="" id="{2D48C063-E021-C841-B92D-A087198E7C60}"/>
+                <a16:creationId xmlns="" xmlns:a16="http://schemas.microsoft.com/office/drawing/2014/main" id="{2D48C063-E021-C841-B92D-A087198E7C60}"/>
               </a:ext>
             </a:extLst>
           </p:cNvPr>
@@ -1791,7 +1793,7 @@
           <p:cNvPr id="3" name="텍스트 개체 틀 2">
             <a:extLst>
               <a:ext uri="{FF2B5EF4-FFF2-40B4-BE49-F238E27FC236}">
-                <a16:creationId xmlns:a16="http://schemas.microsoft.com/office/drawing/2014/main" xmlns="" id="{015AAEF1-6ADE-2A4F-A1B2-B4214FBACDB8}"/>
+                <a16:creationId xmlns="" xmlns:a16="http://schemas.microsoft.com/office/drawing/2014/main" id="{015AAEF1-6ADE-2A4F-A1B2-B4214FBACDB8}"/>
               </a:ext>
             </a:extLst>
           </p:cNvPr>
@@ -1865,7 +1867,7 @@
           <p:cNvPr id="4" name="내용 개체 틀 3">
             <a:extLst>
               <a:ext uri="{FF2B5EF4-FFF2-40B4-BE49-F238E27FC236}">
-                <a16:creationId xmlns:a16="http://schemas.microsoft.com/office/drawing/2014/main" xmlns="" id="{DD0A6D24-CF00-D447-BA91-083FD7FD1EDF}"/>
+                <a16:creationId xmlns="" xmlns:a16="http://schemas.microsoft.com/office/drawing/2014/main" id="{DD0A6D24-CF00-D447-BA91-083FD7FD1EDF}"/>
               </a:ext>
             </a:extLst>
           </p:cNvPr>
@@ -1902,7 +1904,7 @@
           <p:cNvPr id="5" name="텍스트 개체 틀 4">
             <a:extLst>
               <a:ext uri="{FF2B5EF4-FFF2-40B4-BE49-F238E27FC236}">
-                <a16:creationId xmlns:a16="http://schemas.microsoft.com/office/drawing/2014/main" xmlns="" id="{B1A05A70-C9A1-994D-98CF-9B83235CF9EE}"/>
+                <a16:creationId xmlns="" xmlns:a16="http://schemas.microsoft.com/office/drawing/2014/main" id="{B1A05A70-C9A1-994D-98CF-9B83235CF9EE}"/>
               </a:ext>
             </a:extLst>
           </p:cNvPr>
@@ -1976,7 +1978,7 @@
           <p:cNvPr id="6" name="내용 개체 틀 5">
             <a:extLst>
               <a:ext uri="{FF2B5EF4-FFF2-40B4-BE49-F238E27FC236}">
-                <a16:creationId xmlns:a16="http://schemas.microsoft.com/office/drawing/2014/main" xmlns="" id="{2EBD6979-0DF5-C248-A430-408686A9D3DD}"/>
+                <a16:creationId xmlns="" xmlns:a16="http://schemas.microsoft.com/office/drawing/2014/main" id="{2EBD6979-0DF5-C248-A430-408686A9D3DD}"/>
               </a:ext>
             </a:extLst>
           </p:cNvPr>
@@ -2013,7 +2015,7 @@
           <p:cNvPr id="7" name="날짜 개체 틀 6">
             <a:extLst>
               <a:ext uri="{FF2B5EF4-FFF2-40B4-BE49-F238E27FC236}">
-                <a16:creationId xmlns:a16="http://schemas.microsoft.com/office/drawing/2014/main" xmlns="" id="{1ECD500E-620C-2444-99DF-1F1E77D80078}"/>
+                <a16:creationId xmlns="" xmlns:a16="http://schemas.microsoft.com/office/drawing/2014/main" id="{1ECD500E-620C-2444-99DF-1F1E77D80078}"/>
               </a:ext>
             </a:extLst>
           </p:cNvPr>
@@ -2032,7 +2034,7 @@
             <a:fld id="{ACE156AC-F178-FC4A-8F40-A38725500740}" type="datetimeFigureOut">
               <a:rPr kumimoji="1" lang="ko-KR" altLang="en-US" smtClean="0"/>
               <a:pPr/>
-              <a:t>2019-12-12</a:t>
+              <a:t>2019-12-16</a:t>
             </a:fld>
             <a:endParaRPr kumimoji="1" lang="ko-KR" altLang="en-US"/>
           </a:p>
@@ -2043,7 +2045,7 @@
           <p:cNvPr id="8" name="바닥글 개체 틀 7">
             <a:extLst>
               <a:ext uri="{FF2B5EF4-FFF2-40B4-BE49-F238E27FC236}">
-                <a16:creationId xmlns:a16="http://schemas.microsoft.com/office/drawing/2014/main" xmlns="" id="{5FC09583-EDEB-8140-9E03-7E3D359A6F6A}"/>
+                <a16:creationId xmlns="" xmlns:a16="http://schemas.microsoft.com/office/drawing/2014/main" id="{5FC09583-EDEB-8140-9E03-7E3D359A6F6A}"/>
               </a:ext>
             </a:extLst>
           </p:cNvPr>
@@ -2068,7 +2070,7 @@
           <p:cNvPr id="9" name="슬라이드 번호 개체 틀 8">
             <a:extLst>
               <a:ext uri="{FF2B5EF4-FFF2-40B4-BE49-F238E27FC236}">
-                <a16:creationId xmlns:a16="http://schemas.microsoft.com/office/drawing/2014/main" xmlns="" id="{95125583-F585-AF4D-8136-8CC5AC5DE6DD}"/>
+                <a16:creationId xmlns="" xmlns:a16="http://schemas.microsoft.com/office/drawing/2014/main" id="{95125583-F585-AF4D-8136-8CC5AC5DE6DD}"/>
               </a:ext>
             </a:extLst>
           </p:cNvPr>
@@ -2096,7 +2098,7 @@
     </p:spTree>
     <p:extLst>
       <p:ext uri="{BB962C8B-B14F-4D97-AF65-F5344CB8AC3E}">
-        <p14:creationId xmlns:p14="http://schemas.microsoft.com/office/powerpoint/2010/main" xmlns="" val="2545313846"/>
+        <p14:creationId xmlns="" xmlns:p14="http://schemas.microsoft.com/office/powerpoint/2010/main" val="2545313846"/>
       </p:ext>
     </p:extLst>
   </p:cSld>
@@ -2128,7 +2130,7 @@
           <p:cNvPr id="2" name="제목 1">
             <a:extLst>
               <a:ext uri="{FF2B5EF4-FFF2-40B4-BE49-F238E27FC236}">
-                <a16:creationId xmlns:a16="http://schemas.microsoft.com/office/drawing/2014/main" xmlns="" id="{F49BD015-8352-6342-BF8C-4736C2A1DAE4}"/>
+                <a16:creationId xmlns="" xmlns:a16="http://schemas.microsoft.com/office/drawing/2014/main" id="{F49BD015-8352-6342-BF8C-4736C2A1DAE4}"/>
               </a:ext>
             </a:extLst>
           </p:cNvPr>
@@ -2156,7 +2158,7 @@
           <p:cNvPr id="3" name="날짜 개체 틀 2">
             <a:extLst>
               <a:ext uri="{FF2B5EF4-FFF2-40B4-BE49-F238E27FC236}">
-                <a16:creationId xmlns:a16="http://schemas.microsoft.com/office/drawing/2014/main" xmlns="" id="{2F95FE88-801B-5043-8A28-57A8255CDB66}"/>
+                <a16:creationId xmlns="" xmlns:a16="http://schemas.microsoft.com/office/drawing/2014/main" id="{2F95FE88-801B-5043-8A28-57A8255CDB66}"/>
               </a:ext>
             </a:extLst>
           </p:cNvPr>
@@ -2175,7 +2177,7 @@
             <a:fld id="{ACE156AC-F178-FC4A-8F40-A38725500740}" type="datetimeFigureOut">
               <a:rPr kumimoji="1" lang="ko-KR" altLang="en-US" smtClean="0"/>
               <a:pPr/>
-              <a:t>2019-12-12</a:t>
+              <a:t>2019-12-16</a:t>
             </a:fld>
             <a:endParaRPr kumimoji="1" lang="ko-KR" altLang="en-US"/>
           </a:p>
@@ -2186,7 +2188,7 @@
           <p:cNvPr id="4" name="바닥글 개체 틀 3">
             <a:extLst>
               <a:ext uri="{FF2B5EF4-FFF2-40B4-BE49-F238E27FC236}">
-                <a16:creationId xmlns:a16="http://schemas.microsoft.com/office/drawing/2014/main" xmlns="" id="{1B29247F-613F-8041-A68F-2E695BEFA12E}"/>
+                <a16:creationId xmlns="" xmlns:a16="http://schemas.microsoft.com/office/drawing/2014/main" id="{1B29247F-613F-8041-A68F-2E695BEFA12E}"/>
               </a:ext>
             </a:extLst>
           </p:cNvPr>
@@ -2211,7 +2213,7 @@
           <p:cNvPr id="5" name="슬라이드 번호 개체 틀 4">
             <a:extLst>
               <a:ext uri="{FF2B5EF4-FFF2-40B4-BE49-F238E27FC236}">
-                <a16:creationId xmlns:a16="http://schemas.microsoft.com/office/drawing/2014/main" xmlns="" id="{B20387DC-5EE6-F94C-86EA-19E6A36F2376}"/>
+                <a16:creationId xmlns="" xmlns:a16="http://schemas.microsoft.com/office/drawing/2014/main" id="{B20387DC-5EE6-F94C-86EA-19E6A36F2376}"/>
               </a:ext>
             </a:extLst>
           </p:cNvPr>
@@ -2239,7 +2241,7 @@
     </p:spTree>
     <p:extLst>
       <p:ext uri="{BB962C8B-B14F-4D97-AF65-F5344CB8AC3E}">
-        <p14:creationId xmlns:p14="http://schemas.microsoft.com/office/powerpoint/2010/main" xmlns="" val="450827391"/>
+        <p14:creationId xmlns="" xmlns:p14="http://schemas.microsoft.com/office/powerpoint/2010/main" val="450827391"/>
       </p:ext>
     </p:extLst>
   </p:cSld>
@@ -2271,7 +2273,7 @@
           <p:cNvPr id="2" name="날짜 개체 틀 1">
             <a:extLst>
               <a:ext uri="{FF2B5EF4-FFF2-40B4-BE49-F238E27FC236}">
-                <a16:creationId xmlns:a16="http://schemas.microsoft.com/office/drawing/2014/main" xmlns="" id="{AC54CF41-2CCB-2546-8A51-3EC7908852B3}"/>
+                <a16:creationId xmlns="" xmlns:a16="http://schemas.microsoft.com/office/drawing/2014/main" id="{AC54CF41-2CCB-2546-8A51-3EC7908852B3}"/>
               </a:ext>
             </a:extLst>
           </p:cNvPr>
@@ -2290,7 +2292,7 @@
             <a:fld id="{ACE156AC-F178-FC4A-8F40-A38725500740}" type="datetimeFigureOut">
               <a:rPr kumimoji="1" lang="ko-KR" altLang="en-US" smtClean="0"/>
               <a:pPr/>
-              <a:t>2019-12-12</a:t>
+              <a:t>2019-12-16</a:t>
             </a:fld>
             <a:endParaRPr kumimoji="1" lang="ko-KR" altLang="en-US"/>
           </a:p>
@@ -2301,7 +2303,7 @@
           <p:cNvPr id="3" name="바닥글 개체 틀 2">
             <a:extLst>
               <a:ext uri="{FF2B5EF4-FFF2-40B4-BE49-F238E27FC236}">
-                <a16:creationId xmlns:a16="http://schemas.microsoft.com/office/drawing/2014/main" xmlns="" id="{5C41C900-20D4-1E46-A503-DEA018F92506}"/>
+                <a16:creationId xmlns="" xmlns:a16="http://schemas.microsoft.com/office/drawing/2014/main" id="{5C41C900-20D4-1E46-A503-DEA018F92506}"/>
               </a:ext>
             </a:extLst>
           </p:cNvPr>
@@ -2326,7 +2328,7 @@
           <p:cNvPr id="4" name="슬라이드 번호 개체 틀 3">
             <a:extLst>
               <a:ext uri="{FF2B5EF4-FFF2-40B4-BE49-F238E27FC236}">
-                <a16:creationId xmlns:a16="http://schemas.microsoft.com/office/drawing/2014/main" xmlns="" id="{473903CA-6145-3846-B5B6-56790FC68ACB}"/>
+                <a16:creationId xmlns="" xmlns:a16="http://schemas.microsoft.com/office/drawing/2014/main" id="{473903CA-6145-3846-B5B6-56790FC68ACB}"/>
               </a:ext>
             </a:extLst>
           </p:cNvPr>
@@ -2354,7 +2356,7 @@
     </p:spTree>
     <p:extLst>
       <p:ext uri="{BB962C8B-B14F-4D97-AF65-F5344CB8AC3E}">
-        <p14:creationId xmlns:p14="http://schemas.microsoft.com/office/powerpoint/2010/main" xmlns="" val="4096272925"/>
+        <p14:creationId xmlns="" xmlns:p14="http://schemas.microsoft.com/office/powerpoint/2010/main" val="4096272925"/>
       </p:ext>
     </p:extLst>
   </p:cSld>
@@ -2386,7 +2388,7 @@
           <p:cNvPr id="2" name="제목 1">
             <a:extLst>
               <a:ext uri="{FF2B5EF4-FFF2-40B4-BE49-F238E27FC236}">
-                <a16:creationId xmlns:a16="http://schemas.microsoft.com/office/drawing/2014/main" xmlns="" id="{5BB53706-6F59-164D-8AB3-61AA4193855E}"/>
+                <a16:creationId xmlns="" xmlns:a16="http://schemas.microsoft.com/office/drawing/2014/main" id="{5BB53706-6F59-164D-8AB3-61AA4193855E}"/>
               </a:ext>
             </a:extLst>
           </p:cNvPr>
@@ -2423,7 +2425,7 @@
           <p:cNvPr id="3" name="내용 개체 틀 2">
             <a:extLst>
               <a:ext uri="{FF2B5EF4-FFF2-40B4-BE49-F238E27FC236}">
-                <a16:creationId xmlns:a16="http://schemas.microsoft.com/office/drawing/2014/main" xmlns="" id="{7705A654-A7BC-6F44-B678-0077F702E549}"/>
+                <a16:creationId xmlns="" xmlns:a16="http://schemas.microsoft.com/office/drawing/2014/main" id="{7705A654-A7BC-6F44-B678-0077F702E549}"/>
               </a:ext>
             </a:extLst>
           </p:cNvPr>
@@ -2488,7 +2490,7 @@
           <p:cNvPr id="4" name="텍스트 개체 틀 3">
             <a:extLst>
               <a:ext uri="{FF2B5EF4-FFF2-40B4-BE49-F238E27FC236}">
-                <a16:creationId xmlns:a16="http://schemas.microsoft.com/office/drawing/2014/main" xmlns="" id="{85861AE6-FE95-6C4A-A5DD-59F45593D0F8}"/>
+                <a16:creationId xmlns="" xmlns:a16="http://schemas.microsoft.com/office/drawing/2014/main" id="{85861AE6-FE95-6C4A-A5DD-59F45593D0F8}"/>
               </a:ext>
             </a:extLst>
           </p:cNvPr>
@@ -2562,7 +2564,7 @@
           <p:cNvPr id="5" name="날짜 개체 틀 4">
             <a:extLst>
               <a:ext uri="{FF2B5EF4-FFF2-40B4-BE49-F238E27FC236}">
-                <a16:creationId xmlns:a16="http://schemas.microsoft.com/office/drawing/2014/main" xmlns="" id="{CEC38569-2EC9-484E-BC36-4FD46BA240E8}"/>
+                <a16:creationId xmlns="" xmlns:a16="http://schemas.microsoft.com/office/drawing/2014/main" id="{CEC38569-2EC9-484E-BC36-4FD46BA240E8}"/>
               </a:ext>
             </a:extLst>
           </p:cNvPr>
@@ -2581,7 +2583,7 @@
             <a:fld id="{ACE156AC-F178-FC4A-8F40-A38725500740}" type="datetimeFigureOut">
               <a:rPr kumimoji="1" lang="ko-KR" altLang="en-US" smtClean="0"/>
               <a:pPr/>
-              <a:t>2019-12-12</a:t>
+              <a:t>2019-12-16</a:t>
             </a:fld>
             <a:endParaRPr kumimoji="1" lang="ko-KR" altLang="en-US"/>
           </a:p>
@@ -2592,7 +2594,7 @@
           <p:cNvPr id="6" name="바닥글 개체 틀 5">
             <a:extLst>
               <a:ext uri="{FF2B5EF4-FFF2-40B4-BE49-F238E27FC236}">
-                <a16:creationId xmlns:a16="http://schemas.microsoft.com/office/drawing/2014/main" xmlns="" id="{B10CDF1C-8E4C-8241-BA2C-C99E5B7E9191}"/>
+                <a16:creationId xmlns="" xmlns:a16="http://schemas.microsoft.com/office/drawing/2014/main" id="{B10CDF1C-8E4C-8241-BA2C-C99E5B7E9191}"/>
               </a:ext>
             </a:extLst>
           </p:cNvPr>
@@ -2617,7 +2619,7 @@
           <p:cNvPr id="7" name="슬라이드 번호 개체 틀 6">
             <a:extLst>
               <a:ext uri="{FF2B5EF4-FFF2-40B4-BE49-F238E27FC236}">
-                <a16:creationId xmlns:a16="http://schemas.microsoft.com/office/drawing/2014/main" xmlns="" id="{14D33965-C422-214D-8E44-BED179F2B464}"/>
+                <a16:creationId xmlns="" xmlns:a16="http://schemas.microsoft.com/office/drawing/2014/main" id="{14D33965-C422-214D-8E44-BED179F2B464}"/>
               </a:ext>
             </a:extLst>
           </p:cNvPr>
@@ -2645,7 +2647,7 @@
     </p:spTree>
     <p:extLst>
       <p:ext uri="{BB962C8B-B14F-4D97-AF65-F5344CB8AC3E}">
-        <p14:creationId xmlns:p14="http://schemas.microsoft.com/office/powerpoint/2010/main" xmlns="" val="1612699754"/>
+        <p14:creationId xmlns="" xmlns:p14="http://schemas.microsoft.com/office/powerpoint/2010/main" val="1612699754"/>
       </p:ext>
     </p:extLst>
   </p:cSld>
@@ -2677,7 +2679,7 @@
           <p:cNvPr id="2" name="제목 1">
             <a:extLst>
               <a:ext uri="{FF2B5EF4-FFF2-40B4-BE49-F238E27FC236}">
-                <a16:creationId xmlns:a16="http://schemas.microsoft.com/office/drawing/2014/main" xmlns="" id="{CE4343F3-D339-3D4A-9995-04AF273A728B}"/>
+                <a16:creationId xmlns="" xmlns:a16="http://schemas.microsoft.com/office/drawing/2014/main" id="{CE4343F3-D339-3D4A-9995-04AF273A728B}"/>
               </a:ext>
             </a:extLst>
           </p:cNvPr>
@@ -2714,7 +2716,7 @@
           <p:cNvPr id="3" name="그림 개체 틀 2">
             <a:extLst>
               <a:ext uri="{FF2B5EF4-FFF2-40B4-BE49-F238E27FC236}">
-                <a16:creationId xmlns:a16="http://schemas.microsoft.com/office/drawing/2014/main" xmlns="" id="{466D680B-DF64-1E47-B558-E4E9FCE8C012}"/>
+                <a16:creationId xmlns="" xmlns:a16="http://schemas.microsoft.com/office/drawing/2014/main" id="{466D680B-DF64-1E47-B558-E4E9FCE8C012}"/>
               </a:ext>
             </a:extLst>
           </p:cNvPr>
@@ -2781,7 +2783,7 @@
           <p:cNvPr id="4" name="텍스트 개체 틀 3">
             <a:extLst>
               <a:ext uri="{FF2B5EF4-FFF2-40B4-BE49-F238E27FC236}">
-                <a16:creationId xmlns:a16="http://schemas.microsoft.com/office/drawing/2014/main" xmlns="" id="{D01AC4ED-49CE-8D45-919C-2793B67A77A8}"/>
+                <a16:creationId xmlns="" xmlns:a16="http://schemas.microsoft.com/office/drawing/2014/main" id="{D01AC4ED-49CE-8D45-919C-2793B67A77A8}"/>
               </a:ext>
             </a:extLst>
           </p:cNvPr>
@@ -2855,7 +2857,7 @@
           <p:cNvPr id="5" name="날짜 개체 틀 4">
             <a:extLst>
               <a:ext uri="{FF2B5EF4-FFF2-40B4-BE49-F238E27FC236}">
-                <a16:creationId xmlns:a16="http://schemas.microsoft.com/office/drawing/2014/main" xmlns="" id="{6154C891-D6C4-F84E-AF79-923E3C88E217}"/>
+                <a16:creationId xmlns="" xmlns:a16="http://schemas.microsoft.com/office/drawing/2014/main" id="{6154C891-D6C4-F84E-AF79-923E3C88E217}"/>
               </a:ext>
             </a:extLst>
           </p:cNvPr>
@@ -2874,7 +2876,7 @@
             <a:fld id="{ACE156AC-F178-FC4A-8F40-A38725500740}" type="datetimeFigureOut">
               <a:rPr kumimoji="1" lang="ko-KR" altLang="en-US" smtClean="0"/>
               <a:pPr/>
-              <a:t>2019-12-12</a:t>
+              <a:t>2019-12-16</a:t>
             </a:fld>
             <a:endParaRPr kumimoji="1" lang="ko-KR" altLang="en-US"/>
           </a:p>
@@ -2885,7 +2887,7 @@
           <p:cNvPr id="6" name="바닥글 개체 틀 5">
             <a:extLst>
               <a:ext uri="{FF2B5EF4-FFF2-40B4-BE49-F238E27FC236}">
-                <a16:creationId xmlns:a16="http://schemas.microsoft.com/office/drawing/2014/main" xmlns="" id="{C9DE4D14-A320-6446-8026-44D5260079EA}"/>
+                <a16:creationId xmlns="" xmlns:a16="http://schemas.microsoft.com/office/drawing/2014/main" id="{C9DE4D14-A320-6446-8026-44D5260079EA}"/>
               </a:ext>
             </a:extLst>
           </p:cNvPr>
@@ -2910,7 +2912,7 @@
           <p:cNvPr id="7" name="슬라이드 번호 개체 틀 6">
             <a:extLst>
               <a:ext uri="{FF2B5EF4-FFF2-40B4-BE49-F238E27FC236}">
-                <a16:creationId xmlns:a16="http://schemas.microsoft.com/office/drawing/2014/main" xmlns="" id="{3B086DF2-9F59-6945-B2A9-CB77FF8B2FFB}"/>
+                <a16:creationId xmlns="" xmlns:a16="http://schemas.microsoft.com/office/drawing/2014/main" id="{3B086DF2-9F59-6945-B2A9-CB77FF8B2FFB}"/>
               </a:ext>
             </a:extLst>
           </p:cNvPr>
@@ -2938,7 +2940,7 @@
     </p:spTree>
     <p:extLst>
       <p:ext uri="{BB962C8B-B14F-4D97-AF65-F5344CB8AC3E}">
-        <p14:creationId xmlns:p14="http://schemas.microsoft.com/office/powerpoint/2010/main" xmlns="" val="2057299818"/>
+        <p14:creationId xmlns="" xmlns:p14="http://schemas.microsoft.com/office/powerpoint/2010/main" val="2057299818"/>
       </p:ext>
     </p:extLst>
   </p:cSld>
@@ -2980,7 +2982,7 @@
           <p:cNvPr id="2" name="제목 개체 틀 1">
             <a:extLst>
               <a:ext uri="{FF2B5EF4-FFF2-40B4-BE49-F238E27FC236}">
-                <a16:creationId xmlns:a16="http://schemas.microsoft.com/office/drawing/2014/main" xmlns="" id="{FA4F4CFC-3045-7748-B28E-892F3216124E}"/>
+                <a16:creationId xmlns="" xmlns:a16="http://schemas.microsoft.com/office/drawing/2014/main" id="{FA4F4CFC-3045-7748-B28E-892F3216124E}"/>
               </a:ext>
             </a:extLst>
           </p:cNvPr>
@@ -3018,7 +3020,7 @@
           <p:cNvPr id="3" name="텍스트 개체 틀 2">
             <a:extLst>
               <a:ext uri="{FF2B5EF4-FFF2-40B4-BE49-F238E27FC236}">
-                <a16:creationId xmlns:a16="http://schemas.microsoft.com/office/drawing/2014/main" xmlns="" id="{57A11C7A-7CAD-7B4E-B8E7-FD3E44F2AD60}"/>
+                <a16:creationId xmlns="" xmlns:a16="http://schemas.microsoft.com/office/drawing/2014/main" id="{57A11C7A-7CAD-7B4E-B8E7-FD3E44F2AD60}"/>
               </a:ext>
             </a:extLst>
           </p:cNvPr>
@@ -3060,7 +3062,7 @@
           <p:cNvPr id="4" name="날짜 개체 틀 3">
             <a:extLst>
               <a:ext uri="{FF2B5EF4-FFF2-40B4-BE49-F238E27FC236}">
-                <a16:creationId xmlns:a16="http://schemas.microsoft.com/office/drawing/2014/main" xmlns="" id="{2ED43360-5054-BC43-AAE8-E246BC0C435E}"/>
+                <a16:creationId xmlns="" xmlns:a16="http://schemas.microsoft.com/office/drawing/2014/main" id="{2ED43360-5054-BC43-AAE8-E246BC0C435E}"/>
               </a:ext>
             </a:extLst>
           </p:cNvPr>
@@ -3097,7 +3099,7 @@
             <a:fld id="{ACE156AC-F178-FC4A-8F40-A38725500740}" type="datetimeFigureOut">
               <a:rPr kumimoji="1" lang="ko-KR" altLang="en-US" smtClean="0"/>
               <a:pPr/>
-              <a:t>2019-12-12</a:t>
+              <a:t>2019-12-16</a:t>
             </a:fld>
             <a:endParaRPr kumimoji="1" lang="ko-KR" altLang="en-US"/>
           </a:p>
@@ -3108,7 +3110,7 @@
           <p:cNvPr id="5" name="바닥글 개체 틀 4">
             <a:extLst>
               <a:ext uri="{FF2B5EF4-FFF2-40B4-BE49-F238E27FC236}">
-                <a16:creationId xmlns:a16="http://schemas.microsoft.com/office/drawing/2014/main" xmlns="" id="{F947AE0D-B559-3345-9906-9F20127E89C2}"/>
+                <a16:creationId xmlns="" xmlns:a16="http://schemas.microsoft.com/office/drawing/2014/main" id="{F947AE0D-B559-3345-9906-9F20127E89C2}"/>
               </a:ext>
             </a:extLst>
           </p:cNvPr>
@@ -3151,7 +3153,7 @@
           <p:cNvPr id="6" name="슬라이드 번호 개체 틀 5">
             <a:extLst>
               <a:ext uri="{FF2B5EF4-FFF2-40B4-BE49-F238E27FC236}">
-                <a16:creationId xmlns:a16="http://schemas.microsoft.com/office/drawing/2014/main" xmlns="" id="{A2C0E009-4D69-E141-BDE3-7A5BCBD91A1C}"/>
+                <a16:creationId xmlns="" xmlns:a16="http://schemas.microsoft.com/office/drawing/2014/main" id="{A2C0E009-4D69-E141-BDE3-7A5BCBD91A1C}"/>
               </a:ext>
             </a:extLst>
           </p:cNvPr>
@@ -3197,7 +3199,7 @@
     </p:spTree>
     <p:extLst>
       <p:ext uri="{BB962C8B-B14F-4D97-AF65-F5344CB8AC3E}">
-        <p14:creationId xmlns:p14="http://schemas.microsoft.com/office/powerpoint/2010/main" xmlns="" val="2669113475"/>
+        <p14:creationId xmlns="" xmlns:p14="http://schemas.microsoft.com/office/powerpoint/2010/main" val="2669113475"/>
       </p:ext>
     </p:extLst>
   </p:cSld>
@@ -3520,7 +3522,7 @@
           <p:cNvPr id="2" name="왼쪽 대괄호[L] 1">
             <a:extLst>
               <a:ext uri="{FF2B5EF4-FFF2-40B4-BE49-F238E27FC236}">
-                <a16:creationId xmlns:a16="http://schemas.microsoft.com/office/drawing/2014/main" xmlns="" id="{FD2BE796-18C4-7542-922F-AC07CCDE25AD}"/>
+                <a16:creationId xmlns="" xmlns:a16="http://schemas.microsoft.com/office/drawing/2014/main" id="{FD2BE796-18C4-7542-922F-AC07CCDE25AD}"/>
               </a:ext>
             </a:extLst>
           </p:cNvPr>
@@ -3572,7 +3574,7 @@
           <p:cNvPr id="13" name="왼쪽 대괄호[L] 12">
             <a:extLst>
               <a:ext uri="{FF2B5EF4-FFF2-40B4-BE49-F238E27FC236}">
-                <a16:creationId xmlns:a16="http://schemas.microsoft.com/office/drawing/2014/main" xmlns="" id="{EFECA2F4-7A60-7B4A-9E41-4C7AFF855ED1}"/>
+                <a16:creationId xmlns="" xmlns:a16="http://schemas.microsoft.com/office/drawing/2014/main" id="{EFECA2F4-7A60-7B4A-9E41-4C7AFF855ED1}"/>
               </a:ext>
             </a:extLst>
           </p:cNvPr>
@@ -3842,7 +3844,7 @@
           <p:cNvPr id="17" name="그림 16">
             <a:extLst>
               <a:ext uri="{FF2B5EF4-FFF2-40B4-BE49-F238E27FC236}">
-                <a16:creationId xmlns:a16="http://schemas.microsoft.com/office/drawing/2014/main" xmlns="" id="{4E4BF807-5974-A34A-9980-0041EFD87BF0}"/>
+                <a16:creationId xmlns="" xmlns:a16="http://schemas.microsoft.com/office/drawing/2014/main" id="{4E4BF807-5974-A34A-9980-0041EFD87BF0}"/>
               </a:ext>
             </a:extLst>
           </p:cNvPr>
@@ -3872,7 +3874,7 @@
           <p:cNvPr id="7" name="그림 6">
             <a:extLst>
               <a:ext uri="{FF2B5EF4-FFF2-40B4-BE49-F238E27FC236}">
-                <a16:creationId xmlns:a16="http://schemas.microsoft.com/office/drawing/2014/main" xmlns="" id="{4E4BF807-5974-A34A-9980-0041EFD87BF0}"/>
+                <a16:creationId xmlns="" xmlns:a16="http://schemas.microsoft.com/office/drawing/2014/main" id="{4E4BF807-5974-A34A-9980-0041EFD87BF0}"/>
               </a:ext>
             </a:extLst>
           </p:cNvPr>
@@ -3902,7 +3904,7 @@
           <p:cNvPr id="8" name="그림 7">
             <a:extLst>
               <a:ext uri="{FF2B5EF4-FFF2-40B4-BE49-F238E27FC236}">
-                <a16:creationId xmlns:a16="http://schemas.microsoft.com/office/drawing/2014/main" xmlns="" id="{4E4BF807-5974-A34A-9980-0041EFD87BF0}"/>
+                <a16:creationId xmlns="" xmlns:a16="http://schemas.microsoft.com/office/drawing/2014/main" id="{4E4BF807-5974-A34A-9980-0041EFD87BF0}"/>
               </a:ext>
             </a:extLst>
           </p:cNvPr>
@@ -3930,7 +3932,7 @@
     </p:spTree>
     <p:extLst>
       <p:ext uri="{BB962C8B-B14F-4D97-AF65-F5344CB8AC3E}">
-        <p14:creationId xmlns:p14="http://schemas.microsoft.com/office/powerpoint/2010/main" xmlns="" val="3212234621"/>
+        <p14:creationId xmlns="" xmlns:p14="http://schemas.microsoft.com/office/powerpoint/2010/main" val="3212234621"/>
       </p:ext>
     </p:extLst>
   </p:cSld>
@@ -3969,7 +3971,7 @@
           <p:cNvPr id="34" name="직사각형 33">
             <a:extLst>
               <a:ext uri="{FF2B5EF4-FFF2-40B4-BE49-F238E27FC236}">
-                <a16:creationId xmlns:a16="http://schemas.microsoft.com/office/drawing/2014/main" xmlns="" id="{37CB002D-8420-B548-9BEA-2E18D8A9A204}"/>
+                <a16:creationId xmlns="" xmlns:a16="http://schemas.microsoft.com/office/drawing/2014/main" id="{37CB002D-8420-B548-9BEA-2E18D8A9A204}"/>
               </a:ext>
             </a:extLst>
           </p:cNvPr>
@@ -4026,7 +4028,7 @@
           <p:cNvPr id="31" name="직사각형 30">
             <a:extLst>
               <a:ext uri="{FF2B5EF4-FFF2-40B4-BE49-F238E27FC236}">
-                <a16:creationId xmlns:a16="http://schemas.microsoft.com/office/drawing/2014/main" xmlns="" id="{A89F077E-F7A4-3D49-BAB5-4E9D17005D90}"/>
+                <a16:creationId xmlns="" xmlns:a16="http://schemas.microsoft.com/office/drawing/2014/main" id="{A89F077E-F7A4-3D49-BAB5-4E9D17005D90}"/>
               </a:ext>
             </a:extLst>
           </p:cNvPr>
@@ -4080,7 +4082,7 @@
           <p:cNvPr id="32" name="TextBox 31">
             <a:extLst>
               <a:ext uri="{FF2B5EF4-FFF2-40B4-BE49-F238E27FC236}">
-                <a16:creationId xmlns:a16="http://schemas.microsoft.com/office/drawing/2014/main" xmlns="" id="{942FB8DE-965C-0845-A309-74C9F51EAF9F}"/>
+                <a16:creationId xmlns="" xmlns:a16="http://schemas.microsoft.com/office/drawing/2014/main" id="{942FB8DE-965C-0845-A309-74C9F51EAF9F}"/>
               </a:ext>
             </a:extLst>
           </p:cNvPr>
@@ -4129,7 +4131,7 @@
           <p:cNvPr id="15" name="직사각형 14">
             <a:extLst>
               <a:ext uri="{FF2B5EF4-FFF2-40B4-BE49-F238E27FC236}">
-                <a16:creationId xmlns:a16="http://schemas.microsoft.com/office/drawing/2014/main" xmlns="" id="{6B8B80B4-792D-174E-8B2C-A10CA85CDD01}"/>
+                <a16:creationId xmlns="" xmlns:a16="http://schemas.microsoft.com/office/drawing/2014/main" id="{6B8B80B4-792D-174E-8B2C-A10CA85CDD01}"/>
               </a:ext>
             </a:extLst>
           </p:cNvPr>
@@ -4189,7 +4191,7 @@
           <p:cNvPr id="16" name="직각 삼각형[R] 8">
             <a:extLst>
               <a:ext uri="{FF2B5EF4-FFF2-40B4-BE49-F238E27FC236}">
-                <a16:creationId xmlns:a16="http://schemas.microsoft.com/office/drawing/2014/main" xmlns="" id="{E9289217-6E56-7D4B-B6FB-329F373CAF3E}"/>
+                <a16:creationId xmlns="" xmlns:a16="http://schemas.microsoft.com/office/drawing/2014/main" id="{E9289217-6E56-7D4B-B6FB-329F373CAF3E}"/>
               </a:ext>
             </a:extLst>
           </p:cNvPr>
@@ -4243,7 +4245,7 @@
           <p:cNvPr id="17" name="TextBox 16">
             <a:extLst>
               <a:ext uri="{FF2B5EF4-FFF2-40B4-BE49-F238E27FC236}">
-                <a16:creationId xmlns:a16="http://schemas.microsoft.com/office/drawing/2014/main" xmlns="" id="{849EE5DD-2363-0B42-B4FD-2464134E7BE2}"/>
+                <a16:creationId xmlns="" xmlns:a16="http://schemas.microsoft.com/office/drawing/2014/main" id="{849EE5DD-2363-0B42-B4FD-2464134E7BE2}"/>
               </a:ext>
             </a:extLst>
           </p:cNvPr>
@@ -4271,14 +4273,7 @@
                 <a:latin typeface="배달의민족 주아" pitchFamily="18" charset="-127"/>
                 <a:ea typeface="배달의민족 주아" pitchFamily="18" charset="-127"/>
               </a:rPr>
-              <a:t>03. </a:t>
-            </a:r>
-            <a:r>
-              <a:rPr kumimoji="1" lang="en-US" altLang="ko-KR" sz="2400" smtClean="0">
-                <a:latin typeface="배달의민족 주아" pitchFamily="18" charset="-127"/>
-                <a:ea typeface="배달의민족 주아" pitchFamily="18" charset="-127"/>
-              </a:rPr>
-              <a:t>@Valid &amp; @InitBinder</a:t>
+              <a:t>03. @Valid &amp; @InitBinder</a:t>
             </a:r>
             <a:endParaRPr kumimoji="1" lang="ko-KR" altLang="en-US" sz="2400" dirty="0">
               <a:latin typeface="배달의민족 주아" pitchFamily="18" charset="-127"/>
@@ -4299,7 +4294,7 @@
           <a:blip r:embed="rId2">
             <a:extLst>
               <a:ext uri="{28A0092B-C50C-407E-A947-70E740481C1C}">
-                <a14:useLocalDpi xmlns:a14="http://schemas.microsoft.com/office/drawing/2010/main" xmlns="" val="0"/>
+                <a14:useLocalDpi xmlns="" xmlns:a14="http://schemas.microsoft.com/office/drawing/2010/main" val="0"/>
               </a:ext>
             </a:extLst>
           </a:blip>
@@ -4322,14 +4317,14 @@
           </a:ln>
           <a:extLst>
             <a:ext uri="{909E8E84-426E-40DD-AFC4-6F175D3DCCD1}">
-              <a14:hiddenFill xmlns:a14="http://schemas.microsoft.com/office/drawing/2010/main" xmlns="">
+              <a14:hiddenFill xmlns="" xmlns:a14="http://schemas.microsoft.com/office/drawing/2010/main">
                 <a:solidFill>
                   <a:schemeClr val="accent1"/>
                 </a:solidFill>
               </a14:hiddenFill>
             </a:ext>
             <a:ext uri="{91240B29-F687-4F45-9708-019B960494DF}">
-              <a14:hiddenLine xmlns:a14="http://schemas.microsoft.com/office/drawing/2010/main" xmlns="" w="9525">
+              <a14:hiddenLine xmlns="" xmlns:a14="http://schemas.microsoft.com/office/drawing/2010/main" w="9525">
                 <a:solidFill>
                   <a:schemeClr val="tx1"/>
                 </a:solidFill>
@@ -4346,7 +4341,7 @@
           <p:cNvPr id="20" name="TextBox 19">
             <a:extLst>
               <a:ext uri="{FF2B5EF4-FFF2-40B4-BE49-F238E27FC236}">
-                <a16:creationId xmlns:a16="http://schemas.microsoft.com/office/drawing/2014/main" xmlns="" id="{942FB8DE-965C-0845-A309-74C9F51EAF9F}"/>
+                <a16:creationId xmlns="" xmlns:a16="http://schemas.microsoft.com/office/drawing/2014/main" id="{942FB8DE-965C-0845-A309-74C9F51EAF9F}"/>
               </a:ext>
             </a:extLst>
           </p:cNvPr>
@@ -4405,7 +4400,7 @@
           <a:blip r:embed="rId3">
             <a:extLst>
               <a:ext uri="{28A0092B-C50C-407E-A947-70E740481C1C}">
-                <a14:useLocalDpi xmlns:a14="http://schemas.microsoft.com/office/drawing/2010/main" xmlns="" val="0"/>
+                <a14:useLocalDpi xmlns="" xmlns:a14="http://schemas.microsoft.com/office/drawing/2010/main" val="0"/>
               </a:ext>
             </a:extLst>
           </a:blip>
@@ -4428,14 +4423,14 @@
           </a:ln>
           <a:extLst>
             <a:ext uri="{909E8E84-426E-40DD-AFC4-6F175D3DCCD1}">
-              <a14:hiddenFill xmlns:a14="http://schemas.microsoft.com/office/drawing/2010/main" xmlns="">
+              <a14:hiddenFill xmlns="" xmlns:a14="http://schemas.microsoft.com/office/drawing/2010/main">
                 <a:solidFill>
                   <a:schemeClr val="accent1"/>
                 </a:solidFill>
               </a14:hiddenFill>
             </a:ext>
             <a:ext uri="{91240B29-F687-4F45-9708-019B960494DF}">
-              <a14:hiddenLine xmlns:a14="http://schemas.microsoft.com/office/drawing/2010/main" xmlns="" w="9525">
+              <a14:hiddenLine xmlns="" xmlns:a14="http://schemas.microsoft.com/office/drawing/2010/main" w="9525">
                 <a:solidFill>
                   <a:schemeClr val="tx1"/>
                 </a:solidFill>
@@ -4452,7 +4447,7 @@
           <p:cNvPr id="28" name="TextBox 27">
             <a:extLst>
               <a:ext uri="{FF2B5EF4-FFF2-40B4-BE49-F238E27FC236}">
-                <a16:creationId xmlns:a16="http://schemas.microsoft.com/office/drawing/2014/main" xmlns="" id="{942FB8DE-965C-0845-A309-74C9F51EAF9F}"/>
+                <a16:creationId xmlns="" xmlns:a16="http://schemas.microsoft.com/office/drawing/2014/main" id="{942FB8DE-965C-0845-A309-74C9F51EAF9F}"/>
               </a:ext>
             </a:extLst>
           </p:cNvPr>
@@ -4507,7 +4502,7 @@
           <p:cNvPr id="30" name="TextBox 29">
             <a:extLst>
               <a:ext uri="{FF2B5EF4-FFF2-40B4-BE49-F238E27FC236}">
-                <a16:creationId xmlns:a16="http://schemas.microsoft.com/office/drawing/2014/main" xmlns="" id="{942FB8DE-965C-0845-A309-74C9F51EAF9F}"/>
+                <a16:creationId xmlns="" xmlns:a16="http://schemas.microsoft.com/office/drawing/2014/main" id="{942FB8DE-965C-0845-A309-74C9F51EAF9F}"/>
               </a:ext>
             </a:extLst>
           </p:cNvPr>
@@ -4695,7 +4690,7 @@
           <a:blip r:embed="rId4">
             <a:extLst>
               <a:ext uri="{28A0092B-C50C-407E-A947-70E740481C1C}">
-                <a14:useLocalDpi xmlns:a14="http://schemas.microsoft.com/office/drawing/2010/main" xmlns="" val="0"/>
+                <a14:useLocalDpi xmlns="" xmlns:a14="http://schemas.microsoft.com/office/drawing/2010/main" val="0"/>
               </a:ext>
             </a:extLst>
           </a:blip>
@@ -4718,14 +4713,14 @@
           </a:ln>
           <a:extLst>
             <a:ext uri="{909E8E84-426E-40DD-AFC4-6F175D3DCCD1}">
-              <a14:hiddenFill xmlns:a14="http://schemas.microsoft.com/office/drawing/2010/main" xmlns="">
+              <a14:hiddenFill xmlns="" xmlns:a14="http://schemas.microsoft.com/office/drawing/2010/main">
                 <a:solidFill>
                   <a:schemeClr val="accent1"/>
                 </a:solidFill>
               </a14:hiddenFill>
             </a:ext>
             <a:ext uri="{91240B29-F687-4F45-9708-019B960494DF}">
-              <a14:hiddenLine xmlns:a14="http://schemas.microsoft.com/office/drawing/2010/main" xmlns="" w="9525">
+              <a14:hiddenLine xmlns="" xmlns:a14="http://schemas.microsoft.com/office/drawing/2010/main" w="9525">
                 <a:solidFill>
                   <a:schemeClr val="tx1"/>
                 </a:solidFill>
@@ -4742,7 +4737,7 @@
           <p:cNvPr id="29" name="TextBox 28">
             <a:extLst>
               <a:ext uri="{FF2B5EF4-FFF2-40B4-BE49-F238E27FC236}">
-                <a16:creationId xmlns:a16="http://schemas.microsoft.com/office/drawing/2014/main" xmlns="" id="{942FB8DE-965C-0845-A309-74C9F51EAF9F}"/>
+                <a16:creationId xmlns="" xmlns:a16="http://schemas.microsoft.com/office/drawing/2014/main" id="{942FB8DE-965C-0845-A309-74C9F51EAF9F}"/>
               </a:ext>
             </a:extLst>
           </p:cNvPr>
@@ -5049,7 +5044,7 @@
     </p:spTree>
     <p:extLst>
       <p:ext uri="{BB962C8B-B14F-4D97-AF65-F5344CB8AC3E}">
-        <p14:creationId xmlns:p14="http://schemas.microsoft.com/office/powerpoint/2010/main" xmlns="" val="2814377580"/>
+        <p14:creationId xmlns="" xmlns:p14="http://schemas.microsoft.com/office/powerpoint/2010/main" val="2814377580"/>
       </p:ext>
     </p:extLst>
   </p:cSld>
@@ -5088,7 +5083,7 @@
           <p:cNvPr id="34" name="직사각형 33">
             <a:extLst>
               <a:ext uri="{FF2B5EF4-FFF2-40B4-BE49-F238E27FC236}">
-                <a16:creationId xmlns:a16="http://schemas.microsoft.com/office/drawing/2014/main" xmlns="" id="{37CB002D-8420-B548-9BEA-2E18D8A9A204}"/>
+                <a16:creationId xmlns="" xmlns:a16="http://schemas.microsoft.com/office/drawing/2014/main" id="{37CB002D-8420-B548-9BEA-2E18D8A9A204}"/>
               </a:ext>
             </a:extLst>
           </p:cNvPr>
@@ -5142,7 +5137,7 @@
           <p:cNvPr id="8" name="직사각형 7">
             <a:extLst>
               <a:ext uri="{FF2B5EF4-FFF2-40B4-BE49-F238E27FC236}">
-                <a16:creationId xmlns:a16="http://schemas.microsoft.com/office/drawing/2014/main" xmlns="" id="{6B8B80B4-792D-174E-8B2C-A10CA85CDD01}"/>
+                <a16:creationId xmlns="" xmlns:a16="http://schemas.microsoft.com/office/drawing/2014/main" id="{6B8B80B4-792D-174E-8B2C-A10CA85CDD01}"/>
               </a:ext>
             </a:extLst>
           </p:cNvPr>
@@ -5202,7 +5197,7 @@
           <p:cNvPr id="9" name="직각 삼각형[R] 8">
             <a:extLst>
               <a:ext uri="{FF2B5EF4-FFF2-40B4-BE49-F238E27FC236}">
-                <a16:creationId xmlns:a16="http://schemas.microsoft.com/office/drawing/2014/main" xmlns="" id="{E9289217-6E56-7D4B-B6FB-329F373CAF3E}"/>
+                <a16:creationId xmlns="" xmlns:a16="http://schemas.microsoft.com/office/drawing/2014/main" id="{E9289217-6E56-7D4B-B6FB-329F373CAF3E}"/>
               </a:ext>
             </a:extLst>
           </p:cNvPr>
@@ -5256,7 +5251,7 @@
           <p:cNvPr id="31" name="직사각형 30">
             <a:extLst>
               <a:ext uri="{FF2B5EF4-FFF2-40B4-BE49-F238E27FC236}">
-                <a16:creationId xmlns:a16="http://schemas.microsoft.com/office/drawing/2014/main" xmlns="" id="{A89F077E-F7A4-3D49-BAB5-4E9D17005D90}"/>
+                <a16:creationId xmlns="" xmlns:a16="http://schemas.microsoft.com/office/drawing/2014/main" id="{A89F077E-F7A4-3D49-BAB5-4E9D17005D90}"/>
               </a:ext>
             </a:extLst>
           </p:cNvPr>
@@ -5310,7 +5305,7 @@
           <p:cNvPr id="32" name="TextBox 31">
             <a:extLst>
               <a:ext uri="{FF2B5EF4-FFF2-40B4-BE49-F238E27FC236}">
-                <a16:creationId xmlns:a16="http://schemas.microsoft.com/office/drawing/2014/main" xmlns="" id="{942FB8DE-965C-0845-A309-74C9F51EAF9F}"/>
+                <a16:creationId xmlns="" xmlns:a16="http://schemas.microsoft.com/office/drawing/2014/main" id="{942FB8DE-965C-0845-A309-74C9F51EAF9F}"/>
               </a:ext>
             </a:extLst>
           </p:cNvPr>
@@ -5360,7 +5355,7 @@
           <p:cNvPr id="33" name="TextBox 32">
             <a:extLst>
               <a:ext uri="{FF2B5EF4-FFF2-40B4-BE49-F238E27FC236}">
-                <a16:creationId xmlns:a16="http://schemas.microsoft.com/office/drawing/2014/main" xmlns="" id="{7F85061E-E6C3-C84C-BB7D-87EC6FAD4193}"/>
+                <a16:creationId xmlns="" xmlns:a16="http://schemas.microsoft.com/office/drawing/2014/main" id="{7F85061E-E6C3-C84C-BB7D-87EC6FAD4193}"/>
               </a:ext>
             </a:extLst>
           </p:cNvPr>
@@ -5489,7 +5484,7 @@
           <p:cNvPr id="20" name="TextBox 19">
             <a:extLst>
               <a:ext uri="{FF2B5EF4-FFF2-40B4-BE49-F238E27FC236}">
-                <a16:creationId xmlns:a16="http://schemas.microsoft.com/office/drawing/2014/main" xmlns="" id="{849EE5DD-2363-0B42-B4FD-2464134E7BE2}"/>
+                <a16:creationId xmlns="" xmlns:a16="http://schemas.microsoft.com/office/drawing/2014/main" id="{849EE5DD-2363-0B42-B4FD-2464134E7BE2}"/>
               </a:ext>
             </a:extLst>
           </p:cNvPr>
@@ -7068,7 +7063,7 @@
           <p:cNvPr id="41" name="TextBox 40">
             <a:extLst>
               <a:ext uri="{FF2B5EF4-FFF2-40B4-BE49-F238E27FC236}">
-                <a16:creationId xmlns:a16="http://schemas.microsoft.com/office/drawing/2014/main" xmlns="" id="{7F85061E-E6C3-C84C-BB7D-87EC6FAD4193}"/>
+                <a16:creationId xmlns="" xmlns:a16="http://schemas.microsoft.com/office/drawing/2014/main" id="{7F85061E-E6C3-C84C-BB7D-87EC6FAD4193}"/>
               </a:ext>
             </a:extLst>
           </p:cNvPr>
@@ -7265,7 +7260,7 @@
           <p:cNvPr id="42" name="TextBox 41">
             <a:extLst>
               <a:ext uri="{FF2B5EF4-FFF2-40B4-BE49-F238E27FC236}">
-                <a16:creationId xmlns:a16="http://schemas.microsoft.com/office/drawing/2014/main" xmlns="" id="{7F85061E-E6C3-C84C-BB7D-87EC6FAD4193}"/>
+                <a16:creationId xmlns="" xmlns:a16="http://schemas.microsoft.com/office/drawing/2014/main" id="{7F85061E-E6C3-C84C-BB7D-87EC6FAD4193}"/>
               </a:ext>
             </a:extLst>
           </p:cNvPr>
@@ -7394,7 +7389,7 @@
           <p:cNvPr id="43" name="TextBox 42">
             <a:extLst>
               <a:ext uri="{FF2B5EF4-FFF2-40B4-BE49-F238E27FC236}">
-                <a16:creationId xmlns:a16="http://schemas.microsoft.com/office/drawing/2014/main" xmlns="" id="{7F85061E-E6C3-C84C-BB7D-87EC6FAD4193}"/>
+                <a16:creationId xmlns="" xmlns:a16="http://schemas.microsoft.com/office/drawing/2014/main" id="{7F85061E-E6C3-C84C-BB7D-87EC6FAD4193}"/>
               </a:ext>
             </a:extLst>
           </p:cNvPr>
@@ -8111,7 +8106,7 @@
           <p:cNvPr id="44" name="TextBox 43">
             <a:extLst>
               <a:ext uri="{FF2B5EF4-FFF2-40B4-BE49-F238E27FC236}">
-                <a16:creationId xmlns:a16="http://schemas.microsoft.com/office/drawing/2014/main" xmlns="" id="{7F85061E-E6C3-C84C-BB7D-87EC6FAD4193}"/>
+                <a16:creationId xmlns="" xmlns:a16="http://schemas.microsoft.com/office/drawing/2014/main" id="{7F85061E-E6C3-C84C-BB7D-87EC6FAD4193}"/>
               </a:ext>
             </a:extLst>
           </p:cNvPr>
@@ -8240,7 +8235,7 @@
           <p:cNvPr id="45" name="TextBox 44">
             <a:extLst>
               <a:ext uri="{FF2B5EF4-FFF2-40B4-BE49-F238E27FC236}">
-                <a16:creationId xmlns:a16="http://schemas.microsoft.com/office/drawing/2014/main" xmlns="" id="{7F85061E-E6C3-C84C-BB7D-87EC6FAD4193}"/>
+                <a16:creationId xmlns="" xmlns:a16="http://schemas.microsoft.com/office/drawing/2014/main" id="{7F85061E-E6C3-C84C-BB7D-87EC6FAD4193}"/>
               </a:ext>
             </a:extLst>
           </p:cNvPr>
@@ -8447,10 +8442,10 @@
                 <a:latin typeface="배달의민족 주아" pitchFamily="18" charset="-127"/>
                 <a:ea typeface="배달의민족 주아" pitchFamily="18" charset="-127"/>
               </a:rPr>
-              <a:t>@</a:t>
-            </a:r>
-            <a:r>
-              <a:rPr lang="en-US" altLang="ko-KR" sz="1400" smtClean="0">
+              <a:t>@EnableWebMvc : SpringMvc</a:t>
+            </a:r>
+            <a:r>
+              <a:rPr lang="ko-KR" altLang="en-US" sz="1400" smtClean="0">
                 <a:ln>
                   <a:solidFill>
                     <a:schemeClr val="tx1">
@@ -8463,7 +8458,7 @@
                 <a:latin typeface="배달의민족 주아" pitchFamily="18" charset="-127"/>
                 <a:ea typeface="배달의민족 주아" pitchFamily="18" charset="-127"/>
               </a:rPr>
-              <a:t>EnableWebMvc </a:t>
+              <a:t>를 구성할 때 필요한 </a:t>
             </a:r>
             <a:r>
               <a:rPr lang="en-US" altLang="ko-KR" sz="1400" smtClean="0">
@@ -8479,7 +8474,7 @@
                 <a:latin typeface="배달의민족 주아" pitchFamily="18" charset="-127"/>
                 <a:ea typeface="배달의민족 주아" pitchFamily="18" charset="-127"/>
               </a:rPr>
-              <a:t>: SpringMvc</a:t>
+              <a:t>Bean </a:t>
             </a:r>
             <a:r>
               <a:rPr lang="ko-KR" altLang="en-US" sz="1400" smtClean="0">
@@ -8495,38 +8490,6 @@
                 <a:latin typeface="배달의민족 주아" pitchFamily="18" charset="-127"/>
                 <a:ea typeface="배달의민족 주아" pitchFamily="18" charset="-127"/>
               </a:rPr>
-              <a:t>를 구성할 때 필요한 </a:t>
-            </a:r>
-            <a:r>
-              <a:rPr lang="en-US" altLang="ko-KR" sz="1400" smtClean="0">
-                <a:ln>
-                  <a:solidFill>
-                    <a:schemeClr val="tx1">
-                      <a:lumMod val="50000"/>
-                      <a:lumOff val="50000"/>
-                      <a:alpha val="20000"/>
-                    </a:schemeClr>
-                  </a:solidFill>
-                </a:ln>
-                <a:latin typeface="배달의민족 주아" pitchFamily="18" charset="-127"/>
-                <a:ea typeface="배달의민족 주아" pitchFamily="18" charset="-127"/>
-              </a:rPr>
-              <a:t>Bean </a:t>
-            </a:r>
-            <a:r>
-              <a:rPr lang="ko-KR" altLang="en-US" sz="1400" smtClean="0">
-                <a:ln>
-                  <a:solidFill>
-                    <a:schemeClr val="tx1">
-                      <a:lumMod val="50000"/>
-                      <a:lumOff val="50000"/>
-                      <a:alpha val="20000"/>
-                    </a:schemeClr>
-                  </a:solidFill>
-                </a:ln>
-                <a:latin typeface="배달의민족 주아" pitchFamily="18" charset="-127"/>
-                <a:ea typeface="배달의민족 주아" pitchFamily="18" charset="-127"/>
-              </a:rPr>
               <a:t>자동 설정</a:t>
             </a:r>
             <a:endParaRPr lang="en-US" altLang="ko-KR" sz="1400" dirty="0">
@@ -8548,7 +8511,7 @@
     </p:spTree>
     <p:extLst>
       <p:ext uri="{BB962C8B-B14F-4D97-AF65-F5344CB8AC3E}">
-        <p14:creationId xmlns:p14="http://schemas.microsoft.com/office/powerpoint/2010/main" xmlns="" val="2814377580"/>
+        <p14:creationId xmlns="" xmlns:p14="http://schemas.microsoft.com/office/powerpoint/2010/main" val="2814377580"/>
       </p:ext>
     </p:extLst>
   </p:cSld>
@@ -8584,10 +8547,1184 @@
       </p:grpSpPr>
       <p:sp>
         <p:nvSpPr>
-          <p:cNvPr id="13" name="직사각형 12">
+          <p:cNvPr id="13316" name="Rectangle 4"/>
+          <p:cNvSpPr>
+            <a:spLocks noChangeArrowheads="1"/>
+          </p:cNvSpPr>
+          <p:nvPr/>
+        </p:nvSpPr>
+        <p:spPr bwMode="auto">
+          <a:xfrm>
+            <a:off x="1" y="1411942"/>
+            <a:ext cx="12190412" cy="5446058"/>
+          </a:xfrm>
+          <a:prstGeom prst="rect">
+            <a:avLst/>
+          </a:prstGeom>
+          <a:solidFill>
+            <a:srgbClr val="F2F2F2"/>
+          </a:solidFill>
+          <a:ln w="12613" cmpd="sng">
+            <a:noFill/>
+            <a:miter lim="800000"/>
+            <a:headEnd/>
+            <a:tailEnd/>
+          </a:ln>
+          <a:effectLst/>
+        </p:spPr>
+        <p:txBody>
+          <a:bodyPr wrap="none" lIns="91486" tIns="45743" rIns="91486" bIns="45743"/>
+          <a:lstStyle/>
+          <a:p>
+            <a:endParaRPr lang="ko-KR" altLang="en-US">
+              <a:latin typeface="배달의민족 주아" pitchFamily="18" charset="-127"/>
+              <a:ea typeface="배달의민족 주아" pitchFamily="18" charset="-127"/>
+            </a:endParaRPr>
+          </a:p>
+        </p:txBody>
+      </p:sp>
+      <p:sp>
+        <p:nvSpPr>
+          <p:cNvPr id="13317" name="Rectangle 5"/>
+          <p:cNvSpPr>
+            <a:spLocks noChangeArrowheads="1"/>
+          </p:cNvSpPr>
+          <p:nvPr/>
+        </p:nvSpPr>
+        <p:spPr bwMode="white">
+          <a:xfrm>
+            <a:off x="212836" y="689294"/>
+            <a:ext cx="7034702" cy="371497"/>
+          </a:xfrm>
+          <a:prstGeom prst="rect">
+            <a:avLst/>
+          </a:prstGeom>
+          <a:noFill/>
+          <a:ln>
+            <a:noFill/>
+          </a:ln>
+          <a:effectLst/>
+        </p:spPr>
+        <p:txBody>
+          <a:bodyPr lIns="90011" tIns="46792" rIns="90011" bIns="46792">
+            <a:spAutoFit/>
+          </a:bodyPr>
+          <a:lstStyle/>
+          <a:p>
+            <a:endParaRPr lang="ko-KR" altLang="en-US">
+              <a:latin typeface="배달의민족 주아" pitchFamily="18" charset="-127"/>
+              <a:ea typeface="배달의민족 주아" pitchFamily="18" charset="-127"/>
+            </a:endParaRPr>
+          </a:p>
+        </p:txBody>
+      </p:sp>
+      <p:sp>
+        <p:nvSpPr>
+          <p:cNvPr id="13318" name="Rectangle 6"/>
+          <p:cNvSpPr>
+            <a:spLocks noChangeArrowheads="1"/>
+          </p:cNvSpPr>
+          <p:nvPr/>
+        </p:nvSpPr>
+        <p:spPr bwMode="auto">
+          <a:xfrm>
+            <a:off x="1" y="198531"/>
+            <a:ext cx="4768158" cy="490764"/>
+          </a:xfrm>
+          <a:prstGeom prst="rect">
+            <a:avLst/>
+          </a:prstGeom>
+          <a:solidFill>
+            <a:srgbClr val="BED7EE"/>
+          </a:solidFill>
+          <a:ln w="12613" cmpd="sng">
+            <a:solidFill>
+              <a:srgbClr val="BED7EE"/>
+            </a:solidFill>
+            <a:miter lim="800000"/>
+            <a:headEnd/>
+            <a:tailEnd/>
+          </a:ln>
+          <a:effectLst/>
+        </p:spPr>
+        <p:txBody>
+          <a:bodyPr wrap="none" lIns="91486" tIns="45743" rIns="91486" bIns="45743"/>
+          <a:lstStyle/>
+          <a:p>
+            <a:endParaRPr lang="ko-KR" altLang="en-US">
+              <a:latin typeface="배달의민족 주아" pitchFamily="18" charset="-127"/>
+              <a:ea typeface="배달의민족 주아" pitchFamily="18" charset="-127"/>
+            </a:endParaRPr>
+          </a:p>
+        </p:txBody>
+      </p:sp>
+      <p:sp>
+        <p:nvSpPr>
+          <p:cNvPr id="13319" name="AutoShape 7"/>
+          <p:cNvSpPr>
+            <a:spLocks noChangeArrowheads="1"/>
+          </p:cNvSpPr>
+          <p:nvPr/>
+        </p:nvSpPr>
+        <p:spPr bwMode="auto">
+          <a:xfrm flipH="1">
+            <a:off x="4352017" y="276353"/>
+            <a:ext cx="474910" cy="489176"/>
+          </a:xfrm>
+          <a:prstGeom prst="rtTriangle">
+            <a:avLst/>
+          </a:prstGeom>
+          <a:solidFill>
+            <a:srgbClr val="2E75B6"/>
+          </a:solidFill>
+          <a:ln w="12613" cmpd="sng">
+            <a:noFill/>
+            <a:miter lim="800000"/>
+            <a:headEnd/>
+            <a:tailEnd/>
+          </a:ln>
+          <a:effectLst/>
+        </p:spPr>
+        <p:txBody>
+          <a:bodyPr wrap="none" lIns="91486" tIns="45743" rIns="91486" bIns="45743"/>
+          <a:lstStyle/>
+          <a:p>
+            <a:endParaRPr lang="ko-KR" altLang="en-US">
+              <a:latin typeface="배달의민족 주아" pitchFamily="18" charset="-127"/>
+              <a:ea typeface="배달의민족 주아" pitchFamily="18" charset="-127"/>
+            </a:endParaRPr>
+          </a:p>
+        </p:txBody>
+      </p:sp>
+      <p:sp>
+        <p:nvSpPr>
+          <p:cNvPr id="13321" name="Rectangle 9"/>
+          <p:cNvSpPr>
+            <a:spLocks noChangeArrowheads="1"/>
+          </p:cNvSpPr>
+          <p:nvPr/>
+        </p:nvSpPr>
+        <p:spPr bwMode="white">
+          <a:xfrm>
+            <a:off x="331014" y="853526"/>
+            <a:ext cx="9895279" cy="414530"/>
+          </a:xfrm>
+          <a:prstGeom prst="rect">
+            <a:avLst/>
+          </a:prstGeom>
+          <a:noFill/>
+          <a:ln>
+            <a:noFill/>
+          </a:ln>
+          <a:effectLst/>
+        </p:spPr>
+        <p:txBody>
+          <a:bodyPr lIns="91463" tIns="45731" rIns="91463" bIns="45731">
+            <a:spAutoFit/>
+          </a:bodyPr>
+          <a:lstStyle/>
+          <a:p>
+            <a:r>
+              <a:rPr lang="en-US" altLang="ko-KR" sz="2000">
+                <a:solidFill>
+                  <a:schemeClr val="bg1"/>
+                </a:solidFill>
+                <a:latin typeface="배달의민족 주아" pitchFamily="18" charset="-127"/>
+                <a:ea typeface="배달의민족 주아" pitchFamily="18" charset="-127"/>
+              </a:rPr>
+              <a:t>Validator </a:t>
+            </a:r>
+            <a:r>
+              <a:rPr lang="ko-KR" altLang="en-US" sz="2000">
+                <a:solidFill>
+                  <a:schemeClr val="bg1"/>
+                </a:solidFill>
+                <a:latin typeface="배달의민족 주아" pitchFamily="18" charset="-127"/>
+                <a:ea typeface="배달의민족 주아" pitchFamily="18" charset="-127"/>
+              </a:rPr>
+              <a:t>클래스 작성 없이 어노테이션만으로 커맨드 객체의 값 검증 처리</a:t>
+            </a:r>
+          </a:p>
+        </p:txBody>
+      </p:sp>
+      <p:sp>
+        <p:nvSpPr>
+          <p:cNvPr id="13322" name="Rectangle 10"/>
+          <p:cNvSpPr>
+            <a:spLocks noChangeArrowheads="1"/>
+          </p:cNvSpPr>
+          <p:nvPr/>
+        </p:nvSpPr>
+        <p:spPr bwMode="white">
+          <a:xfrm>
+            <a:off x="993153" y="1702671"/>
+            <a:ext cx="2044178" cy="369354"/>
+          </a:xfrm>
+          <a:prstGeom prst="rect">
+            <a:avLst/>
+          </a:prstGeom>
+          <a:noFill/>
+          <a:ln>
+            <a:noFill/>
+          </a:ln>
+          <a:effectLst/>
+        </p:spPr>
+        <p:txBody>
+          <a:bodyPr lIns="91463" tIns="45731" rIns="91463" bIns="45731">
+            <a:spAutoFit/>
+          </a:bodyPr>
+          <a:lstStyle/>
+          <a:p>
+            <a:pPr algn="ctr"/>
+            <a:r>
+              <a:rPr lang="en-US" altLang="ko-KR" smtClean="0">
+                <a:solidFill>
+                  <a:srgbClr val="000000"/>
+                </a:solidFill>
+                <a:latin typeface="배달의민족 주아" pitchFamily="18" charset="-127"/>
+                <a:ea typeface="배달의민족 주아" pitchFamily="18" charset="-127"/>
+              </a:rPr>
+              <a:t>pom.xml </a:t>
+            </a:r>
+            <a:r>
+              <a:rPr lang="ko-KR" altLang="en-US">
+                <a:solidFill>
+                  <a:srgbClr val="000000"/>
+                </a:solidFill>
+                <a:latin typeface="배달의민족 주아" pitchFamily="18" charset="-127"/>
+                <a:ea typeface="배달의민족 주아" pitchFamily="18" charset="-127"/>
+              </a:rPr>
+              <a:t>설정</a:t>
+            </a:r>
+          </a:p>
+        </p:txBody>
+      </p:sp>
+      <p:pic>
+        <p:nvPicPr>
+          <p:cNvPr id="13323" name="Picture 11"/>
+          <p:cNvPicPr>
+            <a:picLocks noChangeAspect="1" noChangeArrowheads="1"/>
+          </p:cNvPicPr>
+          <p:nvPr/>
+        </p:nvPicPr>
+        <p:blipFill>
+          <a:blip r:embed="rId2"/>
+          <a:srcRect/>
+          <a:stretch>
+            <a:fillRect/>
+          </a:stretch>
+        </p:blipFill>
+        <p:spPr bwMode="auto">
+          <a:xfrm>
+            <a:off x="214425" y="2252251"/>
+            <a:ext cx="3760220" cy="4400797"/>
+          </a:xfrm>
+          <a:prstGeom prst="rect">
+            <a:avLst/>
+          </a:prstGeom>
+          <a:noFill/>
+          <a:ln w="9525" cmpd="sng">
+            <a:noFill/>
+            <a:miter lim="800000"/>
+            <a:headEnd/>
+            <a:tailEnd/>
+          </a:ln>
+          <a:effectLst/>
+        </p:spPr>
+      </p:pic>
+      <p:sp>
+        <p:nvSpPr>
+          <p:cNvPr id="10" name="TextBox 9">
             <a:extLst>
               <a:ext uri="{FF2B5EF4-FFF2-40B4-BE49-F238E27FC236}">
-                <a16:creationId xmlns:a16="http://schemas.microsoft.com/office/drawing/2014/main" xmlns="" id="{F323C5E6-A911-2440-93DA-DEE87A35D1B3}"/>
+                <a16:creationId xmlns="" xmlns:a16="http://schemas.microsoft.com/office/drawing/2014/main" id="{849EE5DD-2363-0B42-B4FD-2464134E7BE2}"/>
+              </a:ext>
+            </a:extLst>
+          </p:cNvPr>
+          <p:cNvSpPr txBox="1"/>
+          <p:nvPr/>
+        </p:nvSpPr>
+        <p:spPr>
+          <a:xfrm>
+            <a:off x="212837" y="199491"/>
+            <a:ext cx="3180101" cy="461665"/>
+          </a:xfrm>
+          <a:prstGeom prst="rect">
+            <a:avLst/>
+          </a:prstGeom>
+          <a:noFill/>
+        </p:spPr>
+        <p:txBody>
+          <a:bodyPr wrap="none" rtlCol="0">
+            <a:spAutoFit/>
+          </a:bodyPr>
+          <a:lstStyle/>
+          <a:p>
+            <a:r>
+              <a:rPr kumimoji="1" lang="en-US" altLang="ko-KR" sz="2400" smtClean="0">
+                <a:latin typeface="배달의민족 주아" pitchFamily="18" charset="-127"/>
+                <a:ea typeface="배달의민족 주아" pitchFamily="18" charset="-127"/>
+              </a:rPr>
+              <a:t>04. @</a:t>
+            </a:r>
+            <a:r>
+              <a:rPr kumimoji="1" lang="en-US" altLang="ko-KR" sz="2400" smtClean="0">
+                <a:latin typeface="배달의민족 주아" pitchFamily="18" charset="-127"/>
+                <a:ea typeface="배달의민족 주아" pitchFamily="18" charset="-127"/>
+              </a:rPr>
+              <a:t>Valid &amp; JSR 303</a:t>
+            </a:r>
+            <a:endParaRPr kumimoji="1" lang="ko-KR" altLang="en-US" sz="2400" dirty="0">
+              <a:latin typeface="배달의민족 주아" pitchFamily="18" charset="-127"/>
+              <a:ea typeface="배달의민족 주아" pitchFamily="18" charset="-127"/>
+            </a:endParaRPr>
+          </a:p>
+        </p:txBody>
+      </p:sp>
+      <p:sp>
+        <p:nvSpPr>
+          <p:cNvPr id="11" name="Rectangle 5"/>
+          <p:cNvSpPr>
+            <a:spLocks noChangeArrowheads="1"/>
+          </p:cNvSpPr>
+          <p:nvPr/>
+        </p:nvSpPr>
+        <p:spPr bwMode="white">
+          <a:xfrm>
+            <a:off x="5741283" y="1671141"/>
+            <a:ext cx="4663679" cy="452454"/>
+          </a:xfrm>
+          <a:prstGeom prst="rect">
+            <a:avLst/>
+          </a:prstGeom>
+          <a:noFill/>
+          <a:ln>
+            <a:noFill/>
+          </a:ln>
+          <a:effectLst/>
+        </p:spPr>
+        <p:txBody>
+          <a:bodyPr wrap="square" lIns="91463" tIns="45731" rIns="91463" bIns="45731">
+            <a:spAutoFit/>
+          </a:bodyPr>
+          <a:lstStyle/>
+          <a:p>
+            <a:pPr>
+              <a:lnSpc>
+                <a:spcPct val="130000"/>
+              </a:lnSpc>
+            </a:pPr>
+            <a:r>
+              <a:rPr lang="ko-KR" altLang="en-US">
+                <a:latin typeface="배달의민족 주아" pitchFamily="18" charset="-127"/>
+                <a:ea typeface="배달의민족 주아" pitchFamily="18" charset="-127"/>
+              </a:rPr>
+              <a:t>커맨드 클래스</a:t>
+            </a:r>
+            <a:r>
+              <a:rPr lang="en-US" altLang="ko-KR">
+                <a:latin typeface="배달의민족 주아" pitchFamily="18" charset="-127"/>
+                <a:ea typeface="배달의민족 주아" pitchFamily="18" charset="-127"/>
+              </a:rPr>
+              <a:t>(DTO </a:t>
+            </a:r>
+            <a:r>
+              <a:rPr lang="ko-KR" altLang="en-US">
+                <a:latin typeface="배달의민족 주아" pitchFamily="18" charset="-127"/>
+                <a:ea typeface="배달의민족 주아" pitchFamily="18" charset="-127"/>
+              </a:rPr>
+              <a:t>클래스</a:t>
+            </a:r>
+            <a:r>
+              <a:rPr lang="en-US" altLang="ko-KR">
+                <a:latin typeface="배달의민족 주아" pitchFamily="18" charset="-127"/>
+                <a:ea typeface="배달의민족 주아" pitchFamily="18" charset="-127"/>
+              </a:rPr>
+              <a:t>) </a:t>
+            </a:r>
+            <a:r>
+              <a:rPr lang="ko-KR" altLang="en-US">
+                <a:latin typeface="배달의민족 주아" pitchFamily="18" charset="-127"/>
+                <a:ea typeface="배달의민족 주아" pitchFamily="18" charset="-127"/>
+              </a:rPr>
+              <a:t>에 오노테이션 붙이기</a:t>
+            </a:r>
+          </a:p>
+        </p:txBody>
+      </p:sp>
+      <p:pic>
+        <p:nvPicPr>
+          <p:cNvPr id="12" name="Picture 9"/>
+          <p:cNvPicPr>
+            <a:picLocks noChangeAspect="1" noChangeArrowheads="1"/>
+          </p:cNvPicPr>
+          <p:nvPr/>
+        </p:nvPicPr>
+        <p:blipFill>
+          <a:blip r:embed="rId3"/>
+          <a:srcRect/>
+          <a:stretch>
+            <a:fillRect/>
+          </a:stretch>
+        </p:blipFill>
+        <p:spPr bwMode="auto">
+          <a:xfrm>
+            <a:off x="4172785" y="2252251"/>
+            <a:ext cx="4876622" cy="4400797"/>
+          </a:xfrm>
+          <a:prstGeom prst="rect">
+            <a:avLst/>
+          </a:prstGeom>
+          <a:noFill/>
+          <a:ln w="9525" cmpd="sng">
+            <a:noFill/>
+            <a:miter lim="800000"/>
+            <a:headEnd/>
+            <a:tailEnd/>
+          </a:ln>
+          <a:effectLst/>
+        </p:spPr>
+      </p:pic>
+      <p:pic>
+        <p:nvPicPr>
+          <p:cNvPr id="13" name="Picture 10"/>
+          <p:cNvPicPr>
+            <a:picLocks noChangeAspect="1" noChangeArrowheads="1"/>
+          </p:cNvPicPr>
+          <p:nvPr/>
+        </p:nvPicPr>
+        <p:blipFill>
+          <a:blip r:embed="rId4"/>
+          <a:srcRect/>
+          <a:stretch>
+            <a:fillRect/>
+          </a:stretch>
+        </p:blipFill>
+        <p:spPr bwMode="auto">
+          <a:xfrm>
+            <a:off x="7588469" y="2252251"/>
+            <a:ext cx="4414345" cy="4400797"/>
+          </a:xfrm>
+          <a:prstGeom prst="rect">
+            <a:avLst/>
+          </a:prstGeom>
+          <a:noFill/>
+          <a:ln w="9525" cmpd="sng">
+            <a:noFill/>
+            <a:miter lim="800000"/>
+            <a:headEnd/>
+            <a:tailEnd/>
+          </a:ln>
+          <a:effectLst/>
+        </p:spPr>
+      </p:pic>
+    </p:spTree>
+  </p:cSld>
+  <p:clrMapOvr>
+    <a:masterClrMapping/>
+  </p:clrMapOvr>
+</p:sld>
+</file>
+
+<file path=ppt/slides/slide13.xml><?xml version="1.0" encoding="utf-8"?>
+<p:sld xmlns:a="http://schemas.openxmlformats.org/drawingml/2006/main" xmlns:r="http://schemas.openxmlformats.org/officeDocument/2006/relationships" xmlns:p="http://schemas.openxmlformats.org/presentationml/2006/main">
+  <p:cSld>
+    <p:spTree>
+      <p:nvGrpSpPr>
+        <p:cNvPr id="1" name=""/>
+        <p:cNvGrpSpPr/>
+        <p:nvPr/>
+      </p:nvGrpSpPr>
+      <p:grpSpPr>
+        <a:xfrm>
+          <a:off x="0" y="0"/>
+          <a:ext cx="0" cy="0"/>
+          <a:chOff x="0" y="0"/>
+          <a:chExt cx="0" cy="0"/>
+        </a:xfrm>
+      </p:grpSpPr>
+      <p:sp>
+        <p:nvSpPr>
+          <p:cNvPr id="15364" name="Rectangle 4"/>
+          <p:cNvSpPr>
+            <a:spLocks noChangeArrowheads="1"/>
+          </p:cNvSpPr>
+          <p:nvPr/>
+        </p:nvSpPr>
+        <p:spPr bwMode="auto">
+          <a:xfrm>
+            <a:off x="1" y="1411942"/>
+            <a:ext cx="12190412" cy="5446058"/>
+          </a:xfrm>
+          <a:prstGeom prst="rect">
+            <a:avLst/>
+          </a:prstGeom>
+          <a:solidFill>
+            <a:srgbClr val="F2F2F2"/>
+          </a:solidFill>
+          <a:ln w="12613" cmpd="sng">
+            <a:noFill/>
+            <a:miter lim="800000"/>
+            <a:headEnd/>
+            <a:tailEnd/>
+          </a:ln>
+          <a:effectLst/>
+        </p:spPr>
+        <p:txBody>
+          <a:bodyPr wrap="none" lIns="91486" tIns="45743" rIns="91486" bIns="45743"/>
+          <a:lstStyle/>
+          <a:p>
+            <a:endParaRPr lang="ko-KR" altLang="en-US"/>
+          </a:p>
+        </p:txBody>
+      </p:sp>
+      <p:sp>
+        <p:nvSpPr>
+          <p:cNvPr id="15365" name="Rectangle 5"/>
+          <p:cNvSpPr>
+            <a:spLocks noChangeArrowheads="1"/>
+          </p:cNvSpPr>
+          <p:nvPr/>
+        </p:nvSpPr>
+        <p:spPr bwMode="white">
+          <a:xfrm>
+            <a:off x="1947761" y="1637539"/>
+            <a:ext cx="3160985" cy="431679"/>
+          </a:xfrm>
+          <a:prstGeom prst="rect">
+            <a:avLst/>
+          </a:prstGeom>
+          <a:noFill/>
+          <a:ln>
+            <a:noFill/>
+          </a:ln>
+          <a:effectLst/>
+        </p:spPr>
+        <p:txBody>
+          <a:bodyPr wrap="square" lIns="91463" tIns="45731" rIns="91463" bIns="45731">
+            <a:spAutoFit/>
+          </a:bodyPr>
+          <a:lstStyle/>
+          <a:p>
+            <a:pPr>
+              <a:lnSpc>
+                <a:spcPct val="130000"/>
+              </a:lnSpc>
+            </a:pPr>
+            <a:r>
+              <a:rPr lang="en-US" altLang="ko-KR">
+                <a:latin typeface="배달의민족 주아" pitchFamily="18" charset="-127"/>
+                <a:ea typeface="배달의민족 주아" pitchFamily="18" charset="-127"/>
+              </a:rPr>
+              <a:t>Validation </a:t>
+            </a:r>
+            <a:r>
+              <a:rPr lang="ko-KR" altLang="en-US">
+                <a:latin typeface="배달의민족 주아" pitchFamily="18" charset="-127"/>
+                <a:ea typeface="배달의민족 주아" pitchFamily="18" charset="-127"/>
+              </a:rPr>
+              <a:t>을 위해 컨트롤러 설정</a:t>
+            </a:r>
+          </a:p>
+        </p:txBody>
+      </p:sp>
+      <p:sp>
+        <p:nvSpPr>
+          <p:cNvPr id="15367" name="Rectangle 7"/>
+          <p:cNvSpPr>
+            <a:spLocks noChangeArrowheads="1"/>
+          </p:cNvSpPr>
+          <p:nvPr/>
+        </p:nvSpPr>
+        <p:spPr bwMode="auto">
+          <a:xfrm>
+            <a:off x="1" y="198531"/>
+            <a:ext cx="4768158" cy="490764"/>
+          </a:xfrm>
+          <a:prstGeom prst="rect">
+            <a:avLst/>
+          </a:prstGeom>
+          <a:solidFill>
+            <a:srgbClr val="BED7EE"/>
+          </a:solidFill>
+          <a:ln w="12613" cmpd="sng">
+            <a:solidFill>
+              <a:srgbClr val="BED7EE"/>
+            </a:solidFill>
+            <a:miter lim="800000"/>
+            <a:headEnd/>
+            <a:tailEnd/>
+          </a:ln>
+          <a:effectLst/>
+        </p:spPr>
+        <p:txBody>
+          <a:bodyPr wrap="none" lIns="91486" tIns="45743" rIns="91486" bIns="45743"/>
+          <a:lstStyle/>
+          <a:p>
+            <a:endParaRPr lang="ko-KR" altLang="en-US"/>
+          </a:p>
+        </p:txBody>
+      </p:sp>
+      <p:sp>
+        <p:nvSpPr>
+          <p:cNvPr id="15368" name="AutoShape 8"/>
+          <p:cNvSpPr>
+            <a:spLocks noChangeArrowheads="1"/>
+          </p:cNvSpPr>
+          <p:nvPr/>
+        </p:nvSpPr>
+        <p:spPr bwMode="auto">
+          <a:xfrm flipH="1">
+            <a:off x="4352017" y="276353"/>
+            <a:ext cx="474910" cy="489176"/>
+          </a:xfrm>
+          <a:prstGeom prst="rtTriangle">
+            <a:avLst/>
+          </a:prstGeom>
+          <a:solidFill>
+            <a:srgbClr val="2E75B6"/>
+          </a:solidFill>
+          <a:ln w="12613" cmpd="sng">
+            <a:noFill/>
+            <a:miter lim="800000"/>
+            <a:headEnd/>
+            <a:tailEnd/>
+          </a:ln>
+          <a:effectLst/>
+        </p:spPr>
+        <p:txBody>
+          <a:bodyPr wrap="none" lIns="91486" tIns="45743" rIns="91486" bIns="45743"/>
+          <a:lstStyle/>
+          <a:p>
+            <a:endParaRPr lang="ko-KR" altLang="en-US"/>
+          </a:p>
+        </p:txBody>
+      </p:sp>
+      <p:pic>
+        <p:nvPicPr>
+          <p:cNvPr id="15370" name="Picture 10"/>
+          <p:cNvPicPr>
+            <a:picLocks noChangeAspect="1" noChangeArrowheads="1"/>
+          </p:cNvPicPr>
+          <p:nvPr/>
+        </p:nvPicPr>
+        <p:blipFill>
+          <a:blip r:embed="rId2"/>
+          <a:srcRect/>
+          <a:stretch>
+            <a:fillRect/>
+          </a:stretch>
+        </p:blipFill>
+        <p:spPr bwMode="auto">
+          <a:xfrm>
+            <a:off x="139266" y="2102072"/>
+            <a:ext cx="7281037" cy="4582507"/>
+          </a:xfrm>
+          <a:prstGeom prst="rect">
+            <a:avLst/>
+          </a:prstGeom>
+          <a:noFill/>
+          <a:ln w="9525" cmpd="sng">
+            <a:noFill/>
+            <a:miter lim="800000"/>
+            <a:headEnd/>
+            <a:tailEnd/>
+          </a:ln>
+          <a:effectLst/>
+        </p:spPr>
+      </p:pic>
+      <p:pic>
+        <p:nvPicPr>
+          <p:cNvPr id="9" name="Picture 10"/>
+          <p:cNvPicPr>
+            <a:picLocks noChangeAspect="1" noChangeArrowheads="1"/>
+          </p:cNvPicPr>
+          <p:nvPr/>
+        </p:nvPicPr>
+        <p:blipFill>
+          <a:blip r:embed="rId3"/>
+          <a:srcRect/>
+          <a:stretch>
+            <a:fillRect/>
+          </a:stretch>
+        </p:blipFill>
+        <p:spPr bwMode="auto">
+          <a:xfrm>
+            <a:off x="7620000" y="3261817"/>
+            <a:ext cx="4419276" cy="1541412"/>
+          </a:xfrm>
+          <a:prstGeom prst="rect">
+            <a:avLst/>
+          </a:prstGeom>
+          <a:noFill/>
+          <a:ln w="57150" cmpd="sng">
+            <a:solidFill>
+              <a:srgbClr val="434A5F"/>
+            </a:solidFill>
+            <a:miter lim="800000"/>
+            <a:headEnd/>
+            <a:tailEnd/>
+          </a:ln>
+          <a:effectLst/>
+        </p:spPr>
+      </p:pic>
+      <p:sp>
+        <p:nvSpPr>
+          <p:cNvPr id="10" name="TextBox 9">
+            <a:extLst>
+              <a:ext uri="{FF2B5EF4-FFF2-40B4-BE49-F238E27FC236}">
+                <a16:creationId xmlns="" xmlns:a16="http://schemas.microsoft.com/office/drawing/2014/main" id="{849EE5DD-2363-0B42-B4FD-2464134E7BE2}"/>
+              </a:ext>
+            </a:extLst>
+          </p:cNvPr>
+          <p:cNvSpPr txBox="1"/>
+          <p:nvPr/>
+        </p:nvSpPr>
+        <p:spPr>
+          <a:xfrm>
+            <a:off x="212837" y="199491"/>
+            <a:ext cx="3180101" cy="461665"/>
+          </a:xfrm>
+          <a:prstGeom prst="rect">
+            <a:avLst/>
+          </a:prstGeom>
+          <a:noFill/>
+        </p:spPr>
+        <p:txBody>
+          <a:bodyPr wrap="none" rtlCol="0">
+            <a:spAutoFit/>
+          </a:bodyPr>
+          <a:lstStyle/>
+          <a:p>
+            <a:r>
+              <a:rPr kumimoji="1" lang="en-US" altLang="ko-KR" sz="2400" smtClean="0">
+                <a:latin typeface="배달의민족 주아" pitchFamily="18" charset="-127"/>
+                <a:ea typeface="배달의민족 주아" pitchFamily="18" charset="-127"/>
+              </a:rPr>
+              <a:t>04. @</a:t>
+            </a:r>
+            <a:r>
+              <a:rPr kumimoji="1" lang="en-US" altLang="ko-KR" sz="2400" smtClean="0">
+                <a:latin typeface="배달의민족 주아" pitchFamily="18" charset="-127"/>
+                <a:ea typeface="배달의민족 주아" pitchFamily="18" charset="-127"/>
+              </a:rPr>
+              <a:t>Valid &amp; JSR 303</a:t>
+            </a:r>
+            <a:endParaRPr kumimoji="1" lang="ko-KR" altLang="en-US" sz="2400" dirty="0">
+              <a:latin typeface="배달의민족 주아" pitchFamily="18" charset="-127"/>
+              <a:ea typeface="배달의민족 주아" pitchFamily="18" charset="-127"/>
+            </a:endParaRPr>
+          </a:p>
+        </p:txBody>
+      </p:sp>
+      <p:sp>
+        <p:nvSpPr>
+          <p:cNvPr id="11" name="TextBox 10">
+            <a:extLst>
+              <a:ext uri="{FF2B5EF4-FFF2-40B4-BE49-F238E27FC236}">
+                <a16:creationId xmlns="" xmlns:a16="http://schemas.microsoft.com/office/drawing/2014/main" id="{942FB8DE-965C-0845-A309-74C9F51EAF9F}"/>
+              </a:ext>
+            </a:extLst>
+          </p:cNvPr>
+          <p:cNvSpPr txBox="1"/>
+          <p:nvPr/>
+        </p:nvSpPr>
+        <p:spPr>
+          <a:xfrm>
+            <a:off x="9073067" y="2522484"/>
+            <a:ext cx="1248101" cy="400110"/>
+          </a:xfrm>
+          <a:prstGeom prst="rect">
+            <a:avLst/>
+          </a:prstGeom>
+          <a:noFill/>
+        </p:spPr>
+        <p:txBody>
+          <a:bodyPr wrap="square" rtlCol="0">
+            <a:spAutoFit/>
+          </a:bodyPr>
+          <a:lstStyle/>
+          <a:p>
+            <a:pPr algn="ctr"/>
+            <a:r>
+              <a:rPr kumimoji="1" lang="ko-KR" altLang="en-US" sz="2000" smtClean="0">
+                <a:latin typeface="배달의민족 주아" panose="02020603020101020101" charset="-127"/>
+                <a:ea typeface="배달의민족 주아" panose="02020603020101020101" charset="-127"/>
+              </a:rPr>
+              <a:t>실행 결과</a:t>
+            </a:r>
+            <a:endParaRPr kumimoji="1" lang="ko-KR" altLang="en-US" sz="2000" dirty="0">
+              <a:latin typeface="배달의민족 주아" panose="02020603020101020101" charset="-127"/>
+              <a:ea typeface="배달의민족 주아" panose="02020603020101020101" charset="-127"/>
+            </a:endParaRPr>
+          </a:p>
+        </p:txBody>
+      </p:sp>
+      <p:sp>
+        <p:nvSpPr>
+          <p:cNvPr id="12" name="직사각형 11">
+            <a:extLst>
+              <a:ext uri="{FF2B5EF4-FFF2-40B4-BE49-F238E27FC236}">
+                <a16:creationId xmlns="" xmlns:a16="http://schemas.microsoft.com/office/drawing/2014/main" id="{A89F077E-F7A4-3D49-BAB5-4E9D17005D90}"/>
+              </a:ext>
+            </a:extLst>
+          </p:cNvPr>
+          <p:cNvSpPr/>
+          <p:nvPr/>
+        </p:nvSpPr>
+        <p:spPr>
+          <a:xfrm rot="5400000" flipH="1">
+            <a:off x="9663592" y="1918188"/>
+            <a:ext cx="45720" cy="1963091"/>
+          </a:xfrm>
+          <a:prstGeom prst="rect">
+            <a:avLst/>
+          </a:prstGeom>
+          <a:solidFill>
+            <a:srgbClr val="E8DA64"/>
+          </a:solidFill>
+          <a:ln>
+            <a:solidFill>
+              <a:srgbClr val="E8DA64"/>
+            </a:solidFill>
+          </a:ln>
+        </p:spPr>
+        <p:style>
+          <a:lnRef idx="2">
+            <a:schemeClr val="accent1">
+              <a:shade val="50000"/>
+            </a:schemeClr>
+          </a:lnRef>
+          <a:fillRef idx="1">
+            <a:schemeClr val="accent1"/>
+          </a:fillRef>
+          <a:effectRef idx="0">
+            <a:schemeClr val="accent1"/>
+          </a:effectRef>
+          <a:fontRef idx="minor">
+            <a:schemeClr val="lt1"/>
+          </a:fontRef>
+        </p:style>
+        <p:txBody>
+          <a:bodyPr rtlCol="0" anchor="ctr"/>
+          <a:lstStyle/>
+          <a:p>
+            <a:pPr algn="ctr"/>
+            <a:endParaRPr kumimoji="1" lang="ko-KR" altLang="en-US" dirty="0"/>
+          </a:p>
+        </p:txBody>
+      </p:sp>
+    </p:spTree>
+  </p:cSld>
+  <p:clrMapOvr>
+    <a:masterClrMapping/>
+  </p:clrMapOvr>
+</p:sld>
+</file>
+
+<file path=ppt/slides/slide14.xml><?xml version="1.0" encoding="utf-8"?>
+<p:sld xmlns:a="http://schemas.openxmlformats.org/drawingml/2006/main" xmlns:r="http://schemas.openxmlformats.org/officeDocument/2006/relationships" xmlns:p="http://schemas.openxmlformats.org/presentationml/2006/main">
+  <p:cSld>
+    <p:spTree>
+      <p:nvGrpSpPr>
+        <p:cNvPr id="1" name=""/>
+        <p:cNvGrpSpPr/>
+        <p:nvPr/>
+      </p:nvGrpSpPr>
+      <p:grpSpPr>
+        <a:xfrm>
+          <a:off x="0" y="0"/>
+          <a:ext cx="0" cy="0"/>
+          <a:chOff x="0" y="0"/>
+          <a:chExt cx="0" cy="0"/>
+        </a:xfrm>
+      </p:grpSpPr>
+      <p:sp>
+        <p:nvSpPr>
+          <p:cNvPr id="17412" name="Rectangle 4"/>
+          <p:cNvSpPr>
+            <a:spLocks noChangeArrowheads="1"/>
+          </p:cNvSpPr>
+          <p:nvPr/>
+        </p:nvSpPr>
+        <p:spPr bwMode="auto">
+          <a:xfrm>
+            <a:off x="1" y="1411942"/>
+            <a:ext cx="12190412" cy="5446058"/>
+          </a:xfrm>
+          <a:prstGeom prst="rect">
+            <a:avLst/>
+          </a:prstGeom>
+          <a:solidFill>
+            <a:srgbClr val="F2F2F2"/>
+          </a:solidFill>
+          <a:ln w="12613" cmpd="sng">
+            <a:noFill/>
+            <a:miter lim="800000"/>
+            <a:headEnd/>
+            <a:tailEnd/>
+          </a:ln>
+          <a:effectLst/>
+        </p:spPr>
+        <p:txBody>
+          <a:bodyPr wrap="none" lIns="91486" tIns="45743" rIns="91486" bIns="45743"/>
+          <a:lstStyle/>
+          <a:p>
+            <a:endParaRPr lang="ko-KR" altLang="en-US"/>
+          </a:p>
+        </p:txBody>
+      </p:sp>
+      <p:sp>
+        <p:nvSpPr>
+          <p:cNvPr id="17413" name="Rectangle 5"/>
+          <p:cNvSpPr>
+            <a:spLocks noChangeArrowheads="1"/>
+          </p:cNvSpPr>
+          <p:nvPr/>
+        </p:nvSpPr>
+        <p:spPr bwMode="white">
+          <a:xfrm>
+            <a:off x="328446" y="831563"/>
+            <a:ext cx="7034702" cy="469381"/>
+          </a:xfrm>
+          <a:prstGeom prst="rect">
+            <a:avLst/>
+          </a:prstGeom>
+          <a:noFill/>
+          <a:ln>
+            <a:noFill/>
+          </a:ln>
+          <a:effectLst/>
+        </p:spPr>
+        <p:txBody>
+          <a:bodyPr lIns="91463" tIns="45731" rIns="91463" bIns="45731">
+            <a:spAutoFit/>
+          </a:bodyPr>
+          <a:lstStyle/>
+          <a:p>
+            <a:pPr>
+              <a:lnSpc>
+                <a:spcPct val="130000"/>
+              </a:lnSpc>
+            </a:pPr>
+            <a:r>
+              <a:rPr lang="ko-KR" altLang="en-US" sz="2000">
+                <a:solidFill>
+                  <a:srgbClr val="FFFFFF"/>
+                </a:solidFill>
+                <a:latin typeface="배달의민족 주아" pitchFamily="18" charset="-127"/>
+                <a:ea typeface="배달의민족 주아" pitchFamily="18" charset="-127"/>
+              </a:rPr>
+              <a:t>에러 메세지를 화면에 보이기 위한 </a:t>
+            </a:r>
+            <a:r>
+              <a:rPr lang="en-US" altLang="ko-KR" sz="2000">
+                <a:solidFill>
+                  <a:srgbClr val="FFFFFF"/>
+                </a:solidFill>
+                <a:latin typeface="배달의민족 주아" pitchFamily="18" charset="-127"/>
+                <a:ea typeface="배달의민족 주아" pitchFamily="18" charset="-127"/>
+              </a:rPr>
+              <a:t>View </a:t>
+            </a:r>
+            <a:r>
+              <a:rPr lang="ko-KR" altLang="en-US" sz="2000">
+                <a:solidFill>
+                  <a:srgbClr val="FFFFFF"/>
+                </a:solidFill>
+                <a:latin typeface="배달의민족 주아" pitchFamily="18" charset="-127"/>
+                <a:ea typeface="배달의민족 주아" pitchFamily="18" charset="-127"/>
+              </a:rPr>
+              <a:t>처리</a:t>
+            </a:r>
+          </a:p>
+        </p:txBody>
+      </p:sp>
+      <p:sp>
+        <p:nvSpPr>
+          <p:cNvPr id="17415" name="Rectangle 7"/>
+          <p:cNvSpPr>
+            <a:spLocks noChangeArrowheads="1"/>
+          </p:cNvSpPr>
+          <p:nvPr/>
+        </p:nvSpPr>
+        <p:spPr bwMode="auto">
+          <a:xfrm>
+            <a:off x="1" y="198531"/>
+            <a:ext cx="4768158" cy="490764"/>
+          </a:xfrm>
+          <a:prstGeom prst="rect">
+            <a:avLst/>
+          </a:prstGeom>
+          <a:solidFill>
+            <a:srgbClr val="BED7EE"/>
+          </a:solidFill>
+          <a:ln w="12613" cmpd="sng">
+            <a:solidFill>
+              <a:srgbClr val="BED7EE"/>
+            </a:solidFill>
+            <a:miter lim="800000"/>
+            <a:headEnd/>
+            <a:tailEnd/>
+          </a:ln>
+          <a:effectLst/>
+        </p:spPr>
+        <p:txBody>
+          <a:bodyPr wrap="none" lIns="91486" tIns="45743" rIns="91486" bIns="45743"/>
+          <a:lstStyle/>
+          <a:p>
+            <a:endParaRPr lang="ko-KR" altLang="en-US"/>
+          </a:p>
+        </p:txBody>
+      </p:sp>
+      <p:sp>
+        <p:nvSpPr>
+          <p:cNvPr id="17416" name="AutoShape 8"/>
+          <p:cNvSpPr>
+            <a:spLocks noChangeArrowheads="1"/>
+          </p:cNvSpPr>
+          <p:nvPr/>
+        </p:nvSpPr>
+        <p:spPr bwMode="auto">
+          <a:xfrm flipH="1">
+            <a:off x="4352017" y="276353"/>
+            <a:ext cx="474910" cy="489176"/>
+          </a:xfrm>
+          <a:prstGeom prst="rtTriangle">
+            <a:avLst/>
+          </a:prstGeom>
+          <a:solidFill>
+            <a:srgbClr val="2E75B6"/>
+          </a:solidFill>
+          <a:ln w="12613" cmpd="sng">
+            <a:noFill/>
+            <a:miter lim="800000"/>
+            <a:headEnd/>
+            <a:tailEnd/>
+          </a:ln>
+          <a:effectLst/>
+        </p:spPr>
+        <p:txBody>
+          <a:bodyPr wrap="none" lIns="91486" tIns="45743" rIns="91486" bIns="45743"/>
+          <a:lstStyle/>
+          <a:p>
+            <a:endParaRPr lang="ko-KR" altLang="en-US"/>
+          </a:p>
+        </p:txBody>
+      </p:sp>
+      <p:pic>
+        <p:nvPicPr>
+          <p:cNvPr id="17418" name="Picture 10"/>
+          <p:cNvPicPr>
+            <a:picLocks noChangeAspect="1" noChangeArrowheads="1"/>
+          </p:cNvPicPr>
+          <p:nvPr/>
+        </p:nvPicPr>
+        <p:blipFill>
+          <a:blip r:embed="rId2"/>
+          <a:srcRect/>
+          <a:stretch>
+            <a:fillRect/>
+          </a:stretch>
+        </p:blipFill>
+        <p:spPr bwMode="auto">
+          <a:xfrm>
+            <a:off x="1261132" y="1411942"/>
+            <a:ext cx="9579202" cy="5264999"/>
+          </a:xfrm>
+          <a:prstGeom prst="rect">
+            <a:avLst/>
+          </a:prstGeom>
+          <a:noFill/>
+          <a:ln w="9525" cmpd="sng">
+            <a:noFill/>
+            <a:miter lim="800000"/>
+            <a:headEnd/>
+            <a:tailEnd/>
+          </a:ln>
+          <a:effectLst/>
+        </p:spPr>
+      </p:pic>
+      <p:sp>
+        <p:nvSpPr>
+          <p:cNvPr id="9" name="TextBox 8">
+            <a:extLst>
+              <a:ext uri="{FF2B5EF4-FFF2-40B4-BE49-F238E27FC236}">
+                <a16:creationId xmlns="" xmlns:a16="http://schemas.microsoft.com/office/drawing/2014/main" id="{849EE5DD-2363-0B42-B4FD-2464134E7BE2}"/>
+              </a:ext>
+            </a:extLst>
+          </p:cNvPr>
+          <p:cNvSpPr txBox="1"/>
+          <p:nvPr/>
+        </p:nvSpPr>
+        <p:spPr>
+          <a:xfrm>
+            <a:off x="212837" y="199491"/>
+            <a:ext cx="3180101" cy="461665"/>
+          </a:xfrm>
+          <a:prstGeom prst="rect">
+            <a:avLst/>
+          </a:prstGeom>
+          <a:noFill/>
+        </p:spPr>
+        <p:txBody>
+          <a:bodyPr wrap="none" rtlCol="0">
+            <a:spAutoFit/>
+          </a:bodyPr>
+          <a:lstStyle/>
+          <a:p>
+            <a:r>
+              <a:rPr kumimoji="1" lang="en-US" altLang="ko-KR" sz="2400" smtClean="0">
+                <a:latin typeface="배달의민족 주아" pitchFamily="18" charset="-127"/>
+                <a:ea typeface="배달의민족 주아" pitchFamily="18" charset="-127"/>
+              </a:rPr>
+              <a:t>04. @</a:t>
+            </a:r>
+            <a:r>
+              <a:rPr kumimoji="1" lang="en-US" altLang="ko-KR" sz="2400" smtClean="0">
+                <a:latin typeface="배달의민족 주아" pitchFamily="18" charset="-127"/>
+                <a:ea typeface="배달의민족 주아" pitchFamily="18" charset="-127"/>
+              </a:rPr>
+              <a:t>Valid &amp; JSR 303</a:t>
+            </a:r>
+            <a:endParaRPr kumimoji="1" lang="ko-KR" altLang="en-US" sz="2400" dirty="0">
+              <a:latin typeface="배달의민족 주아" pitchFamily="18" charset="-127"/>
+              <a:ea typeface="배달의민족 주아" pitchFamily="18" charset="-127"/>
+            </a:endParaRPr>
+          </a:p>
+        </p:txBody>
+      </p:sp>
+    </p:spTree>
+  </p:cSld>
+  <p:clrMapOvr>
+    <a:masterClrMapping/>
+  </p:clrMapOvr>
+</p:sld>
+</file>
+
+<file path=ppt/slides/slide15.xml><?xml version="1.0" encoding="utf-8"?>
+<p:sld xmlns:a="http://schemas.openxmlformats.org/drawingml/2006/main" xmlns:r="http://schemas.openxmlformats.org/officeDocument/2006/relationships" xmlns:p="http://schemas.openxmlformats.org/presentationml/2006/main">
+  <p:cSld>
+    <p:spTree>
+      <p:nvGrpSpPr>
+        <p:cNvPr id="1" name=""/>
+        <p:cNvGrpSpPr/>
+        <p:nvPr/>
+      </p:nvGrpSpPr>
+      <p:grpSpPr>
+        <a:xfrm>
+          <a:off x="0" y="0"/>
+          <a:ext cx="0" cy="0"/>
+          <a:chOff x="0" y="0"/>
+          <a:chExt cx="0" cy="0"/>
+        </a:xfrm>
+      </p:grpSpPr>
+      <p:sp>
+        <p:nvSpPr>
+          <p:cNvPr id="2" name="왼쪽 대괄호[L] 1">
+            <a:extLst>
+              <a:ext uri="{FF2B5EF4-FFF2-40B4-BE49-F238E27FC236}">
+                <a16:creationId xmlns="" xmlns:a16="http://schemas.microsoft.com/office/drawing/2014/main" id="{FD2BE796-18C4-7542-922F-AC07CCDE25AD}"/>
               </a:ext>
             </a:extLst>
           </p:cNvPr>
@@ -8596,8 +9733,1634 @@
         </p:nvSpPr>
         <p:spPr>
           <a:xfrm>
-            <a:off x="-872" y="1412004"/>
-            <a:ext cx="12192000" cy="5445996"/>
+            <a:off x="3655094" y="2971800"/>
+            <a:ext cx="73152" cy="914400"/>
+          </a:xfrm>
+          <a:prstGeom prst="leftBracket">
+            <a:avLst/>
+          </a:prstGeom>
+          <a:ln w="57150">
+            <a:solidFill>
+              <a:schemeClr val="accent5">
+                <a:lumMod val="60000"/>
+                <a:lumOff val="40000"/>
+              </a:schemeClr>
+            </a:solidFill>
+          </a:ln>
+        </p:spPr>
+        <p:style>
+          <a:lnRef idx="1">
+            <a:schemeClr val="accent1"/>
+          </a:lnRef>
+          <a:fillRef idx="0">
+            <a:schemeClr val="accent1"/>
+          </a:fillRef>
+          <a:effectRef idx="0">
+            <a:schemeClr val="accent1"/>
+          </a:effectRef>
+          <a:fontRef idx="minor">
+            <a:schemeClr val="tx1"/>
+          </a:fontRef>
+        </p:style>
+        <p:txBody>
+          <a:bodyPr rtlCol="0" anchor="ctr"/>
+          <a:lstStyle/>
+          <a:p>
+            <a:pPr algn="ctr"/>
+            <a:endParaRPr kumimoji="1" lang="ko-KR" altLang="en-US"/>
+          </a:p>
+        </p:txBody>
+      </p:sp>
+      <p:sp>
+        <p:nvSpPr>
+          <p:cNvPr id="13" name="왼쪽 대괄호[L] 12">
+            <a:extLst>
+              <a:ext uri="{FF2B5EF4-FFF2-40B4-BE49-F238E27FC236}">
+                <a16:creationId xmlns="" xmlns:a16="http://schemas.microsoft.com/office/drawing/2014/main" id="{EFECA2F4-7A60-7B4A-9E41-4C7AFF855ED1}"/>
+              </a:ext>
+            </a:extLst>
+          </p:cNvPr>
+          <p:cNvSpPr/>
+          <p:nvPr/>
+        </p:nvSpPr>
+        <p:spPr>
+          <a:xfrm flipH="1">
+            <a:off x="8444541" y="2971799"/>
+            <a:ext cx="73152" cy="914400"/>
+          </a:xfrm>
+          <a:prstGeom prst="leftBracket">
+            <a:avLst/>
+          </a:prstGeom>
+          <a:ln w="57150">
+            <a:solidFill>
+              <a:schemeClr val="accent5">
+                <a:lumMod val="60000"/>
+                <a:lumOff val="40000"/>
+              </a:schemeClr>
+            </a:solidFill>
+          </a:ln>
+        </p:spPr>
+        <p:style>
+          <a:lnRef idx="1">
+            <a:schemeClr val="accent1"/>
+          </a:lnRef>
+          <a:fillRef idx="0">
+            <a:schemeClr val="accent1"/>
+          </a:fillRef>
+          <a:effectRef idx="0">
+            <a:schemeClr val="accent1"/>
+          </a:effectRef>
+          <a:fontRef idx="minor">
+            <a:schemeClr val="tx1"/>
+          </a:fontRef>
+        </p:style>
+        <p:txBody>
+          <a:bodyPr rtlCol="0" anchor="ctr"/>
+          <a:lstStyle/>
+          <a:p>
+            <a:pPr algn="ctr"/>
+            <a:endParaRPr kumimoji="1" lang="ko-KR" altLang="en-US"/>
+          </a:p>
+        </p:txBody>
+      </p:sp>
+      <p:sp>
+        <p:nvSpPr>
+          <p:cNvPr id="11" name="TextBox 10"/>
+          <p:cNvSpPr txBox="1"/>
+          <p:nvPr/>
+        </p:nvSpPr>
+        <p:spPr>
+          <a:xfrm>
+            <a:off x="3788209" y="3015340"/>
+            <a:ext cx="4693272" cy="769441"/>
+          </a:xfrm>
+          <a:prstGeom prst="rect">
+            <a:avLst/>
+          </a:prstGeom>
+          <a:noFill/>
+        </p:spPr>
+        <p:txBody>
+          <a:bodyPr wrap="none" rtlCol="0">
+            <a:spAutoFit/>
+          </a:bodyPr>
+          <a:lstStyle/>
+          <a:p>
+            <a:r>
+              <a:rPr lang="en-US" altLang="ko-KR" sz="4400" smtClean="0">
+                <a:solidFill>
+                  <a:schemeClr val="bg1"/>
+                </a:solidFill>
+                <a:latin typeface="배달의민족 주아" pitchFamily="18" charset="-127"/>
+                <a:ea typeface="배달의민족 주아" pitchFamily="18" charset="-127"/>
+              </a:rPr>
+              <a:t>Thank you so much</a:t>
+            </a:r>
+            <a:endParaRPr lang="ko-KR" altLang="en-US" sz="4400">
+              <a:solidFill>
+                <a:schemeClr val="bg1"/>
+              </a:solidFill>
+              <a:latin typeface="배달의민족 주아" pitchFamily="18" charset="-127"/>
+              <a:ea typeface="배달의민족 주아" pitchFamily="18" charset="-127"/>
+            </a:endParaRPr>
+          </a:p>
+        </p:txBody>
+      </p:sp>
+      <p:sp>
+        <p:nvSpPr>
+          <p:cNvPr id="14" name="TextBox 13"/>
+          <p:cNvSpPr txBox="1"/>
+          <p:nvPr/>
+        </p:nvSpPr>
+        <p:spPr>
+          <a:xfrm>
+            <a:off x="6492821" y="6052459"/>
+            <a:ext cx="5508303" cy="338554"/>
+          </a:xfrm>
+          <a:prstGeom prst="rect">
+            <a:avLst/>
+          </a:prstGeom>
+          <a:noFill/>
+        </p:spPr>
+        <p:txBody>
+          <a:bodyPr wrap="square" rtlCol="0">
+            <a:spAutoFit/>
+          </a:bodyPr>
+          <a:lstStyle/>
+          <a:p>
+            <a:pPr algn="r"/>
+            <a:r>
+              <a:rPr lang="en-US" altLang="ko-KR" sz="1600" smtClean="0">
+                <a:solidFill>
+                  <a:schemeClr val="bg1"/>
+                </a:solidFill>
+                <a:latin typeface="배달의민족 주아" pitchFamily="18" charset="-127"/>
+                <a:ea typeface="배달의민족 주아" pitchFamily="18" charset="-127"/>
+              </a:rPr>
+              <a:t>Our PPT is quite exceptional , Actually We are exceptional.</a:t>
+            </a:r>
+          </a:p>
+        </p:txBody>
+      </p:sp>
+      <p:pic>
+        <p:nvPicPr>
+          <p:cNvPr id="7" name="그림 6">
+            <a:extLst>
+              <a:ext uri="{FF2B5EF4-FFF2-40B4-BE49-F238E27FC236}">
+                <a16:creationId xmlns="" xmlns:a16="http://schemas.microsoft.com/office/drawing/2014/main" id="{95C89E7D-FCD8-254C-B718-BA729EAAFC40}"/>
+              </a:ext>
+            </a:extLst>
+          </p:cNvPr>
+          <p:cNvPicPr>
+            <a:picLocks noChangeAspect="1"/>
+          </p:cNvPicPr>
+          <p:nvPr/>
+        </p:nvPicPr>
+        <p:blipFill>
+          <a:blip r:embed="rId2"/>
+          <a:stretch>
+            <a:fillRect/>
+          </a:stretch>
+        </p:blipFill>
+        <p:spPr>
+          <a:xfrm>
+            <a:off x="6416619" y="6041573"/>
+            <a:ext cx="386945" cy="386945"/>
+          </a:xfrm>
+          <a:prstGeom prst="rect">
+            <a:avLst/>
+          </a:prstGeom>
+        </p:spPr>
+      </p:pic>
+    </p:spTree>
+    <p:extLst>
+      <p:ext uri="{BB962C8B-B14F-4D97-AF65-F5344CB8AC3E}">
+        <p14:creationId xmlns="" xmlns:p14="http://schemas.microsoft.com/office/powerpoint/2010/main" val="3212234621"/>
+      </p:ext>
+    </p:extLst>
+  </p:cSld>
+  <p:clrMapOvr>
+    <a:masterClrMapping/>
+  </p:clrMapOvr>
+  <p:timing>
+    <p:tnLst>
+      <p:par>
+        <p:cTn id="1" dur="indefinite" restart="never" nodeType="tmRoot"/>
+      </p:par>
+    </p:tnLst>
+  </p:timing>
+</p:sld>
+</file>
+
+<file path=ppt/slides/slide2.xml><?xml version="1.0" encoding="utf-8"?>
+<p:sld xmlns:a="http://schemas.openxmlformats.org/drawingml/2006/main" xmlns:r="http://schemas.openxmlformats.org/officeDocument/2006/relationships" xmlns:p="http://schemas.openxmlformats.org/presentationml/2006/main">
+  <p:cSld>
+    <p:spTree>
+      <p:nvGrpSpPr>
+        <p:cNvPr id="1" name=""/>
+        <p:cNvGrpSpPr/>
+        <p:nvPr/>
+      </p:nvGrpSpPr>
+      <p:grpSpPr>
+        <a:xfrm>
+          <a:off x="0" y="0"/>
+          <a:ext cx="0" cy="0"/>
+          <a:chOff x="0" y="0"/>
+          <a:chExt cx="0" cy="0"/>
+        </a:xfrm>
+      </p:grpSpPr>
+      <p:sp>
+        <p:nvSpPr>
+          <p:cNvPr id="7" name="TextBox 6">
+            <a:extLst>
+              <a:ext uri="{FF2B5EF4-FFF2-40B4-BE49-F238E27FC236}">
+                <a16:creationId xmlns="" xmlns:a16="http://schemas.microsoft.com/office/drawing/2014/main" id="{42FE3236-750D-A047-B36B-3A3B34F30683}"/>
+              </a:ext>
+            </a:extLst>
+          </p:cNvPr>
+          <p:cNvSpPr txBox="1"/>
+          <p:nvPr/>
+        </p:nvSpPr>
+        <p:spPr>
+          <a:xfrm>
+            <a:off x="698896" y="4485555"/>
+            <a:ext cx="2746737" cy="400110"/>
+          </a:xfrm>
+          <a:prstGeom prst="rect">
+            <a:avLst/>
+          </a:prstGeom>
+          <a:noFill/>
+        </p:spPr>
+        <p:txBody>
+          <a:bodyPr wrap="square" rtlCol="0">
+            <a:spAutoFit/>
+          </a:bodyPr>
+          <a:lstStyle/>
+          <a:p>
+            <a:pPr algn="ctr"/>
+            <a:r>
+              <a:rPr kumimoji="1" lang="en-US" altLang="ko-KR" sz="2000" smtClean="0">
+                <a:solidFill>
+                  <a:schemeClr val="bg1"/>
+                </a:solidFill>
+                <a:latin typeface="배달의민족 주아" pitchFamily="18" charset="-127"/>
+                <a:ea typeface="배달의민족 주아" pitchFamily="18" charset="-127"/>
+              </a:rPr>
+              <a:t>Validator </a:t>
+            </a:r>
+            <a:r>
+              <a:rPr kumimoji="1" lang="ko-KR" altLang="en-US" sz="2000" smtClean="0">
+                <a:solidFill>
+                  <a:schemeClr val="bg1"/>
+                </a:solidFill>
+                <a:latin typeface="배달의민족 주아" pitchFamily="18" charset="-127"/>
+                <a:ea typeface="배달의민족 주아" pitchFamily="18" charset="-127"/>
+              </a:rPr>
+              <a:t>개념</a:t>
+            </a:r>
+            <a:endParaRPr kumimoji="1" lang="ko-KR" altLang="en-US" sz="2000" dirty="0">
+              <a:solidFill>
+                <a:schemeClr val="bg1"/>
+              </a:solidFill>
+              <a:latin typeface="배달의민족 주아" pitchFamily="18" charset="-127"/>
+              <a:ea typeface="배달의민족 주아" pitchFamily="18" charset="-127"/>
+            </a:endParaRPr>
+          </a:p>
+        </p:txBody>
+      </p:sp>
+      <p:sp>
+        <p:nvSpPr>
+          <p:cNvPr id="22" name="TextBox 21">
+            <a:extLst>
+              <a:ext uri="{FF2B5EF4-FFF2-40B4-BE49-F238E27FC236}">
+                <a16:creationId xmlns="" xmlns:a16="http://schemas.microsoft.com/office/drawing/2014/main" id="{891037EF-45BE-2049-B684-DDCDF37608A5}"/>
+              </a:ext>
+            </a:extLst>
+          </p:cNvPr>
+          <p:cNvSpPr txBox="1"/>
+          <p:nvPr/>
+        </p:nvSpPr>
+        <p:spPr>
+          <a:xfrm>
+            <a:off x="3444580" y="4496441"/>
+            <a:ext cx="2746737" cy="400110"/>
+          </a:xfrm>
+          <a:prstGeom prst="rect">
+            <a:avLst/>
+          </a:prstGeom>
+          <a:noFill/>
+        </p:spPr>
+        <p:txBody>
+          <a:bodyPr wrap="square" rtlCol="0">
+            <a:spAutoFit/>
+          </a:bodyPr>
+          <a:lstStyle/>
+          <a:p>
+            <a:pPr algn="ctr"/>
+            <a:r>
+              <a:rPr kumimoji="1" lang="en-US" altLang="ko-KR" sz="2000" smtClean="0">
+                <a:solidFill>
+                  <a:schemeClr val="bg1"/>
+                </a:solidFill>
+                <a:latin typeface="배달의민족 주아" pitchFamily="18" charset="-127"/>
+                <a:ea typeface="배달의민족 주아" pitchFamily="18" charset="-127"/>
+              </a:rPr>
+              <a:t>Error Message</a:t>
+            </a:r>
+            <a:endParaRPr kumimoji="1" lang="ko-KR" altLang="en-US" sz="2000" dirty="0">
+              <a:solidFill>
+                <a:schemeClr val="bg1"/>
+              </a:solidFill>
+              <a:latin typeface="배달의민족 주아" pitchFamily="18" charset="-127"/>
+              <a:ea typeface="배달의민족 주아" pitchFamily="18" charset="-127"/>
+            </a:endParaRPr>
+          </a:p>
+        </p:txBody>
+      </p:sp>
+      <p:sp>
+        <p:nvSpPr>
+          <p:cNvPr id="28" name="TextBox 27">
+            <a:extLst>
+              <a:ext uri="{FF2B5EF4-FFF2-40B4-BE49-F238E27FC236}">
+                <a16:creationId xmlns="" xmlns:a16="http://schemas.microsoft.com/office/drawing/2014/main" id="{3CBBC928-2143-ED49-9C10-4DD06080EC37}"/>
+              </a:ext>
+            </a:extLst>
+          </p:cNvPr>
+          <p:cNvSpPr txBox="1"/>
+          <p:nvPr/>
+        </p:nvSpPr>
+        <p:spPr>
+          <a:xfrm>
+            <a:off x="6188683" y="4496441"/>
+            <a:ext cx="2746737" cy="400110"/>
+          </a:xfrm>
+          <a:prstGeom prst="rect">
+            <a:avLst/>
+          </a:prstGeom>
+          <a:noFill/>
+        </p:spPr>
+        <p:txBody>
+          <a:bodyPr wrap="square" rtlCol="0">
+            <a:spAutoFit/>
+          </a:bodyPr>
+          <a:lstStyle/>
+          <a:p>
+            <a:pPr algn="ctr"/>
+            <a:r>
+              <a:rPr kumimoji="1" lang="en-US" altLang="ko-KR" sz="2000" smtClean="0">
+                <a:solidFill>
+                  <a:schemeClr val="bg1"/>
+                </a:solidFill>
+                <a:latin typeface="배달의민족 주아" pitchFamily="18" charset="-127"/>
+                <a:ea typeface="배달의민족 주아" pitchFamily="18" charset="-127"/>
+              </a:rPr>
+              <a:t>@Valid &amp; @InitBinder</a:t>
+            </a:r>
+            <a:endParaRPr kumimoji="1" lang="ko-KR" altLang="en-US" sz="2000" dirty="0">
+              <a:solidFill>
+                <a:schemeClr val="bg1"/>
+              </a:solidFill>
+              <a:latin typeface="배달의민족 주아" pitchFamily="18" charset="-127"/>
+              <a:ea typeface="배달의민족 주아" pitchFamily="18" charset="-127"/>
+            </a:endParaRPr>
+          </a:p>
+        </p:txBody>
+      </p:sp>
+      <p:sp>
+        <p:nvSpPr>
+          <p:cNvPr id="33" name="TextBox 32">
+            <a:extLst>
+              <a:ext uri="{FF2B5EF4-FFF2-40B4-BE49-F238E27FC236}">
+                <a16:creationId xmlns="" xmlns:a16="http://schemas.microsoft.com/office/drawing/2014/main" id="{9C8B4252-4EEE-734E-AFA7-0099FFEA17CC}"/>
+              </a:ext>
+            </a:extLst>
+          </p:cNvPr>
+          <p:cNvSpPr txBox="1"/>
+          <p:nvPr/>
+        </p:nvSpPr>
+        <p:spPr>
+          <a:xfrm>
+            <a:off x="8938098" y="4496441"/>
+            <a:ext cx="2746737" cy="400110"/>
+          </a:xfrm>
+          <a:prstGeom prst="rect">
+            <a:avLst/>
+          </a:prstGeom>
+          <a:noFill/>
+        </p:spPr>
+        <p:txBody>
+          <a:bodyPr wrap="square" rtlCol="0">
+            <a:spAutoFit/>
+          </a:bodyPr>
+          <a:lstStyle/>
+          <a:p>
+            <a:pPr algn="ctr"/>
+            <a:r>
+              <a:rPr kumimoji="1" lang="en-US" altLang="ko-KR" sz="2000" smtClean="0">
+                <a:solidFill>
+                  <a:schemeClr val="bg1"/>
+                </a:solidFill>
+                <a:latin typeface="배달의민족 주아" pitchFamily="18" charset="-127"/>
+                <a:ea typeface="배달의민족 주아" pitchFamily="18" charset="-127"/>
+              </a:rPr>
+              <a:t>@Valid &amp; JSR 303</a:t>
+            </a:r>
+            <a:endParaRPr kumimoji="1" lang="ko-KR" altLang="en-US" sz="2000" dirty="0">
+              <a:solidFill>
+                <a:schemeClr val="bg1"/>
+              </a:solidFill>
+              <a:latin typeface="배달의민족 주아" pitchFamily="18" charset="-127"/>
+              <a:ea typeface="배달의민족 주아" pitchFamily="18" charset="-127"/>
+            </a:endParaRPr>
+          </a:p>
+        </p:txBody>
+      </p:sp>
+      <p:sp>
+        <p:nvSpPr>
+          <p:cNvPr id="3" name="모서리가 둥근 직사각형 2">
+            <a:extLst>
+              <a:ext uri="{FF2B5EF4-FFF2-40B4-BE49-F238E27FC236}">
+                <a16:creationId xmlns="" xmlns:a16="http://schemas.microsoft.com/office/drawing/2014/main" id="{B15BC01F-85DD-6C4D-969F-ADCBD2EA1767}"/>
+              </a:ext>
+            </a:extLst>
+          </p:cNvPr>
+          <p:cNvSpPr/>
+          <p:nvPr/>
+        </p:nvSpPr>
+        <p:spPr>
+          <a:xfrm>
+            <a:off x="1814621" y="3176459"/>
+            <a:ext cx="484122" cy="1136469"/>
+          </a:xfrm>
+          <a:prstGeom prst="roundRect">
+            <a:avLst/>
+          </a:prstGeom>
+          <a:noFill/>
+          <a:ln w="28575">
+            <a:solidFill>
+              <a:schemeClr val="bg1">
+                <a:lumMod val="85000"/>
+              </a:schemeClr>
+            </a:solidFill>
+          </a:ln>
+        </p:spPr>
+        <p:style>
+          <a:lnRef idx="2">
+            <a:schemeClr val="accent1">
+              <a:shade val="50000"/>
+            </a:schemeClr>
+          </a:lnRef>
+          <a:fillRef idx="1">
+            <a:schemeClr val="accent1"/>
+          </a:fillRef>
+          <a:effectRef idx="0">
+            <a:schemeClr val="accent1"/>
+          </a:effectRef>
+          <a:fontRef idx="minor">
+            <a:schemeClr val="lt1"/>
+          </a:fontRef>
+        </p:style>
+        <p:txBody>
+          <a:bodyPr rtlCol="0" anchor="ctr"/>
+          <a:lstStyle/>
+          <a:p>
+            <a:pPr algn="ctr"/>
+            <a:endParaRPr kumimoji="1" lang="ko-KR" altLang="en-US"/>
+          </a:p>
+        </p:txBody>
+      </p:sp>
+      <p:sp>
+        <p:nvSpPr>
+          <p:cNvPr id="4" name="직사각형 3">
+            <a:extLst>
+              <a:ext uri="{FF2B5EF4-FFF2-40B4-BE49-F238E27FC236}">
+                <a16:creationId xmlns="" xmlns:a16="http://schemas.microsoft.com/office/drawing/2014/main" id="{54DE23C4-D779-3D4A-955D-339E1BFECDE9}"/>
+              </a:ext>
+            </a:extLst>
+          </p:cNvPr>
+          <p:cNvSpPr/>
+          <p:nvPr/>
+        </p:nvSpPr>
+        <p:spPr>
+          <a:xfrm>
+            <a:off x="1932983" y="3044481"/>
+            <a:ext cx="248194" cy="130629"/>
+          </a:xfrm>
+          <a:prstGeom prst="rect">
+            <a:avLst/>
+          </a:prstGeom>
+          <a:noFill/>
+          <a:ln w="28575">
+            <a:solidFill>
+              <a:schemeClr val="bg1">
+                <a:lumMod val="85000"/>
+              </a:schemeClr>
+            </a:solidFill>
+          </a:ln>
+        </p:spPr>
+        <p:style>
+          <a:lnRef idx="2">
+            <a:schemeClr val="accent1">
+              <a:shade val="50000"/>
+            </a:schemeClr>
+          </a:lnRef>
+          <a:fillRef idx="1">
+            <a:schemeClr val="accent1"/>
+          </a:fillRef>
+          <a:effectRef idx="0">
+            <a:schemeClr val="accent1"/>
+          </a:effectRef>
+          <a:fontRef idx="minor">
+            <a:schemeClr val="lt1"/>
+          </a:fontRef>
+        </p:style>
+        <p:txBody>
+          <a:bodyPr rtlCol="0" anchor="ctr"/>
+          <a:lstStyle/>
+          <a:p>
+            <a:pPr algn="ctr"/>
+            <a:endParaRPr kumimoji="1" lang="ko-KR" altLang="en-US"/>
+          </a:p>
+        </p:txBody>
+      </p:sp>
+      <p:sp>
+        <p:nvSpPr>
+          <p:cNvPr id="37" name="직사각형 36">
+            <a:extLst>
+              <a:ext uri="{FF2B5EF4-FFF2-40B4-BE49-F238E27FC236}">
+                <a16:creationId xmlns="" xmlns:a16="http://schemas.microsoft.com/office/drawing/2014/main" id="{9E85BA02-5CD5-C244-B2E5-5A66D4E9D24A}"/>
+              </a:ext>
+            </a:extLst>
+          </p:cNvPr>
+          <p:cNvSpPr/>
+          <p:nvPr/>
+        </p:nvSpPr>
+        <p:spPr>
+          <a:xfrm>
+            <a:off x="1868892" y="4032598"/>
+            <a:ext cx="396000" cy="216000"/>
+          </a:xfrm>
+          <a:prstGeom prst="rect">
+            <a:avLst/>
+          </a:prstGeom>
+          <a:solidFill>
+            <a:srgbClr val="D1A960"/>
+          </a:solidFill>
+          <a:ln>
+            <a:solidFill>
+              <a:srgbClr val="D1A960"/>
+            </a:solidFill>
+          </a:ln>
+        </p:spPr>
+        <p:style>
+          <a:lnRef idx="2">
+            <a:schemeClr val="accent1">
+              <a:shade val="50000"/>
+            </a:schemeClr>
+          </a:lnRef>
+          <a:fillRef idx="1">
+            <a:schemeClr val="accent1"/>
+          </a:fillRef>
+          <a:effectRef idx="0">
+            <a:schemeClr val="accent1"/>
+          </a:effectRef>
+          <a:fontRef idx="minor">
+            <a:schemeClr val="lt1"/>
+          </a:fontRef>
+        </p:style>
+        <p:txBody>
+          <a:bodyPr rtlCol="0" anchor="ctr"/>
+          <a:lstStyle/>
+          <a:p>
+            <a:pPr algn="ctr"/>
+            <a:endParaRPr kumimoji="1" lang="ko-KR" altLang="en-US"/>
+          </a:p>
+        </p:txBody>
+      </p:sp>
+      <p:sp>
+        <p:nvSpPr>
+          <p:cNvPr id="40" name="모서리가 둥근 직사각형 39">
+            <a:extLst>
+              <a:ext uri="{FF2B5EF4-FFF2-40B4-BE49-F238E27FC236}">
+                <a16:creationId xmlns="" xmlns:a16="http://schemas.microsoft.com/office/drawing/2014/main" id="{08DCDE5E-8FBD-9F45-B642-7F7DC2A30298}"/>
+              </a:ext>
+            </a:extLst>
+          </p:cNvPr>
+          <p:cNvSpPr/>
+          <p:nvPr/>
+        </p:nvSpPr>
+        <p:spPr>
+          <a:xfrm>
+            <a:off x="4533991" y="3176459"/>
+            <a:ext cx="484122" cy="1136469"/>
+          </a:xfrm>
+          <a:prstGeom prst="roundRect">
+            <a:avLst/>
+          </a:prstGeom>
+          <a:noFill/>
+          <a:ln w="28575">
+            <a:solidFill>
+              <a:schemeClr val="bg1">
+                <a:lumMod val="85000"/>
+              </a:schemeClr>
+            </a:solidFill>
+          </a:ln>
+        </p:spPr>
+        <p:style>
+          <a:lnRef idx="2">
+            <a:schemeClr val="accent1">
+              <a:shade val="50000"/>
+            </a:schemeClr>
+          </a:lnRef>
+          <a:fillRef idx="1">
+            <a:schemeClr val="accent1"/>
+          </a:fillRef>
+          <a:effectRef idx="0">
+            <a:schemeClr val="accent1"/>
+          </a:effectRef>
+          <a:fontRef idx="minor">
+            <a:schemeClr val="lt1"/>
+          </a:fontRef>
+        </p:style>
+        <p:txBody>
+          <a:bodyPr rtlCol="0" anchor="ctr"/>
+          <a:lstStyle/>
+          <a:p>
+            <a:pPr algn="ctr"/>
+            <a:endParaRPr kumimoji="1" lang="ko-KR" altLang="en-US"/>
+          </a:p>
+        </p:txBody>
+      </p:sp>
+      <p:sp>
+        <p:nvSpPr>
+          <p:cNvPr id="41" name="직사각형 40">
+            <a:extLst>
+              <a:ext uri="{FF2B5EF4-FFF2-40B4-BE49-F238E27FC236}">
+                <a16:creationId xmlns="" xmlns:a16="http://schemas.microsoft.com/office/drawing/2014/main" id="{7DED2737-C550-0043-A389-B804C5C9CDED}"/>
+              </a:ext>
+            </a:extLst>
+          </p:cNvPr>
+          <p:cNvSpPr/>
+          <p:nvPr/>
+        </p:nvSpPr>
+        <p:spPr>
+          <a:xfrm>
+            <a:off x="4652353" y="3044481"/>
+            <a:ext cx="248194" cy="130629"/>
+          </a:xfrm>
+          <a:prstGeom prst="rect">
+            <a:avLst/>
+          </a:prstGeom>
+          <a:noFill/>
+          <a:ln w="28575">
+            <a:solidFill>
+              <a:schemeClr val="bg1">
+                <a:lumMod val="85000"/>
+              </a:schemeClr>
+            </a:solidFill>
+          </a:ln>
+        </p:spPr>
+        <p:style>
+          <a:lnRef idx="2">
+            <a:schemeClr val="accent1">
+              <a:shade val="50000"/>
+            </a:schemeClr>
+          </a:lnRef>
+          <a:fillRef idx="1">
+            <a:schemeClr val="accent1"/>
+          </a:fillRef>
+          <a:effectRef idx="0">
+            <a:schemeClr val="accent1"/>
+          </a:effectRef>
+          <a:fontRef idx="minor">
+            <a:schemeClr val="lt1"/>
+          </a:fontRef>
+        </p:style>
+        <p:txBody>
+          <a:bodyPr rtlCol="0" anchor="ctr"/>
+          <a:lstStyle/>
+          <a:p>
+            <a:pPr algn="ctr"/>
+            <a:endParaRPr kumimoji="1" lang="ko-KR" altLang="en-US"/>
+          </a:p>
+        </p:txBody>
+      </p:sp>
+      <p:sp>
+        <p:nvSpPr>
+          <p:cNvPr id="42" name="직사각형 41">
+            <a:extLst>
+              <a:ext uri="{FF2B5EF4-FFF2-40B4-BE49-F238E27FC236}">
+                <a16:creationId xmlns="" xmlns:a16="http://schemas.microsoft.com/office/drawing/2014/main" id="{DA2565A9-A39B-8C49-8DF8-F04B259702F2}"/>
+              </a:ext>
+            </a:extLst>
+          </p:cNvPr>
+          <p:cNvSpPr/>
+          <p:nvPr/>
+        </p:nvSpPr>
+        <p:spPr>
+          <a:xfrm>
+            <a:off x="4588262" y="4032598"/>
+            <a:ext cx="396000" cy="216000"/>
+          </a:xfrm>
+          <a:prstGeom prst="rect">
+            <a:avLst/>
+          </a:prstGeom>
+          <a:solidFill>
+            <a:srgbClr val="D1A960"/>
+          </a:solidFill>
+          <a:ln>
+            <a:solidFill>
+              <a:srgbClr val="D1A960"/>
+            </a:solidFill>
+          </a:ln>
+        </p:spPr>
+        <p:style>
+          <a:lnRef idx="2">
+            <a:schemeClr val="accent1">
+              <a:shade val="50000"/>
+            </a:schemeClr>
+          </a:lnRef>
+          <a:fillRef idx="1">
+            <a:schemeClr val="accent1"/>
+          </a:fillRef>
+          <a:effectRef idx="0">
+            <a:schemeClr val="accent1"/>
+          </a:effectRef>
+          <a:fontRef idx="minor">
+            <a:schemeClr val="lt1"/>
+          </a:fontRef>
+        </p:style>
+        <p:txBody>
+          <a:bodyPr rtlCol="0" anchor="ctr"/>
+          <a:lstStyle/>
+          <a:p>
+            <a:pPr algn="ctr"/>
+            <a:endParaRPr kumimoji="1" lang="ko-KR" altLang="en-US"/>
+          </a:p>
+        </p:txBody>
+      </p:sp>
+      <p:sp>
+        <p:nvSpPr>
+          <p:cNvPr id="43" name="직사각형 42">
+            <a:extLst>
+              <a:ext uri="{FF2B5EF4-FFF2-40B4-BE49-F238E27FC236}">
+                <a16:creationId xmlns="" xmlns:a16="http://schemas.microsoft.com/office/drawing/2014/main" id="{3C4567BC-0D51-9846-8D02-B52A3DAD6382}"/>
+              </a:ext>
+            </a:extLst>
+          </p:cNvPr>
+          <p:cNvSpPr/>
+          <p:nvPr/>
+        </p:nvSpPr>
+        <p:spPr>
+          <a:xfrm>
+            <a:off x="4587479" y="3785820"/>
+            <a:ext cx="396000" cy="216000"/>
+          </a:xfrm>
+          <a:prstGeom prst="rect">
+            <a:avLst/>
+          </a:prstGeom>
+          <a:solidFill>
+            <a:srgbClr val="D1A960"/>
+          </a:solidFill>
+          <a:ln>
+            <a:solidFill>
+              <a:srgbClr val="D1A960"/>
+            </a:solidFill>
+          </a:ln>
+        </p:spPr>
+        <p:style>
+          <a:lnRef idx="2">
+            <a:schemeClr val="accent1">
+              <a:shade val="50000"/>
+            </a:schemeClr>
+          </a:lnRef>
+          <a:fillRef idx="1">
+            <a:schemeClr val="accent1"/>
+          </a:fillRef>
+          <a:effectRef idx="0">
+            <a:schemeClr val="accent1"/>
+          </a:effectRef>
+          <a:fontRef idx="minor">
+            <a:schemeClr val="lt1"/>
+          </a:fontRef>
+        </p:style>
+        <p:txBody>
+          <a:bodyPr rtlCol="0" anchor="ctr"/>
+          <a:lstStyle/>
+          <a:p>
+            <a:pPr algn="ctr"/>
+            <a:endParaRPr kumimoji="1" lang="ko-KR" altLang="en-US"/>
+          </a:p>
+        </p:txBody>
+      </p:sp>
+      <p:sp>
+        <p:nvSpPr>
+          <p:cNvPr id="44" name="모서리가 둥근 직사각형 43">
+            <a:extLst>
+              <a:ext uri="{FF2B5EF4-FFF2-40B4-BE49-F238E27FC236}">
+                <a16:creationId xmlns="" xmlns:a16="http://schemas.microsoft.com/office/drawing/2014/main" id="{192C4406-F5BE-AB4A-BC1D-5F2AC2B497E5}"/>
+              </a:ext>
+            </a:extLst>
+          </p:cNvPr>
+          <p:cNvSpPr/>
+          <p:nvPr/>
+        </p:nvSpPr>
+        <p:spPr>
+          <a:xfrm>
+            <a:off x="7291611" y="3181654"/>
+            <a:ext cx="484122" cy="1131274"/>
+          </a:xfrm>
+          <a:prstGeom prst="roundRect">
+            <a:avLst/>
+          </a:prstGeom>
+          <a:noFill/>
+          <a:ln w="28575">
+            <a:solidFill>
+              <a:schemeClr val="bg1">
+                <a:lumMod val="85000"/>
+              </a:schemeClr>
+            </a:solidFill>
+          </a:ln>
+        </p:spPr>
+        <p:style>
+          <a:lnRef idx="2">
+            <a:schemeClr val="accent1">
+              <a:shade val="50000"/>
+            </a:schemeClr>
+          </a:lnRef>
+          <a:fillRef idx="1">
+            <a:schemeClr val="accent1"/>
+          </a:fillRef>
+          <a:effectRef idx="0">
+            <a:schemeClr val="accent1"/>
+          </a:effectRef>
+          <a:fontRef idx="minor">
+            <a:schemeClr val="lt1"/>
+          </a:fontRef>
+        </p:style>
+        <p:txBody>
+          <a:bodyPr rtlCol="0" anchor="ctr"/>
+          <a:lstStyle/>
+          <a:p>
+            <a:pPr algn="ctr"/>
+            <a:endParaRPr kumimoji="1" lang="ko-KR" altLang="en-US"/>
+          </a:p>
+        </p:txBody>
+      </p:sp>
+      <p:sp>
+        <p:nvSpPr>
+          <p:cNvPr id="45" name="직사각형 44">
+            <a:extLst>
+              <a:ext uri="{FF2B5EF4-FFF2-40B4-BE49-F238E27FC236}">
+                <a16:creationId xmlns="" xmlns:a16="http://schemas.microsoft.com/office/drawing/2014/main" id="{40A1B75A-1C2F-3C4B-A218-8DEF5EA1A240}"/>
+              </a:ext>
+            </a:extLst>
+          </p:cNvPr>
+          <p:cNvSpPr/>
+          <p:nvPr/>
+        </p:nvSpPr>
+        <p:spPr>
+          <a:xfrm>
+            <a:off x="7409973" y="3053908"/>
+            <a:ext cx="248194" cy="130629"/>
+          </a:xfrm>
+          <a:prstGeom prst="rect">
+            <a:avLst/>
+          </a:prstGeom>
+          <a:noFill/>
+          <a:ln w="28575">
+            <a:solidFill>
+              <a:schemeClr val="bg1">
+                <a:lumMod val="85000"/>
+              </a:schemeClr>
+            </a:solidFill>
+          </a:ln>
+        </p:spPr>
+        <p:style>
+          <a:lnRef idx="2">
+            <a:schemeClr val="accent1">
+              <a:shade val="50000"/>
+            </a:schemeClr>
+          </a:lnRef>
+          <a:fillRef idx="1">
+            <a:schemeClr val="accent1"/>
+          </a:fillRef>
+          <a:effectRef idx="0">
+            <a:schemeClr val="accent1"/>
+          </a:effectRef>
+          <a:fontRef idx="minor">
+            <a:schemeClr val="lt1"/>
+          </a:fontRef>
+        </p:style>
+        <p:txBody>
+          <a:bodyPr rtlCol="0" anchor="ctr"/>
+          <a:lstStyle/>
+          <a:p>
+            <a:pPr algn="ctr"/>
+            <a:endParaRPr kumimoji="1" lang="ko-KR" altLang="en-US"/>
+          </a:p>
+        </p:txBody>
+      </p:sp>
+      <p:sp>
+        <p:nvSpPr>
+          <p:cNvPr id="46" name="직사각형 45">
+            <a:extLst>
+              <a:ext uri="{FF2B5EF4-FFF2-40B4-BE49-F238E27FC236}">
+                <a16:creationId xmlns="" xmlns:a16="http://schemas.microsoft.com/office/drawing/2014/main" id="{1E8C94F4-E033-604B-8A58-00F978D2EB43}"/>
+              </a:ext>
+            </a:extLst>
+          </p:cNvPr>
+          <p:cNvSpPr/>
+          <p:nvPr/>
+        </p:nvSpPr>
+        <p:spPr>
+          <a:xfrm>
+            <a:off x="7345882" y="4032598"/>
+            <a:ext cx="396000" cy="216000"/>
+          </a:xfrm>
+          <a:prstGeom prst="rect">
+            <a:avLst/>
+          </a:prstGeom>
+          <a:solidFill>
+            <a:srgbClr val="D1A960"/>
+          </a:solidFill>
+          <a:ln>
+            <a:solidFill>
+              <a:srgbClr val="D1A960"/>
+            </a:solidFill>
+          </a:ln>
+        </p:spPr>
+        <p:style>
+          <a:lnRef idx="2">
+            <a:schemeClr val="accent1">
+              <a:shade val="50000"/>
+            </a:schemeClr>
+          </a:lnRef>
+          <a:fillRef idx="1">
+            <a:schemeClr val="accent1"/>
+          </a:fillRef>
+          <a:effectRef idx="0">
+            <a:schemeClr val="accent1"/>
+          </a:effectRef>
+          <a:fontRef idx="minor">
+            <a:schemeClr val="lt1"/>
+          </a:fontRef>
+        </p:style>
+        <p:txBody>
+          <a:bodyPr rtlCol="0" anchor="ctr"/>
+          <a:lstStyle/>
+          <a:p>
+            <a:pPr algn="ctr"/>
+            <a:endParaRPr kumimoji="1" lang="ko-KR" altLang="en-US"/>
+          </a:p>
+        </p:txBody>
+      </p:sp>
+      <p:sp>
+        <p:nvSpPr>
+          <p:cNvPr id="47" name="직사각형 46">
+            <a:extLst>
+              <a:ext uri="{FF2B5EF4-FFF2-40B4-BE49-F238E27FC236}">
+                <a16:creationId xmlns="" xmlns:a16="http://schemas.microsoft.com/office/drawing/2014/main" id="{33CE4ED5-DA1F-5940-AC3E-08F271B2E1E5}"/>
+              </a:ext>
+            </a:extLst>
+          </p:cNvPr>
+          <p:cNvSpPr/>
+          <p:nvPr/>
+        </p:nvSpPr>
+        <p:spPr>
+          <a:xfrm>
+            <a:off x="7345099" y="3785820"/>
+            <a:ext cx="396000" cy="216000"/>
+          </a:xfrm>
+          <a:prstGeom prst="rect">
+            <a:avLst/>
+          </a:prstGeom>
+          <a:solidFill>
+            <a:srgbClr val="D1A960"/>
+          </a:solidFill>
+          <a:ln>
+            <a:solidFill>
+              <a:srgbClr val="D1A960"/>
+            </a:solidFill>
+          </a:ln>
+        </p:spPr>
+        <p:style>
+          <a:lnRef idx="2">
+            <a:schemeClr val="accent1">
+              <a:shade val="50000"/>
+            </a:schemeClr>
+          </a:lnRef>
+          <a:fillRef idx="1">
+            <a:schemeClr val="accent1"/>
+          </a:fillRef>
+          <a:effectRef idx="0">
+            <a:schemeClr val="accent1"/>
+          </a:effectRef>
+          <a:fontRef idx="minor">
+            <a:schemeClr val="lt1"/>
+          </a:fontRef>
+        </p:style>
+        <p:txBody>
+          <a:bodyPr rtlCol="0" anchor="ctr"/>
+          <a:lstStyle/>
+          <a:p>
+            <a:pPr algn="ctr"/>
+            <a:endParaRPr kumimoji="1" lang="ko-KR" altLang="en-US"/>
+          </a:p>
+        </p:txBody>
+      </p:sp>
+      <p:sp>
+        <p:nvSpPr>
+          <p:cNvPr id="48" name="직사각형 47">
+            <a:extLst>
+              <a:ext uri="{FF2B5EF4-FFF2-40B4-BE49-F238E27FC236}">
+                <a16:creationId xmlns="" xmlns:a16="http://schemas.microsoft.com/office/drawing/2014/main" id="{EF879863-4002-0649-908E-E3FA425C7515}"/>
+              </a:ext>
+            </a:extLst>
+          </p:cNvPr>
+          <p:cNvSpPr/>
+          <p:nvPr/>
+        </p:nvSpPr>
+        <p:spPr>
+          <a:xfrm>
+            <a:off x="7345099" y="3538648"/>
+            <a:ext cx="396000" cy="216000"/>
+          </a:xfrm>
+          <a:prstGeom prst="rect">
+            <a:avLst/>
+          </a:prstGeom>
+          <a:solidFill>
+            <a:srgbClr val="D1A960"/>
+          </a:solidFill>
+          <a:ln>
+            <a:solidFill>
+              <a:srgbClr val="D1A960"/>
+            </a:solidFill>
+          </a:ln>
+        </p:spPr>
+        <p:style>
+          <a:lnRef idx="2">
+            <a:schemeClr val="accent1">
+              <a:shade val="50000"/>
+            </a:schemeClr>
+          </a:lnRef>
+          <a:fillRef idx="1">
+            <a:schemeClr val="accent1"/>
+          </a:fillRef>
+          <a:effectRef idx="0">
+            <a:schemeClr val="accent1"/>
+          </a:effectRef>
+          <a:fontRef idx="minor">
+            <a:schemeClr val="lt1"/>
+          </a:fontRef>
+        </p:style>
+        <p:txBody>
+          <a:bodyPr rtlCol="0" anchor="ctr"/>
+          <a:lstStyle/>
+          <a:p>
+            <a:pPr algn="ctr"/>
+            <a:endParaRPr kumimoji="1" lang="ko-KR" altLang="en-US"/>
+          </a:p>
+        </p:txBody>
+      </p:sp>
+      <p:sp>
+        <p:nvSpPr>
+          <p:cNvPr id="49" name="모서리가 둥근 직사각형 48">
+            <a:extLst>
+              <a:ext uri="{FF2B5EF4-FFF2-40B4-BE49-F238E27FC236}">
+                <a16:creationId xmlns="" xmlns:a16="http://schemas.microsoft.com/office/drawing/2014/main" id="{D9415A5C-B5F6-434A-AAC2-5D23A69D0690}"/>
+              </a:ext>
+            </a:extLst>
+          </p:cNvPr>
+          <p:cNvSpPr/>
+          <p:nvPr/>
+        </p:nvSpPr>
+        <p:spPr>
+          <a:xfrm>
+            <a:off x="10043098" y="3182478"/>
+            <a:ext cx="484122" cy="1131274"/>
+          </a:xfrm>
+          <a:prstGeom prst="roundRect">
+            <a:avLst/>
+          </a:prstGeom>
+          <a:noFill/>
+          <a:ln w="28575">
+            <a:solidFill>
+              <a:schemeClr val="bg1">
+                <a:lumMod val="85000"/>
+              </a:schemeClr>
+            </a:solidFill>
+          </a:ln>
+        </p:spPr>
+        <p:style>
+          <a:lnRef idx="2">
+            <a:schemeClr val="accent1">
+              <a:shade val="50000"/>
+            </a:schemeClr>
+          </a:lnRef>
+          <a:fillRef idx="1">
+            <a:schemeClr val="accent1"/>
+          </a:fillRef>
+          <a:effectRef idx="0">
+            <a:schemeClr val="accent1"/>
+          </a:effectRef>
+          <a:fontRef idx="minor">
+            <a:schemeClr val="lt1"/>
+          </a:fontRef>
+        </p:style>
+        <p:txBody>
+          <a:bodyPr rtlCol="0" anchor="ctr"/>
+          <a:lstStyle/>
+          <a:p>
+            <a:pPr algn="ctr"/>
+            <a:endParaRPr kumimoji="1" lang="ko-KR" altLang="en-US"/>
+          </a:p>
+        </p:txBody>
+      </p:sp>
+      <p:sp>
+        <p:nvSpPr>
+          <p:cNvPr id="50" name="직사각형 49">
+            <a:extLst>
+              <a:ext uri="{FF2B5EF4-FFF2-40B4-BE49-F238E27FC236}">
+                <a16:creationId xmlns="" xmlns:a16="http://schemas.microsoft.com/office/drawing/2014/main" id="{A2E4B733-0B2F-EB44-9495-3D7B493225B5}"/>
+              </a:ext>
+            </a:extLst>
+          </p:cNvPr>
+          <p:cNvSpPr/>
+          <p:nvPr/>
+        </p:nvSpPr>
+        <p:spPr>
+          <a:xfrm>
+            <a:off x="10161460" y="3054732"/>
+            <a:ext cx="248194" cy="130629"/>
+          </a:xfrm>
+          <a:prstGeom prst="rect">
+            <a:avLst/>
+          </a:prstGeom>
+          <a:noFill/>
+          <a:ln w="28575">
+            <a:solidFill>
+              <a:schemeClr val="bg1">
+                <a:lumMod val="85000"/>
+              </a:schemeClr>
+            </a:solidFill>
+          </a:ln>
+        </p:spPr>
+        <p:style>
+          <a:lnRef idx="2">
+            <a:schemeClr val="accent1">
+              <a:shade val="50000"/>
+            </a:schemeClr>
+          </a:lnRef>
+          <a:fillRef idx="1">
+            <a:schemeClr val="accent1"/>
+          </a:fillRef>
+          <a:effectRef idx="0">
+            <a:schemeClr val="accent1"/>
+          </a:effectRef>
+          <a:fontRef idx="minor">
+            <a:schemeClr val="lt1"/>
+          </a:fontRef>
+        </p:style>
+        <p:txBody>
+          <a:bodyPr rtlCol="0" anchor="ctr"/>
+          <a:lstStyle/>
+          <a:p>
+            <a:pPr algn="ctr"/>
+            <a:endParaRPr kumimoji="1" lang="ko-KR" altLang="en-US"/>
+          </a:p>
+        </p:txBody>
+      </p:sp>
+      <p:sp>
+        <p:nvSpPr>
+          <p:cNvPr id="51" name="직사각형 50">
+            <a:extLst>
+              <a:ext uri="{FF2B5EF4-FFF2-40B4-BE49-F238E27FC236}">
+                <a16:creationId xmlns="" xmlns:a16="http://schemas.microsoft.com/office/drawing/2014/main" id="{25B6C46A-2DED-544B-825A-A3E9D8F9B9F1}"/>
+              </a:ext>
+            </a:extLst>
+          </p:cNvPr>
+          <p:cNvSpPr/>
+          <p:nvPr/>
+        </p:nvSpPr>
+        <p:spPr>
+          <a:xfrm>
+            <a:off x="10097369" y="4033422"/>
+            <a:ext cx="396000" cy="216000"/>
+          </a:xfrm>
+          <a:prstGeom prst="rect">
+            <a:avLst/>
+          </a:prstGeom>
+          <a:solidFill>
+            <a:srgbClr val="D1A960"/>
+          </a:solidFill>
+          <a:ln>
+            <a:solidFill>
+              <a:srgbClr val="D1A960"/>
+            </a:solidFill>
+          </a:ln>
+        </p:spPr>
+        <p:style>
+          <a:lnRef idx="2">
+            <a:schemeClr val="accent1">
+              <a:shade val="50000"/>
+            </a:schemeClr>
+          </a:lnRef>
+          <a:fillRef idx="1">
+            <a:schemeClr val="accent1"/>
+          </a:fillRef>
+          <a:effectRef idx="0">
+            <a:schemeClr val="accent1"/>
+          </a:effectRef>
+          <a:fontRef idx="minor">
+            <a:schemeClr val="lt1"/>
+          </a:fontRef>
+        </p:style>
+        <p:txBody>
+          <a:bodyPr rtlCol="0" anchor="ctr"/>
+          <a:lstStyle/>
+          <a:p>
+            <a:pPr algn="ctr"/>
+            <a:endParaRPr kumimoji="1" lang="ko-KR" altLang="en-US"/>
+          </a:p>
+        </p:txBody>
+      </p:sp>
+      <p:sp>
+        <p:nvSpPr>
+          <p:cNvPr id="52" name="직사각형 51">
+            <a:extLst>
+              <a:ext uri="{FF2B5EF4-FFF2-40B4-BE49-F238E27FC236}">
+                <a16:creationId xmlns="" xmlns:a16="http://schemas.microsoft.com/office/drawing/2014/main" id="{9B00F2CE-B862-1F45-A8EF-EEAB910DC2DD}"/>
+              </a:ext>
+            </a:extLst>
+          </p:cNvPr>
+          <p:cNvSpPr/>
+          <p:nvPr/>
+        </p:nvSpPr>
+        <p:spPr>
+          <a:xfrm>
+            <a:off x="10096586" y="3786644"/>
+            <a:ext cx="396000" cy="216000"/>
+          </a:xfrm>
+          <a:prstGeom prst="rect">
+            <a:avLst/>
+          </a:prstGeom>
+          <a:solidFill>
+            <a:srgbClr val="D1A960"/>
+          </a:solidFill>
+          <a:ln>
+            <a:solidFill>
+              <a:srgbClr val="D1A960"/>
+            </a:solidFill>
+          </a:ln>
+        </p:spPr>
+        <p:style>
+          <a:lnRef idx="2">
+            <a:schemeClr val="accent1">
+              <a:shade val="50000"/>
+            </a:schemeClr>
+          </a:lnRef>
+          <a:fillRef idx="1">
+            <a:schemeClr val="accent1"/>
+          </a:fillRef>
+          <a:effectRef idx="0">
+            <a:schemeClr val="accent1"/>
+          </a:effectRef>
+          <a:fontRef idx="minor">
+            <a:schemeClr val="lt1"/>
+          </a:fontRef>
+        </p:style>
+        <p:txBody>
+          <a:bodyPr rtlCol="0" anchor="ctr"/>
+          <a:lstStyle/>
+          <a:p>
+            <a:pPr algn="ctr"/>
+            <a:endParaRPr kumimoji="1" lang="ko-KR" altLang="en-US"/>
+          </a:p>
+        </p:txBody>
+      </p:sp>
+      <p:sp>
+        <p:nvSpPr>
+          <p:cNvPr id="53" name="직사각형 52">
+            <a:extLst>
+              <a:ext uri="{FF2B5EF4-FFF2-40B4-BE49-F238E27FC236}">
+                <a16:creationId xmlns="" xmlns:a16="http://schemas.microsoft.com/office/drawing/2014/main" id="{C840DF5C-D742-454B-9744-B666449F3463}"/>
+              </a:ext>
+            </a:extLst>
+          </p:cNvPr>
+          <p:cNvSpPr/>
+          <p:nvPr/>
+        </p:nvSpPr>
+        <p:spPr>
+          <a:xfrm>
+            <a:off x="10096586" y="3539472"/>
+            <a:ext cx="396000" cy="216000"/>
+          </a:xfrm>
+          <a:prstGeom prst="rect">
+            <a:avLst/>
+          </a:prstGeom>
+          <a:solidFill>
+            <a:srgbClr val="D1A960"/>
+          </a:solidFill>
+          <a:ln>
+            <a:solidFill>
+              <a:srgbClr val="D1A960"/>
+            </a:solidFill>
+          </a:ln>
+        </p:spPr>
+        <p:style>
+          <a:lnRef idx="2">
+            <a:schemeClr val="accent1">
+              <a:shade val="50000"/>
+            </a:schemeClr>
+          </a:lnRef>
+          <a:fillRef idx="1">
+            <a:schemeClr val="accent1"/>
+          </a:fillRef>
+          <a:effectRef idx="0">
+            <a:schemeClr val="accent1"/>
+          </a:effectRef>
+          <a:fontRef idx="minor">
+            <a:schemeClr val="lt1"/>
+          </a:fontRef>
+        </p:style>
+        <p:txBody>
+          <a:bodyPr rtlCol="0" anchor="ctr"/>
+          <a:lstStyle/>
+          <a:p>
+            <a:pPr algn="ctr"/>
+            <a:endParaRPr kumimoji="1" lang="ko-KR" altLang="en-US"/>
+          </a:p>
+        </p:txBody>
+      </p:sp>
+      <p:sp>
+        <p:nvSpPr>
+          <p:cNvPr id="54" name="직사각형 53">
+            <a:extLst>
+              <a:ext uri="{FF2B5EF4-FFF2-40B4-BE49-F238E27FC236}">
+                <a16:creationId xmlns="" xmlns:a16="http://schemas.microsoft.com/office/drawing/2014/main" id="{7FD7FDAD-86FC-2F4C-974B-9A9A60523BA0}"/>
+              </a:ext>
+            </a:extLst>
+          </p:cNvPr>
+          <p:cNvSpPr/>
+          <p:nvPr/>
+        </p:nvSpPr>
+        <p:spPr>
+          <a:xfrm>
+            <a:off x="10096586" y="3283950"/>
+            <a:ext cx="396000" cy="216000"/>
+          </a:xfrm>
+          <a:prstGeom prst="rect">
+            <a:avLst/>
+          </a:prstGeom>
+          <a:solidFill>
+            <a:srgbClr val="D1A960"/>
+          </a:solidFill>
+          <a:ln>
+            <a:solidFill>
+              <a:srgbClr val="D1A960"/>
+            </a:solidFill>
+          </a:ln>
+        </p:spPr>
+        <p:style>
+          <a:lnRef idx="2">
+            <a:schemeClr val="accent1">
+              <a:shade val="50000"/>
+            </a:schemeClr>
+          </a:lnRef>
+          <a:fillRef idx="1">
+            <a:schemeClr val="accent1"/>
+          </a:fillRef>
+          <a:effectRef idx="0">
+            <a:schemeClr val="accent1"/>
+          </a:effectRef>
+          <a:fontRef idx="minor">
+            <a:schemeClr val="lt1"/>
+          </a:fontRef>
+        </p:style>
+        <p:txBody>
+          <a:bodyPr rtlCol="0" anchor="ctr"/>
+          <a:lstStyle/>
+          <a:p>
+            <a:pPr algn="ctr"/>
+            <a:endParaRPr kumimoji="1" lang="ko-KR" altLang="en-US"/>
+          </a:p>
+        </p:txBody>
+      </p:sp>
+      <p:sp>
+        <p:nvSpPr>
+          <p:cNvPr id="36" name="직사각형 35">
+            <a:extLst>
+              <a:ext uri="{FF2B5EF4-FFF2-40B4-BE49-F238E27FC236}">
+                <a16:creationId xmlns="" xmlns:a16="http://schemas.microsoft.com/office/drawing/2014/main" id="{2E8730FD-3FE0-CF49-87D6-55D4CADD52EC}"/>
+              </a:ext>
+            </a:extLst>
+          </p:cNvPr>
+          <p:cNvSpPr/>
+          <p:nvPr/>
+        </p:nvSpPr>
+        <p:spPr>
+          <a:xfrm rot="5400000">
+            <a:off x="6023231" y="945877"/>
+            <a:ext cx="130629" cy="2140864"/>
+          </a:xfrm>
+          <a:prstGeom prst="rect">
+            <a:avLst/>
+          </a:prstGeom>
+          <a:solidFill>
+            <a:srgbClr val="E8DA64"/>
+          </a:solidFill>
+          <a:ln>
+            <a:solidFill>
+              <a:srgbClr val="E8DA64"/>
+            </a:solidFill>
+          </a:ln>
+        </p:spPr>
+        <p:style>
+          <a:lnRef idx="2">
+            <a:schemeClr val="accent1">
+              <a:shade val="50000"/>
+            </a:schemeClr>
+          </a:lnRef>
+          <a:fillRef idx="1">
+            <a:schemeClr val="accent1"/>
+          </a:fillRef>
+          <a:effectRef idx="0">
+            <a:schemeClr val="accent1"/>
+          </a:effectRef>
+          <a:fontRef idx="minor">
+            <a:schemeClr val="lt1"/>
+          </a:fontRef>
+        </p:style>
+        <p:txBody>
+          <a:bodyPr rtlCol="0" anchor="ctr"/>
+          <a:lstStyle/>
+          <a:p>
+            <a:pPr algn="ctr"/>
+            <a:endParaRPr kumimoji="1" lang="ko-KR" altLang="en-US" dirty="0"/>
+          </a:p>
+        </p:txBody>
+      </p:sp>
+      <p:sp>
+        <p:nvSpPr>
+          <p:cNvPr id="38" name="TextBox 37">
+            <a:extLst>
+              <a:ext uri="{FF2B5EF4-FFF2-40B4-BE49-F238E27FC236}">
+                <a16:creationId xmlns="" xmlns:a16="http://schemas.microsoft.com/office/drawing/2014/main" id="{D924124E-8556-6D40-B0AF-F8C8FE260281}"/>
+              </a:ext>
+            </a:extLst>
+          </p:cNvPr>
+          <p:cNvSpPr txBox="1"/>
+          <p:nvPr/>
+        </p:nvSpPr>
+        <p:spPr>
+          <a:xfrm>
+            <a:off x="4715176" y="1350298"/>
+            <a:ext cx="2746737" cy="523220"/>
+          </a:xfrm>
+          <a:prstGeom prst="rect">
+            <a:avLst/>
+          </a:prstGeom>
+          <a:noFill/>
+        </p:spPr>
+        <p:txBody>
+          <a:bodyPr wrap="square" rtlCol="0">
+            <a:spAutoFit/>
+          </a:bodyPr>
+          <a:lstStyle/>
+          <a:p>
+            <a:pPr algn="ctr"/>
+            <a:r>
+              <a:rPr kumimoji="1" lang="ko-KR" altLang="en-US" sz="2800" smtClean="0">
+                <a:solidFill>
+                  <a:schemeClr val="bg1"/>
+                </a:solidFill>
+                <a:latin typeface="배달의민족 주아" pitchFamily="18" charset="-127"/>
+                <a:ea typeface="배달의민족 주아" pitchFamily="18" charset="-127"/>
+              </a:rPr>
+              <a:t>목 차</a:t>
+            </a:r>
+            <a:endParaRPr kumimoji="1" lang="ko-KR" altLang="en-US" sz="2800" dirty="0">
+              <a:solidFill>
+                <a:schemeClr val="bg1"/>
+              </a:solidFill>
+              <a:latin typeface="배달의민족 주아" pitchFamily="18" charset="-127"/>
+              <a:ea typeface="배달의민족 주아" pitchFamily="18" charset="-127"/>
+            </a:endParaRPr>
+          </a:p>
+        </p:txBody>
+      </p:sp>
+      <p:sp>
+        <p:nvSpPr>
+          <p:cNvPr id="26" name="TextBox 25">
+            <a:extLst>
+              <a:ext uri="{FF2B5EF4-FFF2-40B4-BE49-F238E27FC236}">
+                <a16:creationId xmlns="" xmlns:a16="http://schemas.microsoft.com/office/drawing/2014/main" id="{9C8B4252-4EEE-734E-AFA7-0099FFEA17CC}"/>
+              </a:ext>
+            </a:extLst>
+          </p:cNvPr>
+          <p:cNvSpPr txBox="1"/>
+          <p:nvPr/>
+        </p:nvSpPr>
+        <p:spPr>
+          <a:xfrm>
+            <a:off x="6252798" y="4890571"/>
+            <a:ext cx="2746737" cy="400110"/>
+          </a:xfrm>
+          <a:prstGeom prst="rect">
+            <a:avLst/>
+          </a:prstGeom>
+          <a:noFill/>
+        </p:spPr>
+        <p:txBody>
+          <a:bodyPr wrap="square" rtlCol="0">
+            <a:spAutoFit/>
+          </a:bodyPr>
+          <a:lstStyle/>
+          <a:p>
+            <a:pPr algn="ctr"/>
+            <a:r>
+              <a:rPr kumimoji="1" lang="ko-KR" altLang="en-US" sz="2000" smtClean="0">
+                <a:solidFill>
+                  <a:schemeClr val="bg1"/>
+                </a:solidFill>
+                <a:latin typeface="배달의민족 주아" pitchFamily="18" charset="-127"/>
+                <a:ea typeface="배달의민족 주아" pitchFamily="18" charset="-127"/>
+              </a:rPr>
+              <a:t>글로벌 </a:t>
+            </a:r>
+            <a:r>
+              <a:rPr kumimoji="1" lang="en-US" altLang="ko-KR" sz="2000" smtClean="0">
+                <a:solidFill>
+                  <a:schemeClr val="bg1"/>
+                </a:solidFill>
+                <a:latin typeface="배달의민족 주아" pitchFamily="18" charset="-127"/>
+                <a:ea typeface="배달의민족 주아" pitchFamily="18" charset="-127"/>
+              </a:rPr>
+              <a:t>Validator</a:t>
+            </a:r>
+            <a:endParaRPr kumimoji="1" lang="ko-KR" altLang="en-US" sz="2000" dirty="0">
+              <a:solidFill>
+                <a:schemeClr val="bg1"/>
+              </a:solidFill>
+              <a:latin typeface="배달의민족 주아" pitchFamily="18" charset="-127"/>
+              <a:ea typeface="배달의민족 주아" pitchFamily="18" charset="-127"/>
+            </a:endParaRPr>
+          </a:p>
+        </p:txBody>
+      </p:sp>
+    </p:spTree>
+    <p:extLst>
+      <p:ext uri="{BB962C8B-B14F-4D97-AF65-F5344CB8AC3E}">
+        <p14:creationId xmlns="" xmlns:p14="http://schemas.microsoft.com/office/powerpoint/2010/main" val="275772099"/>
+      </p:ext>
+    </p:extLst>
+  </p:cSld>
+  <p:clrMapOvr>
+    <a:masterClrMapping/>
+  </p:clrMapOvr>
+  <p:timing>
+    <p:tnLst>
+      <p:par>
+        <p:cTn id="1" dur="indefinite" restart="never" nodeType="tmRoot"/>
+      </p:par>
+    </p:tnLst>
+  </p:timing>
+</p:sld>
+</file>
+
+<file path=ppt/slides/slide3.xml><?xml version="1.0" encoding="utf-8"?>
+<p:sld xmlns:a="http://schemas.openxmlformats.org/drawingml/2006/main" xmlns:r="http://schemas.openxmlformats.org/officeDocument/2006/relationships" xmlns:p="http://schemas.openxmlformats.org/presentationml/2006/main">
+  <p:cSld>
+    <p:spTree>
+      <p:nvGrpSpPr>
+        <p:cNvPr id="1" name=""/>
+        <p:cNvGrpSpPr/>
+        <p:nvPr/>
+      </p:nvGrpSpPr>
+      <p:grpSpPr>
+        <a:xfrm>
+          <a:off x="0" y="0"/>
+          <a:ext cx="0" cy="0"/>
+          <a:chOff x="0" y="0"/>
+          <a:chExt cx="0" cy="0"/>
+        </a:xfrm>
+      </p:grpSpPr>
+      <p:sp>
+        <p:nvSpPr>
+          <p:cNvPr id="34" name="직사각형 33">
+            <a:extLst>
+              <a:ext uri="{FF2B5EF4-FFF2-40B4-BE49-F238E27FC236}">
+                <a16:creationId xmlns="" xmlns:a16="http://schemas.microsoft.com/office/drawing/2014/main" id="{37CB002D-8420-B548-9BEA-2E18D8A9A204}"/>
+              </a:ext>
+            </a:extLst>
+          </p:cNvPr>
+          <p:cNvSpPr/>
+          <p:nvPr/>
+        </p:nvSpPr>
+        <p:spPr>
+          <a:xfrm>
+            <a:off x="0" y="1180147"/>
+            <a:ext cx="12192000" cy="5419364"/>
           </a:xfrm>
           <a:prstGeom prst="rect">
             <a:avLst/>
@@ -8632,160 +11395,16 @@
           <a:lstStyle/>
           <a:p>
             <a:pPr algn="ctr"/>
-            <a:endParaRPr lang="ko-KR" altLang="en-US" sz="1600"/>
+            <a:endParaRPr lang="ko-KR" altLang="en-US" sz="1600" dirty="0"/>
           </a:p>
         </p:txBody>
       </p:sp>
       <p:sp>
         <p:nvSpPr>
-          <p:cNvPr id="10" name="TextBox 9">
+          <p:cNvPr id="8" name="직사각형 7">
             <a:extLst>
               <a:ext uri="{FF2B5EF4-FFF2-40B4-BE49-F238E27FC236}">
-                <a16:creationId xmlns:a16="http://schemas.microsoft.com/office/drawing/2014/main" xmlns="" id="{BC578308-8F78-DB4D-8BBF-E8CCC31D5FEE}"/>
-              </a:ext>
-            </a:extLst>
-          </p:cNvPr>
-          <p:cNvSpPr txBox="1"/>
-          <p:nvPr/>
-        </p:nvSpPr>
-        <p:spPr>
-          <a:xfrm>
-            <a:off x="212837" y="689819"/>
-            <a:ext cx="7034894" cy="393954"/>
-          </a:xfrm>
-          <a:prstGeom prst="rect">
-            <a:avLst/>
-          </a:prstGeom>
-          <a:noFill/>
-        </p:spPr>
-        <p:txBody>
-          <a:bodyPr wrap="square" rtlCol="0">
-            <a:spAutoFit/>
-          </a:bodyPr>
-          <a:lstStyle/>
-          <a:p>
-            <a:pPr>
-              <a:lnSpc>
-                <a:spcPct val="130000"/>
-              </a:lnSpc>
-            </a:pPr>
-            <a:r>
-              <a:rPr lang="en-US" altLang="ko-KR" sz="1600" smtClean="0">
-                <a:ln>
-                  <a:solidFill>
-                    <a:schemeClr val="tx1">
-                      <a:lumMod val="50000"/>
-                      <a:lumOff val="50000"/>
-                      <a:alpha val="20000"/>
-                    </a:schemeClr>
-                  </a:solidFill>
-                </a:ln>
-                <a:solidFill>
-                  <a:schemeClr val="bg1"/>
-                </a:solidFill>
-                <a:latin typeface="배달의민족 주아" pitchFamily="18" charset="-127"/>
-                <a:ea typeface="배달의민족 주아" pitchFamily="18" charset="-127"/>
-              </a:rPr>
-              <a:t>@Aspect </a:t>
-            </a:r>
-            <a:r>
-              <a:rPr lang="ko-KR" altLang="en-US" sz="1600" smtClean="0">
-                <a:ln>
-                  <a:solidFill>
-                    <a:schemeClr val="tx1">
-                      <a:lumMod val="50000"/>
-                      <a:lumOff val="50000"/>
-                      <a:alpha val="20000"/>
-                    </a:schemeClr>
-                  </a:solidFill>
-                </a:ln>
-                <a:solidFill>
-                  <a:schemeClr val="bg1"/>
-                </a:solidFill>
-                <a:latin typeface="배달의민족 주아" pitchFamily="18" charset="-127"/>
-                <a:ea typeface="배달의민족 주아" pitchFamily="18" charset="-127"/>
-              </a:rPr>
-              <a:t>예시</a:t>
-            </a:r>
-            <a:endParaRPr lang="en-US" altLang="ko-KR" sz="1600" dirty="0">
-              <a:ln>
-                <a:solidFill>
-                  <a:schemeClr val="tx1">
-                    <a:lumMod val="50000"/>
-                    <a:lumOff val="50000"/>
-                    <a:alpha val="20000"/>
-                  </a:schemeClr>
-                </a:solidFill>
-              </a:ln>
-              <a:solidFill>
-                <a:schemeClr val="bg1"/>
-              </a:solidFill>
-              <a:latin typeface="배달의민족 주아" pitchFamily="18" charset="-127"/>
-              <a:ea typeface="배달의민족 주아" pitchFamily="18" charset="-127"/>
-            </a:endParaRPr>
-          </a:p>
-        </p:txBody>
-      </p:sp>
-      <p:sp>
-        <p:nvSpPr>
-          <p:cNvPr id="17" name="TextBox 16">
-            <a:extLst>
-              <a:ext uri="{FF2B5EF4-FFF2-40B4-BE49-F238E27FC236}">
-                <a16:creationId xmlns:a16="http://schemas.microsoft.com/office/drawing/2014/main" xmlns="" id="{942FB8DE-965C-0845-A309-74C9F51EAF9F}"/>
-              </a:ext>
-            </a:extLst>
-          </p:cNvPr>
-          <p:cNvSpPr txBox="1"/>
-          <p:nvPr/>
-        </p:nvSpPr>
-        <p:spPr>
-          <a:xfrm>
-            <a:off x="9694294" y="883718"/>
-            <a:ext cx="2290706" cy="400110"/>
-          </a:xfrm>
-          <a:prstGeom prst="rect">
-            <a:avLst/>
-          </a:prstGeom>
-          <a:noFill/>
-          <a:ln w="38100">
-            <a:solidFill>
-              <a:srgbClr val="D1A960"/>
-            </a:solidFill>
-          </a:ln>
-        </p:spPr>
-        <p:txBody>
-          <a:bodyPr wrap="square" rtlCol="0">
-            <a:spAutoFit/>
-          </a:bodyPr>
-          <a:lstStyle/>
-          <a:p>
-            <a:pPr algn="ctr"/>
-            <a:r>
-              <a:rPr kumimoji="1" lang="ko-KR" altLang="en-US" sz="2000" smtClean="0">
-                <a:solidFill>
-                  <a:schemeClr val="bg1"/>
-                </a:solidFill>
-                <a:latin typeface="배달의민족 주아" pitchFamily="18" charset="-127"/>
-                <a:ea typeface="배달의민족 주아" pitchFamily="18" charset="-127"/>
-              </a:rPr>
-              <a:t>실행 결과</a:t>
-            </a:r>
-            <a:endParaRPr kumimoji="1" lang="ko-KR" altLang="en-US" sz="2000" dirty="0">
-              <a:solidFill>
-                <a:schemeClr val="bg1"/>
-              </a:solidFill>
-              <a:latin typeface="배달의민족 주아" pitchFamily="18" charset="-127"/>
-              <a:ea typeface="배달의민족 주아" pitchFamily="18" charset="-127"/>
-            </a:endParaRPr>
-          </a:p>
-        </p:txBody>
-      </p:sp>
-      <p:sp>
-        <p:nvSpPr>
-          <p:cNvPr id="12" name="직사각형 11">
-            <a:extLst>
-              <a:ext uri="{FF2B5EF4-FFF2-40B4-BE49-F238E27FC236}">
-                <a16:creationId xmlns:a16="http://schemas.microsoft.com/office/drawing/2014/main" xmlns="" id="{6B8B80B4-792D-174E-8B2C-A10CA85CDD01}"/>
+                <a16:creationId xmlns="" xmlns:a16="http://schemas.microsoft.com/office/drawing/2014/main" id="{6B8B80B4-792D-174E-8B2C-A10CA85CDD01}"/>
               </a:ext>
             </a:extLst>
           </p:cNvPr>
@@ -8842,10 +11461,10 @@
       </p:sp>
       <p:sp>
         <p:nvSpPr>
-          <p:cNvPr id="14" name="직각 삼각형[R] 8">
+          <p:cNvPr id="9" name="직각 삼각형[R] 8">
             <a:extLst>
               <a:ext uri="{FF2B5EF4-FFF2-40B4-BE49-F238E27FC236}">
-                <a16:creationId xmlns:a16="http://schemas.microsoft.com/office/drawing/2014/main" xmlns="" id="{E9289217-6E56-7D4B-B6FB-329F373CAF3E}"/>
+                <a16:creationId xmlns="" xmlns:a16="http://schemas.microsoft.com/office/drawing/2014/main" id="{E9289217-6E56-7D4B-B6FB-329F373CAF3E}"/>
               </a:ext>
             </a:extLst>
           </p:cNvPr>
@@ -8894,1923 +11513,6 @@
           </a:p>
         </p:txBody>
       </p:sp>
-      <p:sp>
-        <p:nvSpPr>
-          <p:cNvPr id="15" name="TextBox 14">
-            <a:extLst>
-              <a:ext uri="{FF2B5EF4-FFF2-40B4-BE49-F238E27FC236}">
-                <a16:creationId xmlns:a16="http://schemas.microsoft.com/office/drawing/2014/main" xmlns="" id="{849EE5DD-2363-0B42-B4FD-2464134E7BE2}"/>
-              </a:ext>
-            </a:extLst>
-          </p:cNvPr>
-          <p:cNvSpPr txBox="1"/>
-          <p:nvPr/>
-        </p:nvSpPr>
-        <p:spPr>
-          <a:xfrm>
-            <a:off x="212837" y="199491"/>
-            <a:ext cx="1861792" cy="461665"/>
-          </a:xfrm>
-          <a:prstGeom prst="rect">
-            <a:avLst/>
-          </a:prstGeom>
-          <a:noFill/>
-        </p:spPr>
-        <p:txBody>
-          <a:bodyPr wrap="none" rtlCol="0">
-            <a:spAutoFit/>
-          </a:bodyPr>
-          <a:lstStyle/>
-          <a:p>
-            <a:r>
-              <a:rPr kumimoji="1" lang="en-US" altLang="ko-KR" sz="2400" smtClean="0">
-                <a:latin typeface="배달의민족 주아" pitchFamily="18" charset="-127"/>
-                <a:ea typeface="배달의민족 주아" pitchFamily="18" charset="-127"/>
-              </a:rPr>
-              <a:t>04. </a:t>
-            </a:r>
-            <a:r>
-              <a:rPr kumimoji="1" lang="en-US" altLang="ko-KR" sz="2400" smtClean="0">
-                <a:latin typeface="배달의민족 주아" pitchFamily="18" charset="-127"/>
-                <a:ea typeface="배달의민족 주아" pitchFamily="18" charset="-127"/>
-              </a:rPr>
-              <a:t>AOP </a:t>
-            </a:r>
-            <a:r>
-              <a:rPr kumimoji="1" lang="ko-KR" altLang="en-US" sz="2400" smtClean="0">
-                <a:latin typeface="배달의민족 주아" pitchFamily="18" charset="-127"/>
-                <a:ea typeface="배달의민족 주아" pitchFamily="18" charset="-127"/>
-              </a:rPr>
-              <a:t>개념</a:t>
-            </a:r>
-            <a:endParaRPr kumimoji="1" lang="ko-KR" altLang="en-US" sz="2400" dirty="0">
-              <a:latin typeface="배달의민족 주아" pitchFamily="18" charset="-127"/>
-              <a:ea typeface="배달의민족 주아" pitchFamily="18" charset="-127"/>
-            </a:endParaRPr>
-          </a:p>
-        </p:txBody>
-      </p:sp>
-    </p:spTree>
-    <p:extLst>
-      <p:ext uri="{BB962C8B-B14F-4D97-AF65-F5344CB8AC3E}">
-        <p14:creationId xmlns:p14="http://schemas.microsoft.com/office/powerpoint/2010/main" xmlns="" val="493550589"/>
-      </p:ext>
-    </p:extLst>
-  </p:cSld>
-  <p:clrMapOvr>
-    <a:masterClrMapping/>
-  </p:clrMapOvr>
-  <p:timing>
-    <p:tnLst>
-      <p:par>
-        <p:cTn id="1" dur="indefinite" restart="never" nodeType="tmRoot"/>
-      </p:par>
-    </p:tnLst>
-  </p:timing>
-</p:sld>
-</file>
-
-<file path=ppt/slides/slide13.xml><?xml version="1.0" encoding="utf-8"?>
-<p:sld xmlns:a="http://schemas.openxmlformats.org/drawingml/2006/main" xmlns:r="http://schemas.openxmlformats.org/officeDocument/2006/relationships" xmlns:p="http://schemas.openxmlformats.org/presentationml/2006/main">
-  <p:cSld>
-    <p:spTree>
-      <p:nvGrpSpPr>
-        <p:cNvPr id="1" name=""/>
-        <p:cNvGrpSpPr/>
-        <p:nvPr/>
-      </p:nvGrpSpPr>
-      <p:grpSpPr>
-        <a:xfrm>
-          <a:off x="0" y="0"/>
-          <a:ext cx="0" cy="0"/>
-          <a:chOff x="0" y="0"/>
-          <a:chExt cx="0" cy="0"/>
-        </a:xfrm>
-      </p:grpSpPr>
-      <p:sp>
-        <p:nvSpPr>
-          <p:cNvPr id="2" name="왼쪽 대괄호[L] 1">
-            <a:extLst>
-              <a:ext uri="{FF2B5EF4-FFF2-40B4-BE49-F238E27FC236}">
-                <a16:creationId xmlns:a16="http://schemas.microsoft.com/office/drawing/2014/main" xmlns="" id="{FD2BE796-18C4-7542-922F-AC07CCDE25AD}"/>
-              </a:ext>
-            </a:extLst>
-          </p:cNvPr>
-          <p:cNvSpPr/>
-          <p:nvPr/>
-        </p:nvSpPr>
-        <p:spPr>
-          <a:xfrm>
-            <a:off x="3655094" y="2971800"/>
-            <a:ext cx="73152" cy="914400"/>
-          </a:xfrm>
-          <a:prstGeom prst="leftBracket">
-            <a:avLst/>
-          </a:prstGeom>
-          <a:ln w="57150">
-            <a:solidFill>
-              <a:schemeClr val="accent5">
-                <a:lumMod val="60000"/>
-                <a:lumOff val="40000"/>
-              </a:schemeClr>
-            </a:solidFill>
-          </a:ln>
-        </p:spPr>
-        <p:style>
-          <a:lnRef idx="1">
-            <a:schemeClr val="accent1"/>
-          </a:lnRef>
-          <a:fillRef idx="0">
-            <a:schemeClr val="accent1"/>
-          </a:fillRef>
-          <a:effectRef idx="0">
-            <a:schemeClr val="accent1"/>
-          </a:effectRef>
-          <a:fontRef idx="minor">
-            <a:schemeClr val="tx1"/>
-          </a:fontRef>
-        </p:style>
-        <p:txBody>
-          <a:bodyPr rtlCol="0" anchor="ctr"/>
-          <a:lstStyle/>
-          <a:p>
-            <a:pPr algn="ctr"/>
-            <a:endParaRPr kumimoji="1" lang="ko-KR" altLang="en-US"/>
-          </a:p>
-        </p:txBody>
-      </p:sp>
-      <p:sp>
-        <p:nvSpPr>
-          <p:cNvPr id="13" name="왼쪽 대괄호[L] 12">
-            <a:extLst>
-              <a:ext uri="{FF2B5EF4-FFF2-40B4-BE49-F238E27FC236}">
-                <a16:creationId xmlns:a16="http://schemas.microsoft.com/office/drawing/2014/main" xmlns="" id="{EFECA2F4-7A60-7B4A-9E41-4C7AFF855ED1}"/>
-              </a:ext>
-            </a:extLst>
-          </p:cNvPr>
-          <p:cNvSpPr/>
-          <p:nvPr/>
-        </p:nvSpPr>
-        <p:spPr>
-          <a:xfrm flipH="1">
-            <a:off x="8444541" y="2971799"/>
-            <a:ext cx="73152" cy="914400"/>
-          </a:xfrm>
-          <a:prstGeom prst="leftBracket">
-            <a:avLst/>
-          </a:prstGeom>
-          <a:ln w="57150">
-            <a:solidFill>
-              <a:schemeClr val="accent5">
-                <a:lumMod val="60000"/>
-                <a:lumOff val="40000"/>
-              </a:schemeClr>
-            </a:solidFill>
-          </a:ln>
-        </p:spPr>
-        <p:style>
-          <a:lnRef idx="1">
-            <a:schemeClr val="accent1"/>
-          </a:lnRef>
-          <a:fillRef idx="0">
-            <a:schemeClr val="accent1"/>
-          </a:fillRef>
-          <a:effectRef idx="0">
-            <a:schemeClr val="accent1"/>
-          </a:effectRef>
-          <a:fontRef idx="minor">
-            <a:schemeClr val="tx1"/>
-          </a:fontRef>
-        </p:style>
-        <p:txBody>
-          <a:bodyPr rtlCol="0" anchor="ctr"/>
-          <a:lstStyle/>
-          <a:p>
-            <a:pPr algn="ctr"/>
-            <a:endParaRPr kumimoji="1" lang="ko-KR" altLang="en-US"/>
-          </a:p>
-        </p:txBody>
-      </p:sp>
-      <p:sp>
-        <p:nvSpPr>
-          <p:cNvPr id="11" name="TextBox 10"/>
-          <p:cNvSpPr txBox="1"/>
-          <p:nvPr/>
-        </p:nvSpPr>
-        <p:spPr>
-          <a:xfrm>
-            <a:off x="3788209" y="3015340"/>
-            <a:ext cx="4693272" cy="769441"/>
-          </a:xfrm>
-          <a:prstGeom prst="rect">
-            <a:avLst/>
-          </a:prstGeom>
-          <a:noFill/>
-        </p:spPr>
-        <p:txBody>
-          <a:bodyPr wrap="none" rtlCol="0">
-            <a:spAutoFit/>
-          </a:bodyPr>
-          <a:lstStyle/>
-          <a:p>
-            <a:r>
-              <a:rPr lang="en-US" altLang="ko-KR" sz="4400" smtClean="0">
-                <a:solidFill>
-                  <a:schemeClr val="bg1"/>
-                </a:solidFill>
-                <a:latin typeface="배달의민족 주아" pitchFamily="18" charset="-127"/>
-                <a:ea typeface="배달의민족 주아" pitchFamily="18" charset="-127"/>
-              </a:rPr>
-              <a:t>Thank you so much</a:t>
-            </a:r>
-            <a:endParaRPr lang="ko-KR" altLang="en-US" sz="4400">
-              <a:solidFill>
-                <a:schemeClr val="bg1"/>
-              </a:solidFill>
-              <a:latin typeface="배달의민족 주아" pitchFamily="18" charset="-127"/>
-              <a:ea typeface="배달의민족 주아" pitchFamily="18" charset="-127"/>
-            </a:endParaRPr>
-          </a:p>
-        </p:txBody>
-      </p:sp>
-      <p:sp>
-        <p:nvSpPr>
-          <p:cNvPr id="14" name="TextBox 13"/>
-          <p:cNvSpPr txBox="1"/>
-          <p:nvPr/>
-        </p:nvSpPr>
-        <p:spPr>
-          <a:xfrm>
-            <a:off x="6492821" y="6052459"/>
-            <a:ext cx="5508303" cy="338554"/>
-          </a:xfrm>
-          <a:prstGeom prst="rect">
-            <a:avLst/>
-          </a:prstGeom>
-          <a:noFill/>
-        </p:spPr>
-        <p:txBody>
-          <a:bodyPr wrap="square" rtlCol="0">
-            <a:spAutoFit/>
-          </a:bodyPr>
-          <a:lstStyle/>
-          <a:p>
-            <a:pPr algn="r"/>
-            <a:r>
-              <a:rPr lang="en-US" altLang="ko-KR" sz="1600" smtClean="0">
-                <a:solidFill>
-                  <a:schemeClr val="bg1"/>
-                </a:solidFill>
-                <a:latin typeface="배달의민족 주아" pitchFamily="18" charset="-127"/>
-                <a:ea typeface="배달의민족 주아" pitchFamily="18" charset="-127"/>
-              </a:rPr>
-              <a:t>Our PPT is quite exceptional , Actually We are exceptional.</a:t>
-            </a:r>
-          </a:p>
-        </p:txBody>
-      </p:sp>
-      <p:pic>
-        <p:nvPicPr>
-          <p:cNvPr id="7" name="그림 6">
-            <a:extLst>
-              <a:ext uri="{FF2B5EF4-FFF2-40B4-BE49-F238E27FC236}">
-                <a16:creationId xmlns:a16="http://schemas.microsoft.com/office/drawing/2014/main" xmlns="" id="{95C89E7D-FCD8-254C-B718-BA729EAAFC40}"/>
-              </a:ext>
-            </a:extLst>
-          </p:cNvPr>
-          <p:cNvPicPr>
-            <a:picLocks noChangeAspect="1"/>
-          </p:cNvPicPr>
-          <p:nvPr/>
-        </p:nvPicPr>
-        <p:blipFill>
-          <a:blip r:embed="rId2"/>
-          <a:stretch>
-            <a:fillRect/>
-          </a:stretch>
-        </p:blipFill>
-        <p:spPr>
-          <a:xfrm>
-            <a:off x="6416619" y="6041573"/>
-            <a:ext cx="386945" cy="386945"/>
-          </a:xfrm>
-          <a:prstGeom prst="rect">
-            <a:avLst/>
-          </a:prstGeom>
-        </p:spPr>
-      </p:pic>
-    </p:spTree>
-    <p:extLst>
-      <p:ext uri="{BB962C8B-B14F-4D97-AF65-F5344CB8AC3E}">
-        <p14:creationId xmlns:p14="http://schemas.microsoft.com/office/powerpoint/2010/main" xmlns="" val="3212234621"/>
-      </p:ext>
-    </p:extLst>
-  </p:cSld>
-  <p:clrMapOvr>
-    <a:masterClrMapping/>
-  </p:clrMapOvr>
-  <p:timing>
-    <p:tnLst>
-      <p:par>
-        <p:cTn id="1" dur="indefinite" restart="never" nodeType="tmRoot"/>
-      </p:par>
-    </p:tnLst>
-  </p:timing>
-</p:sld>
-</file>
-
-<file path=ppt/slides/slide2.xml><?xml version="1.0" encoding="utf-8"?>
-<p:sld xmlns:a="http://schemas.openxmlformats.org/drawingml/2006/main" xmlns:r="http://schemas.openxmlformats.org/officeDocument/2006/relationships" xmlns:p="http://schemas.openxmlformats.org/presentationml/2006/main">
-  <p:cSld>
-    <p:spTree>
-      <p:nvGrpSpPr>
-        <p:cNvPr id="1" name=""/>
-        <p:cNvGrpSpPr/>
-        <p:nvPr/>
-      </p:nvGrpSpPr>
-      <p:grpSpPr>
-        <a:xfrm>
-          <a:off x="0" y="0"/>
-          <a:ext cx="0" cy="0"/>
-          <a:chOff x="0" y="0"/>
-          <a:chExt cx="0" cy="0"/>
-        </a:xfrm>
-      </p:grpSpPr>
-      <p:sp>
-        <p:nvSpPr>
-          <p:cNvPr id="7" name="TextBox 6">
-            <a:extLst>
-              <a:ext uri="{FF2B5EF4-FFF2-40B4-BE49-F238E27FC236}">
-                <a16:creationId xmlns:a16="http://schemas.microsoft.com/office/drawing/2014/main" xmlns="" id="{42FE3236-750D-A047-B36B-3A3B34F30683}"/>
-              </a:ext>
-            </a:extLst>
-          </p:cNvPr>
-          <p:cNvSpPr txBox="1"/>
-          <p:nvPr/>
-        </p:nvSpPr>
-        <p:spPr>
-          <a:xfrm>
-            <a:off x="698896" y="4485555"/>
-            <a:ext cx="2746737" cy="400110"/>
-          </a:xfrm>
-          <a:prstGeom prst="rect">
-            <a:avLst/>
-          </a:prstGeom>
-          <a:noFill/>
-        </p:spPr>
-        <p:txBody>
-          <a:bodyPr wrap="square" rtlCol="0">
-            <a:spAutoFit/>
-          </a:bodyPr>
-          <a:lstStyle/>
-          <a:p>
-            <a:pPr algn="ctr"/>
-            <a:r>
-              <a:rPr kumimoji="1" lang="en-US" altLang="ko-KR" sz="2000" smtClean="0">
-                <a:solidFill>
-                  <a:schemeClr val="bg1"/>
-                </a:solidFill>
-                <a:latin typeface="배달의민족 주아" pitchFamily="18" charset="-127"/>
-                <a:ea typeface="배달의민족 주아" pitchFamily="18" charset="-127"/>
-              </a:rPr>
-              <a:t>Validator</a:t>
-            </a:r>
-            <a:r>
-              <a:rPr kumimoji="1" lang="en-US" altLang="ko-KR" sz="2000" smtClean="0">
-                <a:solidFill>
-                  <a:schemeClr val="bg1"/>
-                </a:solidFill>
-                <a:latin typeface="배달의민족 주아" pitchFamily="18" charset="-127"/>
-                <a:ea typeface="배달의민족 주아" pitchFamily="18" charset="-127"/>
-              </a:rPr>
-              <a:t> </a:t>
-            </a:r>
-            <a:r>
-              <a:rPr kumimoji="1" lang="ko-KR" altLang="en-US" sz="2000" smtClean="0">
-                <a:solidFill>
-                  <a:schemeClr val="bg1"/>
-                </a:solidFill>
-                <a:latin typeface="배달의민족 주아" pitchFamily="18" charset="-127"/>
-                <a:ea typeface="배달의민족 주아" pitchFamily="18" charset="-127"/>
-              </a:rPr>
-              <a:t>개념</a:t>
-            </a:r>
-            <a:endParaRPr kumimoji="1" lang="ko-KR" altLang="en-US" sz="2000" dirty="0">
-              <a:solidFill>
-                <a:schemeClr val="bg1"/>
-              </a:solidFill>
-              <a:latin typeface="배달의민족 주아" pitchFamily="18" charset="-127"/>
-              <a:ea typeface="배달의민족 주아" pitchFamily="18" charset="-127"/>
-            </a:endParaRPr>
-          </a:p>
-        </p:txBody>
-      </p:sp>
-      <p:sp>
-        <p:nvSpPr>
-          <p:cNvPr id="22" name="TextBox 21">
-            <a:extLst>
-              <a:ext uri="{FF2B5EF4-FFF2-40B4-BE49-F238E27FC236}">
-                <a16:creationId xmlns:a16="http://schemas.microsoft.com/office/drawing/2014/main" xmlns="" id="{891037EF-45BE-2049-B684-DDCDF37608A5}"/>
-              </a:ext>
-            </a:extLst>
-          </p:cNvPr>
-          <p:cNvSpPr txBox="1"/>
-          <p:nvPr/>
-        </p:nvSpPr>
-        <p:spPr>
-          <a:xfrm>
-            <a:off x="3444580" y="4496441"/>
-            <a:ext cx="2746737" cy="400110"/>
-          </a:xfrm>
-          <a:prstGeom prst="rect">
-            <a:avLst/>
-          </a:prstGeom>
-          <a:noFill/>
-        </p:spPr>
-        <p:txBody>
-          <a:bodyPr wrap="square" rtlCol="0">
-            <a:spAutoFit/>
-          </a:bodyPr>
-          <a:lstStyle/>
-          <a:p>
-            <a:pPr algn="ctr"/>
-            <a:r>
-              <a:rPr kumimoji="1" lang="en-US" altLang="ko-KR" sz="2000" smtClean="0">
-                <a:solidFill>
-                  <a:schemeClr val="bg1"/>
-                </a:solidFill>
-                <a:latin typeface="배달의민족 주아" pitchFamily="18" charset="-127"/>
-                <a:ea typeface="배달의민족 주아" pitchFamily="18" charset="-127"/>
-              </a:rPr>
-              <a:t>Error </a:t>
-            </a:r>
-            <a:r>
-              <a:rPr kumimoji="1" lang="en-US" altLang="ko-KR" sz="2000" smtClean="0">
-                <a:solidFill>
-                  <a:schemeClr val="bg1"/>
-                </a:solidFill>
-                <a:latin typeface="배달의민족 주아" pitchFamily="18" charset="-127"/>
-                <a:ea typeface="배달의민족 주아" pitchFamily="18" charset="-127"/>
-              </a:rPr>
-              <a:t>Message</a:t>
-            </a:r>
-            <a:endParaRPr kumimoji="1" lang="ko-KR" altLang="en-US" sz="2000" dirty="0">
-              <a:solidFill>
-                <a:schemeClr val="bg1"/>
-              </a:solidFill>
-              <a:latin typeface="배달의민족 주아" pitchFamily="18" charset="-127"/>
-              <a:ea typeface="배달의민족 주아" pitchFamily="18" charset="-127"/>
-            </a:endParaRPr>
-          </a:p>
-        </p:txBody>
-      </p:sp>
-      <p:sp>
-        <p:nvSpPr>
-          <p:cNvPr id="28" name="TextBox 27">
-            <a:extLst>
-              <a:ext uri="{FF2B5EF4-FFF2-40B4-BE49-F238E27FC236}">
-                <a16:creationId xmlns:a16="http://schemas.microsoft.com/office/drawing/2014/main" xmlns="" id="{3CBBC928-2143-ED49-9C10-4DD06080EC37}"/>
-              </a:ext>
-            </a:extLst>
-          </p:cNvPr>
-          <p:cNvSpPr txBox="1"/>
-          <p:nvPr/>
-        </p:nvSpPr>
-        <p:spPr>
-          <a:xfrm>
-            <a:off x="6188683" y="4496441"/>
-            <a:ext cx="2746737" cy="400110"/>
-          </a:xfrm>
-          <a:prstGeom prst="rect">
-            <a:avLst/>
-          </a:prstGeom>
-          <a:noFill/>
-        </p:spPr>
-        <p:txBody>
-          <a:bodyPr wrap="square" rtlCol="0">
-            <a:spAutoFit/>
-          </a:bodyPr>
-          <a:lstStyle/>
-          <a:p>
-            <a:pPr algn="ctr"/>
-            <a:r>
-              <a:rPr kumimoji="1" lang="en-US" altLang="ko-KR" sz="2000" smtClean="0">
-                <a:solidFill>
-                  <a:schemeClr val="bg1"/>
-                </a:solidFill>
-                <a:latin typeface="배달의민족 주아" pitchFamily="18" charset="-127"/>
-                <a:ea typeface="배달의민족 주아" pitchFamily="18" charset="-127"/>
-              </a:rPr>
-              <a:t>@Valid &amp; @InitBinder</a:t>
-            </a:r>
-            <a:endParaRPr kumimoji="1" lang="ko-KR" altLang="en-US" sz="2000" dirty="0">
-              <a:solidFill>
-                <a:schemeClr val="bg1"/>
-              </a:solidFill>
-              <a:latin typeface="배달의민족 주아" pitchFamily="18" charset="-127"/>
-              <a:ea typeface="배달의민족 주아" pitchFamily="18" charset="-127"/>
-            </a:endParaRPr>
-          </a:p>
-        </p:txBody>
-      </p:sp>
-      <p:sp>
-        <p:nvSpPr>
-          <p:cNvPr id="33" name="TextBox 32">
-            <a:extLst>
-              <a:ext uri="{FF2B5EF4-FFF2-40B4-BE49-F238E27FC236}">
-                <a16:creationId xmlns:a16="http://schemas.microsoft.com/office/drawing/2014/main" xmlns="" id="{9C8B4252-4EEE-734E-AFA7-0099FFEA17CC}"/>
-              </a:ext>
-            </a:extLst>
-          </p:cNvPr>
-          <p:cNvSpPr txBox="1"/>
-          <p:nvPr/>
-        </p:nvSpPr>
-        <p:spPr>
-          <a:xfrm>
-            <a:off x="8938098" y="4496441"/>
-            <a:ext cx="2746737" cy="400110"/>
-          </a:xfrm>
-          <a:prstGeom prst="rect">
-            <a:avLst/>
-          </a:prstGeom>
-          <a:noFill/>
-        </p:spPr>
-        <p:txBody>
-          <a:bodyPr wrap="square" rtlCol="0">
-            <a:spAutoFit/>
-          </a:bodyPr>
-          <a:lstStyle/>
-          <a:p>
-            <a:pPr algn="ctr"/>
-            <a:r>
-              <a:rPr kumimoji="1" lang="ko-KR" altLang="en-US" sz="2000" smtClean="0">
-                <a:solidFill>
-                  <a:schemeClr val="bg1"/>
-                </a:solidFill>
-                <a:latin typeface="배달의민족 주아" pitchFamily="18" charset="-127"/>
-                <a:ea typeface="배달의민족 주아" pitchFamily="18" charset="-127"/>
-              </a:rPr>
-              <a:t>글로벌 </a:t>
-            </a:r>
-            <a:r>
-              <a:rPr kumimoji="1" lang="en-US" altLang="ko-KR" sz="2000" smtClean="0">
-                <a:solidFill>
-                  <a:schemeClr val="bg1"/>
-                </a:solidFill>
-                <a:latin typeface="배달의민족 주아" pitchFamily="18" charset="-127"/>
-                <a:ea typeface="배달의민족 주아" pitchFamily="18" charset="-127"/>
-              </a:rPr>
-              <a:t>Validator</a:t>
-            </a:r>
-            <a:endParaRPr kumimoji="1" lang="ko-KR" altLang="en-US" sz="2000" dirty="0">
-              <a:solidFill>
-                <a:schemeClr val="bg1"/>
-              </a:solidFill>
-              <a:latin typeface="배달의민족 주아" pitchFamily="18" charset="-127"/>
-              <a:ea typeface="배달의민족 주아" pitchFamily="18" charset="-127"/>
-            </a:endParaRPr>
-          </a:p>
-        </p:txBody>
-      </p:sp>
-      <p:sp>
-        <p:nvSpPr>
-          <p:cNvPr id="3" name="모서리가 둥근 직사각형 2">
-            <a:extLst>
-              <a:ext uri="{FF2B5EF4-FFF2-40B4-BE49-F238E27FC236}">
-                <a16:creationId xmlns:a16="http://schemas.microsoft.com/office/drawing/2014/main" xmlns="" id="{B15BC01F-85DD-6C4D-969F-ADCBD2EA1767}"/>
-              </a:ext>
-            </a:extLst>
-          </p:cNvPr>
-          <p:cNvSpPr/>
-          <p:nvPr/>
-        </p:nvSpPr>
-        <p:spPr>
-          <a:xfrm>
-            <a:off x="1814621" y="3176459"/>
-            <a:ext cx="484122" cy="1136469"/>
-          </a:xfrm>
-          <a:prstGeom prst="roundRect">
-            <a:avLst/>
-          </a:prstGeom>
-          <a:noFill/>
-          <a:ln w="28575">
-            <a:solidFill>
-              <a:schemeClr val="bg1">
-                <a:lumMod val="85000"/>
-              </a:schemeClr>
-            </a:solidFill>
-          </a:ln>
-        </p:spPr>
-        <p:style>
-          <a:lnRef idx="2">
-            <a:schemeClr val="accent1">
-              <a:shade val="50000"/>
-            </a:schemeClr>
-          </a:lnRef>
-          <a:fillRef idx="1">
-            <a:schemeClr val="accent1"/>
-          </a:fillRef>
-          <a:effectRef idx="0">
-            <a:schemeClr val="accent1"/>
-          </a:effectRef>
-          <a:fontRef idx="minor">
-            <a:schemeClr val="lt1"/>
-          </a:fontRef>
-        </p:style>
-        <p:txBody>
-          <a:bodyPr rtlCol="0" anchor="ctr"/>
-          <a:lstStyle/>
-          <a:p>
-            <a:pPr algn="ctr"/>
-            <a:endParaRPr kumimoji="1" lang="ko-KR" altLang="en-US"/>
-          </a:p>
-        </p:txBody>
-      </p:sp>
-      <p:sp>
-        <p:nvSpPr>
-          <p:cNvPr id="4" name="직사각형 3">
-            <a:extLst>
-              <a:ext uri="{FF2B5EF4-FFF2-40B4-BE49-F238E27FC236}">
-                <a16:creationId xmlns:a16="http://schemas.microsoft.com/office/drawing/2014/main" xmlns="" id="{54DE23C4-D779-3D4A-955D-339E1BFECDE9}"/>
-              </a:ext>
-            </a:extLst>
-          </p:cNvPr>
-          <p:cNvSpPr/>
-          <p:nvPr/>
-        </p:nvSpPr>
-        <p:spPr>
-          <a:xfrm>
-            <a:off x="1932983" y="3044481"/>
-            <a:ext cx="248194" cy="130629"/>
-          </a:xfrm>
-          <a:prstGeom prst="rect">
-            <a:avLst/>
-          </a:prstGeom>
-          <a:noFill/>
-          <a:ln w="28575">
-            <a:solidFill>
-              <a:schemeClr val="bg1">
-                <a:lumMod val="85000"/>
-              </a:schemeClr>
-            </a:solidFill>
-          </a:ln>
-        </p:spPr>
-        <p:style>
-          <a:lnRef idx="2">
-            <a:schemeClr val="accent1">
-              <a:shade val="50000"/>
-            </a:schemeClr>
-          </a:lnRef>
-          <a:fillRef idx="1">
-            <a:schemeClr val="accent1"/>
-          </a:fillRef>
-          <a:effectRef idx="0">
-            <a:schemeClr val="accent1"/>
-          </a:effectRef>
-          <a:fontRef idx="minor">
-            <a:schemeClr val="lt1"/>
-          </a:fontRef>
-        </p:style>
-        <p:txBody>
-          <a:bodyPr rtlCol="0" anchor="ctr"/>
-          <a:lstStyle/>
-          <a:p>
-            <a:pPr algn="ctr"/>
-            <a:endParaRPr kumimoji="1" lang="ko-KR" altLang="en-US"/>
-          </a:p>
-        </p:txBody>
-      </p:sp>
-      <p:sp>
-        <p:nvSpPr>
-          <p:cNvPr id="37" name="직사각형 36">
-            <a:extLst>
-              <a:ext uri="{FF2B5EF4-FFF2-40B4-BE49-F238E27FC236}">
-                <a16:creationId xmlns:a16="http://schemas.microsoft.com/office/drawing/2014/main" xmlns="" id="{9E85BA02-5CD5-C244-B2E5-5A66D4E9D24A}"/>
-              </a:ext>
-            </a:extLst>
-          </p:cNvPr>
-          <p:cNvSpPr/>
-          <p:nvPr/>
-        </p:nvSpPr>
-        <p:spPr>
-          <a:xfrm>
-            <a:off x="1868892" y="4032598"/>
-            <a:ext cx="396000" cy="216000"/>
-          </a:xfrm>
-          <a:prstGeom prst="rect">
-            <a:avLst/>
-          </a:prstGeom>
-          <a:solidFill>
-            <a:srgbClr val="D1A960"/>
-          </a:solidFill>
-          <a:ln>
-            <a:solidFill>
-              <a:srgbClr val="D1A960"/>
-            </a:solidFill>
-          </a:ln>
-        </p:spPr>
-        <p:style>
-          <a:lnRef idx="2">
-            <a:schemeClr val="accent1">
-              <a:shade val="50000"/>
-            </a:schemeClr>
-          </a:lnRef>
-          <a:fillRef idx="1">
-            <a:schemeClr val="accent1"/>
-          </a:fillRef>
-          <a:effectRef idx="0">
-            <a:schemeClr val="accent1"/>
-          </a:effectRef>
-          <a:fontRef idx="minor">
-            <a:schemeClr val="lt1"/>
-          </a:fontRef>
-        </p:style>
-        <p:txBody>
-          <a:bodyPr rtlCol="0" anchor="ctr"/>
-          <a:lstStyle/>
-          <a:p>
-            <a:pPr algn="ctr"/>
-            <a:endParaRPr kumimoji="1" lang="ko-KR" altLang="en-US"/>
-          </a:p>
-        </p:txBody>
-      </p:sp>
-      <p:sp>
-        <p:nvSpPr>
-          <p:cNvPr id="40" name="모서리가 둥근 직사각형 39">
-            <a:extLst>
-              <a:ext uri="{FF2B5EF4-FFF2-40B4-BE49-F238E27FC236}">
-                <a16:creationId xmlns:a16="http://schemas.microsoft.com/office/drawing/2014/main" xmlns="" id="{08DCDE5E-8FBD-9F45-B642-7F7DC2A30298}"/>
-              </a:ext>
-            </a:extLst>
-          </p:cNvPr>
-          <p:cNvSpPr/>
-          <p:nvPr/>
-        </p:nvSpPr>
-        <p:spPr>
-          <a:xfrm>
-            <a:off x="4533991" y="3176459"/>
-            <a:ext cx="484122" cy="1136469"/>
-          </a:xfrm>
-          <a:prstGeom prst="roundRect">
-            <a:avLst/>
-          </a:prstGeom>
-          <a:noFill/>
-          <a:ln w="28575">
-            <a:solidFill>
-              <a:schemeClr val="bg1">
-                <a:lumMod val="85000"/>
-              </a:schemeClr>
-            </a:solidFill>
-          </a:ln>
-        </p:spPr>
-        <p:style>
-          <a:lnRef idx="2">
-            <a:schemeClr val="accent1">
-              <a:shade val="50000"/>
-            </a:schemeClr>
-          </a:lnRef>
-          <a:fillRef idx="1">
-            <a:schemeClr val="accent1"/>
-          </a:fillRef>
-          <a:effectRef idx="0">
-            <a:schemeClr val="accent1"/>
-          </a:effectRef>
-          <a:fontRef idx="minor">
-            <a:schemeClr val="lt1"/>
-          </a:fontRef>
-        </p:style>
-        <p:txBody>
-          <a:bodyPr rtlCol="0" anchor="ctr"/>
-          <a:lstStyle/>
-          <a:p>
-            <a:pPr algn="ctr"/>
-            <a:endParaRPr kumimoji="1" lang="ko-KR" altLang="en-US"/>
-          </a:p>
-        </p:txBody>
-      </p:sp>
-      <p:sp>
-        <p:nvSpPr>
-          <p:cNvPr id="41" name="직사각형 40">
-            <a:extLst>
-              <a:ext uri="{FF2B5EF4-FFF2-40B4-BE49-F238E27FC236}">
-                <a16:creationId xmlns:a16="http://schemas.microsoft.com/office/drawing/2014/main" xmlns="" id="{7DED2737-C550-0043-A389-B804C5C9CDED}"/>
-              </a:ext>
-            </a:extLst>
-          </p:cNvPr>
-          <p:cNvSpPr/>
-          <p:nvPr/>
-        </p:nvSpPr>
-        <p:spPr>
-          <a:xfrm>
-            <a:off x="4652353" y="3044481"/>
-            <a:ext cx="248194" cy="130629"/>
-          </a:xfrm>
-          <a:prstGeom prst="rect">
-            <a:avLst/>
-          </a:prstGeom>
-          <a:noFill/>
-          <a:ln w="28575">
-            <a:solidFill>
-              <a:schemeClr val="bg1">
-                <a:lumMod val="85000"/>
-              </a:schemeClr>
-            </a:solidFill>
-          </a:ln>
-        </p:spPr>
-        <p:style>
-          <a:lnRef idx="2">
-            <a:schemeClr val="accent1">
-              <a:shade val="50000"/>
-            </a:schemeClr>
-          </a:lnRef>
-          <a:fillRef idx="1">
-            <a:schemeClr val="accent1"/>
-          </a:fillRef>
-          <a:effectRef idx="0">
-            <a:schemeClr val="accent1"/>
-          </a:effectRef>
-          <a:fontRef idx="minor">
-            <a:schemeClr val="lt1"/>
-          </a:fontRef>
-        </p:style>
-        <p:txBody>
-          <a:bodyPr rtlCol="0" anchor="ctr"/>
-          <a:lstStyle/>
-          <a:p>
-            <a:pPr algn="ctr"/>
-            <a:endParaRPr kumimoji="1" lang="ko-KR" altLang="en-US"/>
-          </a:p>
-        </p:txBody>
-      </p:sp>
-      <p:sp>
-        <p:nvSpPr>
-          <p:cNvPr id="42" name="직사각형 41">
-            <a:extLst>
-              <a:ext uri="{FF2B5EF4-FFF2-40B4-BE49-F238E27FC236}">
-                <a16:creationId xmlns:a16="http://schemas.microsoft.com/office/drawing/2014/main" xmlns="" id="{DA2565A9-A39B-8C49-8DF8-F04B259702F2}"/>
-              </a:ext>
-            </a:extLst>
-          </p:cNvPr>
-          <p:cNvSpPr/>
-          <p:nvPr/>
-        </p:nvSpPr>
-        <p:spPr>
-          <a:xfrm>
-            <a:off x="4588262" y="4032598"/>
-            <a:ext cx="396000" cy="216000"/>
-          </a:xfrm>
-          <a:prstGeom prst="rect">
-            <a:avLst/>
-          </a:prstGeom>
-          <a:solidFill>
-            <a:srgbClr val="D1A960"/>
-          </a:solidFill>
-          <a:ln>
-            <a:solidFill>
-              <a:srgbClr val="D1A960"/>
-            </a:solidFill>
-          </a:ln>
-        </p:spPr>
-        <p:style>
-          <a:lnRef idx="2">
-            <a:schemeClr val="accent1">
-              <a:shade val="50000"/>
-            </a:schemeClr>
-          </a:lnRef>
-          <a:fillRef idx="1">
-            <a:schemeClr val="accent1"/>
-          </a:fillRef>
-          <a:effectRef idx="0">
-            <a:schemeClr val="accent1"/>
-          </a:effectRef>
-          <a:fontRef idx="minor">
-            <a:schemeClr val="lt1"/>
-          </a:fontRef>
-        </p:style>
-        <p:txBody>
-          <a:bodyPr rtlCol="0" anchor="ctr"/>
-          <a:lstStyle/>
-          <a:p>
-            <a:pPr algn="ctr"/>
-            <a:endParaRPr kumimoji="1" lang="ko-KR" altLang="en-US"/>
-          </a:p>
-        </p:txBody>
-      </p:sp>
-      <p:sp>
-        <p:nvSpPr>
-          <p:cNvPr id="43" name="직사각형 42">
-            <a:extLst>
-              <a:ext uri="{FF2B5EF4-FFF2-40B4-BE49-F238E27FC236}">
-                <a16:creationId xmlns:a16="http://schemas.microsoft.com/office/drawing/2014/main" xmlns="" id="{3C4567BC-0D51-9846-8D02-B52A3DAD6382}"/>
-              </a:ext>
-            </a:extLst>
-          </p:cNvPr>
-          <p:cNvSpPr/>
-          <p:nvPr/>
-        </p:nvSpPr>
-        <p:spPr>
-          <a:xfrm>
-            <a:off x="4587479" y="3785820"/>
-            <a:ext cx="396000" cy="216000"/>
-          </a:xfrm>
-          <a:prstGeom prst="rect">
-            <a:avLst/>
-          </a:prstGeom>
-          <a:solidFill>
-            <a:srgbClr val="D1A960"/>
-          </a:solidFill>
-          <a:ln>
-            <a:solidFill>
-              <a:srgbClr val="D1A960"/>
-            </a:solidFill>
-          </a:ln>
-        </p:spPr>
-        <p:style>
-          <a:lnRef idx="2">
-            <a:schemeClr val="accent1">
-              <a:shade val="50000"/>
-            </a:schemeClr>
-          </a:lnRef>
-          <a:fillRef idx="1">
-            <a:schemeClr val="accent1"/>
-          </a:fillRef>
-          <a:effectRef idx="0">
-            <a:schemeClr val="accent1"/>
-          </a:effectRef>
-          <a:fontRef idx="minor">
-            <a:schemeClr val="lt1"/>
-          </a:fontRef>
-        </p:style>
-        <p:txBody>
-          <a:bodyPr rtlCol="0" anchor="ctr"/>
-          <a:lstStyle/>
-          <a:p>
-            <a:pPr algn="ctr"/>
-            <a:endParaRPr kumimoji="1" lang="ko-KR" altLang="en-US"/>
-          </a:p>
-        </p:txBody>
-      </p:sp>
-      <p:sp>
-        <p:nvSpPr>
-          <p:cNvPr id="44" name="모서리가 둥근 직사각형 43">
-            <a:extLst>
-              <a:ext uri="{FF2B5EF4-FFF2-40B4-BE49-F238E27FC236}">
-                <a16:creationId xmlns:a16="http://schemas.microsoft.com/office/drawing/2014/main" xmlns="" id="{192C4406-F5BE-AB4A-BC1D-5F2AC2B497E5}"/>
-              </a:ext>
-            </a:extLst>
-          </p:cNvPr>
-          <p:cNvSpPr/>
-          <p:nvPr/>
-        </p:nvSpPr>
-        <p:spPr>
-          <a:xfrm>
-            <a:off x="7291611" y="3181654"/>
-            <a:ext cx="484122" cy="1131274"/>
-          </a:xfrm>
-          <a:prstGeom prst="roundRect">
-            <a:avLst/>
-          </a:prstGeom>
-          <a:noFill/>
-          <a:ln w="28575">
-            <a:solidFill>
-              <a:schemeClr val="bg1">
-                <a:lumMod val="85000"/>
-              </a:schemeClr>
-            </a:solidFill>
-          </a:ln>
-        </p:spPr>
-        <p:style>
-          <a:lnRef idx="2">
-            <a:schemeClr val="accent1">
-              <a:shade val="50000"/>
-            </a:schemeClr>
-          </a:lnRef>
-          <a:fillRef idx="1">
-            <a:schemeClr val="accent1"/>
-          </a:fillRef>
-          <a:effectRef idx="0">
-            <a:schemeClr val="accent1"/>
-          </a:effectRef>
-          <a:fontRef idx="minor">
-            <a:schemeClr val="lt1"/>
-          </a:fontRef>
-        </p:style>
-        <p:txBody>
-          <a:bodyPr rtlCol="0" anchor="ctr"/>
-          <a:lstStyle/>
-          <a:p>
-            <a:pPr algn="ctr"/>
-            <a:endParaRPr kumimoji="1" lang="ko-KR" altLang="en-US"/>
-          </a:p>
-        </p:txBody>
-      </p:sp>
-      <p:sp>
-        <p:nvSpPr>
-          <p:cNvPr id="45" name="직사각형 44">
-            <a:extLst>
-              <a:ext uri="{FF2B5EF4-FFF2-40B4-BE49-F238E27FC236}">
-                <a16:creationId xmlns:a16="http://schemas.microsoft.com/office/drawing/2014/main" xmlns="" id="{40A1B75A-1C2F-3C4B-A218-8DEF5EA1A240}"/>
-              </a:ext>
-            </a:extLst>
-          </p:cNvPr>
-          <p:cNvSpPr/>
-          <p:nvPr/>
-        </p:nvSpPr>
-        <p:spPr>
-          <a:xfrm>
-            <a:off x="7409973" y="3053908"/>
-            <a:ext cx="248194" cy="130629"/>
-          </a:xfrm>
-          <a:prstGeom prst="rect">
-            <a:avLst/>
-          </a:prstGeom>
-          <a:noFill/>
-          <a:ln w="28575">
-            <a:solidFill>
-              <a:schemeClr val="bg1">
-                <a:lumMod val="85000"/>
-              </a:schemeClr>
-            </a:solidFill>
-          </a:ln>
-        </p:spPr>
-        <p:style>
-          <a:lnRef idx="2">
-            <a:schemeClr val="accent1">
-              <a:shade val="50000"/>
-            </a:schemeClr>
-          </a:lnRef>
-          <a:fillRef idx="1">
-            <a:schemeClr val="accent1"/>
-          </a:fillRef>
-          <a:effectRef idx="0">
-            <a:schemeClr val="accent1"/>
-          </a:effectRef>
-          <a:fontRef idx="minor">
-            <a:schemeClr val="lt1"/>
-          </a:fontRef>
-        </p:style>
-        <p:txBody>
-          <a:bodyPr rtlCol="0" anchor="ctr"/>
-          <a:lstStyle/>
-          <a:p>
-            <a:pPr algn="ctr"/>
-            <a:endParaRPr kumimoji="1" lang="ko-KR" altLang="en-US"/>
-          </a:p>
-        </p:txBody>
-      </p:sp>
-      <p:sp>
-        <p:nvSpPr>
-          <p:cNvPr id="46" name="직사각형 45">
-            <a:extLst>
-              <a:ext uri="{FF2B5EF4-FFF2-40B4-BE49-F238E27FC236}">
-                <a16:creationId xmlns:a16="http://schemas.microsoft.com/office/drawing/2014/main" xmlns="" id="{1E8C94F4-E033-604B-8A58-00F978D2EB43}"/>
-              </a:ext>
-            </a:extLst>
-          </p:cNvPr>
-          <p:cNvSpPr/>
-          <p:nvPr/>
-        </p:nvSpPr>
-        <p:spPr>
-          <a:xfrm>
-            <a:off x="7345882" y="4032598"/>
-            <a:ext cx="396000" cy="216000"/>
-          </a:xfrm>
-          <a:prstGeom prst="rect">
-            <a:avLst/>
-          </a:prstGeom>
-          <a:solidFill>
-            <a:srgbClr val="D1A960"/>
-          </a:solidFill>
-          <a:ln>
-            <a:solidFill>
-              <a:srgbClr val="D1A960"/>
-            </a:solidFill>
-          </a:ln>
-        </p:spPr>
-        <p:style>
-          <a:lnRef idx="2">
-            <a:schemeClr val="accent1">
-              <a:shade val="50000"/>
-            </a:schemeClr>
-          </a:lnRef>
-          <a:fillRef idx="1">
-            <a:schemeClr val="accent1"/>
-          </a:fillRef>
-          <a:effectRef idx="0">
-            <a:schemeClr val="accent1"/>
-          </a:effectRef>
-          <a:fontRef idx="minor">
-            <a:schemeClr val="lt1"/>
-          </a:fontRef>
-        </p:style>
-        <p:txBody>
-          <a:bodyPr rtlCol="0" anchor="ctr"/>
-          <a:lstStyle/>
-          <a:p>
-            <a:pPr algn="ctr"/>
-            <a:endParaRPr kumimoji="1" lang="ko-KR" altLang="en-US"/>
-          </a:p>
-        </p:txBody>
-      </p:sp>
-      <p:sp>
-        <p:nvSpPr>
-          <p:cNvPr id="47" name="직사각형 46">
-            <a:extLst>
-              <a:ext uri="{FF2B5EF4-FFF2-40B4-BE49-F238E27FC236}">
-                <a16:creationId xmlns:a16="http://schemas.microsoft.com/office/drawing/2014/main" xmlns="" id="{33CE4ED5-DA1F-5940-AC3E-08F271B2E1E5}"/>
-              </a:ext>
-            </a:extLst>
-          </p:cNvPr>
-          <p:cNvSpPr/>
-          <p:nvPr/>
-        </p:nvSpPr>
-        <p:spPr>
-          <a:xfrm>
-            <a:off x="7345099" y="3785820"/>
-            <a:ext cx="396000" cy="216000"/>
-          </a:xfrm>
-          <a:prstGeom prst="rect">
-            <a:avLst/>
-          </a:prstGeom>
-          <a:solidFill>
-            <a:srgbClr val="D1A960"/>
-          </a:solidFill>
-          <a:ln>
-            <a:solidFill>
-              <a:srgbClr val="D1A960"/>
-            </a:solidFill>
-          </a:ln>
-        </p:spPr>
-        <p:style>
-          <a:lnRef idx="2">
-            <a:schemeClr val="accent1">
-              <a:shade val="50000"/>
-            </a:schemeClr>
-          </a:lnRef>
-          <a:fillRef idx="1">
-            <a:schemeClr val="accent1"/>
-          </a:fillRef>
-          <a:effectRef idx="0">
-            <a:schemeClr val="accent1"/>
-          </a:effectRef>
-          <a:fontRef idx="minor">
-            <a:schemeClr val="lt1"/>
-          </a:fontRef>
-        </p:style>
-        <p:txBody>
-          <a:bodyPr rtlCol="0" anchor="ctr"/>
-          <a:lstStyle/>
-          <a:p>
-            <a:pPr algn="ctr"/>
-            <a:endParaRPr kumimoji="1" lang="ko-KR" altLang="en-US"/>
-          </a:p>
-        </p:txBody>
-      </p:sp>
-      <p:sp>
-        <p:nvSpPr>
-          <p:cNvPr id="48" name="직사각형 47">
-            <a:extLst>
-              <a:ext uri="{FF2B5EF4-FFF2-40B4-BE49-F238E27FC236}">
-                <a16:creationId xmlns:a16="http://schemas.microsoft.com/office/drawing/2014/main" xmlns="" id="{EF879863-4002-0649-908E-E3FA425C7515}"/>
-              </a:ext>
-            </a:extLst>
-          </p:cNvPr>
-          <p:cNvSpPr/>
-          <p:nvPr/>
-        </p:nvSpPr>
-        <p:spPr>
-          <a:xfrm>
-            <a:off x="7345099" y="3538648"/>
-            <a:ext cx="396000" cy="216000"/>
-          </a:xfrm>
-          <a:prstGeom prst="rect">
-            <a:avLst/>
-          </a:prstGeom>
-          <a:solidFill>
-            <a:srgbClr val="D1A960"/>
-          </a:solidFill>
-          <a:ln>
-            <a:solidFill>
-              <a:srgbClr val="D1A960"/>
-            </a:solidFill>
-          </a:ln>
-        </p:spPr>
-        <p:style>
-          <a:lnRef idx="2">
-            <a:schemeClr val="accent1">
-              <a:shade val="50000"/>
-            </a:schemeClr>
-          </a:lnRef>
-          <a:fillRef idx="1">
-            <a:schemeClr val="accent1"/>
-          </a:fillRef>
-          <a:effectRef idx="0">
-            <a:schemeClr val="accent1"/>
-          </a:effectRef>
-          <a:fontRef idx="minor">
-            <a:schemeClr val="lt1"/>
-          </a:fontRef>
-        </p:style>
-        <p:txBody>
-          <a:bodyPr rtlCol="0" anchor="ctr"/>
-          <a:lstStyle/>
-          <a:p>
-            <a:pPr algn="ctr"/>
-            <a:endParaRPr kumimoji="1" lang="ko-KR" altLang="en-US"/>
-          </a:p>
-        </p:txBody>
-      </p:sp>
-      <p:sp>
-        <p:nvSpPr>
-          <p:cNvPr id="49" name="모서리가 둥근 직사각형 48">
-            <a:extLst>
-              <a:ext uri="{FF2B5EF4-FFF2-40B4-BE49-F238E27FC236}">
-                <a16:creationId xmlns:a16="http://schemas.microsoft.com/office/drawing/2014/main" xmlns="" id="{D9415A5C-B5F6-434A-AAC2-5D23A69D0690}"/>
-              </a:ext>
-            </a:extLst>
-          </p:cNvPr>
-          <p:cNvSpPr/>
-          <p:nvPr/>
-        </p:nvSpPr>
-        <p:spPr>
-          <a:xfrm>
-            <a:off x="10043098" y="3182478"/>
-            <a:ext cx="484122" cy="1131274"/>
-          </a:xfrm>
-          <a:prstGeom prst="roundRect">
-            <a:avLst/>
-          </a:prstGeom>
-          <a:noFill/>
-          <a:ln w="28575">
-            <a:solidFill>
-              <a:schemeClr val="bg1">
-                <a:lumMod val="85000"/>
-              </a:schemeClr>
-            </a:solidFill>
-          </a:ln>
-        </p:spPr>
-        <p:style>
-          <a:lnRef idx="2">
-            <a:schemeClr val="accent1">
-              <a:shade val="50000"/>
-            </a:schemeClr>
-          </a:lnRef>
-          <a:fillRef idx="1">
-            <a:schemeClr val="accent1"/>
-          </a:fillRef>
-          <a:effectRef idx="0">
-            <a:schemeClr val="accent1"/>
-          </a:effectRef>
-          <a:fontRef idx="minor">
-            <a:schemeClr val="lt1"/>
-          </a:fontRef>
-        </p:style>
-        <p:txBody>
-          <a:bodyPr rtlCol="0" anchor="ctr"/>
-          <a:lstStyle/>
-          <a:p>
-            <a:pPr algn="ctr"/>
-            <a:endParaRPr kumimoji="1" lang="ko-KR" altLang="en-US"/>
-          </a:p>
-        </p:txBody>
-      </p:sp>
-      <p:sp>
-        <p:nvSpPr>
-          <p:cNvPr id="50" name="직사각형 49">
-            <a:extLst>
-              <a:ext uri="{FF2B5EF4-FFF2-40B4-BE49-F238E27FC236}">
-                <a16:creationId xmlns:a16="http://schemas.microsoft.com/office/drawing/2014/main" xmlns="" id="{A2E4B733-0B2F-EB44-9495-3D7B493225B5}"/>
-              </a:ext>
-            </a:extLst>
-          </p:cNvPr>
-          <p:cNvSpPr/>
-          <p:nvPr/>
-        </p:nvSpPr>
-        <p:spPr>
-          <a:xfrm>
-            <a:off x="10161460" y="3054732"/>
-            <a:ext cx="248194" cy="130629"/>
-          </a:xfrm>
-          <a:prstGeom prst="rect">
-            <a:avLst/>
-          </a:prstGeom>
-          <a:noFill/>
-          <a:ln w="28575">
-            <a:solidFill>
-              <a:schemeClr val="bg1">
-                <a:lumMod val="85000"/>
-              </a:schemeClr>
-            </a:solidFill>
-          </a:ln>
-        </p:spPr>
-        <p:style>
-          <a:lnRef idx="2">
-            <a:schemeClr val="accent1">
-              <a:shade val="50000"/>
-            </a:schemeClr>
-          </a:lnRef>
-          <a:fillRef idx="1">
-            <a:schemeClr val="accent1"/>
-          </a:fillRef>
-          <a:effectRef idx="0">
-            <a:schemeClr val="accent1"/>
-          </a:effectRef>
-          <a:fontRef idx="minor">
-            <a:schemeClr val="lt1"/>
-          </a:fontRef>
-        </p:style>
-        <p:txBody>
-          <a:bodyPr rtlCol="0" anchor="ctr"/>
-          <a:lstStyle/>
-          <a:p>
-            <a:pPr algn="ctr"/>
-            <a:endParaRPr kumimoji="1" lang="ko-KR" altLang="en-US"/>
-          </a:p>
-        </p:txBody>
-      </p:sp>
-      <p:sp>
-        <p:nvSpPr>
-          <p:cNvPr id="51" name="직사각형 50">
-            <a:extLst>
-              <a:ext uri="{FF2B5EF4-FFF2-40B4-BE49-F238E27FC236}">
-                <a16:creationId xmlns:a16="http://schemas.microsoft.com/office/drawing/2014/main" xmlns="" id="{25B6C46A-2DED-544B-825A-A3E9D8F9B9F1}"/>
-              </a:ext>
-            </a:extLst>
-          </p:cNvPr>
-          <p:cNvSpPr/>
-          <p:nvPr/>
-        </p:nvSpPr>
-        <p:spPr>
-          <a:xfrm>
-            <a:off x="10097369" y="4033422"/>
-            <a:ext cx="396000" cy="216000"/>
-          </a:xfrm>
-          <a:prstGeom prst="rect">
-            <a:avLst/>
-          </a:prstGeom>
-          <a:solidFill>
-            <a:srgbClr val="D1A960"/>
-          </a:solidFill>
-          <a:ln>
-            <a:solidFill>
-              <a:srgbClr val="D1A960"/>
-            </a:solidFill>
-          </a:ln>
-        </p:spPr>
-        <p:style>
-          <a:lnRef idx="2">
-            <a:schemeClr val="accent1">
-              <a:shade val="50000"/>
-            </a:schemeClr>
-          </a:lnRef>
-          <a:fillRef idx="1">
-            <a:schemeClr val="accent1"/>
-          </a:fillRef>
-          <a:effectRef idx="0">
-            <a:schemeClr val="accent1"/>
-          </a:effectRef>
-          <a:fontRef idx="minor">
-            <a:schemeClr val="lt1"/>
-          </a:fontRef>
-        </p:style>
-        <p:txBody>
-          <a:bodyPr rtlCol="0" anchor="ctr"/>
-          <a:lstStyle/>
-          <a:p>
-            <a:pPr algn="ctr"/>
-            <a:endParaRPr kumimoji="1" lang="ko-KR" altLang="en-US"/>
-          </a:p>
-        </p:txBody>
-      </p:sp>
-      <p:sp>
-        <p:nvSpPr>
-          <p:cNvPr id="52" name="직사각형 51">
-            <a:extLst>
-              <a:ext uri="{FF2B5EF4-FFF2-40B4-BE49-F238E27FC236}">
-                <a16:creationId xmlns:a16="http://schemas.microsoft.com/office/drawing/2014/main" xmlns="" id="{9B00F2CE-B862-1F45-A8EF-EEAB910DC2DD}"/>
-              </a:ext>
-            </a:extLst>
-          </p:cNvPr>
-          <p:cNvSpPr/>
-          <p:nvPr/>
-        </p:nvSpPr>
-        <p:spPr>
-          <a:xfrm>
-            <a:off x="10096586" y="3786644"/>
-            <a:ext cx="396000" cy="216000"/>
-          </a:xfrm>
-          <a:prstGeom prst="rect">
-            <a:avLst/>
-          </a:prstGeom>
-          <a:solidFill>
-            <a:srgbClr val="D1A960"/>
-          </a:solidFill>
-          <a:ln>
-            <a:solidFill>
-              <a:srgbClr val="D1A960"/>
-            </a:solidFill>
-          </a:ln>
-        </p:spPr>
-        <p:style>
-          <a:lnRef idx="2">
-            <a:schemeClr val="accent1">
-              <a:shade val="50000"/>
-            </a:schemeClr>
-          </a:lnRef>
-          <a:fillRef idx="1">
-            <a:schemeClr val="accent1"/>
-          </a:fillRef>
-          <a:effectRef idx="0">
-            <a:schemeClr val="accent1"/>
-          </a:effectRef>
-          <a:fontRef idx="minor">
-            <a:schemeClr val="lt1"/>
-          </a:fontRef>
-        </p:style>
-        <p:txBody>
-          <a:bodyPr rtlCol="0" anchor="ctr"/>
-          <a:lstStyle/>
-          <a:p>
-            <a:pPr algn="ctr"/>
-            <a:endParaRPr kumimoji="1" lang="ko-KR" altLang="en-US"/>
-          </a:p>
-        </p:txBody>
-      </p:sp>
-      <p:sp>
-        <p:nvSpPr>
-          <p:cNvPr id="53" name="직사각형 52">
-            <a:extLst>
-              <a:ext uri="{FF2B5EF4-FFF2-40B4-BE49-F238E27FC236}">
-                <a16:creationId xmlns:a16="http://schemas.microsoft.com/office/drawing/2014/main" xmlns="" id="{C840DF5C-D742-454B-9744-B666449F3463}"/>
-              </a:ext>
-            </a:extLst>
-          </p:cNvPr>
-          <p:cNvSpPr/>
-          <p:nvPr/>
-        </p:nvSpPr>
-        <p:spPr>
-          <a:xfrm>
-            <a:off x="10096586" y="3539472"/>
-            <a:ext cx="396000" cy="216000"/>
-          </a:xfrm>
-          <a:prstGeom prst="rect">
-            <a:avLst/>
-          </a:prstGeom>
-          <a:solidFill>
-            <a:srgbClr val="D1A960"/>
-          </a:solidFill>
-          <a:ln>
-            <a:solidFill>
-              <a:srgbClr val="D1A960"/>
-            </a:solidFill>
-          </a:ln>
-        </p:spPr>
-        <p:style>
-          <a:lnRef idx="2">
-            <a:schemeClr val="accent1">
-              <a:shade val="50000"/>
-            </a:schemeClr>
-          </a:lnRef>
-          <a:fillRef idx="1">
-            <a:schemeClr val="accent1"/>
-          </a:fillRef>
-          <a:effectRef idx="0">
-            <a:schemeClr val="accent1"/>
-          </a:effectRef>
-          <a:fontRef idx="minor">
-            <a:schemeClr val="lt1"/>
-          </a:fontRef>
-        </p:style>
-        <p:txBody>
-          <a:bodyPr rtlCol="0" anchor="ctr"/>
-          <a:lstStyle/>
-          <a:p>
-            <a:pPr algn="ctr"/>
-            <a:endParaRPr kumimoji="1" lang="ko-KR" altLang="en-US"/>
-          </a:p>
-        </p:txBody>
-      </p:sp>
-      <p:sp>
-        <p:nvSpPr>
-          <p:cNvPr id="54" name="직사각형 53">
-            <a:extLst>
-              <a:ext uri="{FF2B5EF4-FFF2-40B4-BE49-F238E27FC236}">
-                <a16:creationId xmlns:a16="http://schemas.microsoft.com/office/drawing/2014/main" xmlns="" id="{7FD7FDAD-86FC-2F4C-974B-9A9A60523BA0}"/>
-              </a:ext>
-            </a:extLst>
-          </p:cNvPr>
-          <p:cNvSpPr/>
-          <p:nvPr/>
-        </p:nvSpPr>
-        <p:spPr>
-          <a:xfrm>
-            <a:off x="10096586" y="3283950"/>
-            <a:ext cx="396000" cy="216000"/>
-          </a:xfrm>
-          <a:prstGeom prst="rect">
-            <a:avLst/>
-          </a:prstGeom>
-          <a:solidFill>
-            <a:srgbClr val="D1A960"/>
-          </a:solidFill>
-          <a:ln>
-            <a:solidFill>
-              <a:srgbClr val="D1A960"/>
-            </a:solidFill>
-          </a:ln>
-        </p:spPr>
-        <p:style>
-          <a:lnRef idx="2">
-            <a:schemeClr val="accent1">
-              <a:shade val="50000"/>
-            </a:schemeClr>
-          </a:lnRef>
-          <a:fillRef idx="1">
-            <a:schemeClr val="accent1"/>
-          </a:fillRef>
-          <a:effectRef idx="0">
-            <a:schemeClr val="accent1"/>
-          </a:effectRef>
-          <a:fontRef idx="minor">
-            <a:schemeClr val="lt1"/>
-          </a:fontRef>
-        </p:style>
-        <p:txBody>
-          <a:bodyPr rtlCol="0" anchor="ctr"/>
-          <a:lstStyle/>
-          <a:p>
-            <a:pPr algn="ctr"/>
-            <a:endParaRPr kumimoji="1" lang="ko-KR" altLang="en-US"/>
-          </a:p>
-        </p:txBody>
-      </p:sp>
-      <p:sp>
-        <p:nvSpPr>
-          <p:cNvPr id="36" name="직사각형 35">
-            <a:extLst>
-              <a:ext uri="{FF2B5EF4-FFF2-40B4-BE49-F238E27FC236}">
-                <a16:creationId xmlns:a16="http://schemas.microsoft.com/office/drawing/2014/main" xmlns="" id="{2E8730FD-3FE0-CF49-87D6-55D4CADD52EC}"/>
-              </a:ext>
-            </a:extLst>
-          </p:cNvPr>
-          <p:cNvSpPr/>
-          <p:nvPr/>
-        </p:nvSpPr>
-        <p:spPr>
-          <a:xfrm rot="5400000">
-            <a:off x="6023231" y="945877"/>
-            <a:ext cx="130629" cy="2140864"/>
-          </a:xfrm>
-          <a:prstGeom prst="rect">
-            <a:avLst/>
-          </a:prstGeom>
-          <a:solidFill>
-            <a:srgbClr val="E8DA64"/>
-          </a:solidFill>
-          <a:ln>
-            <a:solidFill>
-              <a:srgbClr val="E8DA64"/>
-            </a:solidFill>
-          </a:ln>
-        </p:spPr>
-        <p:style>
-          <a:lnRef idx="2">
-            <a:schemeClr val="accent1">
-              <a:shade val="50000"/>
-            </a:schemeClr>
-          </a:lnRef>
-          <a:fillRef idx="1">
-            <a:schemeClr val="accent1"/>
-          </a:fillRef>
-          <a:effectRef idx="0">
-            <a:schemeClr val="accent1"/>
-          </a:effectRef>
-          <a:fontRef idx="minor">
-            <a:schemeClr val="lt1"/>
-          </a:fontRef>
-        </p:style>
-        <p:txBody>
-          <a:bodyPr rtlCol="0" anchor="ctr"/>
-          <a:lstStyle/>
-          <a:p>
-            <a:pPr algn="ctr"/>
-            <a:endParaRPr kumimoji="1" lang="ko-KR" altLang="en-US" dirty="0"/>
-          </a:p>
-        </p:txBody>
-      </p:sp>
-      <p:sp>
-        <p:nvSpPr>
-          <p:cNvPr id="38" name="TextBox 37">
-            <a:extLst>
-              <a:ext uri="{FF2B5EF4-FFF2-40B4-BE49-F238E27FC236}">
-                <a16:creationId xmlns:a16="http://schemas.microsoft.com/office/drawing/2014/main" xmlns="" id="{D924124E-8556-6D40-B0AF-F8C8FE260281}"/>
-              </a:ext>
-            </a:extLst>
-          </p:cNvPr>
-          <p:cNvSpPr txBox="1"/>
-          <p:nvPr/>
-        </p:nvSpPr>
-        <p:spPr>
-          <a:xfrm>
-            <a:off x="4715176" y="1350298"/>
-            <a:ext cx="2746737" cy="523220"/>
-          </a:xfrm>
-          <a:prstGeom prst="rect">
-            <a:avLst/>
-          </a:prstGeom>
-          <a:noFill/>
-        </p:spPr>
-        <p:txBody>
-          <a:bodyPr wrap="square" rtlCol="0">
-            <a:spAutoFit/>
-          </a:bodyPr>
-          <a:lstStyle/>
-          <a:p>
-            <a:pPr algn="ctr"/>
-            <a:r>
-              <a:rPr kumimoji="1" lang="ko-KR" altLang="en-US" sz="2800" smtClean="0">
-                <a:solidFill>
-                  <a:schemeClr val="bg1"/>
-                </a:solidFill>
-                <a:latin typeface="배달의민족 주아" pitchFamily="18" charset="-127"/>
-                <a:ea typeface="배달의민족 주아" pitchFamily="18" charset="-127"/>
-              </a:rPr>
-              <a:t>목 차</a:t>
-            </a:r>
-            <a:endParaRPr kumimoji="1" lang="ko-KR" altLang="en-US" sz="2800" dirty="0">
-              <a:solidFill>
-                <a:schemeClr val="bg1"/>
-              </a:solidFill>
-              <a:latin typeface="배달의민족 주아" pitchFamily="18" charset="-127"/>
-              <a:ea typeface="배달의민족 주아" pitchFamily="18" charset="-127"/>
-            </a:endParaRPr>
-          </a:p>
-        </p:txBody>
-      </p:sp>
-      <p:sp>
-        <p:nvSpPr>
-          <p:cNvPr id="26" name="TextBox 25">
-            <a:extLst>
-              <a:ext uri="{FF2B5EF4-FFF2-40B4-BE49-F238E27FC236}">
-                <a16:creationId xmlns:a16="http://schemas.microsoft.com/office/drawing/2014/main" xmlns="" id="{9C8B4252-4EEE-734E-AFA7-0099FFEA17CC}"/>
-              </a:ext>
-            </a:extLst>
-          </p:cNvPr>
-          <p:cNvSpPr txBox="1"/>
-          <p:nvPr/>
-        </p:nvSpPr>
-        <p:spPr>
-          <a:xfrm>
-            <a:off x="6252798" y="4890571"/>
-            <a:ext cx="2746737" cy="400110"/>
-          </a:xfrm>
-          <a:prstGeom prst="rect">
-            <a:avLst/>
-          </a:prstGeom>
-          <a:noFill/>
-        </p:spPr>
-        <p:txBody>
-          <a:bodyPr wrap="square" rtlCol="0">
-            <a:spAutoFit/>
-          </a:bodyPr>
-          <a:lstStyle/>
-          <a:p>
-            <a:pPr algn="ctr"/>
-            <a:r>
-              <a:rPr kumimoji="1" lang="ko-KR" altLang="en-US" sz="2000" smtClean="0">
-                <a:solidFill>
-                  <a:schemeClr val="bg1"/>
-                </a:solidFill>
-                <a:latin typeface="배달의민족 주아" pitchFamily="18" charset="-127"/>
-                <a:ea typeface="배달의민족 주아" pitchFamily="18" charset="-127"/>
-              </a:rPr>
-              <a:t>글로벌 </a:t>
-            </a:r>
-            <a:r>
-              <a:rPr kumimoji="1" lang="en-US" altLang="ko-KR" sz="2000" smtClean="0">
-                <a:solidFill>
-                  <a:schemeClr val="bg1"/>
-                </a:solidFill>
-                <a:latin typeface="배달의민족 주아" pitchFamily="18" charset="-127"/>
-                <a:ea typeface="배달의민족 주아" pitchFamily="18" charset="-127"/>
-              </a:rPr>
-              <a:t>Validator</a:t>
-            </a:r>
-            <a:endParaRPr kumimoji="1" lang="ko-KR" altLang="en-US" sz="2000" dirty="0">
-              <a:solidFill>
-                <a:schemeClr val="bg1"/>
-              </a:solidFill>
-              <a:latin typeface="배달의민족 주아" pitchFamily="18" charset="-127"/>
-              <a:ea typeface="배달의민족 주아" pitchFamily="18" charset="-127"/>
-            </a:endParaRPr>
-          </a:p>
-        </p:txBody>
-      </p:sp>
-    </p:spTree>
-    <p:extLst>
-      <p:ext uri="{BB962C8B-B14F-4D97-AF65-F5344CB8AC3E}">
-        <p14:creationId xmlns:p14="http://schemas.microsoft.com/office/powerpoint/2010/main" xmlns="" val="275772099"/>
-      </p:ext>
-    </p:extLst>
-  </p:cSld>
-  <p:clrMapOvr>
-    <a:masterClrMapping/>
-  </p:clrMapOvr>
-  <p:timing>
-    <p:tnLst>
-      <p:par>
-        <p:cTn id="1" dur="indefinite" restart="never" nodeType="tmRoot"/>
-      </p:par>
-    </p:tnLst>
-  </p:timing>
-</p:sld>
-</file>
-
-<file path=ppt/slides/slide3.xml><?xml version="1.0" encoding="utf-8"?>
-<p:sld xmlns:a="http://schemas.openxmlformats.org/drawingml/2006/main" xmlns:r="http://schemas.openxmlformats.org/officeDocument/2006/relationships" xmlns:p="http://schemas.openxmlformats.org/presentationml/2006/main">
-  <p:cSld>
-    <p:spTree>
-      <p:nvGrpSpPr>
-        <p:cNvPr id="1" name=""/>
-        <p:cNvGrpSpPr/>
-        <p:nvPr/>
-      </p:nvGrpSpPr>
-      <p:grpSpPr>
-        <a:xfrm>
-          <a:off x="0" y="0"/>
-          <a:ext cx="0" cy="0"/>
-          <a:chOff x="0" y="0"/>
-          <a:chExt cx="0" cy="0"/>
-        </a:xfrm>
-      </p:grpSpPr>
-      <p:sp>
-        <p:nvSpPr>
-          <p:cNvPr id="34" name="직사각형 33">
-            <a:extLst>
-              <a:ext uri="{FF2B5EF4-FFF2-40B4-BE49-F238E27FC236}">
-                <a16:creationId xmlns:a16="http://schemas.microsoft.com/office/drawing/2014/main" xmlns="" id="{37CB002D-8420-B548-9BEA-2E18D8A9A204}"/>
-              </a:ext>
-            </a:extLst>
-          </p:cNvPr>
-          <p:cNvSpPr/>
-          <p:nvPr/>
-        </p:nvSpPr>
-        <p:spPr>
-          <a:xfrm>
-            <a:off x="0" y="1180147"/>
-            <a:ext cx="12192000" cy="5419364"/>
-          </a:xfrm>
-          <a:prstGeom prst="rect">
-            <a:avLst/>
-          </a:prstGeom>
-          <a:solidFill>
-            <a:schemeClr val="bg1">
-              <a:lumMod val="95000"/>
-            </a:schemeClr>
-          </a:solidFill>
-          <a:ln>
-            <a:noFill/>
-          </a:ln>
-        </p:spPr>
-        <p:style>
-          <a:lnRef idx="2">
-            <a:schemeClr val="accent1">
-              <a:shade val="50000"/>
-            </a:schemeClr>
-          </a:lnRef>
-          <a:fillRef idx="1">
-            <a:schemeClr val="accent1"/>
-          </a:fillRef>
-          <a:effectRef idx="0">
-            <a:schemeClr val="accent1"/>
-          </a:effectRef>
-          <a:fontRef idx="minor">
-            <a:schemeClr val="lt1"/>
-          </a:fontRef>
-        </p:style>
-        <p:txBody>
-          <a:bodyPr anchor="ctr"/>
-          <a:lstStyle/>
-          <a:p>
-            <a:pPr algn="ctr"/>
-            <a:endParaRPr lang="ko-KR" altLang="en-US" sz="1600" dirty="0"/>
-          </a:p>
-        </p:txBody>
-      </p:sp>
-      <p:sp>
-        <p:nvSpPr>
-          <p:cNvPr id="8" name="직사각형 7">
-            <a:extLst>
-              <a:ext uri="{FF2B5EF4-FFF2-40B4-BE49-F238E27FC236}">
-                <a16:creationId xmlns:a16="http://schemas.microsoft.com/office/drawing/2014/main" xmlns="" id="{6B8B80B4-792D-174E-8B2C-A10CA85CDD01}"/>
-              </a:ext>
-            </a:extLst>
-          </p:cNvPr>
-          <p:cNvSpPr/>
-          <p:nvPr/>
-        </p:nvSpPr>
-        <p:spPr>
-          <a:xfrm>
-            <a:off x="0" y="199491"/>
-            <a:ext cx="4768342" cy="490328"/>
-          </a:xfrm>
-          <a:prstGeom prst="rect">
-            <a:avLst/>
-          </a:prstGeom>
-          <a:solidFill>
-            <a:schemeClr val="accent5">
-              <a:lumMod val="40000"/>
-              <a:lumOff val="60000"/>
-            </a:schemeClr>
-          </a:solidFill>
-          <a:ln>
-            <a:solidFill>
-              <a:schemeClr val="accent5">
-                <a:lumMod val="40000"/>
-                <a:lumOff val="60000"/>
-              </a:schemeClr>
-            </a:solidFill>
-          </a:ln>
-        </p:spPr>
-        <p:style>
-          <a:lnRef idx="2">
-            <a:schemeClr val="accent1">
-              <a:shade val="50000"/>
-            </a:schemeClr>
-          </a:lnRef>
-          <a:fillRef idx="1">
-            <a:schemeClr val="accent1"/>
-          </a:fillRef>
-          <a:effectRef idx="0">
-            <a:schemeClr val="accent1"/>
-          </a:effectRef>
-          <a:fontRef idx="minor">
-            <a:schemeClr val="lt1"/>
-          </a:fontRef>
-        </p:style>
-        <p:txBody>
-          <a:bodyPr rtlCol="0" anchor="ctr"/>
-          <a:lstStyle/>
-          <a:p>
-            <a:pPr algn="ctr"/>
-            <a:endParaRPr kumimoji="1" lang="ko-KR" altLang="en-US"/>
-          </a:p>
-        </p:txBody>
-      </p:sp>
-      <p:sp>
-        <p:nvSpPr>
-          <p:cNvPr id="9" name="직각 삼각형[R] 8">
-            <a:extLst>
-              <a:ext uri="{FF2B5EF4-FFF2-40B4-BE49-F238E27FC236}">
-                <a16:creationId xmlns:a16="http://schemas.microsoft.com/office/drawing/2014/main" xmlns="" id="{E9289217-6E56-7D4B-B6FB-329F373CAF3E}"/>
-              </a:ext>
-            </a:extLst>
-          </p:cNvPr>
-          <p:cNvSpPr/>
-          <p:nvPr/>
-        </p:nvSpPr>
-        <p:spPr>
-          <a:xfrm flipH="1">
-            <a:off x="4351984" y="276690"/>
-            <a:ext cx="475099" cy="490328"/>
-          </a:xfrm>
-          <a:prstGeom prst="rtTriangle">
-            <a:avLst/>
-          </a:prstGeom>
-          <a:solidFill>
-            <a:schemeClr val="accent5">
-              <a:lumMod val="75000"/>
-            </a:schemeClr>
-          </a:solidFill>
-          <a:ln>
-            <a:noFill/>
-          </a:ln>
-        </p:spPr>
-        <p:style>
-          <a:lnRef idx="2">
-            <a:schemeClr val="accent1">
-              <a:shade val="50000"/>
-            </a:schemeClr>
-          </a:lnRef>
-          <a:fillRef idx="1">
-            <a:schemeClr val="accent1"/>
-          </a:fillRef>
-          <a:effectRef idx="0">
-            <a:schemeClr val="accent1"/>
-          </a:effectRef>
-          <a:fontRef idx="minor">
-            <a:schemeClr val="lt1"/>
-          </a:fontRef>
-        </p:style>
-        <p:txBody>
-          <a:bodyPr rtlCol="0" anchor="ctr"/>
-          <a:lstStyle/>
-          <a:p>
-            <a:pPr algn="ctr"/>
-            <a:endParaRPr kumimoji="1" lang="ko-KR" altLang="en-US"/>
-          </a:p>
-        </p:txBody>
-      </p:sp>
       <p:grpSp>
         <p:nvGrpSpPr>
           <p:cNvPr id="10" name="그룹 9"/>
@@ -10830,7 +11532,7 @@
             <p:cNvPr id="31" name="직사각형 30">
               <a:extLst>
                 <a:ext uri="{FF2B5EF4-FFF2-40B4-BE49-F238E27FC236}">
-                  <a16:creationId xmlns:a16="http://schemas.microsoft.com/office/drawing/2014/main" xmlns="" id="{A89F077E-F7A4-3D49-BAB5-4E9D17005D90}"/>
+                  <a16:creationId xmlns="" xmlns:a16="http://schemas.microsoft.com/office/drawing/2014/main" id="{A89F077E-F7A4-3D49-BAB5-4E9D17005D90}"/>
                 </a:ext>
               </a:extLst>
             </p:cNvPr>
@@ -10884,7 +11586,7 @@
             <p:cNvPr id="32" name="TextBox 31">
               <a:extLst>
                 <a:ext uri="{FF2B5EF4-FFF2-40B4-BE49-F238E27FC236}">
-                  <a16:creationId xmlns:a16="http://schemas.microsoft.com/office/drawing/2014/main" xmlns="" id="{942FB8DE-965C-0845-A309-74C9F51EAF9F}"/>
+                  <a16:creationId xmlns="" xmlns:a16="http://schemas.microsoft.com/office/drawing/2014/main" id="{942FB8DE-965C-0845-A309-74C9F51EAF9F}"/>
                 </a:ext>
               </a:extLst>
             </p:cNvPr>
@@ -10928,7 +11630,7 @@
           <p:cNvPr id="33" name="TextBox 32">
             <a:extLst>
               <a:ext uri="{FF2B5EF4-FFF2-40B4-BE49-F238E27FC236}">
-                <a16:creationId xmlns:a16="http://schemas.microsoft.com/office/drawing/2014/main" xmlns="" id="{7F85061E-E6C3-C84C-BB7D-87EC6FAD4193}"/>
+                <a16:creationId xmlns="" xmlns:a16="http://schemas.microsoft.com/office/drawing/2014/main" id="{7F85061E-E6C3-C84C-BB7D-87EC6FAD4193}"/>
               </a:ext>
             </a:extLst>
           </p:cNvPr>
@@ -11167,7 +11869,7 @@
           <p:cNvPr id="20" name="TextBox 19">
             <a:extLst>
               <a:ext uri="{FF2B5EF4-FFF2-40B4-BE49-F238E27FC236}">
-                <a16:creationId xmlns:a16="http://schemas.microsoft.com/office/drawing/2014/main" xmlns="" id="{849EE5DD-2363-0B42-B4FD-2464134E7BE2}"/>
+                <a16:creationId xmlns="" xmlns:a16="http://schemas.microsoft.com/office/drawing/2014/main" id="{849EE5DD-2363-0B42-B4FD-2464134E7BE2}"/>
               </a:ext>
             </a:extLst>
           </p:cNvPr>
@@ -11243,7 +11945,7 @@
             <a:effectLst/>
             <a:extLst>
               <a:ext uri="{91240B29-F687-4F45-9708-019B960494DF}">
-                <a14:hiddenLine xmlns:a14="http://schemas.microsoft.com/office/drawing/2010/main" xmlns="" w="9525">
+                <a14:hiddenLine xmlns="" xmlns:a14="http://schemas.microsoft.com/office/drawing/2010/main" w="9525">
                   <a:solidFill>
                     <a:schemeClr val="tx1"/>
                   </a:solidFill>
@@ -11253,7 +11955,7 @@
                 </a14:hiddenLine>
               </a:ext>
               <a:ext uri="{AF507438-7753-43E0-B8FC-AC1667EBCBE1}">
-                <a14:hiddenEffects xmlns:a14="http://schemas.microsoft.com/office/drawing/2010/main" xmlns="">
+                <a14:hiddenEffects xmlns="" xmlns:a14="http://schemas.microsoft.com/office/drawing/2010/main">
                   <a:effectLst>
                     <a:outerShdw dist="35921" dir="2700000" algn="ctr" rotWithShape="0">
                       <a:schemeClr val="bg2"/>
@@ -11562,7 +12264,7 @@
             <p:cNvPr id="21" name="TextBox 20">
               <a:extLst>
                 <a:ext uri="{FF2B5EF4-FFF2-40B4-BE49-F238E27FC236}">
-                  <a16:creationId xmlns:a16="http://schemas.microsoft.com/office/drawing/2014/main" xmlns="" id="{7F85061E-E6C3-C84C-BB7D-87EC6FAD4193}"/>
+                  <a16:creationId xmlns="" xmlns:a16="http://schemas.microsoft.com/office/drawing/2014/main" id="{7F85061E-E6C3-C84C-BB7D-87EC6FAD4193}"/>
                 </a:ext>
               </a:extLst>
             </p:cNvPr>
@@ -11765,7 +12467,7 @@
             <a:blip r:embed="rId2">
               <a:extLst>
                 <a:ext uri="{28A0092B-C50C-407E-A947-70E740481C1C}">
-                  <a14:useLocalDpi xmlns:a14="http://schemas.microsoft.com/office/drawing/2010/main" xmlns="" val="0"/>
+                  <a14:useLocalDpi xmlns="" xmlns:a14="http://schemas.microsoft.com/office/drawing/2010/main" val="0"/>
                 </a:ext>
               </a:extLst>
             </a:blip>
@@ -11789,14 +12491,14 @@
             <a:effectLst/>
             <a:extLst>
               <a:ext uri="{909E8E84-426E-40DD-AFC4-6F175D3DCCD1}">
-                <a14:hiddenFill xmlns:a14="http://schemas.microsoft.com/office/drawing/2010/main" xmlns="">
+                <a14:hiddenFill xmlns="" xmlns:a14="http://schemas.microsoft.com/office/drawing/2010/main">
                   <a:solidFill>
                     <a:schemeClr val="accent1"/>
                   </a:solidFill>
                 </a14:hiddenFill>
               </a:ext>
               <a:ext uri="{91240B29-F687-4F45-9708-019B960494DF}">
-                <a14:hiddenLine xmlns:a14="http://schemas.microsoft.com/office/drawing/2010/main" xmlns="" w="9525">
+                <a14:hiddenLine xmlns="" xmlns:a14="http://schemas.microsoft.com/office/drawing/2010/main" w="9525">
                   <a:solidFill>
                     <a:schemeClr val="tx1"/>
                   </a:solidFill>
@@ -11806,7 +12508,7 @@
                 </a14:hiddenLine>
               </a:ext>
               <a:ext uri="{AF507438-7753-43E0-B8FC-AC1667EBCBE1}">
-                <a14:hiddenEffects xmlns:a14="http://schemas.microsoft.com/office/drawing/2010/main" xmlns="">
+                <a14:hiddenEffects xmlns="" xmlns:a14="http://schemas.microsoft.com/office/drawing/2010/main">
                   <a:effectLst>
                     <a:outerShdw dist="35921" dir="2700000" algn="ctr" rotWithShape="0">
                       <a:schemeClr val="bg2"/>
@@ -11822,7 +12524,7 @@
             <p:cNvPr id="26" name="TextBox 25">
               <a:extLst>
                 <a:ext uri="{FF2B5EF4-FFF2-40B4-BE49-F238E27FC236}">
-                  <a16:creationId xmlns:a16="http://schemas.microsoft.com/office/drawing/2014/main" xmlns="" id="{942FB8DE-965C-0845-A309-74C9F51EAF9F}"/>
+                  <a16:creationId xmlns="" xmlns:a16="http://schemas.microsoft.com/office/drawing/2014/main" id="{942FB8DE-965C-0845-A309-74C9F51EAF9F}"/>
                 </a:ext>
               </a:extLst>
             </p:cNvPr>
@@ -11869,7 +12571,7 @@
     </p:spTree>
     <p:extLst>
       <p:ext uri="{BB962C8B-B14F-4D97-AF65-F5344CB8AC3E}">
-        <p14:creationId xmlns:p14="http://schemas.microsoft.com/office/powerpoint/2010/main" xmlns="" val="1147906695"/>
+        <p14:creationId xmlns="" xmlns:p14="http://schemas.microsoft.com/office/powerpoint/2010/main" val="1147906695"/>
       </p:ext>
     </p:extLst>
   </p:cSld>
@@ -11908,7 +12610,7 @@
           <p:cNvPr id="34" name="직사각형 33">
             <a:extLst>
               <a:ext uri="{FF2B5EF4-FFF2-40B4-BE49-F238E27FC236}">
-                <a16:creationId xmlns:a16="http://schemas.microsoft.com/office/drawing/2014/main" xmlns="" id="{37CB002D-8420-B548-9BEA-2E18D8A9A204}"/>
+                <a16:creationId xmlns="" xmlns:a16="http://schemas.microsoft.com/office/drawing/2014/main" id="{37CB002D-8420-B548-9BEA-2E18D8A9A204}"/>
               </a:ext>
             </a:extLst>
           </p:cNvPr>
@@ -11962,7 +12664,7 @@
           <p:cNvPr id="8" name="직사각형 7">
             <a:extLst>
               <a:ext uri="{FF2B5EF4-FFF2-40B4-BE49-F238E27FC236}">
-                <a16:creationId xmlns:a16="http://schemas.microsoft.com/office/drawing/2014/main" xmlns="" id="{6B8B80B4-792D-174E-8B2C-A10CA85CDD01}"/>
+                <a16:creationId xmlns="" xmlns:a16="http://schemas.microsoft.com/office/drawing/2014/main" id="{6B8B80B4-792D-174E-8B2C-A10CA85CDD01}"/>
               </a:ext>
             </a:extLst>
           </p:cNvPr>
@@ -12022,7 +12724,7 @@
           <p:cNvPr id="9" name="직각 삼각형[R] 8">
             <a:extLst>
               <a:ext uri="{FF2B5EF4-FFF2-40B4-BE49-F238E27FC236}">
-                <a16:creationId xmlns:a16="http://schemas.microsoft.com/office/drawing/2014/main" xmlns="" id="{E9289217-6E56-7D4B-B6FB-329F373CAF3E}"/>
+                <a16:creationId xmlns="" xmlns:a16="http://schemas.microsoft.com/office/drawing/2014/main" id="{E9289217-6E56-7D4B-B6FB-329F373CAF3E}"/>
               </a:ext>
             </a:extLst>
           </p:cNvPr>
@@ -12076,7 +12778,7 @@
           <p:cNvPr id="20" name="TextBox 19">
             <a:extLst>
               <a:ext uri="{FF2B5EF4-FFF2-40B4-BE49-F238E27FC236}">
-                <a16:creationId xmlns:a16="http://schemas.microsoft.com/office/drawing/2014/main" xmlns="" id="{849EE5DD-2363-0B42-B4FD-2464134E7BE2}"/>
+                <a16:creationId xmlns="" xmlns:a16="http://schemas.microsoft.com/office/drawing/2014/main" id="{849EE5DD-2363-0B42-B4FD-2464134E7BE2}"/>
               </a:ext>
             </a:extLst>
           </p:cNvPr>
@@ -13451,7 +14153,7 @@
           <p:cNvPr id="17" name="TextBox 16">
             <a:extLst>
               <a:ext uri="{FF2B5EF4-FFF2-40B4-BE49-F238E27FC236}">
-                <a16:creationId xmlns:a16="http://schemas.microsoft.com/office/drawing/2014/main" xmlns="" id="{7F85061E-E6C3-C84C-BB7D-87EC6FAD4193}"/>
+                <a16:creationId xmlns="" xmlns:a16="http://schemas.microsoft.com/office/drawing/2014/main" id="{7F85061E-E6C3-C84C-BB7D-87EC6FAD4193}"/>
               </a:ext>
             </a:extLst>
           </p:cNvPr>
@@ -13738,7 +14440,7 @@
           <p:cNvPr id="18" name="TextBox 17">
             <a:extLst>
               <a:ext uri="{FF2B5EF4-FFF2-40B4-BE49-F238E27FC236}">
-                <a16:creationId xmlns:a16="http://schemas.microsoft.com/office/drawing/2014/main" xmlns="" id="{7F85061E-E6C3-C84C-BB7D-87EC6FAD4193}"/>
+                <a16:creationId xmlns="" xmlns:a16="http://schemas.microsoft.com/office/drawing/2014/main" id="{7F85061E-E6C3-C84C-BB7D-87EC6FAD4193}"/>
               </a:ext>
             </a:extLst>
           </p:cNvPr>
@@ -13900,7 +14602,7 @@
             <p:cNvPr id="22" name="직사각형 21">
               <a:extLst>
                 <a:ext uri="{FF2B5EF4-FFF2-40B4-BE49-F238E27FC236}">
-                  <a16:creationId xmlns:a16="http://schemas.microsoft.com/office/drawing/2014/main" xmlns="" id="{A89F077E-F7A4-3D49-BAB5-4E9D17005D90}"/>
+                  <a16:creationId xmlns="" xmlns:a16="http://schemas.microsoft.com/office/drawing/2014/main" id="{A89F077E-F7A4-3D49-BAB5-4E9D17005D90}"/>
                 </a:ext>
               </a:extLst>
             </p:cNvPr>
@@ -13954,7 +14656,7 @@
             <p:cNvPr id="23" name="TextBox 22">
               <a:extLst>
                 <a:ext uri="{FF2B5EF4-FFF2-40B4-BE49-F238E27FC236}">
-                  <a16:creationId xmlns:a16="http://schemas.microsoft.com/office/drawing/2014/main" xmlns="" id="{942FB8DE-965C-0845-A309-74C9F51EAF9F}"/>
+                  <a16:creationId xmlns="" xmlns:a16="http://schemas.microsoft.com/office/drawing/2014/main" id="{942FB8DE-965C-0845-A309-74C9F51EAF9F}"/>
                 </a:ext>
               </a:extLst>
             </p:cNvPr>
@@ -14003,7 +14705,7 @@
     </p:spTree>
     <p:extLst>
       <p:ext uri="{BB962C8B-B14F-4D97-AF65-F5344CB8AC3E}">
-        <p14:creationId xmlns:p14="http://schemas.microsoft.com/office/powerpoint/2010/main" xmlns="" val="2153362290"/>
+        <p14:creationId xmlns="" xmlns:p14="http://schemas.microsoft.com/office/powerpoint/2010/main" val="2153362290"/>
       </p:ext>
     </p:extLst>
   </p:cSld>
@@ -14042,7 +14744,7 @@
           <p:cNvPr id="34" name="직사각형 33">
             <a:extLst>
               <a:ext uri="{FF2B5EF4-FFF2-40B4-BE49-F238E27FC236}">
-                <a16:creationId xmlns:a16="http://schemas.microsoft.com/office/drawing/2014/main" xmlns="" id="{37CB002D-8420-B548-9BEA-2E18D8A9A204}"/>
+                <a16:creationId xmlns="" xmlns:a16="http://schemas.microsoft.com/office/drawing/2014/main" id="{37CB002D-8420-B548-9BEA-2E18D8A9A204}"/>
               </a:ext>
             </a:extLst>
           </p:cNvPr>
@@ -14096,7 +14798,7 @@
           <p:cNvPr id="8" name="직사각형 7">
             <a:extLst>
               <a:ext uri="{FF2B5EF4-FFF2-40B4-BE49-F238E27FC236}">
-                <a16:creationId xmlns:a16="http://schemas.microsoft.com/office/drawing/2014/main" xmlns="" id="{6B8B80B4-792D-174E-8B2C-A10CA85CDD01}"/>
+                <a16:creationId xmlns="" xmlns:a16="http://schemas.microsoft.com/office/drawing/2014/main" id="{6B8B80B4-792D-174E-8B2C-A10CA85CDD01}"/>
               </a:ext>
             </a:extLst>
           </p:cNvPr>
@@ -14156,7 +14858,7 @@
           <p:cNvPr id="9" name="직각 삼각형[R] 8">
             <a:extLst>
               <a:ext uri="{FF2B5EF4-FFF2-40B4-BE49-F238E27FC236}">
-                <a16:creationId xmlns:a16="http://schemas.microsoft.com/office/drawing/2014/main" xmlns="" id="{E9289217-6E56-7D4B-B6FB-329F373CAF3E}"/>
+                <a16:creationId xmlns="" xmlns:a16="http://schemas.microsoft.com/office/drawing/2014/main" id="{E9289217-6E56-7D4B-B6FB-329F373CAF3E}"/>
               </a:ext>
             </a:extLst>
           </p:cNvPr>
@@ -14210,7 +14912,7 @@
           <p:cNvPr id="20" name="TextBox 19">
             <a:extLst>
               <a:ext uri="{FF2B5EF4-FFF2-40B4-BE49-F238E27FC236}">
-                <a16:creationId xmlns:a16="http://schemas.microsoft.com/office/drawing/2014/main" xmlns="" id="{849EE5DD-2363-0B42-B4FD-2464134E7BE2}"/>
+                <a16:creationId xmlns="" xmlns:a16="http://schemas.microsoft.com/office/drawing/2014/main" id="{849EE5DD-2363-0B42-B4FD-2464134E7BE2}"/>
               </a:ext>
             </a:extLst>
           </p:cNvPr>
@@ -14266,7 +14968,7 @@
             <p:cNvPr id="15" name="직사각형 14">
               <a:extLst>
                 <a:ext uri="{FF2B5EF4-FFF2-40B4-BE49-F238E27FC236}">
-                  <a16:creationId xmlns:a16="http://schemas.microsoft.com/office/drawing/2014/main" xmlns="" id="{A89F077E-F7A4-3D49-BAB5-4E9D17005D90}"/>
+                  <a16:creationId xmlns="" xmlns:a16="http://schemas.microsoft.com/office/drawing/2014/main" id="{A89F077E-F7A4-3D49-BAB5-4E9D17005D90}"/>
                 </a:ext>
               </a:extLst>
             </p:cNvPr>
@@ -14320,7 +15022,7 @@
             <p:cNvPr id="16" name="TextBox 15">
               <a:extLst>
                 <a:ext uri="{FF2B5EF4-FFF2-40B4-BE49-F238E27FC236}">
-                  <a16:creationId xmlns:a16="http://schemas.microsoft.com/office/drawing/2014/main" xmlns="" id="{942FB8DE-965C-0845-A309-74C9F51EAF9F}"/>
+                  <a16:creationId xmlns="" xmlns:a16="http://schemas.microsoft.com/office/drawing/2014/main" id="{942FB8DE-965C-0845-A309-74C9F51EAF9F}"/>
                 </a:ext>
               </a:extLst>
             </p:cNvPr>
@@ -15957,7 +16659,7 @@
           <p:cNvPr id="19" name="TextBox 18">
             <a:extLst>
               <a:ext uri="{FF2B5EF4-FFF2-40B4-BE49-F238E27FC236}">
-                <a16:creationId xmlns:a16="http://schemas.microsoft.com/office/drawing/2014/main" xmlns="" id="{942FB8DE-965C-0845-A309-74C9F51EAF9F}"/>
+                <a16:creationId xmlns="" xmlns:a16="http://schemas.microsoft.com/office/drawing/2014/main" id="{942FB8DE-965C-0845-A309-74C9F51EAF9F}"/>
               </a:ext>
             </a:extLst>
           </p:cNvPr>
@@ -16355,7 +17057,7 @@
     </p:spTree>
     <p:extLst>
       <p:ext uri="{BB962C8B-B14F-4D97-AF65-F5344CB8AC3E}">
-        <p14:creationId xmlns:p14="http://schemas.microsoft.com/office/powerpoint/2010/main" xmlns="" val="2395479290"/>
+        <p14:creationId xmlns="" xmlns:p14="http://schemas.microsoft.com/office/powerpoint/2010/main" val="2395479290"/>
       </p:ext>
     </p:extLst>
   </p:cSld>
@@ -16394,7 +17096,7 @@
           <p:cNvPr id="34" name="직사각형 33">
             <a:extLst>
               <a:ext uri="{FF2B5EF4-FFF2-40B4-BE49-F238E27FC236}">
-                <a16:creationId xmlns:a16="http://schemas.microsoft.com/office/drawing/2014/main" xmlns="" id="{37CB002D-8420-B548-9BEA-2E18D8A9A204}"/>
+                <a16:creationId xmlns="" xmlns:a16="http://schemas.microsoft.com/office/drawing/2014/main" id="{37CB002D-8420-B548-9BEA-2E18D8A9A204}"/>
               </a:ext>
             </a:extLst>
           </p:cNvPr>
@@ -16448,7 +17150,7 @@
           <p:cNvPr id="8" name="직사각형 7">
             <a:extLst>
               <a:ext uri="{FF2B5EF4-FFF2-40B4-BE49-F238E27FC236}">
-                <a16:creationId xmlns:a16="http://schemas.microsoft.com/office/drawing/2014/main" xmlns="" id="{6B8B80B4-792D-174E-8B2C-A10CA85CDD01}"/>
+                <a16:creationId xmlns="" xmlns:a16="http://schemas.microsoft.com/office/drawing/2014/main" id="{6B8B80B4-792D-174E-8B2C-A10CA85CDD01}"/>
               </a:ext>
             </a:extLst>
           </p:cNvPr>
@@ -16508,7 +17210,7 @@
           <p:cNvPr id="9" name="직각 삼각형[R] 8">
             <a:extLst>
               <a:ext uri="{FF2B5EF4-FFF2-40B4-BE49-F238E27FC236}">
-                <a16:creationId xmlns:a16="http://schemas.microsoft.com/office/drawing/2014/main" xmlns="" id="{E9289217-6E56-7D4B-B6FB-329F373CAF3E}"/>
+                <a16:creationId xmlns="" xmlns:a16="http://schemas.microsoft.com/office/drawing/2014/main" id="{E9289217-6E56-7D4B-B6FB-329F373CAF3E}"/>
               </a:ext>
             </a:extLst>
           </p:cNvPr>
@@ -16562,7 +17264,7 @@
           <p:cNvPr id="20" name="TextBox 19">
             <a:extLst>
               <a:ext uri="{FF2B5EF4-FFF2-40B4-BE49-F238E27FC236}">
-                <a16:creationId xmlns:a16="http://schemas.microsoft.com/office/drawing/2014/main" xmlns="" id="{849EE5DD-2363-0B42-B4FD-2464134E7BE2}"/>
+                <a16:creationId xmlns="" xmlns:a16="http://schemas.microsoft.com/office/drawing/2014/main" id="{849EE5DD-2363-0B42-B4FD-2464134E7BE2}"/>
               </a:ext>
             </a:extLst>
           </p:cNvPr>
@@ -16618,7 +17320,7 @@
             <p:cNvPr id="22" name="직사각형 21">
               <a:extLst>
                 <a:ext uri="{FF2B5EF4-FFF2-40B4-BE49-F238E27FC236}">
-                  <a16:creationId xmlns:a16="http://schemas.microsoft.com/office/drawing/2014/main" xmlns="" id="{A89F077E-F7A4-3D49-BAB5-4E9D17005D90}"/>
+                  <a16:creationId xmlns="" xmlns:a16="http://schemas.microsoft.com/office/drawing/2014/main" id="{A89F077E-F7A4-3D49-BAB5-4E9D17005D90}"/>
                 </a:ext>
               </a:extLst>
             </p:cNvPr>
@@ -16672,7 +17374,7 @@
             <p:cNvPr id="23" name="TextBox 22">
               <a:extLst>
                 <a:ext uri="{FF2B5EF4-FFF2-40B4-BE49-F238E27FC236}">
-                  <a16:creationId xmlns:a16="http://schemas.microsoft.com/office/drawing/2014/main" xmlns="" id="{942FB8DE-965C-0845-A309-74C9F51EAF9F}"/>
+                  <a16:creationId xmlns="" xmlns:a16="http://schemas.microsoft.com/office/drawing/2014/main" id="{942FB8DE-965C-0845-A309-74C9F51EAF9F}"/>
                 </a:ext>
               </a:extLst>
             </p:cNvPr>
@@ -16757,7 +17459,7 @@
             <a:effectLst/>
             <a:extLst>
               <a:ext uri="{91240B29-F687-4F45-9708-019B960494DF}">
-                <a14:hiddenLine xmlns:a14="http://schemas.microsoft.com/office/drawing/2010/main" xmlns="" w="9525">
+                <a14:hiddenLine xmlns="" xmlns:a14="http://schemas.microsoft.com/office/drawing/2010/main" w="9525">
                   <a:solidFill>
                     <a:schemeClr val="tx1"/>
                   </a:solidFill>
@@ -16767,7 +17469,7 @@
                 </a14:hiddenLine>
               </a:ext>
               <a:ext uri="{AF507438-7753-43E0-B8FC-AC1667EBCBE1}">
-                <a14:hiddenEffects xmlns:a14="http://schemas.microsoft.com/office/drawing/2010/main" xmlns="">
+                <a14:hiddenEffects xmlns="" xmlns:a14="http://schemas.microsoft.com/office/drawing/2010/main">
                   <a:effectLst>
                     <a:outerShdw dist="35921" dir="2700000" algn="ctr" rotWithShape="0">
                       <a:schemeClr val="bg2"/>
@@ -17817,7 +18519,7 @@
           <p:cNvPr id="19" name="TextBox 18">
             <a:extLst>
               <a:ext uri="{FF2B5EF4-FFF2-40B4-BE49-F238E27FC236}">
-                <a16:creationId xmlns:a16="http://schemas.microsoft.com/office/drawing/2014/main" xmlns="" id="{7F85061E-E6C3-C84C-BB7D-87EC6FAD4193}"/>
+                <a16:creationId xmlns="" xmlns:a16="http://schemas.microsoft.com/office/drawing/2014/main" id="{7F85061E-E6C3-C84C-BB7D-87EC6FAD4193}"/>
               </a:ext>
             </a:extLst>
           </p:cNvPr>
@@ -17898,7 +18600,7 @@
           <p:cNvPr id="24" name="TextBox 23">
             <a:extLst>
               <a:ext uri="{FF2B5EF4-FFF2-40B4-BE49-F238E27FC236}">
-                <a16:creationId xmlns:a16="http://schemas.microsoft.com/office/drawing/2014/main" xmlns="" id="{7F85061E-E6C3-C84C-BB7D-87EC6FAD4193}"/>
+                <a16:creationId xmlns="" xmlns:a16="http://schemas.microsoft.com/office/drawing/2014/main" id="{7F85061E-E6C3-C84C-BB7D-87EC6FAD4193}"/>
               </a:ext>
             </a:extLst>
           </p:cNvPr>
@@ -18289,7 +18991,7 @@
           <p:cNvPr id="29" name="TextBox 28">
             <a:extLst>
               <a:ext uri="{FF2B5EF4-FFF2-40B4-BE49-F238E27FC236}">
-                <a16:creationId xmlns:a16="http://schemas.microsoft.com/office/drawing/2014/main" xmlns="" id="{7F85061E-E6C3-C84C-BB7D-87EC6FAD4193}"/>
+                <a16:creationId xmlns="" xmlns:a16="http://schemas.microsoft.com/office/drawing/2014/main" id="{7F85061E-E6C3-C84C-BB7D-87EC6FAD4193}"/>
               </a:ext>
             </a:extLst>
           </p:cNvPr>
@@ -18435,7 +19137,7 @@
           <p:cNvPr id="31" name="TextBox 30">
             <a:extLst>
               <a:ext uri="{FF2B5EF4-FFF2-40B4-BE49-F238E27FC236}">
-                <a16:creationId xmlns:a16="http://schemas.microsoft.com/office/drawing/2014/main" xmlns="" id="{7F85061E-E6C3-C84C-BB7D-87EC6FAD4193}"/>
+                <a16:creationId xmlns="" xmlns:a16="http://schemas.microsoft.com/office/drawing/2014/main" id="{7F85061E-E6C3-C84C-BB7D-87EC6FAD4193}"/>
               </a:ext>
             </a:extLst>
           </p:cNvPr>
@@ -18613,7 +19315,7 @@
     </p:spTree>
     <p:extLst>
       <p:ext uri="{BB962C8B-B14F-4D97-AF65-F5344CB8AC3E}">
-        <p14:creationId xmlns:p14="http://schemas.microsoft.com/office/powerpoint/2010/main" xmlns="" val="593883342"/>
+        <p14:creationId xmlns="" xmlns:p14="http://schemas.microsoft.com/office/powerpoint/2010/main" val="593883342"/>
       </p:ext>
     </p:extLst>
   </p:cSld>
@@ -18652,7 +19354,7 @@
           <p:cNvPr id="13" name="직사각형 12">
             <a:extLst>
               <a:ext uri="{FF2B5EF4-FFF2-40B4-BE49-F238E27FC236}">
-                <a16:creationId xmlns="" xmlns:a16="http://schemas.microsoft.com/office/drawing/2014/main" id="{F323C5E6-A911-2440-93DA-DEE87A35D1B3}"/>
+                <a16:creationId xmlns:a16="http://schemas.microsoft.com/office/drawing/2014/main" xmlns="" id="{F323C5E6-A911-2440-93DA-DEE87A35D1B3}"/>
               </a:ext>
             </a:extLst>
           </p:cNvPr>
@@ -18706,7 +19408,7 @@
           <p:cNvPr id="14" name="직사각형 13">
             <a:extLst>
               <a:ext uri="{FF2B5EF4-FFF2-40B4-BE49-F238E27FC236}">
-                <a16:creationId xmlns="" xmlns:a16="http://schemas.microsoft.com/office/drawing/2014/main" id="{6B8B80B4-792D-174E-8B2C-A10CA85CDD01}"/>
+                <a16:creationId xmlns:a16="http://schemas.microsoft.com/office/drawing/2014/main" xmlns="" id="{6B8B80B4-792D-174E-8B2C-A10CA85CDD01}"/>
               </a:ext>
             </a:extLst>
           </p:cNvPr>
@@ -18766,7 +19468,7 @@
           <p:cNvPr id="15" name="직각 삼각형[R] 8">
             <a:extLst>
               <a:ext uri="{FF2B5EF4-FFF2-40B4-BE49-F238E27FC236}">
-                <a16:creationId xmlns="" xmlns:a16="http://schemas.microsoft.com/office/drawing/2014/main" id="{E9289217-6E56-7D4B-B6FB-329F373CAF3E}"/>
+                <a16:creationId xmlns:a16="http://schemas.microsoft.com/office/drawing/2014/main" xmlns="" id="{E9289217-6E56-7D4B-B6FB-329F373CAF3E}"/>
               </a:ext>
             </a:extLst>
           </p:cNvPr>
@@ -18820,7 +19522,7 @@
           <p:cNvPr id="16" name="TextBox 15">
             <a:extLst>
               <a:ext uri="{FF2B5EF4-FFF2-40B4-BE49-F238E27FC236}">
-                <a16:creationId xmlns="" xmlns:a16="http://schemas.microsoft.com/office/drawing/2014/main" id="{849EE5DD-2363-0B42-B4FD-2464134E7BE2}"/>
+                <a16:creationId xmlns:a16="http://schemas.microsoft.com/office/drawing/2014/main" xmlns="" id="{849EE5DD-2363-0B42-B4FD-2464134E7BE2}"/>
               </a:ext>
             </a:extLst>
           </p:cNvPr>
@@ -18893,7 +19595,7 @@
           <p:cNvPr id="11" name="TextBox 10">
             <a:extLst>
               <a:ext uri="{FF2B5EF4-FFF2-40B4-BE49-F238E27FC236}">
-                <a16:creationId xmlns:a16="http://schemas.microsoft.com/office/drawing/2014/main" xmlns="" id="{7F85061E-E6C3-C84C-BB7D-87EC6FAD4193}"/>
+                <a16:creationId xmlns="" xmlns:a16="http://schemas.microsoft.com/office/drawing/2014/main" id="{7F85061E-E6C3-C84C-BB7D-87EC6FAD4193}"/>
               </a:ext>
             </a:extLst>
           </p:cNvPr>
@@ -19031,7 +19733,7 @@
           <p:cNvPr id="19" name="TextBox 18">
             <a:extLst>
               <a:ext uri="{FF2B5EF4-FFF2-40B4-BE49-F238E27FC236}">
-                <a16:creationId xmlns:a16="http://schemas.microsoft.com/office/drawing/2014/main" xmlns="" id="{7F85061E-E6C3-C84C-BB7D-87EC6FAD4193}"/>
+                <a16:creationId xmlns="" xmlns:a16="http://schemas.microsoft.com/office/drawing/2014/main" id="{7F85061E-E6C3-C84C-BB7D-87EC6FAD4193}"/>
               </a:ext>
             </a:extLst>
           </p:cNvPr>
@@ -19078,7 +19780,7 @@
           <p:cNvPr id="21" name="TextBox 20">
             <a:extLst>
               <a:ext uri="{FF2B5EF4-FFF2-40B4-BE49-F238E27FC236}">
-                <a16:creationId xmlns:a16="http://schemas.microsoft.com/office/drawing/2014/main" xmlns="" id="{7F85061E-E6C3-C84C-BB7D-87EC6FAD4193}"/>
+                <a16:creationId xmlns="" xmlns:a16="http://schemas.microsoft.com/office/drawing/2014/main" id="{7F85061E-E6C3-C84C-BB7D-87EC6FAD4193}"/>
               </a:ext>
             </a:extLst>
           </p:cNvPr>
@@ -19132,14 +19834,7 @@
                 <a:latin typeface="배달의민족 주아" pitchFamily="18" charset="-127"/>
                 <a:ea typeface="배달의민족 주아" pitchFamily="18" charset="-127"/>
               </a:rPr>
-              <a:t>를 스프링 설정에 등록 </a:t>
-            </a:r>
-            <a:r>
-              <a:rPr lang="ko-KR" altLang="en-US" sz="1600" smtClean="0">
-                <a:latin typeface="배달의민족 주아" pitchFamily="18" charset="-127"/>
-                <a:ea typeface="배달의민족 주아" pitchFamily="18" charset="-127"/>
-              </a:rPr>
-              <a:t>▶</a:t>
+              <a:t>를 스프링 설정에 등록 ▶</a:t>
             </a:r>
             <a:endParaRPr lang="en-US" altLang="ko-KR" sz="1600" smtClean="0">
               <a:latin typeface="배달의민족 주아" pitchFamily="18" charset="-127"/>
@@ -19153,7 +19848,7 @@
           <p:cNvPr id="22" name="TextBox 21">
             <a:extLst>
               <a:ext uri="{FF2B5EF4-FFF2-40B4-BE49-F238E27FC236}">
-                <a16:creationId xmlns:a16="http://schemas.microsoft.com/office/drawing/2014/main" xmlns="" id="{7F85061E-E6C3-C84C-BB7D-87EC6FAD4193}"/>
+                <a16:creationId xmlns="" xmlns:a16="http://schemas.microsoft.com/office/drawing/2014/main" id="{7F85061E-E6C3-C84C-BB7D-87EC6FAD4193}"/>
               </a:ext>
             </a:extLst>
           </p:cNvPr>
@@ -19186,35 +19881,14 @@
                 <a:latin typeface="배달의민족 주아" pitchFamily="18" charset="-127"/>
                 <a:ea typeface="배달의민족 주아" pitchFamily="18" charset="-127"/>
               </a:rPr>
-              <a:t>2. </a:t>
-            </a:r>
-            <a:r>
-              <a:rPr lang="en-US" altLang="ko-KR" sz="1600" smtClean="0">
-                <a:latin typeface="배달의민족 주아" pitchFamily="18" charset="-127"/>
-                <a:ea typeface="배달의민족 주아" pitchFamily="18" charset="-127"/>
-              </a:rPr>
-              <a:t>MessageSource</a:t>
+              <a:t>2. MessageSource</a:t>
             </a:r>
             <a:r>
               <a:rPr lang="ko-KR" altLang="en-US" sz="1600" smtClean="0">
                 <a:latin typeface="배달의민족 주아" pitchFamily="18" charset="-127"/>
                 <a:ea typeface="배달의민족 주아" pitchFamily="18" charset="-127"/>
               </a:rPr>
-              <a:t>에서 메시지를 가져올 때 사용할 프로퍼티 </a:t>
-            </a:r>
-            <a:r>
-              <a:rPr lang="ko-KR" altLang="en-US" sz="1600" smtClean="0">
-                <a:latin typeface="배달의민족 주아" pitchFamily="18" charset="-127"/>
-                <a:ea typeface="배달의민족 주아" pitchFamily="18" charset="-127"/>
-              </a:rPr>
-              <a:t>파일 </a:t>
-            </a:r>
-            <a:r>
-              <a:rPr lang="ko-KR" altLang="en-US" sz="1600" smtClean="0">
-                <a:latin typeface="배달의민족 주아" pitchFamily="18" charset="-127"/>
-                <a:ea typeface="배달의민족 주아" pitchFamily="18" charset="-127"/>
-              </a:rPr>
-              <a:t>작성 ▶</a:t>
+              <a:t>에서 메시지를 가져올 때 사용할 프로퍼티 파일 작성 ▶</a:t>
             </a:r>
             <a:endParaRPr lang="en-US" altLang="ko-KR" sz="1600" smtClean="0">
               <a:latin typeface="배달의민족 주아" pitchFamily="18" charset="-127"/>
@@ -19228,7 +19902,7 @@
           <p:cNvPr id="23" name="TextBox 22">
             <a:extLst>
               <a:ext uri="{FF2B5EF4-FFF2-40B4-BE49-F238E27FC236}">
-                <a16:creationId xmlns:a16="http://schemas.microsoft.com/office/drawing/2014/main" xmlns="" id="{7F85061E-E6C3-C84C-BB7D-87EC6FAD4193}"/>
+                <a16:creationId xmlns="" xmlns:a16="http://schemas.microsoft.com/office/drawing/2014/main" id="{7F85061E-E6C3-C84C-BB7D-87EC6FAD4193}"/>
               </a:ext>
             </a:extLst>
           </p:cNvPr>
@@ -19261,35 +19935,14 @@
                 <a:latin typeface="배달의민족 주아" pitchFamily="18" charset="-127"/>
                 <a:ea typeface="배달의민족 주아" pitchFamily="18" charset="-127"/>
               </a:rPr>
-              <a:t>3</a:t>
-            </a:r>
-            <a:r>
-              <a:rPr lang="en-US" altLang="ko-KR" sz="1600" smtClean="0">
-                <a:latin typeface="배달의민족 주아" pitchFamily="18" charset="-127"/>
-                <a:ea typeface="배달의민족 주아" pitchFamily="18" charset="-127"/>
-              </a:rPr>
-              <a:t>. </a:t>
+              <a:t>3. </a:t>
             </a:r>
             <a:r>
               <a:rPr lang="ko-KR" altLang="en-US" sz="1600" smtClean="0">
                 <a:latin typeface="배달의민족 주아" pitchFamily="18" charset="-127"/>
                 <a:ea typeface="배달의민족 주아" pitchFamily="18" charset="-127"/>
               </a:rPr>
-              <a:t>뷰 코드에서 스프링이 제공하는 태그를 이용해서 에러 </a:t>
-            </a:r>
-            <a:r>
-              <a:rPr lang="ko-KR" altLang="en-US" sz="1600" smtClean="0">
-                <a:latin typeface="배달의민족 주아" pitchFamily="18" charset="-127"/>
-                <a:ea typeface="배달의민족 주아" pitchFamily="18" charset="-127"/>
-              </a:rPr>
-              <a:t>메시지를 </a:t>
-            </a:r>
-            <a:r>
-              <a:rPr lang="ko-KR" altLang="en-US" sz="1600" smtClean="0">
-                <a:latin typeface="배달의민족 주아" pitchFamily="18" charset="-127"/>
-                <a:ea typeface="배달의민족 주아" pitchFamily="18" charset="-127"/>
-              </a:rPr>
-              <a:t>출력</a:t>
+              <a:t>뷰 코드에서 스프링이 제공하는 태그를 이용해서 에러 메시지를 출력</a:t>
             </a:r>
             <a:endParaRPr lang="en-US" altLang="ko-KR" sz="1600" smtClean="0">
               <a:latin typeface="배달의민족 주아" pitchFamily="18" charset="-127"/>
@@ -19301,7 +19954,7 @@
     </p:spTree>
     <p:extLst>
       <p:ext uri="{BB962C8B-B14F-4D97-AF65-F5344CB8AC3E}">
-        <p14:creationId xmlns:p14="http://schemas.microsoft.com/office/powerpoint/2010/main" xmlns="" val="493550589"/>
+        <p14:creationId xmlns="" xmlns:p14="http://schemas.microsoft.com/office/powerpoint/2010/main" val="493550589"/>
       </p:ext>
     </p:extLst>
   </p:cSld>
@@ -19340,7 +19993,7 @@
           <p:cNvPr id="13" name="직사각형 12">
             <a:extLst>
               <a:ext uri="{FF2B5EF4-FFF2-40B4-BE49-F238E27FC236}">
-                <a16:creationId xmlns="" xmlns:a16="http://schemas.microsoft.com/office/drawing/2014/main" id="{F323C5E6-A911-2440-93DA-DEE87A35D1B3}"/>
+                <a16:creationId xmlns:a16="http://schemas.microsoft.com/office/drawing/2014/main" xmlns="" id="{F323C5E6-A911-2440-93DA-DEE87A35D1B3}"/>
               </a:ext>
             </a:extLst>
           </p:cNvPr>
@@ -19394,7 +20047,7 @@
           <p:cNvPr id="10" name="TextBox 9">
             <a:extLst>
               <a:ext uri="{FF2B5EF4-FFF2-40B4-BE49-F238E27FC236}">
-                <a16:creationId xmlns="" xmlns:a16="http://schemas.microsoft.com/office/drawing/2014/main" id="{BC578308-8F78-DB4D-8BBF-E8CCC31D5FEE}"/>
+                <a16:creationId xmlns:a16="http://schemas.microsoft.com/office/drawing/2014/main" xmlns="" id="{BC578308-8F78-DB4D-8BBF-E8CCC31D5FEE}"/>
               </a:ext>
             </a:extLst>
           </p:cNvPr>
@@ -19465,7 +20118,7 @@
           <p:cNvPr id="7" name="TextBox 6">
             <a:extLst>
               <a:ext uri="{FF2B5EF4-FFF2-40B4-BE49-F238E27FC236}">
-                <a16:creationId xmlns="" xmlns:a16="http://schemas.microsoft.com/office/drawing/2014/main" id="{942FB8DE-965C-0845-A309-74C9F51EAF9F}"/>
+                <a16:creationId xmlns:a16="http://schemas.microsoft.com/office/drawing/2014/main" xmlns="" id="{942FB8DE-965C-0845-A309-74C9F51EAF9F}"/>
               </a:ext>
             </a:extLst>
           </p:cNvPr>
@@ -19529,7 +20182,7 @@
           <p:cNvPr id="12" name="TextBox 11">
             <a:extLst>
               <a:ext uri="{FF2B5EF4-FFF2-40B4-BE49-F238E27FC236}">
-                <a16:creationId xmlns="" xmlns:a16="http://schemas.microsoft.com/office/drawing/2014/main" id="{3B845D38-5442-6B48-ADA4-3CD7234B8DE3}"/>
+                <a16:creationId xmlns:a16="http://schemas.microsoft.com/office/drawing/2014/main" xmlns="" id="{3B845D38-5442-6B48-ADA4-3CD7234B8DE3}"/>
               </a:ext>
             </a:extLst>
           </p:cNvPr>
@@ -19581,14 +20234,21 @@
                 <a:latin typeface="배달의민족 주아" pitchFamily="18" charset="-127"/>
                 <a:ea typeface="배달의민족 주아" pitchFamily="18" charset="-127"/>
               </a:rPr>
-              <a:t>form</a:t>
+              <a:t>form&gt;</a:t>
+            </a:r>
+            <a:r>
+              <a:rPr lang="ko-KR" altLang="en-US" sz="1600" smtClean="0">
+                <a:latin typeface="배달의민족 주아" pitchFamily="18" charset="-127"/>
+                <a:ea typeface="배달의민족 주아" pitchFamily="18" charset="-127"/>
+              </a:rPr>
+              <a:t> </a:t>
             </a:r>
             <a:r>
               <a:rPr lang="en-US" altLang="ko-KR" sz="1600" smtClean="0">
                 <a:latin typeface="배달의민족 주아" pitchFamily="18" charset="-127"/>
                 <a:ea typeface="배달의민족 주아" pitchFamily="18" charset="-127"/>
               </a:rPr>
-              <a:t>&gt;</a:t>
+              <a:t>- </a:t>
             </a:r>
             <a:r>
               <a:rPr lang="ko-KR" altLang="en-US" sz="1600" smtClean="0">
@@ -19598,39 +20258,18 @@
               <a:t> </a:t>
             </a:r>
             <a:r>
-              <a:rPr lang="en-US" altLang="ko-KR" sz="1600" smtClean="0">
-                <a:latin typeface="배달의민족 주아" pitchFamily="18" charset="-127"/>
-                <a:ea typeface="배달의민족 주아" pitchFamily="18" charset="-127"/>
-              </a:rPr>
-              <a:t>- </a:t>
+              <a:rPr lang="ko-KR" altLang="en-US" sz="1600" dirty="0" smtClean="0">
+                <a:latin typeface="배달의민족 주아" pitchFamily="18" charset="-127"/>
+                <a:ea typeface="배달의민족 주아" pitchFamily="18" charset="-127"/>
+              </a:rPr>
+              <a:t>커맨드 객체 </a:t>
             </a:r>
             <a:r>
               <a:rPr lang="ko-KR" altLang="en-US" sz="1600" smtClean="0">
                 <a:latin typeface="배달의민족 주아" pitchFamily="18" charset="-127"/>
                 <a:ea typeface="배달의민족 주아" pitchFamily="18" charset="-127"/>
               </a:rPr>
-              <a:t> </a:t>
-            </a:r>
-            <a:r>
-              <a:rPr lang="ko-KR" altLang="en-US" sz="1600" dirty="0" smtClean="0">
-                <a:latin typeface="배달의민족 주아" pitchFamily="18" charset="-127"/>
-                <a:ea typeface="배달의민족 주아" pitchFamily="18" charset="-127"/>
-              </a:rPr>
-              <a:t>커맨드 객체 </a:t>
-            </a:r>
-            <a:r>
-              <a:rPr lang="ko-KR" altLang="en-US" sz="1600" smtClean="0">
-                <a:latin typeface="배달의민족 주아" pitchFamily="18" charset="-127"/>
-                <a:ea typeface="배달의민족 주아" pitchFamily="18" charset="-127"/>
-              </a:rPr>
-              <a:t>정보를  </a:t>
-            </a:r>
-            <a:r>
-              <a:rPr lang="ko-KR" altLang="en-US" sz="1600" smtClean="0">
-                <a:latin typeface="배달의민족 주아" pitchFamily="18" charset="-127"/>
-                <a:ea typeface="배달의민족 주아" pitchFamily="18" charset="-127"/>
-              </a:rPr>
-              <a:t>사용</a:t>
+              <a:t>정보를  사용</a:t>
             </a:r>
             <a:r>
               <a:rPr lang="en-US" altLang="ko-KR" sz="1600" smtClean="0">
@@ -19665,14 +20304,7 @@
                 <a:latin typeface="배달의민족 주아" pitchFamily="18" charset="-127"/>
                 <a:ea typeface="배달의민족 주아" pitchFamily="18" charset="-127"/>
               </a:rPr>
-              <a:t>&gt; </a:t>
-            </a:r>
-            <a:r>
-              <a:rPr lang="en-US" altLang="ko-KR" sz="1600" smtClean="0">
-                <a:latin typeface="배달의민족 주아" pitchFamily="18" charset="-127"/>
-                <a:ea typeface="배달의민족 주아" pitchFamily="18" charset="-127"/>
-              </a:rPr>
-              <a:t>-</a:t>
+              <a:t>&gt; -</a:t>
             </a:r>
             <a:r>
               <a:rPr lang="ko-KR" altLang="en-US" sz="1600" smtClean="0">
@@ -19693,14 +20325,7 @@
                 <a:latin typeface="배달의민족 주아" pitchFamily="18" charset="-127"/>
                 <a:ea typeface="배달의민족 주아" pitchFamily="18" charset="-127"/>
               </a:rPr>
-              <a:t>태그에서 </a:t>
-            </a:r>
-            <a:r>
-              <a:rPr lang="ko-KR" altLang="en-US" sz="1600" smtClean="0">
-                <a:latin typeface="배달의민족 주아" pitchFamily="18" charset="-127"/>
-                <a:ea typeface="배달의민족 주아" pitchFamily="18" charset="-127"/>
-              </a:rPr>
-              <a:t>지정한 커맨드 </a:t>
+              <a:t>태그에서 지정한 커맨드 </a:t>
             </a:r>
             <a:endParaRPr lang="en-US" altLang="ko-KR" sz="1600" dirty="0" smtClean="0">
               <a:latin typeface="배달의민족 주아" pitchFamily="18" charset="-127"/>
@@ -19723,14 +20348,7 @@
                 <a:latin typeface="배달의민족 주아" pitchFamily="18" charset="-127"/>
                 <a:ea typeface="배달의민족 주아" pitchFamily="18" charset="-127"/>
               </a:rPr>
-              <a:t>메시지를 </a:t>
-            </a:r>
-            <a:r>
-              <a:rPr lang="ko-KR" altLang="en-US" sz="1600" smtClean="0">
-                <a:latin typeface="배달의민족 주아" pitchFamily="18" charset="-127"/>
-                <a:ea typeface="배달의민족 주아" pitchFamily="18" charset="-127"/>
-              </a:rPr>
-              <a:t>출력</a:t>
+              <a:t>메시지를 출력</a:t>
             </a:r>
             <a:endParaRPr lang="en-US" altLang="ko-KR" sz="1600" dirty="0" smtClean="0">
               <a:latin typeface="배달의민족 주아" pitchFamily="18" charset="-127"/>
@@ -19755,10 +20373,6 @@
               </a:rPr>
               <a:t>/&gt; </a:t>
             </a:r>
-            <a:endParaRPr lang="en-US" altLang="ko-KR" sz="1600" smtClean="0">
-              <a:latin typeface="배달의민족 주아" pitchFamily="18" charset="-127"/>
-              <a:ea typeface="배달의민족 주아" pitchFamily="18" charset="-127"/>
-            </a:endParaRPr>
           </a:p>
           <a:p>
             <a:pPr marL="514350" indent="-514350" algn="just">
@@ -19854,7 +20468,7 @@
           <p:cNvPr id="14" name="직사각형 13">
             <a:extLst>
               <a:ext uri="{FF2B5EF4-FFF2-40B4-BE49-F238E27FC236}">
-                <a16:creationId xmlns="" xmlns:a16="http://schemas.microsoft.com/office/drawing/2014/main" id="{6B8B80B4-792D-174E-8B2C-A10CA85CDD01}"/>
+                <a16:creationId xmlns:a16="http://schemas.microsoft.com/office/drawing/2014/main" xmlns="" id="{6B8B80B4-792D-174E-8B2C-A10CA85CDD01}"/>
               </a:ext>
             </a:extLst>
           </p:cNvPr>
@@ -19914,7 +20528,7 @@
           <p:cNvPr id="15" name="직각 삼각형[R] 8">
             <a:extLst>
               <a:ext uri="{FF2B5EF4-FFF2-40B4-BE49-F238E27FC236}">
-                <a16:creationId xmlns="" xmlns:a16="http://schemas.microsoft.com/office/drawing/2014/main" id="{E9289217-6E56-7D4B-B6FB-329F373CAF3E}"/>
+                <a16:creationId xmlns:a16="http://schemas.microsoft.com/office/drawing/2014/main" xmlns="" id="{E9289217-6E56-7D4B-B6FB-329F373CAF3E}"/>
               </a:ext>
             </a:extLst>
           </p:cNvPr>
@@ -19968,7 +20582,7 @@
           <p:cNvPr id="16" name="TextBox 15">
             <a:extLst>
               <a:ext uri="{FF2B5EF4-FFF2-40B4-BE49-F238E27FC236}">
-                <a16:creationId xmlns="" xmlns:a16="http://schemas.microsoft.com/office/drawing/2014/main" id="{849EE5DD-2363-0B42-B4FD-2464134E7BE2}"/>
+                <a16:creationId xmlns:a16="http://schemas.microsoft.com/office/drawing/2014/main" xmlns="" id="{849EE5DD-2363-0B42-B4FD-2464134E7BE2}"/>
               </a:ext>
             </a:extLst>
           </p:cNvPr>
@@ -20251,7 +20865,7 @@
           <p:cNvPr id="24" name="TextBox 23">
             <a:extLst>
               <a:ext uri="{FF2B5EF4-FFF2-40B4-BE49-F238E27FC236}">
-                <a16:creationId xmlns:a16="http://schemas.microsoft.com/office/drawing/2014/main" xmlns="" id="{7F85061E-E6C3-C84C-BB7D-87EC6FAD4193}"/>
+                <a16:creationId xmlns="" xmlns:a16="http://schemas.microsoft.com/office/drawing/2014/main" id="{7F85061E-E6C3-C84C-BB7D-87EC6FAD4193}"/>
               </a:ext>
             </a:extLst>
           </p:cNvPr>
@@ -20296,7 +20910,7 @@
     </p:spTree>
     <p:extLst>
       <p:ext uri="{BB962C8B-B14F-4D97-AF65-F5344CB8AC3E}">
-        <p14:creationId xmlns:p14="http://schemas.microsoft.com/office/powerpoint/2010/main" xmlns="" val="493550589"/>
+        <p14:creationId xmlns="" xmlns:p14="http://schemas.microsoft.com/office/powerpoint/2010/main" val="493550589"/>
       </p:ext>
     </p:extLst>
   </p:cSld>
@@ -20335,7 +20949,7 @@
           <p:cNvPr id="13" name="직사각형 12">
             <a:extLst>
               <a:ext uri="{FF2B5EF4-FFF2-40B4-BE49-F238E27FC236}">
-                <a16:creationId xmlns="" xmlns:a16="http://schemas.microsoft.com/office/drawing/2014/main" id="{F323C5E6-A911-2440-93DA-DEE87A35D1B3}"/>
+                <a16:creationId xmlns:a16="http://schemas.microsoft.com/office/drawing/2014/main" xmlns="" id="{F323C5E6-A911-2440-93DA-DEE87A35D1B3}"/>
               </a:ext>
             </a:extLst>
           </p:cNvPr>
@@ -20389,7 +21003,7 @@
           <p:cNvPr id="12" name="직사각형 11">
             <a:extLst>
               <a:ext uri="{FF2B5EF4-FFF2-40B4-BE49-F238E27FC236}">
-                <a16:creationId xmlns="" xmlns:a16="http://schemas.microsoft.com/office/drawing/2014/main" id="{6B8B80B4-792D-174E-8B2C-A10CA85CDD01}"/>
+                <a16:creationId xmlns:a16="http://schemas.microsoft.com/office/drawing/2014/main" xmlns="" id="{6B8B80B4-792D-174E-8B2C-A10CA85CDD01}"/>
               </a:ext>
             </a:extLst>
           </p:cNvPr>
@@ -20449,7 +21063,7 @@
           <p:cNvPr id="14" name="직각 삼각형[R] 8">
             <a:extLst>
               <a:ext uri="{FF2B5EF4-FFF2-40B4-BE49-F238E27FC236}">
-                <a16:creationId xmlns="" xmlns:a16="http://schemas.microsoft.com/office/drawing/2014/main" id="{E9289217-6E56-7D4B-B6FB-329F373CAF3E}"/>
+                <a16:creationId xmlns:a16="http://schemas.microsoft.com/office/drawing/2014/main" xmlns="" id="{E9289217-6E56-7D4B-B6FB-329F373CAF3E}"/>
               </a:ext>
             </a:extLst>
           </p:cNvPr>
@@ -20503,7 +21117,7 @@
           <p:cNvPr id="9" name="TextBox 8">
             <a:extLst>
               <a:ext uri="{FF2B5EF4-FFF2-40B4-BE49-F238E27FC236}">
-                <a16:creationId xmlns="" xmlns:a16="http://schemas.microsoft.com/office/drawing/2014/main" id="{3B845D38-5442-6B48-ADA4-3CD7234B8DE3}"/>
+                <a16:creationId xmlns:a16="http://schemas.microsoft.com/office/drawing/2014/main" xmlns="" id="{3B845D38-5442-6B48-ADA4-3CD7234B8DE3}"/>
               </a:ext>
             </a:extLst>
           </p:cNvPr>
@@ -20674,7 +21288,7 @@
           <p:cNvPr id="16" name="TextBox 15">
             <a:extLst>
               <a:ext uri="{FF2B5EF4-FFF2-40B4-BE49-F238E27FC236}">
-                <a16:creationId xmlns="" xmlns:a16="http://schemas.microsoft.com/office/drawing/2014/main" id="{942FB8DE-965C-0845-A309-74C9F51EAF9F}"/>
+                <a16:creationId xmlns:a16="http://schemas.microsoft.com/office/drawing/2014/main" xmlns="" id="{942FB8DE-965C-0845-A309-74C9F51EAF9F}"/>
               </a:ext>
             </a:extLst>
           </p:cNvPr>
@@ -20778,7 +21392,7 @@
           <p:cNvPr id="17" name="TextBox 16">
             <a:extLst>
               <a:ext uri="{FF2B5EF4-FFF2-40B4-BE49-F238E27FC236}">
-                <a16:creationId xmlns="" xmlns:a16="http://schemas.microsoft.com/office/drawing/2014/main" id="{BC578308-8F78-DB4D-8BBF-E8CCC31D5FEE}"/>
+                <a16:creationId xmlns:a16="http://schemas.microsoft.com/office/drawing/2014/main" xmlns="" id="{BC578308-8F78-DB4D-8BBF-E8CCC31D5FEE}"/>
               </a:ext>
             </a:extLst>
           </p:cNvPr>
@@ -20823,45 +21437,7 @@
                 <a:latin typeface="배달의민족 주아" pitchFamily="18" charset="-127"/>
                 <a:ea typeface="배달의민족 주아" pitchFamily="18" charset="-127"/>
               </a:rPr>
-              <a:t>에러메세지를 출력하는 </a:t>
-            </a:r>
-            <a:r>
-              <a:rPr lang="ko-KR" altLang="en-US" sz="1600" smtClean="0">
-                <a:ln>
-                  <a:solidFill>
-                    <a:schemeClr val="tx1">
-                      <a:lumMod val="50000"/>
-                      <a:lumOff val="50000"/>
-                      <a:alpha val="20000"/>
-                    </a:schemeClr>
-                  </a:solidFill>
-                </a:ln>
-                <a:solidFill>
-                  <a:schemeClr val="bg1"/>
-                </a:solidFill>
-                <a:latin typeface="배달의민족 주아" pitchFamily="18" charset="-127"/>
-                <a:ea typeface="배달의민족 주아" pitchFamily="18" charset="-127"/>
-              </a:rPr>
-              <a:t>두</a:t>
-            </a:r>
-            <a:r>
-              <a:rPr lang="ko-KR" altLang="en-US" sz="1600" smtClean="0">
-                <a:ln>
-                  <a:solidFill>
-                    <a:schemeClr val="tx1">
-                      <a:lumMod val="50000"/>
-                      <a:lumOff val="50000"/>
-                      <a:alpha val="20000"/>
-                    </a:schemeClr>
-                  </a:solidFill>
-                </a:ln>
-                <a:solidFill>
-                  <a:schemeClr val="bg1"/>
-                </a:solidFill>
-                <a:latin typeface="배달의민족 주아" pitchFamily="18" charset="-127"/>
-                <a:ea typeface="배달의민족 주아" pitchFamily="18" charset="-127"/>
-              </a:rPr>
-              <a:t> 번째 방법 </a:t>
+              <a:t>에러메세지를 출력하는 두 번째 방법 </a:t>
             </a:r>
             <a:endParaRPr lang="en-US" altLang="ko-KR" sz="1600" dirty="0">
               <a:ln>
@@ -21049,7 +21625,7 @@
           <p:cNvPr id="22" name="TextBox 21">
             <a:extLst>
               <a:ext uri="{FF2B5EF4-FFF2-40B4-BE49-F238E27FC236}">
-                <a16:creationId xmlns:a16="http://schemas.microsoft.com/office/drawing/2014/main" xmlns="" id="{7F85061E-E6C3-C84C-BB7D-87EC6FAD4193}"/>
+                <a16:creationId xmlns="" xmlns:a16="http://schemas.microsoft.com/office/drawing/2014/main" id="{7F85061E-E6C3-C84C-BB7D-87EC6FAD4193}"/>
               </a:ext>
             </a:extLst>
           </p:cNvPr>
@@ -21096,7 +21672,7 @@
           <p:cNvPr id="24" name="TextBox 23">
             <a:extLst>
               <a:ext uri="{FF2B5EF4-FFF2-40B4-BE49-F238E27FC236}">
-                <a16:creationId xmlns="" xmlns:a16="http://schemas.microsoft.com/office/drawing/2014/main" id="{849EE5DD-2363-0B42-B4FD-2464134E7BE2}"/>
+                <a16:creationId xmlns:a16="http://schemas.microsoft.com/office/drawing/2014/main" xmlns="" id="{849EE5DD-2363-0B42-B4FD-2464134E7BE2}"/>
               </a:ext>
             </a:extLst>
           </p:cNvPr>
@@ -21143,7 +21719,7 @@
     </p:spTree>
     <p:extLst>
       <p:ext uri="{BB962C8B-B14F-4D97-AF65-F5344CB8AC3E}">
-        <p14:creationId xmlns:p14="http://schemas.microsoft.com/office/powerpoint/2010/main" xmlns="" val="493550589"/>
+        <p14:creationId xmlns="" xmlns:p14="http://schemas.microsoft.com/office/powerpoint/2010/main" val="493550589"/>
       </p:ext>
     </p:extLst>
   </p:cSld>
@@ -21449,7 +22025,7 @@
   <a:extraClrSchemeLst/>
   <a:extLst>
     <a:ext uri="{05A4C25C-085E-4340-85A3-A5531E510DB2}">
-      <thm15:themeFamily xmlns:thm15="http://schemas.microsoft.com/office/thememl/2012/main" xmlns="" name="Office Theme" id="{62F939B6-93AF-4DB8-9C6B-D6C7DFDC589F}" vid="{4A3C46E8-61CC-4603-A589-7422A47A8E4A}"/>
+      <thm15:themeFamily xmlns="" xmlns:thm15="http://schemas.microsoft.com/office/thememl/2012/main" name="Office Theme" id="{62F939B6-93AF-4DB8-9C6B-D6C7DFDC589F}" vid="{4A3C46E8-61CC-4603-A589-7422A47A8E4A}"/>
     </a:ext>
   </a:extLst>
 </a:theme>
@@ -21744,7 +22320,7 @@
   <a:extraClrSchemeLst/>
   <a:extLst>
     <a:ext uri="{05A4C25C-085E-4340-85A3-A5531E510DB2}">
-      <thm15:themeFamily xmlns:thm15="http://schemas.microsoft.com/office/thememl/2012/main" xmlns="" name="Office Theme" id="{62F939B6-93AF-4DB8-9C6B-D6C7DFDC589F}" vid="{4A3C46E8-61CC-4603-A589-7422A47A8E4A}"/>
+      <thm15:themeFamily xmlns="" xmlns:thm15="http://schemas.microsoft.com/office/thememl/2012/main" name="Office Theme" id="{62F939B6-93AF-4DB8-9C6B-D6C7DFDC589F}" vid="{4A3C46E8-61CC-4603-A589-7422A47A8E4A}"/>
     </a:ext>
   </a:extLst>
 </a:theme>
